--- a/pslides/00_intro.pptx
+++ b/pslides/00_intro.pptx
@@ -6,31 +6,27 @@
   </p:sldMasterIdLst>
   <p:sldIdLst>
     <p:sldId id="259" r:id="rId2"/>
-    <p:sldId id="279" r:id="rId3"/>
+    <p:sldId id="281" r:id="rId3"/>
     <p:sldId id="288" r:id="rId4"/>
-    <p:sldId id="280" r:id="rId5"/>
-    <p:sldId id="285" r:id="rId6"/>
-    <p:sldId id="287" r:id="rId7"/>
-    <p:sldId id="298" r:id="rId8"/>
-    <p:sldId id="274" r:id="rId9"/>
-    <p:sldId id="289" r:id="rId10"/>
-    <p:sldId id="299" r:id="rId11"/>
-    <p:sldId id="281" r:id="rId12"/>
-    <p:sldId id="260" r:id="rId13"/>
-    <p:sldId id="292" r:id="rId14"/>
-    <p:sldId id="291" r:id="rId15"/>
-    <p:sldId id="294" r:id="rId16"/>
-    <p:sldId id="295" r:id="rId17"/>
-    <p:sldId id="293" r:id="rId18"/>
-    <p:sldId id="296" r:id="rId19"/>
-    <p:sldId id="297" r:id="rId20"/>
-    <p:sldId id="266" r:id="rId21"/>
-    <p:sldId id="290" r:id="rId22"/>
-    <p:sldId id="282" r:id="rId23"/>
-    <p:sldId id="270" r:id="rId24"/>
-    <p:sldId id="272" r:id="rId25"/>
-    <p:sldId id="271" r:id="rId26"/>
-    <p:sldId id="283" r:id="rId27"/>
+    <p:sldId id="285" r:id="rId5"/>
+    <p:sldId id="287" r:id="rId6"/>
+    <p:sldId id="274" r:id="rId7"/>
+    <p:sldId id="289" r:id="rId8"/>
+    <p:sldId id="299" r:id="rId9"/>
+    <p:sldId id="298" r:id="rId10"/>
+    <p:sldId id="300" r:id="rId11"/>
+    <p:sldId id="301" r:id="rId12"/>
+    <p:sldId id="303" r:id="rId13"/>
+    <p:sldId id="302" r:id="rId14"/>
+    <p:sldId id="304" r:id="rId15"/>
+    <p:sldId id="260" r:id="rId16"/>
+    <p:sldId id="292" r:id="rId17"/>
+    <p:sldId id="294" r:id="rId18"/>
+    <p:sldId id="295" r:id="rId19"/>
+    <p:sldId id="293" r:id="rId20"/>
+    <p:sldId id="297" r:id="rId21"/>
+    <p:sldId id="306" r:id="rId22"/>
+    <p:sldId id="305" r:id="rId23"/>
   </p:sldIdLst>
   <p:sldSz cx="12192000" cy="6858000"/>
   <p:notesSz cx="6858000" cy="9144000"/>
@@ -284,7 +280,7 @@
           <a:p>
             <a:fld id="{7B9169B0-A344-9A43-AAD5-682508993835}" type="datetimeFigureOut">
               <a:rPr lang="fr-FR" smtClean="0"/>
-              <a:t>10/01/2022</a:t>
+              <a:t>30/12/2022</a:t>
             </a:fld>
             <a:endParaRPr lang="fr-FR"/>
           </a:p>
@@ -338,7 +334,7 @@
           <a:p>
             <a:fld id="{32AB45CD-FBC7-AD46-884B-BD8C98FD575D}" type="slidenum">
               <a:rPr lang="fr-FR" smtClean="0"/>
-              <a:t>‹N°›</a:t>
+              <a:t>‹#›</a:t>
             </a:fld>
             <a:endParaRPr lang="fr-FR"/>
           </a:p>
@@ -482,7 +478,7 @@
           <a:p>
             <a:fld id="{7B9169B0-A344-9A43-AAD5-682508993835}" type="datetimeFigureOut">
               <a:rPr lang="fr-FR" smtClean="0"/>
-              <a:t>10/01/2022</a:t>
+              <a:t>30/12/2022</a:t>
             </a:fld>
             <a:endParaRPr lang="fr-FR"/>
           </a:p>
@@ -536,7 +532,7 @@
           <a:p>
             <a:fld id="{32AB45CD-FBC7-AD46-884B-BD8C98FD575D}" type="slidenum">
               <a:rPr lang="fr-FR" smtClean="0"/>
-              <a:t>‹N°›</a:t>
+              <a:t>‹#›</a:t>
             </a:fld>
             <a:endParaRPr lang="fr-FR"/>
           </a:p>
@@ -690,7 +686,7 @@
           <a:p>
             <a:fld id="{7B9169B0-A344-9A43-AAD5-682508993835}" type="datetimeFigureOut">
               <a:rPr lang="fr-FR" smtClean="0"/>
-              <a:t>10/01/2022</a:t>
+              <a:t>30/12/2022</a:t>
             </a:fld>
             <a:endParaRPr lang="fr-FR"/>
           </a:p>
@@ -744,7 +740,7 @@
           <a:p>
             <a:fld id="{32AB45CD-FBC7-AD46-884B-BD8C98FD575D}" type="slidenum">
               <a:rPr lang="fr-FR" smtClean="0"/>
-              <a:t>‹N°›</a:t>
+              <a:t>‹#›</a:t>
             </a:fld>
             <a:endParaRPr lang="fr-FR"/>
           </a:p>
@@ -888,7 +884,7 @@
           <a:p>
             <a:fld id="{7B9169B0-A344-9A43-AAD5-682508993835}" type="datetimeFigureOut">
               <a:rPr lang="fr-FR" smtClean="0"/>
-              <a:t>10/01/2022</a:t>
+              <a:t>30/12/2022</a:t>
             </a:fld>
             <a:endParaRPr lang="fr-FR"/>
           </a:p>
@@ -942,7 +938,7 @@
           <a:p>
             <a:fld id="{32AB45CD-FBC7-AD46-884B-BD8C98FD575D}" type="slidenum">
               <a:rPr lang="fr-FR" smtClean="0"/>
-              <a:t>‹N°›</a:t>
+              <a:t>‹#›</a:t>
             </a:fld>
             <a:endParaRPr lang="fr-FR"/>
           </a:p>
@@ -1163,7 +1159,7 @@
           <a:p>
             <a:fld id="{7B9169B0-A344-9A43-AAD5-682508993835}" type="datetimeFigureOut">
               <a:rPr lang="fr-FR" smtClean="0"/>
-              <a:t>10/01/2022</a:t>
+              <a:t>30/12/2022</a:t>
             </a:fld>
             <a:endParaRPr lang="fr-FR"/>
           </a:p>
@@ -1217,7 +1213,7 @@
           <a:p>
             <a:fld id="{32AB45CD-FBC7-AD46-884B-BD8C98FD575D}" type="slidenum">
               <a:rPr lang="fr-FR" smtClean="0"/>
-              <a:t>‹N°›</a:t>
+              <a:t>‹#›</a:t>
             </a:fld>
             <a:endParaRPr lang="fr-FR"/>
           </a:p>
@@ -1428,7 +1424,7 @@
           <a:p>
             <a:fld id="{7B9169B0-A344-9A43-AAD5-682508993835}" type="datetimeFigureOut">
               <a:rPr lang="fr-FR" smtClean="0"/>
-              <a:t>10/01/2022</a:t>
+              <a:t>30/12/2022</a:t>
             </a:fld>
             <a:endParaRPr lang="fr-FR"/>
           </a:p>
@@ -1482,7 +1478,7 @@
           <a:p>
             <a:fld id="{32AB45CD-FBC7-AD46-884B-BD8C98FD575D}" type="slidenum">
               <a:rPr lang="fr-FR" smtClean="0"/>
-              <a:t>‹N°›</a:t>
+              <a:t>‹#›</a:t>
             </a:fld>
             <a:endParaRPr lang="fr-FR"/>
           </a:p>
@@ -1840,7 +1836,7 @@
           <a:p>
             <a:fld id="{7B9169B0-A344-9A43-AAD5-682508993835}" type="datetimeFigureOut">
               <a:rPr lang="fr-FR" smtClean="0"/>
-              <a:t>10/01/2022</a:t>
+              <a:t>30/12/2022</a:t>
             </a:fld>
             <a:endParaRPr lang="fr-FR"/>
           </a:p>
@@ -1894,7 +1890,7 @@
           <a:p>
             <a:fld id="{32AB45CD-FBC7-AD46-884B-BD8C98FD575D}" type="slidenum">
               <a:rPr lang="fr-FR" smtClean="0"/>
-              <a:t>‹N°›</a:t>
+              <a:t>‹#›</a:t>
             </a:fld>
             <a:endParaRPr lang="fr-FR"/>
           </a:p>
@@ -1981,7 +1977,7 @@
           <a:p>
             <a:fld id="{7B9169B0-A344-9A43-AAD5-682508993835}" type="datetimeFigureOut">
               <a:rPr lang="fr-FR" smtClean="0"/>
-              <a:t>10/01/2022</a:t>
+              <a:t>30/12/2022</a:t>
             </a:fld>
             <a:endParaRPr lang="fr-FR"/>
           </a:p>
@@ -2035,7 +2031,7 @@
           <a:p>
             <a:fld id="{32AB45CD-FBC7-AD46-884B-BD8C98FD575D}" type="slidenum">
               <a:rPr lang="fr-FR" smtClean="0"/>
-              <a:t>‹N°›</a:t>
+              <a:t>‹#›</a:t>
             </a:fld>
             <a:endParaRPr lang="fr-FR"/>
           </a:p>
@@ -2094,7 +2090,7 @@
           <a:p>
             <a:fld id="{7B9169B0-A344-9A43-AAD5-682508993835}" type="datetimeFigureOut">
               <a:rPr lang="fr-FR" smtClean="0"/>
-              <a:t>10/01/2022</a:t>
+              <a:t>30/12/2022</a:t>
             </a:fld>
             <a:endParaRPr lang="fr-FR"/>
           </a:p>
@@ -2148,7 +2144,7 @@
           <a:p>
             <a:fld id="{32AB45CD-FBC7-AD46-884B-BD8C98FD575D}" type="slidenum">
               <a:rPr lang="fr-FR" smtClean="0"/>
-              <a:t>‹N°›</a:t>
+              <a:t>‹#›</a:t>
             </a:fld>
             <a:endParaRPr lang="fr-FR"/>
           </a:p>
@@ -2405,7 +2401,7 @@
           <a:p>
             <a:fld id="{7B9169B0-A344-9A43-AAD5-682508993835}" type="datetimeFigureOut">
               <a:rPr lang="fr-FR" smtClean="0"/>
-              <a:t>10/01/2022</a:t>
+              <a:t>30/12/2022</a:t>
             </a:fld>
             <a:endParaRPr lang="fr-FR"/>
           </a:p>
@@ -2459,7 +2455,7 @@
           <a:p>
             <a:fld id="{32AB45CD-FBC7-AD46-884B-BD8C98FD575D}" type="slidenum">
               <a:rPr lang="fr-FR" smtClean="0"/>
-              <a:t>‹N°›</a:t>
+              <a:t>‹#›</a:t>
             </a:fld>
             <a:endParaRPr lang="fr-FR"/>
           </a:p>
@@ -2693,7 +2689,7 @@
           <a:p>
             <a:fld id="{7B9169B0-A344-9A43-AAD5-682508993835}" type="datetimeFigureOut">
               <a:rPr lang="fr-FR" smtClean="0"/>
-              <a:t>10/01/2022</a:t>
+              <a:t>30/12/2022</a:t>
             </a:fld>
             <a:endParaRPr lang="fr-FR"/>
           </a:p>
@@ -2747,7 +2743,7 @@
           <a:p>
             <a:fld id="{32AB45CD-FBC7-AD46-884B-BD8C98FD575D}" type="slidenum">
               <a:rPr lang="fr-FR" smtClean="0"/>
-              <a:t>‹N°›</a:t>
+              <a:t>‹#›</a:t>
             </a:fld>
             <a:endParaRPr lang="fr-FR"/>
           </a:p>
@@ -2934,7 +2930,7 @@
           <a:p>
             <a:fld id="{7B9169B0-A344-9A43-AAD5-682508993835}" type="datetimeFigureOut">
               <a:rPr lang="fr-FR" smtClean="0"/>
-              <a:t>10/01/2022</a:t>
+              <a:t>30/12/2022</a:t>
             </a:fld>
             <a:endParaRPr lang="fr-FR"/>
           </a:p>
@@ -3024,7 +3020,7 @@
           <a:p>
             <a:fld id="{32AB45CD-FBC7-AD46-884B-BD8C98FD575D}" type="slidenum">
               <a:rPr lang="fr-FR" smtClean="0"/>
-              <a:t>‹N°›</a:t>
+              <a:t>‹#›</a:t>
             </a:fld>
             <a:endParaRPr lang="fr-FR"/>
           </a:p>
@@ -3453,8 +3449,8 @@
         </p:nvSpPr>
         <p:spPr>
           <a:xfrm>
-            <a:off x="3283287" y="2435064"/>
-            <a:ext cx="5603647" cy="1323439"/>
+            <a:off x="570106" y="3074954"/>
+            <a:ext cx="5062943" cy="1323439"/>
           </a:xfrm>
           <a:prstGeom prst="rect">
             <a:avLst/>
@@ -3495,7 +3491,7 @@
         </p:nvSpPr>
         <p:spPr>
           <a:xfrm>
-            <a:off x="2231568" y="210523"/>
+            <a:off x="2242456" y="391678"/>
             <a:ext cx="7707087" cy="830997"/>
           </a:xfrm>
           <a:prstGeom prst="rect">
@@ -3512,11 +3508,58 @@
             <a:pPr algn="ctr"/>
             <a:r>
               <a:rPr lang="fr-FR" sz="4800" b="1" noProof="1"/>
-              <a:t>Statistical Learning</a:t>
-            </a:r>
-          </a:p>
-        </p:txBody>
-      </p:sp>
+              <a:t>DSST389: Statistical Learning</a:t>
+            </a:r>
+          </a:p>
+        </p:txBody>
+      </p:sp>
+      <p:pic>
+        <p:nvPicPr>
+          <p:cNvPr id="1032" name="Picture 8" descr="3 reasons why robo-advisors threaten the traditional wealth management  industry – Cornell MBA">
+            <a:extLst>
+              <a:ext uri="{FF2B5EF4-FFF2-40B4-BE49-F238E27FC236}">
+                <a16:creationId xmlns:a16="http://schemas.microsoft.com/office/drawing/2014/main" id="{05EA7FDA-923F-8867-A541-452489DABE63}"/>
+              </a:ext>
+            </a:extLst>
+          </p:cNvPr>
+          <p:cNvPicPr>
+            <a:picLocks noChangeAspect="1" noChangeArrowheads="1"/>
+          </p:cNvPicPr>
+          <p:nvPr/>
+        </p:nvPicPr>
+        <p:blipFill>
+          <a:blip r:embed="rId3">
+            <a:extLst>
+              <a:ext uri="{28A0092B-C50C-407E-A947-70E740481C1C}">
+                <a14:useLocalDpi xmlns:a14="http://schemas.microsoft.com/office/drawing/2010/main" val="0"/>
+              </a:ext>
+            </a:extLst>
+          </a:blip>
+          <a:srcRect/>
+          <a:stretch>
+            <a:fillRect/>
+          </a:stretch>
+        </p:blipFill>
+        <p:spPr bwMode="auto">
+          <a:xfrm>
+            <a:off x="6159260" y="2168584"/>
+            <a:ext cx="4704272" cy="3136181"/>
+          </a:xfrm>
+          <a:prstGeom prst="rect">
+            <a:avLst/>
+          </a:prstGeom>
+          <a:noFill/>
+          <a:extLst>
+            <a:ext uri="{909E8E84-426E-40DD-AFC4-6F175D3DCCD1}">
+              <a14:hiddenFill xmlns:a14="http://schemas.microsoft.com/office/drawing/2010/main">
+                <a:solidFill>
+                  <a:srgbClr val="FFFFFF"/>
+                </a:solidFill>
+              </a14:hiddenFill>
+            </a:ext>
+          </a:extLst>
+        </p:spPr>
+      </p:pic>
     </p:spTree>
     <p:extLst>
       <p:ext uri="{BB962C8B-B14F-4D97-AF65-F5344CB8AC3E}">
@@ -3547,42 +3590,6 @@
           <a:chExt cx="0" cy="0"/>
         </a:xfrm>
       </p:grpSpPr>
-      <p:sp>
-        <p:nvSpPr>
-          <p:cNvPr id="72" name="ZoneTexte 71">
-            <a:extLst>
-              <a:ext uri="{FF2B5EF4-FFF2-40B4-BE49-F238E27FC236}">
-                <a16:creationId xmlns:a16="http://schemas.microsoft.com/office/drawing/2014/main" id="{3890A706-5F2B-E84E-A26A-A267907CC130}"/>
-              </a:ext>
-            </a:extLst>
-          </p:cNvPr>
-          <p:cNvSpPr txBox="1"/>
-          <p:nvPr/>
-        </p:nvSpPr>
-        <p:spPr>
-          <a:xfrm>
-            <a:off x="2412449" y="187151"/>
-            <a:ext cx="7367101" cy="830997"/>
-          </a:xfrm>
-          <a:prstGeom prst="rect">
-            <a:avLst/>
-          </a:prstGeom>
-          <a:noFill/>
-        </p:spPr>
-        <p:txBody>
-          <a:bodyPr wrap="square" rtlCol="0">
-            <a:spAutoFit/>
-          </a:bodyPr>
-          <a:lstStyle/>
-          <a:p>
-            <a:pPr algn="ctr"/>
-            <a:r>
-              <a:rPr lang="fr-FR" sz="4800" b="1" u="sng" noProof="1"/>
-              <a:t>Getting Help</a:t>
-            </a:r>
-          </a:p>
-        </p:txBody>
-      </p:sp>
       <p:pic>
         <p:nvPicPr>
           <p:cNvPr id="1026" name="Picture 2">
@@ -3673,10 +3680,10 @@
       </p:sp>
       <p:sp>
         <p:nvSpPr>
-          <p:cNvPr id="11" name="ZoneTexte 10">
-            <a:extLst>
-              <a:ext uri="{FF2B5EF4-FFF2-40B4-BE49-F238E27FC236}">
-                <a16:creationId xmlns:a16="http://schemas.microsoft.com/office/drawing/2014/main" id="{3695B09F-B519-3944-93E1-7B210067C534}"/>
+          <p:cNvPr id="5" name="ZoneTexte 4">
+            <a:extLst>
+              <a:ext uri="{FF2B5EF4-FFF2-40B4-BE49-F238E27FC236}">
+                <a16:creationId xmlns:a16="http://schemas.microsoft.com/office/drawing/2014/main" id="{A9E3DC8F-D084-F246-8B0D-27E465CD52F5}"/>
               </a:ext>
             </a:extLst>
           </p:cNvPr>
@@ -3685,8 +3692,8 @@
         </p:nvSpPr>
         <p:spPr>
           <a:xfrm>
-            <a:off x="1724977" y="1393878"/>
-            <a:ext cx="8742044" cy="4154984"/>
+            <a:off x="2242456" y="2598003"/>
+            <a:ext cx="7707087" cy="830997"/>
           </a:xfrm>
           <a:prstGeom prst="rect">
             <a:avLst/>
@@ -3699,32 +3706,10 @@
           </a:bodyPr>
           <a:lstStyle/>
           <a:p>
-            <a:pPr algn="just"/>
-            <a:r>
-              <a:rPr lang="en-US" sz="2400" dirty="0"/>
-              <a:t>There is usually a lot of time in class and right after class to ask questions and get help with the course material. </a:t>
-            </a:r>
-          </a:p>
-          <a:p>
-            <a:pPr algn="just"/>
-            <a:endParaRPr lang="en-US" sz="2400" dirty="0"/>
-          </a:p>
-          <a:p>
-            <a:pPr algn="just"/>
-            <a:r>
-              <a:rPr lang="en-US" sz="2400" dirty="0"/>
-              <a:t>I can answer quick questions by email. This is particularly helpful if you have a coding question.</a:t>
-            </a:r>
-          </a:p>
-          <a:p>
-            <a:pPr algn="just"/>
-            <a:endParaRPr lang="en-US" sz="2400" dirty="0"/>
-          </a:p>
-          <a:p>
-            <a:pPr algn="just"/>
-            <a:r>
-              <a:rPr lang="en-US" sz="2400" dirty="0"/>
-              <a:t>Of course, I am also happy to set up a time to meet outside of class. I don’t have fixed office hours, but generally am free to meet on Mondays and Wednesdays before 1:30pm and after 5:30pm. Just send me an email (ideally the day beforehand) with some times that work for you.</a:t>
+            <a:pPr algn="ctr"/>
+            <a:r>
+              <a:rPr lang="fr-FR" sz="4800" b="1" noProof="1"/>
+              <a:t>2. Course Content</a:t>
             </a:r>
           </a:p>
         </p:txBody>
@@ -3732,7 +3717,7 @@
     </p:spTree>
     <p:extLst>
       <p:ext uri="{BB962C8B-B14F-4D97-AF65-F5344CB8AC3E}">
-        <p14:creationId xmlns:p14="http://schemas.microsoft.com/office/powerpoint/2010/main" val="2727766880"/>
+        <p14:creationId xmlns:p14="http://schemas.microsoft.com/office/powerpoint/2010/main" val="116694150"/>
       </p:ext>
     </p:extLst>
   </p:cSld>
@@ -3759,6 +3744,42 @@
           <a:chExt cx="0" cy="0"/>
         </a:xfrm>
       </p:grpSpPr>
+      <p:sp>
+        <p:nvSpPr>
+          <p:cNvPr id="72" name="ZoneTexte 71">
+            <a:extLst>
+              <a:ext uri="{FF2B5EF4-FFF2-40B4-BE49-F238E27FC236}">
+                <a16:creationId xmlns:a16="http://schemas.microsoft.com/office/drawing/2014/main" id="{3890A706-5F2B-E84E-A26A-A267907CC130}"/>
+              </a:ext>
+            </a:extLst>
+          </p:cNvPr>
+          <p:cNvSpPr txBox="1"/>
+          <p:nvPr/>
+        </p:nvSpPr>
+        <p:spPr>
+          <a:xfrm>
+            <a:off x="3032149" y="126766"/>
+            <a:ext cx="6127702" cy="830997"/>
+          </a:xfrm>
+          <a:prstGeom prst="rect">
+            <a:avLst/>
+          </a:prstGeom>
+          <a:noFill/>
+        </p:spPr>
+        <p:txBody>
+          <a:bodyPr wrap="square" rtlCol="0">
+            <a:spAutoFit/>
+          </a:bodyPr>
+          <a:lstStyle/>
+          <a:p>
+            <a:pPr algn="ctr"/>
+            <a:r>
+              <a:rPr lang="fr-FR" sz="4800" b="1" u="sng" noProof="1"/>
+              <a:t>Data Science Pipeline</a:t>
+            </a:r>
+          </a:p>
+        </p:txBody>
+      </p:sp>
       <p:pic>
         <p:nvPicPr>
           <p:cNvPr id="1026" name="Picture 2">
@@ -3847,12 +3868,42 @@
           </a:p>
         </p:txBody>
       </p:sp>
-      <p:sp>
-        <p:nvSpPr>
-          <p:cNvPr id="5" name="ZoneTexte 4">
-            <a:extLst>
-              <a:ext uri="{FF2B5EF4-FFF2-40B4-BE49-F238E27FC236}">
-                <a16:creationId xmlns:a16="http://schemas.microsoft.com/office/drawing/2014/main" id="{A9E3DC8F-D084-F246-8B0D-27E465CD52F5}"/>
+      <p:pic>
+        <p:nvPicPr>
+          <p:cNvPr id="3" name="Picture 2" descr="Graphical user interface, text, application, chat or text message&#10;&#10;Description automatically generated">
+            <a:extLst>
+              <a:ext uri="{FF2B5EF4-FFF2-40B4-BE49-F238E27FC236}">
+                <a16:creationId xmlns:a16="http://schemas.microsoft.com/office/drawing/2014/main" id="{0ABB8A78-CFF3-B67B-D1B1-DF55E4260E4B}"/>
+              </a:ext>
+            </a:extLst>
+          </p:cNvPr>
+          <p:cNvPicPr>
+            <a:picLocks noChangeAspect="1"/>
+          </p:cNvPicPr>
+          <p:nvPr/>
+        </p:nvPicPr>
+        <p:blipFill>
+          <a:blip r:embed="rId3"/>
+          <a:stretch>
+            <a:fillRect/>
+          </a:stretch>
+        </p:blipFill>
+        <p:spPr>
+          <a:xfrm>
+            <a:off x="1403055" y="2450275"/>
+            <a:ext cx="9385890" cy="2428046"/>
+          </a:xfrm>
+          <a:prstGeom prst="rect">
+            <a:avLst/>
+          </a:prstGeom>
+        </p:spPr>
+      </p:pic>
+      <p:sp>
+        <p:nvSpPr>
+          <p:cNvPr id="4" name="ZoneTexte 10">
+            <a:extLst>
+              <a:ext uri="{FF2B5EF4-FFF2-40B4-BE49-F238E27FC236}">
+                <a16:creationId xmlns:a16="http://schemas.microsoft.com/office/drawing/2014/main" id="{7705B3FD-5461-ECE0-AE84-34CAB81ED16C}"/>
               </a:ext>
             </a:extLst>
           </p:cNvPr>
@@ -3861,8 +3912,8 @@
         </p:nvSpPr>
         <p:spPr>
           <a:xfrm>
-            <a:off x="2242456" y="2598003"/>
-            <a:ext cx="7707087" cy="830997"/>
+            <a:off x="1114027" y="1210080"/>
+            <a:ext cx="8647862" cy="830997"/>
           </a:xfrm>
           <a:prstGeom prst="rect">
             <a:avLst/>
@@ -3875,10 +3926,10 @@
           </a:bodyPr>
           <a:lstStyle/>
           <a:p>
-            <a:pPr algn="ctr"/>
-            <a:r>
-              <a:rPr lang="fr-FR" sz="4800" b="1" noProof="1"/>
-              <a:t>2. Course Content</a:t>
+            <a:pPr algn="just"/>
+            <a:r>
+              <a:rPr lang="en-US" sz="2400" dirty="0"/>
+              <a:t>A standard, highly abstract diagram showing the flow of information when doing data science work. </a:t>
             </a:r>
           </a:p>
         </p:txBody>
@@ -3886,7 +3937,7 @@
     </p:spTree>
     <p:extLst>
       <p:ext uri="{BB962C8B-B14F-4D97-AF65-F5344CB8AC3E}">
-        <p14:creationId xmlns:p14="http://schemas.microsoft.com/office/powerpoint/2010/main" val="4116643603"/>
+        <p14:creationId xmlns:p14="http://schemas.microsoft.com/office/powerpoint/2010/main" val="1598083125"/>
       </p:ext>
     </p:extLst>
   </p:cSld>
@@ -3927,8 +3978,8 @@
         </p:nvSpPr>
         <p:spPr>
           <a:xfrm>
-            <a:off x="2412449" y="187151"/>
-            <a:ext cx="7367101" cy="830997"/>
+            <a:off x="3032149" y="126766"/>
+            <a:ext cx="6127702" cy="830997"/>
           </a:xfrm>
           <a:prstGeom prst="rect">
             <a:avLst/>
@@ -3944,7 +3995,7 @@
             <a:pPr algn="ctr"/>
             <a:r>
               <a:rPr lang="fr-FR" sz="4800" b="1" u="sng" noProof="1"/>
-              <a:t>Machine Learning?</a:t>
+              <a:t>DSST 289</a:t>
             </a:r>
           </a:p>
         </p:txBody>
@@ -4037,12 +4088,42 @@
           </a:p>
         </p:txBody>
       </p:sp>
-      <p:sp>
-        <p:nvSpPr>
-          <p:cNvPr id="35" name="ZoneTexte 34">
-            <a:extLst>
-              <a:ext uri="{FF2B5EF4-FFF2-40B4-BE49-F238E27FC236}">
-                <a16:creationId xmlns:a16="http://schemas.microsoft.com/office/drawing/2014/main" id="{083121EA-22BA-0B48-B415-49DA1E741FA9}"/>
+      <p:pic>
+        <p:nvPicPr>
+          <p:cNvPr id="3" name="Picture 2" descr="Graphical user interface, text, application, chat or text message&#10;&#10;Description automatically generated">
+            <a:extLst>
+              <a:ext uri="{FF2B5EF4-FFF2-40B4-BE49-F238E27FC236}">
+                <a16:creationId xmlns:a16="http://schemas.microsoft.com/office/drawing/2014/main" id="{0ABB8A78-CFF3-B67B-D1B1-DF55E4260E4B}"/>
+              </a:ext>
+            </a:extLst>
+          </p:cNvPr>
+          <p:cNvPicPr>
+            <a:picLocks noChangeAspect="1"/>
+          </p:cNvPicPr>
+          <p:nvPr/>
+        </p:nvPicPr>
+        <p:blipFill>
+          <a:blip r:embed="rId3"/>
+          <a:stretch>
+            <a:fillRect/>
+          </a:stretch>
+        </p:blipFill>
+        <p:spPr>
+          <a:xfrm>
+            <a:off x="1403055" y="2596924"/>
+            <a:ext cx="9385890" cy="2428046"/>
+          </a:xfrm>
+          <a:prstGeom prst="rect">
+            <a:avLst/>
+          </a:prstGeom>
+        </p:spPr>
+      </p:pic>
+      <p:sp>
+        <p:nvSpPr>
+          <p:cNvPr id="4" name="ZoneTexte 10">
+            <a:extLst>
+              <a:ext uri="{FF2B5EF4-FFF2-40B4-BE49-F238E27FC236}">
+                <a16:creationId xmlns:a16="http://schemas.microsoft.com/office/drawing/2014/main" id="{7705B3FD-5461-ECE0-AE84-34CAB81ED16C}"/>
               </a:ext>
             </a:extLst>
           </p:cNvPr>
@@ -4051,8 +4132,8 @@
         </p:nvSpPr>
         <p:spPr>
           <a:xfrm>
-            <a:off x="1111589" y="1207799"/>
-            <a:ext cx="10361953" cy="4893647"/>
+            <a:off x="1114027" y="1210080"/>
+            <a:ext cx="8647862" cy="830997"/>
           </a:xfrm>
           <a:prstGeom prst="rect">
             <a:avLst/>
@@ -4068,99 +4149,258 @@
             <a:pPr algn="just"/>
             <a:r>
               <a:rPr lang="en-US" sz="2400" dirty="0"/>
-              <a:t>Machine Learning vs Statistical Learning: different histories but the same thing</a:t>
-            </a:r>
-          </a:p>
-          <a:p>
-            <a:pPr algn="just"/>
-            <a:endParaRPr lang="en-US" sz="2400" dirty="0"/>
-          </a:p>
-          <a:p>
-            <a:pPr algn="just"/>
-            <a:r>
-              <a:rPr lang="en-US" sz="2400" dirty="0"/>
-              <a:t>Machine Learning (ML) is a branch of artificial intelligence that uses data to create models. Methods mostly fall into three groups:</a:t>
-            </a:r>
-          </a:p>
-          <a:p>
-            <a:pPr algn="just"/>
-            <a:endParaRPr lang="en-US" sz="2400" dirty="0"/>
-          </a:p>
-          <a:p>
-            <a:pPr algn="just"/>
-            <a:r>
-              <a:rPr lang="en-US" sz="2400" dirty="0"/>
-              <a:t>  	– </a:t>
-            </a:r>
-            <a:r>
-              <a:rPr lang="en-US" sz="2400" b="1" dirty="0"/>
-              <a:t>Supervised Learning</a:t>
-            </a:r>
-            <a:r>
-              <a:rPr lang="en-US" sz="2400" dirty="0"/>
-              <a:t>:         detect patterns in order to make predictions</a:t>
-            </a:r>
-          </a:p>
-          <a:p>
-            <a:pPr algn="just"/>
-            <a:r>
-              <a:rPr lang="en-US" sz="2400" dirty="0"/>
-              <a:t>	                                                   about new data</a:t>
-            </a:r>
-          </a:p>
-          <a:p>
-            <a:pPr algn="just"/>
-            <a:r>
-              <a:rPr lang="en-US" sz="2400" dirty="0"/>
-              <a:t>  	– </a:t>
-            </a:r>
-            <a:r>
-              <a:rPr lang="en-US" sz="2400" b="1" dirty="0"/>
-              <a:t>Unsupervised Learning</a:t>
-            </a:r>
-            <a:r>
-              <a:rPr lang="en-US" sz="2400" dirty="0"/>
-              <a:t>:    detect patterns in order to organize and </a:t>
-            </a:r>
-          </a:p>
-          <a:p>
-            <a:pPr algn="just"/>
-            <a:r>
-              <a:rPr lang="en-US" sz="2400" dirty="0"/>
-              <a:t>                                                                 structure data</a:t>
-            </a:r>
-          </a:p>
-          <a:p>
-            <a:pPr algn="just"/>
-            <a:r>
-              <a:rPr lang="en-US" sz="2400" dirty="0"/>
-              <a:t>	– </a:t>
-            </a:r>
-            <a:r>
-              <a:rPr lang="en-US" sz="2400" b="1" dirty="0"/>
-              <a:t>Reinforcement Learning</a:t>
-            </a:r>
-            <a:r>
-              <a:rPr lang="en-US" sz="2400" dirty="0"/>
-              <a:t>: detect patterns in order to make complex</a:t>
-            </a:r>
-          </a:p>
-          <a:p>
-            <a:pPr algn="just"/>
-            <a:r>
-              <a:rPr lang="en-US" sz="2400" dirty="0"/>
-              <a:t>                                                                decisions</a:t>
-            </a:r>
-          </a:p>
-          <a:p>
-            <a:pPr algn="just"/>
-            <a:endParaRPr lang="en-US" sz="2400" dirty="0"/>
-          </a:p>
-          <a:p>
-            <a:pPr algn="just"/>
-            <a:r>
-              <a:rPr lang="en-US" sz="2400" dirty="0"/>
-              <a:t>These are not disjoint areas, though, many tasks require a mixture of methods.</a:t>
+              <a:t>In our Intro to Data Science course, we focus most heavily on the interior parts of the pipeline.</a:t>
+            </a:r>
+          </a:p>
+        </p:txBody>
+      </p:sp>
+      <p:cxnSp>
+        <p:nvCxnSpPr>
+          <p:cNvPr id="5" name="Straight Arrow Connector 4">
+            <a:extLst>
+              <a:ext uri="{FF2B5EF4-FFF2-40B4-BE49-F238E27FC236}">
+                <a16:creationId xmlns:a16="http://schemas.microsoft.com/office/drawing/2014/main" id="{A4C3862E-2CA8-FB69-7E44-F5EFE57F3106}"/>
+              </a:ext>
+            </a:extLst>
+          </p:cNvPr>
+          <p:cNvCxnSpPr>
+            <a:cxnSpLocks/>
+          </p:cNvCxnSpPr>
+          <p:nvPr/>
+        </p:nvCxnSpPr>
+        <p:spPr>
+          <a:xfrm flipV="1">
+            <a:off x="3735238" y="3810947"/>
+            <a:ext cx="0" cy="1891113"/>
+          </a:xfrm>
+          <a:prstGeom prst="straightConnector1">
+            <a:avLst/>
+          </a:prstGeom>
+          <a:ln w="38100">
+            <a:tailEnd type="triangle"/>
+          </a:ln>
+        </p:spPr>
+        <p:style>
+          <a:lnRef idx="1">
+            <a:schemeClr val="accent2"/>
+          </a:lnRef>
+          <a:fillRef idx="0">
+            <a:schemeClr val="accent2"/>
+          </a:fillRef>
+          <a:effectRef idx="0">
+            <a:schemeClr val="accent2"/>
+          </a:effectRef>
+          <a:fontRef idx="minor">
+            <a:schemeClr val="tx1"/>
+          </a:fontRef>
+        </p:style>
+      </p:cxnSp>
+      <p:cxnSp>
+        <p:nvCxnSpPr>
+          <p:cNvPr id="7" name="Straight Arrow Connector 6">
+            <a:extLst>
+              <a:ext uri="{FF2B5EF4-FFF2-40B4-BE49-F238E27FC236}">
+                <a16:creationId xmlns:a16="http://schemas.microsoft.com/office/drawing/2014/main" id="{C17F1CE2-6B1E-7510-38D3-B45FE9C9A116}"/>
+              </a:ext>
+            </a:extLst>
+          </p:cNvPr>
+          <p:cNvCxnSpPr>
+            <a:cxnSpLocks/>
+          </p:cNvCxnSpPr>
+          <p:nvPr/>
+        </p:nvCxnSpPr>
+        <p:spPr>
+          <a:xfrm flipV="1">
+            <a:off x="5794076" y="3810947"/>
+            <a:ext cx="0" cy="1960125"/>
+          </a:xfrm>
+          <a:prstGeom prst="straightConnector1">
+            <a:avLst/>
+          </a:prstGeom>
+          <a:ln w="38100">
+            <a:tailEnd type="triangle"/>
+          </a:ln>
+        </p:spPr>
+        <p:style>
+          <a:lnRef idx="1">
+            <a:schemeClr val="accent2"/>
+          </a:lnRef>
+          <a:fillRef idx="0">
+            <a:schemeClr val="accent2"/>
+          </a:fillRef>
+          <a:effectRef idx="0">
+            <a:schemeClr val="accent2"/>
+          </a:effectRef>
+          <a:fontRef idx="minor">
+            <a:schemeClr val="tx1"/>
+          </a:fontRef>
+        </p:style>
+      </p:cxnSp>
+      <p:cxnSp>
+        <p:nvCxnSpPr>
+          <p:cNvPr id="8" name="Straight Arrow Connector 7">
+            <a:extLst>
+              <a:ext uri="{FF2B5EF4-FFF2-40B4-BE49-F238E27FC236}">
+                <a16:creationId xmlns:a16="http://schemas.microsoft.com/office/drawing/2014/main" id="{9BF530E0-AA6A-D4E6-7F64-29446C5F04E7}"/>
+              </a:ext>
+            </a:extLst>
+          </p:cNvPr>
+          <p:cNvCxnSpPr>
+            <a:cxnSpLocks/>
+          </p:cNvCxnSpPr>
+          <p:nvPr/>
+        </p:nvCxnSpPr>
+        <p:spPr>
+          <a:xfrm flipH="1" flipV="1">
+            <a:off x="7116792" y="3209026"/>
+            <a:ext cx="2043059" cy="1751163"/>
+          </a:xfrm>
+          <a:prstGeom prst="straightConnector1">
+            <a:avLst/>
+          </a:prstGeom>
+          <a:ln w="38100">
+            <a:tailEnd type="triangle"/>
+          </a:ln>
+        </p:spPr>
+        <p:style>
+          <a:lnRef idx="1">
+            <a:schemeClr val="accent2"/>
+          </a:lnRef>
+          <a:fillRef idx="0">
+            <a:schemeClr val="accent2"/>
+          </a:fillRef>
+          <a:effectRef idx="0">
+            <a:schemeClr val="accent2"/>
+          </a:effectRef>
+          <a:fontRef idx="minor">
+            <a:schemeClr val="tx1"/>
+          </a:fontRef>
+        </p:style>
+      </p:cxnSp>
+      <p:sp>
+        <p:nvSpPr>
+          <p:cNvPr id="12" name="ZoneTexte 10">
+            <a:extLst>
+              <a:ext uri="{FF2B5EF4-FFF2-40B4-BE49-F238E27FC236}">
+                <a16:creationId xmlns:a16="http://schemas.microsoft.com/office/drawing/2014/main" id="{AC5C0F2E-7240-4166-8C49-B66727EA7308}"/>
+              </a:ext>
+            </a:extLst>
+          </p:cNvPr>
+          <p:cNvSpPr txBox="1"/>
+          <p:nvPr/>
+        </p:nvSpPr>
+        <p:spPr>
+          <a:xfrm>
+            <a:off x="2827807" y="5777328"/>
+            <a:ext cx="2020228" cy="338554"/>
+          </a:xfrm>
+          <a:prstGeom prst="rect">
+            <a:avLst/>
+          </a:prstGeom>
+          <a:noFill/>
+        </p:spPr>
+        <p:txBody>
+          <a:bodyPr wrap="square" rtlCol="0">
+            <a:spAutoFit/>
+          </a:bodyPr>
+          <a:lstStyle/>
+          <a:p>
+            <a:pPr algn="ctr"/>
+            <a:r>
+              <a:rPr lang="en-US" sz="1600" dirty="0">
+                <a:solidFill>
+                  <a:schemeClr val="accent2"/>
+                </a:solidFill>
+              </a:rPr>
+              <a:t>1NF, 2NF, etc.</a:t>
+            </a:r>
+          </a:p>
+        </p:txBody>
+      </p:sp>
+      <p:sp>
+        <p:nvSpPr>
+          <p:cNvPr id="13" name="ZoneTexte 10">
+            <a:extLst>
+              <a:ext uri="{FF2B5EF4-FFF2-40B4-BE49-F238E27FC236}">
+                <a16:creationId xmlns:a16="http://schemas.microsoft.com/office/drawing/2014/main" id="{155D1506-52C8-8559-B9C3-24235B4E9FB4}"/>
+              </a:ext>
+            </a:extLst>
+          </p:cNvPr>
+          <p:cNvSpPr txBox="1"/>
+          <p:nvPr/>
+        </p:nvSpPr>
+        <p:spPr>
+          <a:xfrm>
+            <a:off x="4783962" y="5779227"/>
+            <a:ext cx="2020228" cy="338554"/>
+          </a:xfrm>
+          <a:prstGeom prst="rect">
+            <a:avLst/>
+          </a:prstGeom>
+          <a:noFill/>
+        </p:spPr>
+        <p:txBody>
+          <a:bodyPr wrap="square" rtlCol="0">
+            <a:spAutoFit/>
+          </a:bodyPr>
+          <a:lstStyle/>
+          <a:p>
+            <a:pPr algn="ctr"/>
+            <a:r>
+              <a:rPr lang="en-US" sz="1600" dirty="0">
+                <a:solidFill>
+                  <a:schemeClr val="accent2"/>
+                </a:solidFill>
+              </a:rPr>
+              <a:t>verbs; pivots; joins</a:t>
+            </a:r>
+          </a:p>
+        </p:txBody>
+      </p:sp>
+      <p:sp>
+        <p:nvSpPr>
+          <p:cNvPr id="14" name="ZoneTexte 10">
+            <a:extLst>
+              <a:ext uri="{FF2B5EF4-FFF2-40B4-BE49-F238E27FC236}">
+                <a16:creationId xmlns:a16="http://schemas.microsoft.com/office/drawing/2014/main" id="{284F3C0B-4B71-9738-92BB-C1FBC2330B33}"/>
+              </a:ext>
+            </a:extLst>
+          </p:cNvPr>
+          <p:cNvSpPr txBox="1"/>
+          <p:nvPr/>
+        </p:nvSpPr>
+        <p:spPr>
+          <a:xfrm>
+            <a:off x="8391207" y="5022600"/>
+            <a:ext cx="2020228" cy="584775"/>
+          </a:xfrm>
+          <a:prstGeom prst="rect">
+            <a:avLst/>
+          </a:prstGeom>
+          <a:noFill/>
+        </p:spPr>
+        <p:txBody>
+          <a:bodyPr wrap="square" rtlCol="0">
+            <a:spAutoFit/>
+          </a:bodyPr>
+          <a:lstStyle/>
+          <a:p>
+            <a:pPr algn="ctr"/>
+            <a:r>
+              <a:rPr lang="en-US" sz="1600" dirty="0">
+                <a:solidFill>
+                  <a:schemeClr val="accent2"/>
+                </a:solidFill>
+              </a:rPr>
+              <a:t>grammar of graphics w/ </a:t>
+            </a:r>
+            <a:r>
+              <a:rPr lang="en-US" sz="1600" b="1" dirty="0">
+                <a:solidFill>
+                  <a:schemeClr val="accent2"/>
+                </a:solidFill>
+              </a:rPr>
+              <a:t>ggplot2</a:t>
             </a:r>
           </a:p>
         </p:txBody>
@@ -4168,7 +4408,7 @@
     </p:spTree>
     <p:extLst>
       <p:ext uri="{BB962C8B-B14F-4D97-AF65-F5344CB8AC3E}">
-        <p14:creationId xmlns:p14="http://schemas.microsoft.com/office/powerpoint/2010/main" val="2049307912"/>
+        <p14:creationId xmlns:p14="http://schemas.microsoft.com/office/powerpoint/2010/main" val="1300235591"/>
       </p:ext>
     </p:extLst>
   </p:cSld>
@@ -4209,8 +4449,8 @@
         </p:nvSpPr>
         <p:spPr>
           <a:xfrm>
-            <a:off x="2412449" y="187151"/>
-            <a:ext cx="7367101" cy="830997"/>
+            <a:off x="3032149" y="126766"/>
+            <a:ext cx="6127702" cy="830997"/>
           </a:xfrm>
           <a:prstGeom prst="rect">
             <a:avLst/>
@@ -4226,7 +4466,7 @@
             <a:pPr algn="ctr"/>
             <a:r>
               <a:rPr lang="fr-FR" sz="4800" b="1" u="sng" noProof="1"/>
-              <a:t>Examples</a:t>
+              <a:t>DSST 389</a:t>
             </a:r>
           </a:p>
         </p:txBody>
@@ -4319,12 +4559,42 @@
           </a:p>
         </p:txBody>
       </p:sp>
-      <p:sp>
-        <p:nvSpPr>
-          <p:cNvPr id="35" name="ZoneTexte 34">
-            <a:extLst>
-              <a:ext uri="{FF2B5EF4-FFF2-40B4-BE49-F238E27FC236}">
-                <a16:creationId xmlns:a16="http://schemas.microsoft.com/office/drawing/2014/main" id="{083121EA-22BA-0B48-B415-49DA1E741FA9}"/>
+      <p:pic>
+        <p:nvPicPr>
+          <p:cNvPr id="3" name="Picture 2" descr="Graphical user interface, text, application, chat or text message&#10;&#10;Description automatically generated">
+            <a:extLst>
+              <a:ext uri="{FF2B5EF4-FFF2-40B4-BE49-F238E27FC236}">
+                <a16:creationId xmlns:a16="http://schemas.microsoft.com/office/drawing/2014/main" id="{0ABB8A78-CFF3-B67B-D1B1-DF55E4260E4B}"/>
+              </a:ext>
+            </a:extLst>
+          </p:cNvPr>
+          <p:cNvPicPr>
+            <a:picLocks noChangeAspect="1"/>
+          </p:cNvPicPr>
+          <p:nvPr/>
+        </p:nvPicPr>
+        <p:blipFill>
+          <a:blip r:embed="rId3"/>
+          <a:stretch>
+            <a:fillRect/>
+          </a:stretch>
+        </p:blipFill>
+        <p:spPr>
+          <a:xfrm>
+            <a:off x="1403055" y="2596924"/>
+            <a:ext cx="9385890" cy="2428046"/>
+          </a:xfrm>
+          <a:prstGeom prst="rect">
+            <a:avLst/>
+          </a:prstGeom>
+        </p:spPr>
+      </p:pic>
+      <p:sp>
+        <p:nvSpPr>
+          <p:cNvPr id="4" name="ZoneTexte 10">
+            <a:extLst>
+              <a:ext uri="{FF2B5EF4-FFF2-40B4-BE49-F238E27FC236}">
+                <a16:creationId xmlns:a16="http://schemas.microsoft.com/office/drawing/2014/main" id="{7705B3FD-5461-ECE0-AE84-34CAB81ED16C}"/>
               </a:ext>
             </a:extLst>
           </p:cNvPr>
@@ -4333,8 +4603,8 @@
         </p:nvSpPr>
         <p:spPr>
           <a:xfrm>
-            <a:off x="1121850" y="1002153"/>
-            <a:ext cx="10765350" cy="5324535"/>
+            <a:off x="1114027" y="1210080"/>
+            <a:ext cx="8647862" cy="830997"/>
           </a:xfrm>
           <a:prstGeom prst="rect">
             <a:avLst/>
@@ -4347,629 +4617,240 @@
           </a:bodyPr>
           <a:lstStyle/>
           <a:p>
-            <a:r>
-              <a:rPr lang="fr-FR" sz="2000" dirty="0" err="1"/>
-              <a:t>Here</a:t>
-            </a:r>
-            <a:r>
-              <a:rPr lang="fr-FR" sz="2000" dirty="0"/>
-              <a:t> are </a:t>
-            </a:r>
-            <a:r>
-              <a:rPr lang="fr-FR" sz="2000" dirty="0" err="1"/>
-              <a:t>some</a:t>
-            </a:r>
-            <a:r>
-              <a:rPr lang="fr-FR" sz="2000" dirty="0"/>
-              <a:t> </a:t>
-            </a:r>
-            <a:r>
-              <a:rPr lang="fr-FR" sz="2000" dirty="0" err="1"/>
-              <a:t>examples</a:t>
-            </a:r>
-            <a:r>
-              <a:rPr lang="fr-FR" sz="2000" dirty="0"/>
-              <a:t> of ML </a:t>
-            </a:r>
-            <a:r>
-              <a:rPr lang="fr-FR" sz="2000" dirty="0" err="1"/>
-              <a:t>tasks</a:t>
-            </a:r>
-            <a:r>
-              <a:rPr lang="fr-FR" sz="2000" dirty="0"/>
-              <a:t>. </a:t>
-            </a:r>
-            <a:r>
-              <a:rPr lang="fr-FR" sz="2000" dirty="0" err="1"/>
-              <a:t>They</a:t>
-            </a:r>
-            <a:r>
-              <a:rPr lang="fr-FR" sz="2000" dirty="0"/>
-              <a:t> are </a:t>
-            </a:r>
-            <a:r>
-              <a:rPr lang="fr-FR" sz="2000" dirty="0" err="1"/>
-              <a:t>organized</a:t>
-            </a:r>
-            <a:r>
-              <a:rPr lang="fr-FR" sz="2000" dirty="0"/>
-              <a:t> by the canonical type of machine </a:t>
-            </a:r>
-            <a:r>
-              <a:rPr lang="fr-FR" sz="2000" dirty="0" err="1"/>
-              <a:t>learning</a:t>
-            </a:r>
-            <a:r>
-              <a:rPr lang="fr-FR" sz="2000" dirty="0"/>
-              <a:t> </a:t>
-            </a:r>
-            <a:r>
-              <a:rPr lang="fr-FR" sz="2000" dirty="0" err="1"/>
-              <a:t>that</a:t>
-            </a:r>
-            <a:r>
-              <a:rPr lang="fr-FR" sz="2000" dirty="0"/>
-              <a:t> </a:t>
-            </a:r>
-            <a:r>
-              <a:rPr lang="fr-FR" sz="2000" dirty="0" err="1"/>
-              <a:t>each</a:t>
-            </a:r>
-            <a:r>
-              <a:rPr lang="fr-FR" sz="2000" dirty="0"/>
-              <a:t> </a:t>
-            </a:r>
-            <a:r>
-              <a:rPr lang="fr-FR" sz="2000" dirty="0" err="1"/>
-              <a:t>is</a:t>
-            </a:r>
-            <a:r>
-              <a:rPr lang="fr-FR" sz="2000" dirty="0"/>
-              <a:t> </a:t>
-            </a:r>
-            <a:r>
-              <a:rPr lang="fr-FR" sz="2000" dirty="0" err="1"/>
-              <a:t>usually</a:t>
-            </a:r>
-            <a:r>
-              <a:rPr lang="fr-FR" sz="2000" dirty="0"/>
-              <a:t> </a:t>
-            </a:r>
-            <a:r>
-              <a:rPr lang="fr-FR" sz="2000" dirty="0" err="1"/>
-              <a:t>associated</a:t>
-            </a:r>
-            <a:r>
-              <a:rPr lang="fr-FR" sz="2000" dirty="0"/>
-              <a:t> </a:t>
-            </a:r>
-            <a:r>
-              <a:rPr lang="fr-FR" sz="2000" dirty="0" err="1"/>
-              <a:t>with</a:t>
-            </a:r>
-            <a:r>
-              <a:rPr lang="fr-FR" sz="2000" dirty="0"/>
-              <a:t>, </a:t>
-            </a:r>
-            <a:r>
-              <a:rPr lang="fr-FR" sz="2000" dirty="0" err="1"/>
-              <a:t>though</a:t>
-            </a:r>
-            <a:r>
-              <a:rPr lang="fr-FR" sz="2000" dirty="0"/>
-              <a:t> the optimal </a:t>
-            </a:r>
-            <a:r>
-              <a:rPr lang="fr-FR" sz="2000" dirty="0" err="1"/>
-              <a:t>approach</a:t>
-            </a:r>
-            <a:r>
-              <a:rPr lang="fr-FR" sz="2000" dirty="0"/>
-              <a:t> </a:t>
-            </a:r>
-            <a:r>
-              <a:rPr lang="fr-FR" sz="2000" dirty="0" err="1"/>
-              <a:t>may</a:t>
-            </a:r>
-            <a:r>
-              <a:rPr lang="fr-FR" sz="2000" dirty="0"/>
-              <a:t> </a:t>
-            </a:r>
-            <a:r>
-              <a:rPr lang="fr-FR" sz="2000" dirty="0" err="1"/>
-              <a:t>involve</a:t>
-            </a:r>
-            <a:r>
-              <a:rPr lang="fr-FR" sz="2000" dirty="0"/>
-              <a:t> a mixture of </a:t>
-            </a:r>
-            <a:r>
-              <a:rPr lang="fr-FR" sz="2000" dirty="0" err="1"/>
-              <a:t>methods</a:t>
-            </a:r>
-            <a:r>
-              <a:rPr lang="fr-FR" sz="2000" dirty="0"/>
-              <a:t>.</a:t>
-            </a:r>
-          </a:p>
-          <a:p>
-            <a:br>
-              <a:rPr lang="fr-FR" sz="2000" dirty="0"/>
-            </a:br>
-            <a:r>
-              <a:rPr lang="fr-FR" sz="2000" b="1" dirty="0" err="1"/>
-              <a:t>Supervised</a:t>
-            </a:r>
-            <a:r>
-              <a:rPr lang="fr-FR" sz="2000" b="1" dirty="0"/>
-              <a:t> Learning</a:t>
-            </a:r>
-            <a:endParaRPr lang="fr-FR" sz="2000" dirty="0"/>
-          </a:p>
-          <a:p>
-            <a:r>
-              <a:rPr lang="fr-FR" sz="2000" dirty="0"/>
-              <a:t>  - </a:t>
-            </a:r>
-            <a:r>
-              <a:rPr lang="fr-FR" sz="2000" dirty="0" err="1"/>
-              <a:t>Predict</a:t>
-            </a:r>
-            <a:r>
-              <a:rPr lang="fr-FR" sz="2000" dirty="0"/>
-              <a:t> the sale </a:t>
-            </a:r>
-            <a:r>
-              <a:rPr lang="fr-FR" sz="2000" dirty="0" err="1"/>
-              <a:t>price</a:t>
-            </a:r>
-            <a:r>
-              <a:rPr lang="fr-FR" sz="2000" dirty="0"/>
-              <a:t> of a house </a:t>
-            </a:r>
-            <a:r>
-              <a:rPr lang="fr-FR" sz="2000" dirty="0" err="1"/>
-              <a:t>based</a:t>
-            </a:r>
-            <a:r>
-              <a:rPr lang="fr-FR" sz="2000" dirty="0"/>
-              <a:t> on </a:t>
-            </a:r>
-            <a:r>
-              <a:rPr lang="fr-FR" sz="2000" dirty="0" err="1"/>
-              <a:t>its</a:t>
-            </a:r>
-            <a:r>
-              <a:rPr lang="fr-FR" sz="2000" dirty="0"/>
-              <a:t> size and location.</a:t>
-            </a:r>
-          </a:p>
-          <a:p>
-            <a:r>
-              <a:rPr lang="fr-FR" sz="2000" dirty="0"/>
-              <a:t>  - </a:t>
-            </a:r>
-            <a:r>
-              <a:rPr lang="fr-FR" sz="2000" dirty="0" err="1"/>
-              <a:t>Predict</a:t>
-            </a:r>
-            <a:r>
-              <a:rPr lang="fr-FR" sz="2000" dirty="0"/>
-              <a:t> </a:t>
-            </a:r>
-            <a:r>
-              <a:rPr lang="fr-FR" sz="2000" dirty="0" err="1"/>
-              <a:t>whether</a:t>
-            </a:r>
-            <a:r>
-              <a:rPr lang="fr-FR" sz="2000" dirty="0"/>
-              <a:t> an email message </a:t>
-            </a:r>
-            <a:r>
-              <a:rPr lang="fr-FR" sz="2000" dirty="0" err="1"/>
-              <a:t>should</a:t>
-            </a:r>
-            <a:r>
-              <a:rPr lang="fr-FR" sz="2000" dirty="0"/>
-              <a:t> </a:t>
-            </a:r>
-            <a:r>
-              <a:rPr lang="fr-FR" sz="2000" dirty="0" err="1"/>
-              <a:t>be</a:t>
-            </a:r>
-            <a:r>
-              <a:rPr lang="fr-FR" sz="2000" dirty="0"/>
-              <a:t> put </a:t>
-            </a:r>
-            <a:r>
-              <a:rPr lang="fr-FR" sz="2000" dirty="0" err="1"/>
-              <a:t>into</a:t>
-            </a:r>
-            <a:r>
-              <a:rPr lang="fr-FR" sz="2000" dirty="0"/>
-              <a:t> a </a:t>
-            </a:r>
-            <a:r>
-              <a:rPr lang="fr-FR" sz="2000" dirty="0" err="1"/>
-              <a:t>user's</a:t>
-            </a:r>
-            <a:r>
-              <a:rPr lang="fr-FR" sz="2000" dirty="0"/>
-              <a:t> spam box.</a:t>
-            </a:r>
-          </a:p>
-          <a:p>
-            <a:r>
-              <a:rPr lang="fr-FR" sz="2000" dirty="0"/>
-              <a:t>  - </a:t>
-            </a:r>
-            <a:r>
-              <a:rPr lang="fr-FR" sz="2000" dirty="0" err="1"/>
-              <a:t>Find</a:t>
-            </a:r>
-            <a:r>
-              <a:rPr lang="fr-FR" sz="2000" dirty="0"/>
-              <a:t> and </a:t>
-            </a:r>
-            <a:r>
-              <a:rPr lang="fr-FR" sz="2000" dirty="0" err="1"/>
-              <a:t>identify</a:t>
-            </a:r>
-            <a:r>
-              <a:rPr lang="fr-FR" sz="2000" dirty="0"/>
-              <a:t> all the faces </a:t>
-            </a:r>
-            <a:r>
-              <a:rPr lang="fr-FR" sz="2000" dirty="0" err="1"/>
-              <a:t>found</a:t>
-            </a:r>
-            <a:r>
-              <a:rPr lang="fr-FR" sz="2000" dirty="0"/>
-              <a:t> in a </a:t>
-            </a:r>
-            <a:r>
-              <a:rPr lang="fr-FR" sz="2000" dirty="0" err="1"/>
-              <a:t>video</a:t>
-            </a:r>
-            <a:r>
-              <a:rPr lang="fr-FR" sz="2000" dirty="0"/>
-              <a:t> </a:t>
-            </a:r>
-            <a:r>
-              <a:rPr lang="fr-FR" sz="2000" dirty="0" err="1"/>
-              <a:t>feed</a:t>
-            </a:r>
-            <a:r>
-              <a:rPr lang="fr-FR" sz="2000" dirty="0"/>
-              <a:t>.</a:t>
-            </a:r>
-          </a:p>
-          <a:p>
-            <a:endParaRPr lang="fr-FR" sz="2000" dirty="0"/>
-          </a:p>
-          <a:p>
-            <a:r>
-              <a:rPr lang="fr-FR" sz="2000" b="1" dirty="0" err="1"/>
-              <a:t>Unsupervised</a:t>
-            </a:r>
-            <a:r>
-              <a:rPr lang="fr-FR" sz="2000" b="1" dirty="0"/>
-              <a:t> Learning</a:t>
-            </a:r>
-            <a:endParaRPr lang="fr-FR" sz="2000" dirty="0"/>
-          </a:p>
-          <a:p>
-            <a:r>
-              <a:rPr lang="fr-FR" sz="2000" dirty="0"/>
-              <a:t>- Cluster a collection of news </a:t>
-            </a:r>
-            <a:r>
-              <a:rPr lang="fr-FR" sz="2000" dirty="0" err="1"/>
-              <a:t>paper</a:t>
-            </a:r>
-            <a:r>
-              <a:rPr lang="fr-FR" sz="2000" dirty="0"/>
-              <a:t> articles by </a:t>
-            </a:r>
-            <a:r>
-              <a:rPr lang="fr-FR" sz="2000" dirty="0" err="1"/>
-              <a:t>themes</a:t>
-            </a:r>
-            <a:r>
-              <a:rPr lang="fr-FR" sz="2000" dirty="0"/>
-              <a:t>.</a:t>
-            </a:r>
-          </a:p>
-          <a:p>
-            <a:r>
-              <a:rPr lang="fr-FR" sz="2000" dirty="0"/>
-              <a:t>- </a:t>
-            </a:r>
-            <a:r>
-              <a:rPr lang="fr-FR" sz="2000" dirty="0" err="1"/>
-              <a:t>Find</a:t>
-            </a:r>
-            <a:r>
-              <a:rPr lang="fr-FR" sz="2000" dirty="0"/>
-              <a:t> and </a:t>
-            </a:r>
-            <a:r>
-              <a:rPr lang="fr-FR" sz="2000" dirty="0" err="1"/>
-              <a:t>recommend</a:t>
-            </a:r>
-            <a:r>
-              <a:rPr lang="fr-FR" sz="2000" dirty="0"/>
-              <a:t> </a:t>
-            </a:r>
-            <a:r>
-              <a:rPr lang="fr-FR" sz="2000" dirty="0" err="1"/>
-              <a:t>similar</a:t>
-            </a:r>
-            <a:r>
-              <a:rPr lang="fr-FR" sz="2000" dirty="0"/>
-              <a:t> </a:t>
-            </a:r>
-            <a:r>
-              <a:rPr lang="fr-FR" sz="2000" dirty="0" err="1"/>
-              <a:t>products</a:t>
-            </a:r>
-            <a:r>
-              <a:rPr lang="fr-FR" sz="2000" dirty="0"/>
-              <a:t> to </a:t>
-            </a:r>
-            <a:r>
-              <a:rPr lang="fr-FR" sz="2000" dirty="0" err="1"/>
-              <a:t>users</a:t>
-            </a:r>
-            <a:r>
-              <a:rPr lang="fr-FR" sz="2000" dirty="0"/>
-              <a:t> on a digital commerce </a:t>
-            </a:r>
-            <a:r>
-              <a:rPr lang="fr-FR" sz="2000" dirty="0" err="1"/>
-              <a:t>website</a:t>
-            </a:r>
-            <a:r>
-              <a:rPr lang="fr-FR" sz="2000" dirty="0"/>
-              <a:t>.</a:t>
-            </a:r>
-          </a:p>
-          <a:p>
-            <a:r>
-              <a:rPr lang="fr-FR" sz="2000" dirty="0"/>
-              <a:t>- Flag </a:t>
-            </a:r>
-            <a:r>
-              <a:rPr lang="fr-FR" sz="2000" dirty="0" err="1"/>
-              <a:t>suspicious</a:t>
-            </a:r>
-            <a:r>
-              <a:rPr lang="fr-FR" sz="2000" dirty="0"/>
-              <a:t> </a:t>
-            </a:r>
-            <a:r>
-              <a:rPr lang="fr-FR" sz="2000" dirty="0" err="1"/>
-              <a:t>product</a:t>
-            </a:r>
-            <a:r>
-              <a:rPr lang="fr-FR" sz="2000" dirty="0"/>
-              <a:t> </a:t>
-            </a:r>
-            <a:r>
-              <a:rPr lang="fr-FR" sz="2000" dirty="0" err="1"/>
-              <a:t>reviews</a:t>
-            </a:r>
-            <a:r>
-              <a:rPr lang="fr-FR" sz="2000" dirty="0"/>
-              <a:t> </a:t>
-            </a:r>
-            <a:r>
-              <a:rPr lang="fr-FR" sz="2000" dirty="0" err="1"/>
-              <a:t>that</a:t>
-            </a:r>
-            <a:r>
-              <a:rPr lang="fr-FR" sz="2000" dirty="0"/>
-              <a:t> </a:t>
-            </a:r>
-            <a:r>
-              <a:rPr lang="fr-FR" sz="2000" dirty="0" err="1"/>
-              <a:t>should</a:t>
-            </a:r>
-            <a:r>
-              <a:rPr lang="fr-FR" sz="2000" dirty="0"/>
-              <a:t> </a:t>
-            </a:r>
-            <a:r>
-              <a:rPr lang="fr-FR" sz="2000" dirty="0" err="1"/>
-              <a:t>be</a:t>
-            </a:r>
-            <a:r>
-              <a:rPr lang="fr-FR" sz="2000" dirty="0"/>
-              <a:t> </a:t>
-            </a:r>
-            <a:r>
-              <a:rPr lang="fr-FR" sz="2000" dirty="0" err="1"/>
-              <a:t>manually</a:t>
-            </a:r>
-            <a:r>
-              <a:rPr lang="fr-FR" sz="2000" dirty="0"/>
-              <a:t> </a:t>
-            </a:r>
-            <a:r>
-              <a:rPr lang="fr-FR" sz="2000" dirty="0" err="1"/>
-              <a:t>investigated</a:t>
-            </a:r>
-            <a:r>
-              <a:rPr lang="fr-FR" sz="2000" dirty="0"/>
-              <a:t> for </a:t>
-            </a:r>
-            <a:r>
-              <a:rPr lang="fr-FR" sz="2000" dirty="0" err="1"/>
-              <a:t>fraud</a:t>
-            </a:r>
-            <a:r>
-              <a:rPr lang="fr-FR" sz="2000" dirty="0"/>
-              <a:t>.</a:t>
-            </a:r>
-          </a:p>
-          <a:p>
-            <a:endParaRPr lang="fr-FR" sz="2000" b="1" dirty="0"/>
-          </a:p>
-          <a:p>
-            <a:r>
-              <a:rPr lang="fr-FR" sz="2000" b="1" dirty="0" err="1"/>
-              <a:t>Reinforcement</a:t>
-            </a:r>
-            <a:r>
-              <a:rPr lang="fr-FR" sz="2000" b="1" dirty="0"/>
-              <a:t> Learning</a:t>
-            </a:r>
-            <a:endParaRPr lang="fr-FR" sz="2000" dirty="0"/>
-          </a:p>
-          <a:p>
-            <a:r>
-              <a:rPr lang="fr-FR" sz="2000" dirty="0"/>
-              <a:t>- </a:t>
-            </a:r>
-            <a:r>
-              <a:rPr lang="fr-FR" sz="2000" dirty="0" err="1"/>
-              <a:t>Build</a:t>
-            </a:r>
-            <a:r>
-              <a:rPr lang="fr-FR" sz="2000" dirty="0"/>
-              <a:t> an </a:t>
-            </a:r>
-            <a:r>
-              <a:rPr lang="fr-FR" sz="2000" dirty="0" err="1"/>
-              <a:t>algorithm</a:t>
-            </a:r>
-            <a:r>
-              <a:rPr lang="fr-FR" sz="2000" dirty="0"/>
-              <a:t> to </a:t>
-            </a:r>
-            <a:r>
-              <a:rPr lang="fr-FR" sz="2000" dirty="0" err="1"/>
-              <a:t>play</a:t>
-            </a:r>
-            <a:r>
-              <a:rPr lang="fr-FR" sz="2000" dirty="0"/>
-              <a:t> a </a:t>
-            </a:r>
-            <a:r>
-              <a:rPr lang="fr-FR" sz="2000" dirty="0" err="1"/>
-              <a:t>game</a:t>
-            </a:r>
-            <a:r>
-              <a:rPr lang="fr-FR" sz="2000" dirty="0"/>
-              <a:t>, </a:t>
-            </a:r>
-            <a:r>
-              <a:rPr lang="fr-FR" sz="2000" dirty="0" err="1"/>
-              <a:t>such</a:t>
-            </a:r>
-            <a:r>
-              <a:rPr lang="fr-FR" sz="2000" dirty="0"/>
-              <a:t> as </a:t>
-            </a:r>
-            <a:r>
-              <a:rPr lang="fr-FR" sz="2000" dirty="0" err="1"/>
-              <a:t>checkers</a:t>
-            </a:r>
-            <a:r>
-              <a:rPr lang="fr-FR" sz="2000" dirty="0"/>
-              <a:t> or </a:t>
-            </a:r>
-            <a:r>
-              <a:rPr lang="fr-FR" sz="2000" dirty="0" err="1"/>
-              <a:t>chess</a:t>
-            </a:r>
-            <a:r>
-              <a:rPr lang="fr-FR" sz="2000" dirty="0"/>
-              <a:t>, </a:t>
-            </a:r>
-            <a:r>
-              <a:rPr lang="fr-FR" sz="2000" dirty="0" err="1"/>
-              <a:t>against</a:t>
-            </a:r>
-            <a:r>
-              <a:rPr lang="fr-FR" sz="2000" dirty="0"/>
-              <a:t> a </a:t>
-            </a:r>
-            <a:r>
-              <a:rPr lang="fr-FR" sz="2000" dirty="0" err="1"/>
-              <a:t>human</a:t>
-            </a:r>
-            <a:r>
-              <a:rPr lang="fr-FR" sz="2000" dirty="0"/>
-              <a:t>.</a:t>
-            </a:r>
-          </a:p>
-          <a:p>
-            <a:r>
-              <a:rPr lang="fr-FR" sz="2000" dirty="0"/>
-              <a:t>- </a:t>
-            </a:r>
-            <a:r>
-              <a:rPr lang="fr-FR" sz="2000" dirty="0" err="1"/>
-              <a:t>Determine</a:t>
-            </a:r>
-            <a:r>
-              <a:rPr lang="fr-FR" sz="2000" dirty="0"/>
-              <a:t> a </a:t>
-            </a:r>
-            <a:r>
-              <a:rPr lang="fr-FR" sz="2000" dirty="0" err="1"/>
-              <a:t>way</a:t>
-            </a:r>
-            <a:r>
-              <a:rPr lang="fr-FR" sz="2000" dirty="0"/>
-              <a:t> to </a:t>
-            </a:r>
-            <a:r>
-              <a:rPr lang="fr-FR" sz="2000" dirty="0" err="1"/>
-              <a:t>optimally</a:t>
-            </a:r>
-            <a:r>
-              <a:rPr lang="fr-FR" sz="2000" dirty="0"/>
-              <a:t> </a:t>
-            </a:r>
-            <a:r>
-              <a:rPr lang="fr-FR" sz="2000" dirty="0" err="1"/>
-              <a:t>schedule</a:t>
-            </a:r>
-            <a:r>
-              <a:rPr lang="fr-FR" sz="2000" dirty="0"/>
-              <a:t> </a:t>
-            </a:r>
-            <a:r>
-              <a:rPr lang="fr-FR" sz="2000" dirty="0" err="1"/>
-              <a:t>elevators</a:t>
-            </a:r>
-            <a:r>
-              <a:rPr lang="fr-FR" sz="2000" dirty="0"/>
-              <a:t> in a large office building.</a:t>
-            </a:r>
-          </a:p>
-          <a:p>
-            <a:r>
-              <a:rPr lang="fr-FR" sz="2000" dirty="0"/>
-              <a:t>- Program a self-</a:t>
-            </a:r>
-            <a:r>
-              <a:rPr lang="fr-FR" sz="2000" dirty="0" err="1"/>
-              <a:t>driving</a:t>
-            </a:r>
-            <a:r>
-              <a:rPr lang="fr-FR" sz="2000" dirty="0"/>
-              <a:t> car.</a:t>
-            </a:r>
+            <a:pPr algn="just"/>
+            <a:r>
+              <a:rPr lang="en-US" sz="2400" dirty="0"/>
+              <a:t>For this class, we will focus on the end of the pipeline while continuing to practice the interior methods. </a:t>
+            </a:r>
+          </a:p>
+        </p:txBody>
+      </p:sp>
+      <p:cxnSp>
+        <p:nvCxnSpPr>
+          <p:cNvPr id="7" name="Straight Arrow Connector 6">
+            <a:extLst>
+              <a:ext uri="{FF2B5EF4-FFF2-40B4-BE49-F238E27FC236}">
+                <a16:creationId xmlns:a16="http://schemas.microsoft.com/office/drawing/2014/main" id="{C17F1CE2-6B1E-7510-38D3-B45FE9C9A116}"/>
+              </a:ext>
+            </a:extLst>
+          </p:cNvPr>
+          <p:cNvCxnSpPr>
+            <a:cxnSpLocks/>
+            <a:stCxn id="13" idx="0"/>
+          </p:cNvCxnSpPr>
+          <p:nvPr/>
+        </p:nvCxnSpPr>
+        <p:spPr>
+          <a:xfrm flipH="1" flipV="1">
+            <a:off x="7139797" y="4155757"/>
+            <a:ext cx="1100893" cy="1816728"/>
+          </a:xfrm>
+          <a:prstGeom prst="straightConnector1">
+            <a:avLst/>
+          </a:prstGeom>
+          <a:ln w="38100">
+            <a:solidFill>
+              <a:srgbClr val="0070C0"/>
+            </a:solidFill>
+            <a:tailEnd type="triangle"/>
+          </a:ln>
+        </p:spPr>
+        <p:style>
+          <a:lnRef idx="1">
+            <a:schemeClr val="accent2"/>
+          </a:lnRef>
+          <a:fillRef idx="0">
+            <a:schemeClr val="accent2"/>
+          </a:fillRef>
+          <a:effectRef idx="0">
+            <a:schemeClr val="accent2"/>
+          </a:effectRef>
+          <a:fontRef idx="minor">
+            <a:schemeClr val="tx1"/>
+          </a:fontRef>
+        </p:style>
+      </p:cxnSp>
+      <p:cxnSp>
+        <p:nvCxnSpPr>
+          <p:cNvPr id="8" name="Straight Arrow Connector 7">
+            <a:extLst>
+              <a:ext uri="{FF2B5EF4-FFF2-40B4-BE49-F238E27FC236}">
+                <a16:creationId xmlns:a16="http://schemas.microsoft.com/office/drawing/2014/main" id="{9BF530E0-AA6A-D4E6-7F64-29446C5F04E7}"/>
+              </a:ext>
+            </a:extLst>
+          </p:cNvPr>
+          <p:cNvCxnSpPr>
+            <a:cxnSpLocks/>
+            <a:stCxn id="14" idx="0"/>
+          </p:cNvCxnSpPr>
+          <p:nvPr/>
+        </p:nvCxnSpPr>
+        <p:spPr>
+          <a:xfrm flipH="1" flipV="1">
+            <a:off x="9956171" y="3880921"/>
+            <a:ext cx="708887" cy="1689582"/>
+          </a:xfrm>
+          <a:prstGeom prst="straightConnector1">
+            <a:avLst/>
+          </a:prstGeom>
+          <a:ln w="38100">
+            <a:solidFill>
+              <a:srgbClr val="0070C0"/>
+            </a:solidFill>
+            <a:tailEnd type="triangle"/>
+          </a:ln>
+        </p:spPr>
+        <p:style>
+          <a:lnRef idx="1">
+            <a:schemeClr val="accent2"/>
+          </a:lnRef>
+          <a:fillRef idx="0">
+            <a:schemeClr val="accent2"/>
+          </a:fillRef>
+          <a:effectRef idx="0">
+            <a:schemeClr val="accent2"/>
+          </a:effectRef>
+          <a:fontRef idx="minor">
+            <a:schemeClr val="tx1"/>
+          </a:fontRef>
+        </p:style>
+      </p:cxnSp>
+      <p:sp>
+        <p:nvSpPr>
+          <p:cNvPr id="13" name="ZoneTexte 10">
+            <a:extLst>
+              <a:ext uri="{FF2B5EF4-FFF2-40B4-BE49-F238E27FC236}">
+                <a16:creationId xmlns:a16="http://schemas.microsoft.com/office/drawing/2014/main" id="{155D1506-52C8-8559-B9C3-24235B4E9FB4}"/>
+              </a:ext>
+            </a:extLst>
+          </p:cNvPr>
+          <p:cNvSpPr txBox="1"/>
+          <p:nvPr/>
+        </p:nvSpPr>
+        <p:spPr>
+          <a:xfrm>
+            <a:off x="7026829" y="5972485"/>
+            <a:ext cx="2427721" cy="584775"/>
+          </a:xfrm>
+          <a:prstGeom prst="rect">
+            <a:avLst/>
+          </a:prstGeom>
+          <a:noFill/>
+        </p:spPr>
+        <p:txBody>
+          <a:bodyPr wrap="square" rtlCol="0">
+            <a:spAutoFit/>
+          </a:bodyPr>
+          <a:lstStyle/>
+          <a:p>
+            <a:pPr algn="ctr"/>
+            <a:r>
+              <a:rPr lang="en-US" sz="1600" dirty="0">
+                <a:solidFill>
+                  <a:schemeClr val="accent1"/>
+                </a:solidFill>
+              </a:rPr>
+              <a:t>predictive models, clustering, dim. reduction</a:t>
+            </a:r>
+          </a:p>
+        </p:txBody>
+      </p:sp>
+      <p:sp>
+        <p:nvSpPr>
+          <p:cNvPr id="14" name="ZoneTexte 10">
+            <a:extLst>
+              <a:ext uri="{FF2B5EF4-FFF2-40B4-BE49-F238E27FC236}">
+                <a16:creationId xmlns:a16="http://schemas.microsoft.com/office/drawing/2014/main" id="{284F3C0B-4B71-9738-92BB-C1FBC2330B33}"/>
+              </a:ext>
+            </a:extLst>
+          </p:cNvPr>
+          <p:cNvSpPr txBox="1"/>
+          <p:nvPr/>
+        </p:nvSpPr>
+        <p:spPr>
+          <a:xfrm>
+            <a:off x="9654944" y="5570503"/>
+            <a:ext cx="2020228" cy="830997"/>
+          </a:xfrm>
+          <a:prstGeom prst="rect">
+            <a:avLst/>
+          </a:prstGeom>
+          <a:noFill/>
+        </p:spPr>
+        <p:txBody>
+          <a:bodyPr wrap="square" rtlCol="0">
+            <a:spAutoFit/>
+          </a:bodyPr>
+          <a:lstStyle/>
+          <a:p>
+            <a:pPr algn="ctr"/>
+            <a:r>
+              <a:rPr lang="en-US" sz="1600" dirty="0">
+                <a:solidFill>
+                  <a:schemeClr val="accent1"/>
+                </a:solidFill>
+              </a:rPr>
+              <a:t>putting the pieces together in a cohesive way</a:t>
+            </a:r>
+          </a:p>
+        </p:txBody>
+      </p:sp>
+      <p:sp>
+        <p:nvSpPr>
+          <p:cNvPr id="20" name="Rectangle 19">
+            <a:extLst>
+              <a:ext uri="{FF2B5EF4-FFF2-40B4-BE49-F238E27FC236}">
+                <a16:creationId xmlns:a16="http://schemas.microsoft.com/office/drawing/2014/main" id="{DEEF6FAF-162B-C013-FB2D-F291BB3A95B2}"/>
+              </a:ext>
+            </a:extLst>
+          </p:cNvPr>
+          <p:cNvSpPr/>
+          <p:nvPr/>
+        </p:nvSpPr>
+        <p:spPr>
+          <a:xfrm>
+            <a:off x="10446589" y="2324523"/>
+            <a:ext cx="914400" cy="914400"/>
+          </a:xfrm>
+          <a:prstGeom prst="rect">
+            <a:avLst/>
+          </a:prstGeom>
+          <a:solidFill>
+            <a:schemeClr val="bg1"/>
+          </a:solidFill>
+          <a:ln>
+            <a:noFill/>
+          </a:ln>
+        </p:spPr>
+        <p:style>
+          <a:lnRef idx="2">
+            <a:schemeClr val="accent1">
+              <a:shade val="50000"/>
+            </a:schemeClr>
+          </a:lnRef>
+          <a:fillRef idx="1">
+            <a:schemeClr val="accent1"/>
+          </a:fillRef>
+          <a:effectRef idx="0">
+            <a:schemeClr val="accent1"/>
+          </a:effectRef>
+          <a:fontRef idx="minor">
+            <a:schemeClr val="lt1"/>
+          </a:fontRef>
+        </p:style>
+        <p:txBody>
+          <a:bodyPr rtlCol="0" anchor="ctr"/>
+          <a:lstStyle/>
+          <a:p>
+            <a:pPr algn="ctr"/>
+            <a:endParaRPr lang="en-US"/>
           </a:p>
         </p:txBody>
       </p:sp>
     </p:spTree>
     <p:extLst>
       <p:ext uri="{BB962C8B-B14F-4D97-AF65-F5344CB8AC3E}">
-        <p14:creationId xmlns:p14="http://schemas.microsoft.com/office/powerpoint/2010/main" val="706004684"/>
+        <p14:creationId xmlns:p14="http://schemas.microsoft.com/office/powerpoint/2010/main" val="1976857811"/>
       </p:ext>
     </p:extLst>
   </p:cSld>
@@ -5010,8 +4891,8 @@
         </p:nvSpPr>
         <p:spPr>
           <a:xfrm>
-            <a:off x="2412449" y="187151"/>
-            <a:ext cx="7367101" cy="830997"/>
+            <a:off x="3032149" y="126766"/>
+            <a:ext cx="6127702" cy="830997"/>
           </a:xfrm>
           <a:prstGeom prst="rect">
             <a:avLst/>
@@ -5027,7 +4908,7 @@
             <a:pPr algn="ctr"/>
             <a:r>
               <a:rPr lang="fr-FR" sz="4800" b="1" u="sng" noProof="1"/>
-              <a:t>Teaching ML</a:t>
+              <a:t>DSST 389</a:t>
             </a:r>
           </a:p>
         </p:txBody>
@@ -5120,12 +5001,42 @@
           </a:p>
         </p:txBody>
       </p:sp>
-      <p:sp>
-        <p:nvSpPr>
-          <p:cNvPr id="35" name="ZoneTexte 34">
-            <a:extLst>
-              <a:ext uri="{FF2B5EF4-FFF2-40B4-BE49-F238E27FC236}">
-                <a16:creationId xmlns:a16="http://schemas.microsoft.com/office/drawing/2014/main" id="{083121EA-22BA-0B48-B415-49DA1E741FA9}"/>
+      <p:pic>
+        <p:nvPicPr>
+          <p:cNvPr id="3" name="Picture 2" descr="Graphical user interface, text, application, chat or text message&#10;&#10;Description automatically generated">
+            <a:extLst>
+              <a:ext uri="{FF2B5EF4-FFF2-40B4-BE49-F238E27FC236}">
+                <a16:creationId xmlns:a16="http://schemas.microsoft.com/office/drawing/2014/main" id="{0ABB8A78-CFF3-B67B-D1B1-DF55E4260E4B}"/>
+              </a:ext>
+            </a:extLst>
+          </p:cNvPr>
+          <p:cNvPicPr>
+            <a:picLocks noChangeAspect="1"/>
+          </p:cNvPicPr>
+          <p:nvPr/>
+        </p:nvPicPr>
+        <p:blipFill>
+          <a:blip r:embed="rId3"/>
+          <a:stretch>
+            <a:fillRect/>
+          </a:stretch>
+        </p:blipFill>
+        <p:spPr>
+          <a:xfrm>
+            <a:off x="1403055" y="2596924"/>
+            <a:ext cx="9385890" cy="2428046"/>
+          </a:xfrm>
+          <a:prstGeom prst="rect">
+            <a:avLst/>
+          </a:prstGeom>
+        </p:spPr>
+      </p:pic>
+      <p:sp>
+        <p:nvSpPr>
+          <p:cNvPr id="4" name="ZoneTexte 10">
+            <a:extLst>
+              <a:ext uri="{FF2B5EF4-FFF2-40B4-BE49-F238E27FC236}">
+                <a16:creationId xmlns:a16="http://schemas.microsoft.com/office/drawing/2014/main" id="{7705B3FD-5461-ECE0-AE84-34CAB81ED16C}"/>
               </a:ext>
             </a:extLst>
           </p:cNvPr>
@@ -5134,8 +5045,8 @@
         </p:nvSpPr>
         <p:spPr>
           <a:xfrm>
-            <a:off x="1111589" y="1207799"/>
-            <a:ext cx="10361953" cy="4524315"/>
+            <a:off x="1114027" y="1210080"/>
+            <a:ext cx="8647862" cy="1200329"/>
           </a:xfrm>
           <a:prstGeom prst="rect">
             <a:avLst/>
@@ -5151,127 +5062,237 @@
             <a:pPr algn="just"/>
             <a:r>
               <a:rPr lang="en-US" sz="2400" dirty="0"/>
-              <a:t>There are three different approaches to teaching machine learning:</a:t>
-            </a:r>
-          </a:p>
-          <a:p>
-            <a:pPr algn="just"/>
-            <a:endParaRPr lang="en-US" sz="2400" dirty="0"/>
-          </a:p>
-          <a:p>
-            <a:pPr algn="just"/>
-            <a:r>
-              <a:rPr lang="en-US" sz="2400" dirty="0"/>
-              <a:t>     </a:t>
-            </a:r>
-            <a:r>
-              <a:rPr lang="en-US" sz="2400" b="1" dirty="0"/>
-              <a:t>Mathematical Approach </a:t>
-            </a:r>
-            <a:r>
-              <a:rPr lang="en-US" sz="2400" dirty="0"/>
-              <a:t>Focus on theoretical properties of various methods,</a:t>
-            </a:r>
-          </a:p>
-          <a:p>
-            <a:pPr algn="just"/>
-            <a:r>
-              <a:rPr lang="en-US" sz="2400" dirty="0"/>
-              <a:t>           using the language of probability and numerical analysis.</a:t>
-            </a:r>
-          </a:p>
-          <a:p>
-            <a:pPr algn="just"/>
-            <a:endParaRPr lang="en-US" sz="2400" b="1" dirty="0"/>
-          </a:p>
-          <a:p>
-            <a:pPr algn="just"/>
-            <a:r>
-              <a:rPr lang="en-US" sz="2400" b="1" dirty="0"/>
-              <a:t>     CS/Engineering Approach </a:t>
-            </a:r>
-            <a:r>
-              <a:rPr lang="en-US" sz="2400" dirty="0"/>
-              <a:t>Focus on implementation and performance of</a:t>
-            </a:r>
-          </a:p>
-          <a:p>
-            <a:pPr algn="just"/>
-            <a:r>
-              <a:rPr lang="en-US" sz="2400" dirty="0"/>
-              <a:t>          ML techniques and algorithms.</a:t>
-            </a:r>
-          </a:p>
-          <a:p>
-            <a:pPr algn="just"/>
-            <a:endParaRPr lang="en-US" sz="2400" dirty="0"/>
-          </a:p>
-          <a:p>
-            <a:pPr algn="just"/>
-            <a:r>
-              <a:rPr lang="en-US" sz="2400" dirty="0"/>
-              <a:t>    </a:t>
-            </a:r>
-            <a:r>
-              <a:rPr lang="en-US" sz="2400" b="1" dirty="0"/>
-              <a:t>Data Science Approach </a:t>
-            </a:r>
-            <a:r>
-              <a:rPr lang="en-US" sz="2400" dirty="0"/>
-              <a:t>Focus on the application of ML techniques in order</a:t>
-            </a:r>
-          </a:p>
-          <a:p>
-            <a:pPr algn="just"/>
-            <a:r>
-              <a:rPr lang="en-US" sz="2400" dirty="0"/>
-              <a:t>           to understand complex datasets.</a:t>
-            </a:r>
-          </a:p>
-          <a:p>
-            <a:pPr algn="just"/>
-            <a:endParaRPr lang="en-US" sz="2400" dirty="0"/>
-          </a:p>
-          <a:p>
-            <a:r>
-              <a:rPr lang="fr-FR" sz="2400" dirty="0"/>
-              <a:t>This course </a:t>
-            </a:r>
-            <a:r>
-              <a:rPr lang="fr-FR" sz="2400" dirty="0" err="1"/>
-              <a:t>will</a:t>
-            </a:r>
-            <a:r>
-              <a:rPr lang="fr-FR" sz="2400" dirty="0"/>
-              <a:t> </a:t>
-            </a:r>
-            <a:r>
-              <a:rPr lang="fr-FR" sz="2400" dirty="0" err="1"/>
-              <a:t>take</a:t>
-            </a:r>
-            <a:r>
-              <a:rPr lang="fr-FR" sz="2400" dirty="0"/>
-              <a:t> the </a:t>
-            </a:r>
-            <a:r>
-              <a:rPr lang="fr-FR" sz="2400" b="1" dirty="0"/>
-              <a:t>Data Science </a:t>
-            </a:r>
-            <a:r>
-              <a:rPr lang="fr-FR" sz="2400" b="1" dirty="0" err="1"/>
-              <a:t>Approach</a:t>
-            </a:r>
-            <a:r>
-              <a:rPr lang="fr-FR" sz="2400" dirty="0"/>
-              <a:t>.</a:t>
-            </a:r>
+              <a:t>We also focus on the explore step as a whole and in the final project collecting data from an external API (a bit of a review for those in the Fall 2021 version of 289).</a:t>
+            </a:r>
+          </a:p>
+        </p:txBody>
+      </p:sp>
+      <p:cxnSp>
+        <p:nvCxnSpPr>
+          <p:cNvPr id="7" name="Straight Arrow Connector 6">
+            <a:extLst>
+              <a:ext uri="{FF2B5EF4-FFF2-40B4-BE49-F238E27FC236}">
+                <a16:creationId xmlns:a16="http://schemas.microsoft.com/office/drawing/2014/main" id="{C17F1CE2-6B1E-7510-38D3-B45FE9C9A116}"/>
+              </a:ext>
+            </a:extLst>
+          </p:cNvPr>
+          <p:cNvCxnSpPr>
+            <a:cxnSpLocks/>
+            <a:stCxn id="13" idx="0"/>
+          </p:cNvCxnSpPr>
+          <p:nvPr/>
+        </p:nvCxnSpPr>
+        <p:spPr>
+          <a:xfrm flipV="1">
+            <a:off x="1600201" y="4295955"/>
+            <a:ext cx="185467" cy="854016"/>
+          </a:xfrm>
+          <a:prstGeom prst="straightConnector1">
+            <a:avLst/>
+          </a:prstGeom>
+          <a:ln w="38100">
+            <a:solidFill>
+              <a:srgbClr val="0070C0"/>
+            </a:solidFill>
+            <a:tailEnd type="triangle"/>
+          </a:ln>
+        </p:spPr>
+        <p:style>
+          <a:lnRef idx="1">
+            <a:schemeClr val="accent2"/>
+          </a:lnRef>
+          <a:fillRef idx="0">
+            <a:schemeClr val="accent2"/>
+          </a:fillRef>
+          <a:effectRef idx="0">
+            <a:schemeClr val="accent2"/>
+          </a:effectRef>
+          <a:fontRef idx="minor">
+            <a:schemeClr val="tx1"/>
+          </a:fontRef>
+        </p:style>
+      </p:cxnSp>
+      <p:cxnSp>
+        <p:nvCxnSpPr>
+          <p:cNvPr id="8" name="Straight Arrow Connector 7">
+            <a:extLst>
+              <a:ext uri="{FF2B5EF4-FFF2-40B4-BE49-F238E27FC236}">
+                <a16:creationId xmlns:a16="http://schemas.microsoft.com/office/drawing/2014/main" id="{9BF530E0-AA6A-D4E6-7F64-29446C5F04E7}"/>
+              </a:ext>
+            </a:extLst>
+          </p:cNvPr>
+          <p:cNvCxnSpPr>
+            <a:cxnSpLocks/>
+            <a:stCxn id="14" idx="0"/>
+          </p:cNvCxnSpPr>
+          <p:nvPr/>
+        </p:nvCxnSpPr>
+        <p:spPr>
+          <a:xfrm flipV="1">
+            <a:off x="5721365" y="5024970"/>
+            <a:ext cx="826084" cy="709776"/>
+          </a:xfrm>
+          <a:prstGeom prst="straightConnector1">
+            <a:avLst/>
+          </a:prstGeom>
+          <a:ln w="38100">
+            <a:solidFill>
+              <a:srgbClr val="0070C0"/>
+            </a:solidFill>
+            <a:tailEnd type="triangle"/>
+          </a:ln>
+        </p:spPr>
+        <p:style>
+          <a:lnRef idx="1">
+            <a:schemeClr val="accent2"/>
+          </a:lnRef>
+          <a:fillRef idx="0">
+            <a:schemeClr val="accent2"/>
+          </a:fillRef>
+          <a:effectRef idx="0">
+            <a:schemeClr val="accent2"/>
+          </a:effectRef>
+          <a:fontRef idx="minor">
+            <a:schemeClr val="tx1"/>
+          </a:fontRef>
+        </p:style>
+      </p:cxnSp>
+      <p:sp>
+        <p:nvSpPr>
+          <p:cNvPr id="13" name="ZoneTexte 10">
+            <a:extLst>
+              <a:ext uri="{FF2B5EF4-FFF2-40B4-BE49-F238E27FC236}">
+                <a16:creationId xmlns:a16="http://schemas.microsoft.com/office/drawing/2014/main" id="{155D1506-52C8-8559-B9C3-24235B4E9FB4}"/>
+              </a:ext>
+            </a:extLst>
+          </p:cNvPr>
+          <p:cNvSpPr txBox="1"/>
+          <p:nvPr/>
+        </p:nvSpPr>
+        <p:spPr>
+          <a:xfrm>
+            <a:off x="759126" y="5149971"/>
+            <a:ext cx="1682149" cy="584775"/>
+          </a:xfrm>
+          <a:prstGeom prst="rect">
+            <a:avLst/>
+          </a:prstGeom>
+          <a:noFill/>
+        </p:spPr>
+        <p:txBody>
+          <a:bodyPr wrap="square" rtlCol="0">
+            <a:spAutoFit/>
+          </a:bodyPr>
+          <a:lstStyle/>
+          <a:p>
+            <a:pPr algn="ctr"/>
+            <a:r>
+              <a:rPr lang="en-US" sz="1600" dirty="0">
+                <a:solidFill>
+                  <a:schemeClr val="accent1"/>
+                </a:solidFill>
+              </a:rPr>
+              <a:t>Web-based API, JSON, XML</a:t>
+            </a:r>
+          </a:p>
+        </p:txBody>
+      </p:sp>
+      <p:sp>
+        <p:nvSpPr>
+          <p:cNvPr id="14" name="ZoneTexte 10">
+            <a:extLst>
+              <a:ext uri="{FF2B5EF4-FFF2-40B4-BE49-F238E27FC236}">
+                <a16:creationId xmlns:a16="http://schemas.microsoft.com/office/drawing/2014/main" id="{284F3C0B-4B71-9738-92BB-C1FBC2330B33}"/>
+              </a:ext>
+            </a:extLst>
+          </p:cNvPr>
+          <p:cNvSpPr txBox="1"/>
+          <p:nvPr/>
+        </p:nvSpPr>
+        <p:spPr>
+          <a:xfrm>
+            <a:off x="4075772" y="5734746"/>
+            <a:ext cx="3291186" cy="830997"/>
+          </a:xfrm>
+          <a:prstGeom prst="rect">
+            <a:avLst/>
+          </a:prstGeom>
+          <a:noFill/>
+        </p:spPr>
+        <p:txBody>
+          <a:bodyPr wrap="square" rtlCol="0">
+            <a:spAutoFit/>
+          </a:bodyPr>
+          <a:lstStyle/>
+          <a:p>
+            <a:pPr algn="ctr"/>
+            <a:r>
+              <a:rPr lang="en-US" sz="1600" dirty="0">
+                <a:solidFill>
+                  <a:schemeClr val="accent1"/>
+                </a:solidFill>
+              </a:rPr>
+              <a:t>putting all of these explore parts together requires creativity and patience</a:t>
+            </a:r>
+          </a:p>
+        </p:txBody>
+      </p:sp>
+      <p:sp>
+        <p:nvSpPr>
+          <p:cNvPr id="20" name="Rectangle 19">
+            <a:extLst>
+              <a:ext uri="{FF2B5EF4-FFF2-40B4-BE49-F238E27FC236}">
+                <a16:creationId xmlns:a16="http://schemas.microsoft.com/office/drawing/2014/main" id="{DEEF6FAF-162B-C013-FB2D-F291BB3A95B2}"/>
+              </a:ext>
+            </a:extLst>
+          </p:cNvPr>
+          <p:cNvSpPr/>
+          <p:nvPr/>
+        </p:nvSpPr>
+        <p:spPr>
+          <a:xfrm>
+            <a:off x="10446589" y="2324523"/>
+            <a:ext cx="914400" cy="914400"/>
+          </a:xfrm>
+          <a:prstGeom prst="rect">
+            <a:avLst/>
+          </a:prstGeom>
+          <a:solidFill>
+            <a:schemeClr val="bg1"/>
+          </a:solidFill>
+          <a:ln>
+            <a:noFill/>
+          </a:ln>
+        </p:spPr>
+        <p:style>
+          <a:lnRef idx="2">
+            <a:schemeClr val="accent1">
+              <a:shade val="50000"/>
+            </a:schemeClr>
+          </a:lnRef>
+          <a:fillRef idx="1">
+            <a:schemeClr val="accent1"/>
+          </a:fillRef>
+          <a:effectRef idx="0">
+            <a:schemeClr val="accent1"/>
+          </a:effectRef>
+          <a:fontRef idx="minor">
+            <a:schemeClr val="lt1"/>
+          </a:fontRef>
+        </p:style>
+        <p:txBody>
+          <a:bodyPr rtlCol="0" anchor="ctr"/>
+          <a:lstStyle/>
+          <a:p>
+            <a:pPr algn="ctr"/>
+            <a:endParaRPr lang="en-US"/>
           </a:p>
         </p:txBody>
       </p:sp>
     </p:spTree>
     <p:extLst>
       <p:ext uri="{BB962C8B-B14F-4D97-AF65-F5344CB8AC3E}">
-        <p14:creationId xmlns:p14="http://schemas.microsoft.com/office/powerpoint/2010/main" val="1244887730"/>
+        <p14:creationId xmlns:p14="http://schemas.microsoft.com/office/powerpoint/2010/main" val="55531001"/>
       </p:ext>
     </p:extLst>
   </p:cSld>
@@ -5329,7 +5350,7 @@
             <a:pPr algn="ctr"/>
             <a:r>
               <a:rPr lang="fr-FR" sz="4800" b="1" u="sng" noProof="1"/>
-              <a:t>What will you learn?</a:t>
+              <a:t>What Kinds of Models?</a:t>
             </a:r>
           </a:p>
         </p:txBody>
@@ -5436,8 +5457,8 @@
         </p:nvSpPr>
         <p:spPr>
           <a:xfrm>
-            <a:off x="752361" y="1654113"/>
-            <a:ext cx="10938896" cy="2308324"/>
+            <a:off x="1111589" y="1207799"/>
+            <a:ext cx="10361953" cy="4893647"/>
           </a:xfrm>
           <a:prstGeom prst="rect">
             <a:avLst/>
@@ -5450,269 +5471,122 @@
           </a:bodyPr>
           <a:lstStyle/>
           <a:p>
-            <a:r>
-              <a:rPr lang="fr-FR" sz="2400" dirty="0"/>
-              <a:t>- </a:t>
-            </a:r>
-            <a:r>
-              <a:rPr lang="fr-FR" sz="2400" dirty="0" err="1"/>
-              <a:t>understand</a:t>
-            </a:r>
-            <a:r>
-              <a:rPr lang="fr-FR" sz="2400" dirty="0"/>
-              <a:t> the </a:t>
-            </a:r>
-            <a:r>
-              <a:rPr lang="fr-FR" sz="2400" dirty="0" err="1"/>
-              <a:t>terminology</a:t>
-            </a:r>
-            <a:r>
-              <a:rPr lang="fr-FR" sz="2400" dirty="0"/>
-              <a:t> of </a:t>
-            </a:r>
-            <a:r>
-              <a:rPr lang="fr-FR" sz="2400" dirty="0" err="1"/>
-              <a:t>predictive</a:t>
-            </a:r>
-            <a:r>
-              <a:rPr lang="fr-FR" sz="2400" dirty="0"/>
-              <a:t> and </a:t>
-            </a:r>
-            <a:r>
-              <a:rPr lang="fr-FR" sz="2400" dirty="0" err="1"/>
-              <a:t>unsupervised</a:t>
-            </a:r>
-            <a:r>
-              <a:rPr lang="fr-FR" sz="2400" dirty="0"/>
-              <a:t> ML </a:t>
-            </a:r>
-            <a:r>
-              <a:rPr lang="fr-FR" sz="2400" dirty="0" err="1"/>
-              <a:t>methods</a:t>
-            </a:r>
-            <a:endParaRPr lang="fr-FR" sz="2400" dirty="0"/>
-          </a:p>
-          <a:p>
-            <a:r>
-              <a:rPr lang="fr-FR" sz="2400" dirty="0"/>
-              <a:t>- how to </a:t>
-            </a:r>
-            <a:r>
-              <a:rPr lang="fr-FR" sz="2400" dirty="0" err="1"/>
-              <a:t>apply</a:t>
-            </a:r>
-            <a:r>
-              <a:rPr lang="fr-FR" sz="2400" dirty="0"/>
-              <a:t> a set of </a:t>
-            </a:r>
-            <a:r>
-              <a:rPr lang="fr-FR" sz="2400" dirty="0" err="1"/>
-              <a:t>methods</a:t>
-            </a:r>
-            <a:r>
-              <a:rPr lang="fr-FR" sz="2400" dirty="0"/>
-              <a:t> </a:t>
-            </a:r>
-            <a:r>
-              <a:rPr lang="fr-FR" sz="2400" dirty="0" err="1"/>
-              <a:t>using</a:t>
-            </a:r>
-            <a:r>
-              <a:rPr lang="fr-FR" sz="2400" dirty="0"/>
-              <a:t> the open-source R </a:t>
-            </a:r>
-            <a:r>
-              <a:rPr lang="fr-FR" sz="2400" dirty="0" err="1"/>
-              <a:t>programming</a:t>
-            </a:r>
-            <a:r>
-              <a:rPr lang="fr-FR" sz="2400" dirty="0"/>
-              <a:t> </a:t>
-            </a:r>
-            <a:r>
-              <a:rPr lang="fr-FR" sz="2400" dirty="0" err="1"/>
-              <a:t>language</a:t>
-            </a:r>
-            <a:endParaRPr lang="fr-FR" sz="2400" dirty="0"/>
-          </a:p>
-          <a:p>
-            <a:r>
-              <a:rPr lang="fr-FR" sz="2400" dirty="0"/>
-              <a:t>- how to use and </a:t>
-            </a:r>
-            <a:r>
-              <a:rPr lang="fr-FR" sz="2400" dirty="0" err="1"/>
-              <a:t>understand</a:t>
-            </a:r>
-            <a:r>
-              <a:rPr lang="fr-FR" sz="2400" dirty="0"/>
-              <a:t> a </a:t>
-            </a:r>
-            <a:r>
-              <a:rPr lang="fr-FR" sz="2400" dirty="0" err="1"/>
-              <a:t>core</a:t>
-            </a:r>
-            <a:r>
-              <a:rPr lang="fr-FR" sz="2400" dirty="0"/>
-              <a:t> set of </a:t>
-            </a:r>
-            <a:r>
-              <a:rPr lang="fr-FR" sz="2400" dirty="0" err="1"/>
-              <a:t>general-purpose</a:t>
-            </a:r>
-            <a:r>
-              <a:rPr lang="fr-FR" sz="2400" dirty="0"/>
-              <a:t>, </a:t>
-            </a:r>
-            <a:r>
-              <a:rPr lang="fr-FR" sz="2400" dirty="0" err="1"/>
-              <a:t>interpretable</a:t>
-            </a:r>
-            <a:r>
-              <a:rPr lang="fr-FR" sz="2400" dirty="0"/>
-              <a:t> ML </a:t>
-            </a:r>
-            <a:r>
-              <a:rPr lang="fr-FR" sz="2400" dirty="0" err="1"/>
-              <a:t>methods</a:t>
-            </a:r>
-            <a:endParaRPr lang="fr-FR" sz="2400" dirty="0"/>
-          </a:p>
-          <a:p>
-            <a:r>
-              <a:rPr lang="fr-FR" sz="2400" dirty="0"/>
-              <a:t>- how to use and </a:t>
-            </a:r>
-            <a:r>
-              <a:rPr lang="fr-FR" sz="2400" dirty="0" err="1"/>
-              <a:t>understand</a:t>
-            </a:r>
-            <a:r>
-              <a:rPr lang="fr-FR" sz="2400" dirty="0"/>
-              <a:t> </a:t>
-            </a:r>
-            <a:r>
-              <a:rPr lang="fr-FR" sz="2400" dirty="0" err="1"/>
-              <a:t>several</a:t>
-            </a:r>
-            <a:r>
-              <a:rPr lang="fr-FR" sz="2400" dirty="0"/>
-              <a:t> </a:t>
-            </a:r>
-            <a:r>
-              <a:rPr lang="fr-FR" sz="2400" dirty="0" err="1"/>
-              <a:t>specific</a:t>
-            </a:r>
-            <a:r>
-              <a:rPr lang="fr-FR" sz="2400" dirty="0"/>
-              <a:t> </a:t>
-            </a:r>
-            <a:r>
-              <a:rPr lang="fr-FR" sz="2400" dirty="0" err="1"/>
-              <a:t>methods</a:t>
-            </a:r>
-            <a:r>
-              <a:rPr lang="fr-FR" sz="2400" dirty="0"/>
-              <a:t> for </a:t>
-            </a:r>
-            <a:r>
-              <a:rPr lang="fr-FR" sz="2400" dirty="0" err="1"/>
-              <a:t>working</a:t>
-            </a:r>
-            <a:r>
-              <a:rPr lang="fr-FR" sz="2400" dirty="0"/>
-              <a:t> </a:t>
-            </a:r>
-            <a:r>
-              <a:rPr lang="fr-FR" sz="2400" dirty="0" err="1"/>
-              <a:t>with</a:t>
-            </a:r>
-            <a:r>
-              <a:rPr lang="fr-FR" sz="2400" dirty="0"/>
-              <a:t> </a:t>
-            </a:r>
-            <a:r>
-              <a:rPr lang="fr-FR" sz="2400" dirty="0" err="1"/>
-              <a:t>textual</a:t>
-            </a:r>
-            <a:r>
-              <a:rPr lang="fr-FR" sz="2400" dirty="0"/>
-              <a:t> data</a:t>
-            </a:r>
-          </a:p>
-          <a:p>
-            <a:r>
-              <a:rPr lang="fr-FR" sz="2400" dirty="0"/>
-              <a:t>- how to </a:t>
-            </a:r>
-            <a:r>
-              <a:rPr lang="fr-FR" sz="2400" dirty="0" err="1"/>
-              <a:t>summarise</a:t>
-            </a:r>
-            <a:r>
-              <a:rPr lang="fr-FR" sz="2400" dirty="0"/>
-              <a:t> and </a:t>
-            </a:r>
-            <a:r>
-              <a:rPr lang="fr-FR" sz="2400" dirty="0" err="1"/>
-              <a:t>present</a:t>
-            </a:r>
-            <a:r>
-              <a:rPr lang="fr-FR" sz="2400" dirty="0"/>
-              <a:t> the </a:t>
-            </a:r>
-            <a:r>
-              <a:rPr lang="fr-FR" sz="2400" dirty="0" err="1"/>
-              <a:t>results</a:t>
-            </a:r>
-            <a:r>
-              <a:rPr lang="fr-FR" sz="2400" dirty="0"/>
-              <a:t> of an </a:t>
-            </a:r>
-            <a:r>
-              <a:rPr lang="fr-FR" sz="2400" dirty="0" err="1"/>
-              <a:t>exploratory</a:t>
-            </a:r>
-            <a:r>
-              <a:rPr lang="fr-FR" sz="2400" dirty="0"/>
-              <a:t> </a:t>
-            </a:r>
-            <a:r>
-              <a:rPr lang="fr-FR" sz="2400" dirty="0" err="1"/>
-              <a:t>analysis</a:t>
-            </a:r>
-            <a:r>
-              <a:rPr lang="fr-FR" sz="2400" dirty="0"/>
-              <a:t> of data </a:t>
-            </a:r>
-            <a:r>
-              <a:rPr lang="fr-FR" sz="2400" dirty="0" err="1"/>
-              <a:t>that</a:t>
-            </a:r>
-            <a:r>
-              <a:rPr lang="fr-FR" sz="2400" dirty="0"/>
-              <a:t> </a:t>
-            </a:r>
-            <a:r>
-              <a:rPr lang="fr-FR" sz="2400" dirty="0" err="1"/>
-              <a:t>integrates</a:t>
-            </a:r>
-            <a:r>
-              <a:rPr lang="fr-FR" sz="2400" dirty="0"/>
-              <a:t> ML </a:t>
-            </a:r>
-            <a:r>
-              <a:rPr lang="fr-FR" sz="2400" dirty="0" err="1"/>
-              <a:t>methods</a:t>
-            </a:r>
-            <a:endParaRPr lang="fr-FR" sz="2400" dirty="0"/>
+            <a:pPr algn="just"/>
+            <a:r>
+              <a:rPr lang="en-US" sz="2400" i="1" dirty="0"/>
+              <a:t>Machine Learning </a:t>
+            </a:r>
+            <a:r>
+              <a:rPr lang="en-US" sz="2400" dirty="0"/>
+              <a:t>vs </a:t>
+            </a:r>
+            <a:r>
+              <a:rPr lang="en-US" sz="2400" i="1" dirty="0"/>
+              <a:t>Statistical Learning</a:t>
+            </a:r>
+            <a:r>
+              <a:rPr lang="en-US" sz="2400" dirty="0"/>
+              <a:t>: different histories but the same thing</a:t>
+            </a:r>
+          </a:p>
+          <a:p>
+            <a:pPr algn="just"/>
+            <a:endParaRPr lang="en-US" sz="2400" dirty="0"/>
+          </a:p>
+          <a:p>
+            <a:pPr algn="just"/>
+            <a:r>
+              <a:rPr lang="en-US" sz="2400" dirty="0"/>
+              <a:t>Machine Learning (ML) is a branch of artificial intelligence that uses data to create models. Methods mostly fall into three groups:</a:t>
+            </a:r>
+          </a:p>
+          <a:p>
+            <a:pPr algn="just"/>
+            <a:endParaRPr lang="en-US" sz="2400" dirty="0"/>
+          </a:p>
+          <a:p>
+            <a:pPr algn="just"/>
+            <a:r>
+              <a:rPr lang="en-US" sz="2400" dirty="0"/>
+              <a:t>  	– </a:t>
+            </a:r>
+            <a:r>
+              <a:rPr lang="en-US" sz="2400" b="1" dirty="0"/>
+              <a:t>Supervised Learning</a:t>
+            </a:r>
+            <a:r>
+              <a:rPr lang="en-US" sz="2400" dirty="0"/>
+              <a:t>:         detect patterns in order to make predictions</a:t>
+            </a:r>
+          </a:p>
+          <a:p>
+            <a:pPr algn="just"/>
+            <a:r>
+              <a:rPr lang="en-US" sz="2400" dirty="0"/>
+              <a:t>	                                                   about new data</a:t>
+            </a:r>
+          </a:p>
+          <a:p>
+            <a:pPr algn="just"/>
+            <a:r>
+              <a:rPr lang="en-US" sz="2400" dirty="0"/>
+              <a:t>  	– </a:t>
+            </a:r>
+            <a:r>
+              <a:rPr lang="en-US" sz="2400" b="1" dirty="0"/>
+              <a:t>Unsupervised Learning</a:t>
+            </a:r>
+            <a:r>
+              <a:rPr lang="en-US" sz="2400" dirty="0"/>
+              <a:t>:    detect patterns in order to organize and </a:t>
+            </a:r>
+          </a:p>
+          <a:p>
+            <a:pPr algn="just"/>
+            <a:r>
+              <a:rPr lang="en-US" sz="2400" dirty="0"/>
+              <a:t>                                                                 structure data</a:t>
+            </a:r>
+          </a:p>
+          <a:p>
+            <a:pPr algn="just"/>
+            <a:r>
+              <a:rPr lang="en-US" sz="2400" dirty="0"/>
+              <a:t>	– </a:t>
+            </a:r>
+            <a:r>
+              <a:rPr lang="en-US" sz="2400" b="1" dirty="0"/>
+              <a:t>Reinforcement Learning</a:t>
+            </a:r>
+            <a:r>
+              <a:rPr lang="en-US" sz="2400" dirty="0"/>
+              <a:t>:  detect patterns in order to make complex</a:t>
+            </a:r>
+          </a:p>
+          <a:p>
+            <a:pPr algn="just"/>
+            <a:r>
+              <a:rPr lang="en-US" sz="2400" dirty="0"/>
+              <a:t>                                                                 decisions</a:t>
+            </a:r>
+          </a:p>
+          <a:p>
+            <a:pPr algn="just"/>
+            <a:endParaRPr lang="en-US" sz="2400" dirty="0"/>
+          </a:p>
+          <a:p>
+            <a:pPr algn="just"/>
+            <a:r>
+              <a:rPr lang="en-US" sz="2400" dirty="0"/>
+              <a:t>These are not disjoint areas, though, many tasks require a mixture of methods.</a:t>
+            </a:r>
           </a:p>
         </p:txBody>
       </p:sp>
     </p:spTree>
     <p:extLst>
       <p:ext uri="{BB962C8B-B14F-4D97-AF65-F5344CB8AC3E}">
-        <p14:creationId xmlns:p14="http://schemas.microsoft.com/office/powerpoint/2010/main" val="2531183563"/>
+        <p14:creationId xmlns:p14="http://schemas.microsoft.com/office/powerpoint/2010/main" val="2049307912"/>
       </p:ext>
     </p:extLst>
   </p:cSld>
@@ -5753,8 +5627,8 @@
         </p:nvSpPr>
         <p:spPr>
           <a:xfrm>
-            <a:off x="1777724" y="263351"/>
-            <a:ext cx="8636551" cy="830997"/>
+            <a:off x="2412449" y="187151"/>
+            <a:ext cx="7367101" cy="830997"/>
           </a:xfrm>
           <a:prstGeom prst="rect">
             <a:avLst/>
@@ -5770,7 +5644,7 @@
             <a:pPr algn="ctr"/>
             <a:r>
               <a:rPr lang="fr-FR" sz="4800" b="1" u="sng" noProof="1"/>
-              <a:t>What won't you (directly) learn?</a:t>
+              <a:t>Examples</a:t>
             </a:r>
           </a:p>
         </p:txBody>
@@ -5877,8 +5751,8 @@
         </p:nvSpPr>
         <p:spPr>
           <a:xfrm>
-            <a:off x="2276360" y="1807825"/>
-            <a:ext cx="8163039" cy="2246769"/>
+            <a:off x="1121850" y="1002153"/>
+            <a:ext cx="10765350" cy="5324535"/>
           </a:xfrm>
           <a:prstGeom prst="rect">
             <a:avLst/>
@@ -5892,124 +5766,628 @@
           <a:lstStyle/>
           <a:p>
             <a:r>
-              <a:rPr lang="fr-FR" sz="2800" dirty="0"/>
-              <a:t>- a </a:t>
-            </a:r>
-            <a:r>
-              <a:rPr lang="fr-FR" sz="2800" dirty="0" err="1"/>
-              <a:t>laundry-list</a:t>
-            </a:r>
-            <a:r>
-              <a:rPr lang="fr-FR" sz="2800" dirty="0"/>
-              <a:t> of </a:t>
-            </a:r>
-            <a:r>
-              <a:rPr lang="fr-FR" sz="2800" dirty="0" err="1"/>
-              <a:t>dozens</a:t>
-            </a:r>
-            <a:r>
-              <a:rPr lang="fr-FR" sz="2800" dirty="0"/>
+              <a:rPr lang="fr-FR" sz="2000" dirty="0" err="1"/>
+              <a:t>Here</a:t>
+            </a:r>
+            <a:r>
+              <a:rPr lang="fr-FR" sz="2000" dirty="0"/>
+              <a:t> are </a:t>
+            </a:r>
+            <a:r>
+              <a:rPr lang="fr-FR" sz="2000" dirty="0" err="1"/>
+              <a:t>some</a:t>
+            </a:r>
+            <a:r>
+              <a:rPr lang="fr-FR" sz="2000" dirty="0"/>
+              <a:t> </a:t>
+            </a:r>
+            <a:r>
+              <a:rPr lang="fr-FR" sz="2000" dirty="0" err="1"/>
+              <a:t>examples</a:t>
+            </a:r>
+            <a:r>
+              <a:rPr lang="fr-FR" sz="2000" dirty="0"/>
               <a:t> of ML </a:t>
             </a:r>
             <a:r>
-              <a:rPr lang="fr-FR" sz="2800" dirty="0" err="1"/>
+              <a:rPr lang="fr-FR" sz="2000" dirty="0" err="1"/>
+              <a:t>tasks</a:t>
+            </a:r>
+            <a:r>
+              <a:rPr lang="fr-FR" sz="2000" dirty="0"/>
+              <a:t>. </a:t>
+            </a:r>
+            <a:r>
+              <a:rPr lang="fr-FR" sz="2000" dirty="0" err="1"/>
+              <a:t>They</a:t>
+            </a:r>
+            <a:r>
+              <a:rPr lang="fr-FR" sz="2000" dirty="0"/>
+              <a:t> are </a:t>
+            </a:r>
+            <a:r>
+              <a:rPr lang="fr-FR" sz="2000" dirty="0" err="1"/>
+              <a:t>organized</a:t>
+            </a:r>
+            <a:r>
+              <a:rPr lang="fr-FR" sz="2000" dirty="0"/>
+              <a:t> by the canonical type of machine </a:t>
+            </a:r>
+            <a:r>
+              <a:rPr lang="fr-FR" sz="2000" dirty="0" err="1"/>
+              <a:t>learning</a:t>
+            </a:r>
+            <a:r>
+              <a:rPr lang="fr-FR" sz="2000" dirty="0"/>
+              <a:t> </a:t>
+            </a:r>
+            <a:r>
+              <a:rPr lang="fr-FR" sz="2000" dirty="0" err="1"/>
+              <a:t>that</a:t>
+            </a:r>
+            <a:r>
+              <a:rPr lang="fr-FR" sz="2000" dirty="0"/>
+              <a:t> </a:t>
+            </a:r>
+            <a:r>
+              <a:rPr lang="fr-FR" sz="2000" dirty="0" err="1"/>
+              <a:t>each</a:t>
+            </a:r>
+            <a:r>
+              <a:rPr lang="fr-FR" sz="2000" dirty="0"/>
+              <a:t> </a:t>
+            </a:r>
+            <a:r>
+              <a:rPr lang="fr-FR" sz="2000" dirty="0" err="1"/>
+              <a:t>is</a:t>
+            </a:r>
+            <a:r>
+              <a:rPr lang="fr-FR" sz="2000" dirty="0"/>
+              <a:t> </a:t>
+            </a:r>
+            <a:r>
+              <a:rPr lang="fr-FR" sz="2000" dirty="0" err="1"/>
+              <a:t>usually</a:t>
+            </a:r>
+            <a:r>
+              <a:rPr lang="fr-FR" sz="2000" dirty="0"/>
+              <a:t> </a:t>
+            </a:r>
+            <a:r>
+              <a:rPr lang="fr-FR" sz="2000" dirty="0" err="1"/>
+              <a:t>associated</a:t>
+            </a:r>
+            <a:r>
+              <a:rPr lang="fr-FR" sz="2000" dirty="0"/>
+              <a:t> </a:t>
+            </a:r>
+            <a:r>
+              <a:rPr lang="fr-FR" sz="2000" dirty="0" err="1"/>
+              <a:t>with</a:t>
+            </a:r>
+            <a:r>
+              <a:rPr lang="fr-FR" sz="2000" dirty="0"/>
+              <a:t>, </a:t>
+            </a:r>
+            <a:r>
+              <a:rPr lang="fr-FR" sz="2000" dirty="0" err="1"/>
+              <a:t>though</a:t>
+            </a:r>
+            <a:r>
+              <a:rPr lang="fr-FR" sz="2000" dirty="0"/>
+              <a:t> the optimal </a:t>
+            </a:r>
+            <a:r>
+              <a:rPr lang="fr-FR" sz="2000" dirty="0" err="1"/>
+              <a:t>approach</a:t>
+            </a:r>
+            <a:r>
+              <a:rPr lang="fr-FR" sz="2000" dirty="0"/>
+              <a:t> </a:t>
+            </a:r>
+            <a:r>
+              <a:rPr lang="fr-FR" sz="2000" dirty="0" err="1"/>
+              <a:t>may</a:t>
+            </a:r>
+            <a:r>
+              <a:rPr lang="fr-FR" sz="2000" dirty="0"/>
+              <a:t> </a:t>
+            </a:r>
+            <a:r>
+              <a:rPr lang="fr-FR" sz="2000" dirty="0" err="1"/>
+              <a:t>involve</a:t>
+            </a:r>
+            <a:r>
+              <a:rPr lang="fr-FR" sz="2000" dirty="0"/>
+              <a:t> a mixture of </a:t>
+            </a:r>
+            <a:r>
+              <a:rPr lang="fr-FR" sz="2000" dirty="0" err="1"/>
               <a:t>methods</a:t>
             </a:r>
-            <a:endParaRPr lang="fr-FR" sz="2800" dirty="0"/>
-          </a:p>
-          <a:p>
-            <a:r>
-              <a:rPr lang="fr-FR" sz="2800" dirty="0"/>
+            <a:r>
+              <a:rPr lang="fr-FR" sz="2000" dirty="0"/>
+              <a:t>.</a:t>
+            </a:r>
+          </a:p>
+          <a:p>
+            <a:br>
+              <a:rPr lang="fr-FR" sz="2000" dirty="0"/>
+            </a:br>
+            <a:r>
+              <a:rPr lang="fr-FR" sz="2000" b="1" dirty="0" err="1"/>
+              <a:t>Supervised</a:t>
+            </a:r>
+            <a:r>
+              <a:rPr lang="fr-FR" sz="2000" b="1" dirty="0"/>
+              <a:t> Learning</a:t>
+            </a:r>
+            <a:endParaRPr lang="fr-FR" sz="2000" dirty="0"/>
+          </a:p>
+          <a:p>
+            <a:r>
+              <a:rPr lang="fr-FR" sz="2000" dirty="0"/>
+              <a:t>  - </a:t>
+            </a:r>
+            <a:r>
+              <a:rPr lang="fr-FR" sz="2000" dirty="0" err="1"/>
+              <a:t>Predict</a:t>
+            </a:r>
+            <a:r>
+              <a:rPr lang="fr-FR" sz="2000" dirty="0"/>
+              <a:t> the sale </a:t>
+            </a:r>
+            <a:r>
+              <a:rPr lang="fr-FR" sz="2000" dirty="0" err="1"/>
+              <a:t>price</a:t>
+            </a:r>
+            <a:r>
+              <a:rPr lang="fr-FR" sz="2000" dirty="0"/>
+              <a:t> of a house </a:t>
+            </a:r>
+            <a:r>
+              <a:rPr lang="fr-FR" sz="2000" dirty="0" err="1"/>
+              <a:t>based</a:t>
+            </a:r>
+            <a:r>
+              <a:rPr lang="fr-FR" sz="2000" dirty="0"/>
+              <a:t> on </a:t>
+            </a:r>
+            <a:r>
+              <a:rPr lang="fr-FR" sz="2000" dirty="0" err="1"/>
+              <a:t>its</a:t>
+            </a:r>
+            <a:r>
+              <a:rPr lang="fr-FR" sz="2000" dirty="0"/>
+              <a:t> size and location.</a:t>
+            </a:r>
+          </a:p>
+          <a:p>
+            <a:r>
+              <a:rPr lang="fr-FR" sz="2000" dirty="0"/>
+              <a:t>  - </a:t>
+            </a:r>
+            <a:r>
+              <a:rPr lang="fr-FR" sz="2000" dirty="0" err="1"/>
+              <a:t>Predict</a:t>
+            </a:r>
+            <a:r>
+              <a:rPr lang="fr-FR" sz="2000" dirty="0"/>
+              <a:t> </a:t>
+            </a:r>
+            <a:r>
+              <a:rPr lang="fr-FR" sz="2000" dirty="0" err="1"/>
+              <a:t>whether</a:t>
+            </a:r>
+            <a:r>
+              <a:rPr lang="fr-FR" sz="2000" dirty="0"/>
+              <a:t> an email message </a:t>
+            </a:r>
+            <a:r>
+              <a:rPr lang="fr-FR" sz="2000" dirty="0" err="1"/>
+              <a:t>should</a:t>
+            </a:r>
+            <a:r>
+              <a:rPr lang="fr-FR" sz="2000" dirty="0"/>
+              <a:t> </a:t>
+            </a:r>
+            <a:r>
+              <a:rPr lang="fr-FR" sz="2000" dirty="0" err="1"/>
+              <a:t>be</a:t>
+            </a:r>
+            <a:r>
+              <a:rPr lang="fr-FR" sz="2000" dirty="0"/>
+              <a:t> put </a:t>
+            </a:r>
+            <a:r>
+              <a:rPr lang="fr-FR" sz="2000" dirty="0" err="1"/>
+              <a:t>into</a:t>
+            </a:r>
+            <a:r>
+              <a:rPr lang="fr-FR" sz="2000" dirty="0"/>
+              <a:t> a </a:t>
+            </a:r>
+            <a:r>
+              <a:rPr lang="fr-FR" sz="2000" dirty="0" err="1"/>
+              <a:t>user's</a:t>
+            </a:r>
+            <a:r>
+              <a:rPr lang="fr-FR" sz="2000" dirty="0"/>
+              <a:t> spam box.</a:t>
+            </a:r>
+          </a:p>
+          <a:p>
+            <a:r>
+              <a:rPr lang="fr-FR" sz="2000" dirty="0"/>
+              <a:t>  - </a:t>
+            </a:r>
+            <a:r>
+              <a:rPr lang="fr-FR" sz="2000" dirty="0" err="1"/>
+              <a:t>Find</a:t>
+            </a:r>
+            <a:r>
+              <a:rPr lang="fr-FR" sz="2000" dirty="0"/>
+              <a:t> and </a:t>
+            </a:r>
+            <a:r>
+              <a:rPr lang="fr-FR" sz="2000" dirty="0" err="1"/>
+              <a:t>identify</a:t>
+            </a:r>
+            <a:r>
+              <a:rPr lang="fr-FR" sz="2000" dirty="0"/>
+              <a:t> all the faces </a:t>
+            </a:r>
+            <a:r>
+              <a:rPr lang="fr-FR" sz="2000" dirty="0" err="1"/>
+              <a:t>found</a:t>
+            </a:r>
+            <a:r>
+              <a:rPr lang="fr-FR" sz="2000" dirty="0"/>
+              <a:t> in a </a:t>
+            </a:r>
+            <a:r>
+              <a:rPr lang="fr-FR" sz="2000" dirty="0" err="1"/>
+              <a:t>video</a:t>
+            </a:r>
+            <a:r>
+              <a:rPr lang="fr-FR" sz="2000" dirty="0"/>
+              <a:t> </a:t>
+            </a:r>
+            <a:r>
+              <a:rPr lang="fr-FR" sz="2000" dirty="0" err="1"/>
+              <a:t>feed</a:t>
+            </a:r>
+            <a:r>
+              <a:rPr lang="fr-FR" sz="2000" dirty="0"/>
+              <a:t>.</a:t>
+            </a:r>
+          </a:p>
+          <a:p>
+            <a:endParaRPr lang="fr-FR" sz="2000" dirty="0"/>
+          </a:p>
+          <a:p>
+            <a:r>
+              <a:rPr lang="fr-FR" sz="2000" b="1" dirty="0" err="1"/>
+              <a:t>Unsupervised</a:t>
+            </a:r>
+            <a:r>
+              <a:rPr lang="fr-FR" sz="2000" b="1" dirty="0"/>
+              <a:t> Learning</a:t>
+            </a:r>
+            <a:endParaRPr lang="fr-FR" sz="2000" dirty="0"/>
+          </a:p>
+          <a:p>
+            <a:r>
+              <a:rPr lang="fr-FR" sz="2000" dirty="0"/>
+              <a:t>- Cluster a collection of news </a:t>
+            </a:r>
+            <a:r>
+              <a:rPr lang="fr-FR" sz="2000" dirty="0" err="1"/>
+              <a:t>paper</a:t>
+            </a:r>
+            <a:r>
+              <a:rPr lang="fr-FR" sz="2000" dirty="0"/>
+              <a:t> articles by </a:t>
+            </a:r>
+            <a:r>
+              <a:rPr lang="fr-FR" sz="2000" dirty="0" err="1"/>
+              <a:t>themes</a:t>
+            </a:r>
+            <a:r>
+              <a:rPr lang="fr-FR" sz="2000" dirty="0"/>
+              <a:t>.</a:t>
+            </a:r>
+          </a:p>
+          <a:p>
+            <a:r>
+              <a:rPr lang="fr-FR" sz="2000" dirty="0"/>
               <a:t>- </a:t>
             </a:r>
             <a:r>
-              <a:rPr lang="fr-FR" sz="2800" dirty="0" err="1"/>
-              <a:t>theoretical</a:t>
-            </a:r>
-            <a:r>
-              <a:rPr lang="fr-FR" sz="2800" dirty="0"/>
-              <a:t> justification/</a:t>
-            </a:r>
-            <a:r>
-              <a:rPr lang="fr-FR" sz="2800" dirty="0" err="1"/>
-              <a:t>analysis</a:t>
-            </a:r>
-            <a:r>
-              <a:rPr lang="fr-FR" sz="2800" dirty="0"/>
-              <a:t> of ML </a:t>
-            </a:r>
-            <a:r>
-              <a:rPr lang="fr-FR" sz="2800" dirty="0" err="1"/>
-              <a:t>methods</a:t>
-            </a:r>
-            <a:endParaRPr lang="fr-FR" sz="2800" dirty="0"/>
-          </a:p>
-          <a:p>
-            <a:r>
-              <a:rPr lang="fr-FR" sz="2800" dirty="0"/>
+              <a:rPr lang="fr-FR" sz="2000" dirty="0" err="1"/>
+              <a:t>Find</a:t>
+            </a:r>
+            <a:r>
+              <a:rPr lang="fr-FR" sz="2000" dirty="0"/>
+              <a:t> and </a:t>
+            </a:r>
+            <a:r>
+              <a:rPr lang="fr-FR" sz="2000" dirty="0" err="1"/>
+              <a:t>recommend</a:t>
+            </a:r>
+            <a:r>
+              <a:rPr lang="fr-FR" sz="2000" dirty="0"/>
+              <a:t> </a:t>
+            </a:r>
+            <a:r>
+              <a:rPr lang="fr-FR" sz="2000" dirty="0" err="1"/>
+              <a:t>similar</a:t>
+            </a:r>
+            <a:r>
+              <a:rPr lang="fr-FR" sz="2000" dirty="0"/>
+              <a:t> </a:t>
+            </a:r>
+            <a:r>
+              <a:rPr lang="fr-FR" sz="2000" dirty="0" err="1"/>
+              <a:t>products</a:t>
+            </a:r>
+            <a:r>
+              <a:rPr lang="fr-FR" sz="2000" dirty="0"/>
+              <a:t> to </a:t>
+            </a:r>
+            <a:r>
+              <a:rPr lang="fr-FR" sz="2000" dirty="0" err="1"/>
+              <a:t>users</a:t>
+            </a:r>
+            <a:r>
+              <a:rPr lang="fr-FR" sz="2000" dirty="0"/>
+              <a:t> on a digital commerce </a:t>
+            </a:r>
+            <a:r>
+              <a:rPr lang="fr-FR" sz="2000" dirty="0" err="1"/>
+              <a:t>website</a:t>
+            </a:r>
+            <a:r>
+              <a:rPr lang="fr-FR" sz="2000" dirty="0"/>
+              <a:t>.</a:t>
+            </a:r>
+          </a:p>
+          <a:p>
+            <a:r>
+              <a:rPr lang="fr-FR" sz="2000" dirty="0"/>
+              <a:t>- Flag </a:t>
+            </a:r>
+            <a:r>
+              <a:rPr lang="fr-FR" sz="2000" dirty="0" err="1"/>
+              <a:t>suspicious</a:t>
+            </a:r>
+            <a:r>
+              <a:rPr lang="fr-FR" sz="2000" dirty="0"/>
+              <a:t> </a:t>
+            </a:r>
+            <a:r>
+              <a:rPr lang="fr-FR" sz="2000" dirty="0" err="1"/>
+              <a:t>product</a:t>
+            </a:r>
+            <a:r>
+              <a:rPr lang="fr-FR" sz="2000" dirty="0"/>
+              <a:t> </a:t>
+            </a:r>
+            <a:r>
+              <a:rPr lang="fr-FR" sz="2000" dirty="0" err="1"/>
+              <a:t>reviews</a:t>
+            </a:r>
+            <a:r>
+              <a:rPr lang="fr-FR" sz="2000" dirty="0"/>
+              <a:t> </a:t>
+            </a:r>
+            <a:r>
+              <a:rPr lang="fr-FR" sz="2000" dirty="0" err="1"/>
+              <a:t>that</a:t>
+            </a:r>
+            <a:r>
+              <a:rPr lang="fr-FR" sz="2000" dirty="0"/>
+              <a:t> </a:t>
+            </a:r>
+            <a:r>
+              <a:rPr lang="fr-FR" sz="2000" dirty="0" err="1"/>
+              <a:t>should</a:t>
+            </a:r>
+            <a:r>
+              <a:rPr lang="fr-FR" sz="2000" dirty="0"/>
+              <a:t> </a:t>
+            </a:r>
+            <a:r>
+              <a:rPr lang="fr-FR" sz="2000" dirty="0" err="1"/>
+              <a:t>be</a:t>
+            </a:r>
+            <a:r>
+              <a:rPr lang="fr-FR" sz="2000" dirty="0"/>
+              <a:t> </a:t>
+            </a:r>
+            <a:r>
+              <a:rPr lang="fr-FR" sz="2000" dirty="0" err="1"/>
+              <a:t>manually</a:t>
+            </a:r>
+            <a:r>
+              <a:rPr lang="fr-FR" sz="2000" dirty="0"/>
+              <a:t> </a:t>
+            </a:r>
+            <a:r>
+              <a:rPr lang="fr-FR" sz="2000" dirty="0" err="1"/>
+              <a:t>investigated</a:t>
+            </a:r>
+            <a:r>
+              <a:rPr lang="fr-FR" sz="2000" dirty="0"/>
+              <a:t> for </a:t>
+            </a:r>
+            <a:r>
+              <a:rPr lang="fr-FR" sz="2000" dirty="0" err="1"/>
+              <a:t>fraud</a:t>
+            </a:r>
+            <a:r>
+              <a:rPr lang="fr-FR" sz="2000" dirty="0"/>
+              <a:t>.</a:t>
+            </a:r>
+          </a:p>
+          <a:p>
+            <a:endParaRPr lang="fr-FR" sz="2000" b="1" dirty="0"/>
+          </a:p>
+          <a:p>
+            <a:r>
+              <a:rPr lang="fr-FR" sz="2000" b="1" dirty="0" err="1"/>
+              <a:t>Reinforcement</a:t>
+            </a:r>
+            <a:r>
+              <a:rPr lang="fr-FR" sz="2000" b="1" dirty="0"/>
+              <a:t> Learning</a:t>
+            </a:r>
+            <a:endParaRPr lang="fr-FR" sz="2000" dirty="0"/>
+          </a:p>
+          <a:p>
+            <a:r>
+              <a:rPr lang="fr-FR" sz="2000" dirty="0"/>
               <a:t>- </a:t>
             </a:r>
             <a:r>
-              <a:rPr lang="fr-FR" sz="2800" dirty="0" err="1"/>
-              <a:t>implementation</a:t>
-            </a:r>
-            <a:r>
-              <a:rPr lang="fr-FR" sz="2800" dirty="0"/>
+              <a:rPr lang="fr-FR" sz="2000" dirty="0" err="1"/>
+              <a:t>Build</a:t>
+            </a:r>
+            <a:r>
+              <a:rPr lang="fr-FR" sz="2000" dirty="0"/>
+              <a:t> an </a:t>
+            </a:r>
+            <a:r>
+              <a:rPr lang="fr-FR" sz="2000" dirty="0" err="1"/>
+              <a:t>algorithm</a:t>
+            </a:r>
+            <a:r>
+              <a:rPr lang="fr-FR" sz="2000" dirty="0"/>
+              <a:t> to </a:t>
+            </a:r>
+            <a:r>
+              <a:rPr lang="fr-FR" sz="2000" dirty="0" err="1"/>
+              <a:t>play</a:t>
+            </a:r>
+            <a:r>
+              <a:rPr lang="fr-FR" sz="2000" dirty="0"/>
+              <a:t> a </a:t>
+            </a:r>
+            <a:r>
+              <a:rPr lang="fr-FR" sz="2000" dirty="0" err="1"/>
+              <a:t>game</a:t>
+            </a:r>
+            <a:r>
+              <a:rPr lang="fr-FR" sz="2000" dirty="0"/>
+              <a:t>, </a:t>
+            </a:r>
+            <a:r>
+              <a:rPr lang="fr-FR" sz="2000" dirty="0" err="1"/>
+              <a:t>such</a:t>
+            </a:r>
+            <a:r>
+              <a:rPr lang="fr-FR" sz="2000" dirty="0"/>
+              <a:t> as </a:t>
+            </a:r>
+            <a:r>
+              <a:rPr lang="fr-FR" sz="2000" dirty="0" err="1"/>
+              <a:t>checkers</a:t>
+            </a:r>
+            <a:r>
+              <a:rPr lang="fr-FR" sz="2000" dirty="0"/>
+              <a:t> or </a:t>
+            </a:r>
+            <a:r>
+              <a:rPr lang="fr-FR" sz="2000" dirty="0" err="1"/>
+              <a:t>chess</a:t>
+            </a:r>
+            <a:r>
+              <a:rPr lang="fr-FR" sz="2000" dirty="0"/>
+              <a:t>, </a:t>
+            </a:r>
+            <a:r>
+              <a:rPr lang="fr-FR" sz="2000" dirty="0" err="1"/>
+              <a:t>against</a:t>
+            </a:r>
+            <a:r>
+              <a:rPr lang="fr-FR" sz="2000" dirty="0"/>
+              <a:t> a </a:t>
+            </a:r>
+            <a:r>
+              <a:rPr lang="fr-FR" sz="2000" dirty="0" err="1"/>
+              <a:t>human</a:t>
+            </a:r>
+            <a:r>
+              <a:rPr lang="fr-FR" sz="2000" dirty="0"/>
+              <a:t>.</a:t>
+            </a:r>
+          </a:p>
+          <a:p>
+            <a:r>
+              <a:rPr lang="fr-FR" sz="2000" dirty="0"/>
+              <a:t>- </a:t>
+            </a:r>
+            <a:r>
+              <a:rPr lang="fr-FR" sz="2000" dirty="0" err="1"/>
+              <a:t>Determine</a:t>
+            </a:r>
+            <a:r>
+              <a:rPr lang="fr-FR" sz="2000" dirty="0"/>
+              <a:t> a </a:t>
+            </a:r>
+            <a:r>
+              <a:rPr lang="fr-FR" sz="2000" dirty="0" err="1"/>
+              <a:t>way</a:t>
+            </a:r>
+            <a:r>
+              <a:rPr lang="fr-FR" sz="2000" dirty="0"/>
+              <a:t> to </a:t>
+            </a:r>
+            <a:r>
+              <a:rPr lang="fr-FR" sz="2000" dirty="0" err="1"/>
+              <a:t>optimally</a:t>
+            </a:r>
+            <a:r>
+              <a:rPr lang="fr-FR" sz="2000" dirty="0"/>
               <a:t> </a:t>
             </a:r>
             <a:r>
-              <a:rPr lang="fr-FR" sz="2800" dirty="0" err="1"/>
-              <a:t>details</a:t>
-            </a:r>
-            <a:r>
-              <a:rPr lang="fr-FR" sz="2800" dirty="0"/>
-              <a:t> of ML </a:t>
-            </a:r>
-            <a:r>
-              <a:rPr lang="fr-FR" sz="2800" dirty="0" err="1"/>
-              <a:t>methods</a:t>
-            </a:r>
-            <a:endParaRPr lang="fr-FR" sz="2800" dirty="0"/>
-          </a:p>
-          <a:p>
-            <a:r>
-              <a:rPr lang="fr-FR" sz="2800" dirty="0"/>
-              <a:t>- a full introduction to R</a:t>
-            </a:r>
-          </a:p>
-          <a:p>
-            <a:r>
-              <a:rPr lang="fr-FR" sz="2800" dirty="0"/>
-              <a:t>- </a:t>
-            </a:r>
-            <a:r>
-              <a:rPr lang="fr-FR" sz="2800" dirty="0" err="1"/>
-              <a:t>deep</a:t>
-            </a:r>
-            <a:r>
-              <a:rPr lang="fr-FR" sz="2800" dirty="0"/>
+              <a:rPr lang="fr-FR" sz="2000" dirty="0" err="1"/>
+              <a:t>schedule</a:t>
+            </a:r>
+            <a:r>
+              <a:rPr lang="fr-FR" sz="2000" dirty="0"/>
               <a:t> </a:t>
             </a:r>
             <a:r>
-              <a:rPr lang="fr-FR" sz="2800" dirty="0" err="1"/>
-              <a:t>learning</a:t>
-            </a:r>
-            <a:r>
-              <a:rPr lang="fr-FR" sz="2800" dirty="0"/>
-              <a:t> </a:t>
-            </a:r>
-            <a:r>
-              <a:rPr lang="fr-FR" sz="2800" dirty="0" err="1"/>
-              <a:t>models</a:t>
-            </a:r>
-            <a:endParaRPr lang="fr-FR" sz="2800" dirty="0"/>
+              <a:rPr lang="fr-FR" sz="2000" dirty="0" err="1"/>
+              <a:t>elevators</a:t>
+            </a:r>
+            <a:r>
+              <a:rPr lang="fr-FR" sz="2000" dirty="0"/>
+              <a:t> in a large office building.</a:t>
+            </a:r>
+          </a:p>
+          <a:p>
+            <a:r>
+              <a:rPr lang="fr-FR" sz="2000" dirty="0"/>
+              <a:t>- Program a self-</a:t>
+            </a:r>
+            <a:r>
+              <a:rPr lang="fr-FR" sz="2000" dirty="0" err="1"/>
+              <a:t>driving</a:t>
+            </a:r>
+            <a:r>
+              <a:rPr lang="fr-FR" sz="2000" dirty="0"/>
+              <a:t> car.</a:t>
+            </a:r>
           </a:p>
         </p:txBody>
       </p:sp>
     </p:spTree>
     <p:extLst>
       <p:ext uri="{BB962C8B-B14F-4D97-AF65-F5344CB8AC3E}">
-        <p14:creationId xmlns:p14="http://schemas.microsoft.com/office/powerpoint/2010/main" val="3305943997"/>
+        <p14:creationId xmlns:p14="http://schemas.microsoft.com/office/powerpoint/2010/main" val="706004684"/>
       </p:ext>
     </p:extLst>
   </p:cSld>
@@ -6067,7 +6445,7 @@
             <a:pPr algn="ctr"/>
             <a:r>
               <a:rPr lang="fr-FR" sz="4800" b="1" u="sng" noProof="1"/>
-              <a:t>Project Oriented Class</a:t>
+              <a:t>What will you learn?</a:t>
             </a:r>
           </a:p>
         </p:txBody>
@@ -6174,8 +6552,8 @@
         </p:nvSpPr>
         <p:spPr>
           <a:xfrm>
-            <a:off x="1111589" y="1545256"/>
-            <a:ext cx="10361953" cy="4154984"/>
+            <a:off x="752361" y="1654113"/>
+            <a:ext cx="10938896" cy="2308324"/>
           </a:xfrm>
           <a:prstGeom prst="rect">
             <a:avLst/>
@@ -6188,33 +6566,64 @@
           </a:bodyPr>
           <a:lstStyle/>
           <a:p>
-            <a:pPr algn="just"/>
-            <a:r>
-              <a:rPr lang="en-US" sz="2400" dirty="0"/>
-              <a:t>In order to embody the data science approach, this course is centered around four projects.</a:t>
-            </a:r>
-          </a:p>
-          <a:p>
-            <a:pPr algn="just"/>
-            <a:endParaRPr lang="en-US" sz="2400" dirty="0"/>
-          </a:p>
-          <a:p>
-            <a:pPr algn="just"/>
-            <a:r>
-              <a:rPr lang="fr-FR" sz="2400" dirty="0"/>
-              <a:t>The </a:t>
-            </a:r>
-            <a:r>
-              <a:rPr lang="fr-FR" sz="2400" dirty="0" err="1"/>
-              <a:t>primary</a:t>
-            </a:r>
-            <a:r>
-              <a:rPr lang="fr-FR" sz="2400" dirty="0"/>
-              <a:t> goal </a:t>
-            </a:r>
-            <a:r>
-              <a:rPr lang="fr-FR" sz="2400" dirty="0" err="1"/>
-              <a:t>will</a:t>
+            <a:r>
+              <a:rPr lang="fr-FR" sz="2400" dirty="0"/>
+              <a:t>- </a:t>
+            </a:r>
+            <a:r>
+              <a:rPr lang="fr-FR" sz="2400" dirty="0" err="1"/>
+              <a:t>understand</a:t>
+            </a:r>
+            <a:r>
+              <a:rPr lang="fr-FR" sz="2400" dirty="0"/>
+              <a:t> the </a:t>
+            </a:r>
+            <a:r>
+              <a:rPr lang="fr-FR" sz="2400" dirty="0" err="1"/>
+              <a:t>terminology</a:t>
+            </a:r>
+            <a:r>
+              <a:rPr lang="fr-FR" sz="2400" dirty="0"/>
+              <a:t> of </a:t>
+            </a:r>
+            <a:r>
+              <a:rPr lang="fr-FR" sz="2400" dirty="0" err="1"/>
+              <a:t>predictive</a:t>
+            </a:r>
+            <a:r>
+              <a:rPr lang="fr-FR" sz="2400" dirty="0"/>
+              <a:t> and </a:t>
+            </a:r>
+            <a:r>
+              <a:rPr lang="fr-FR" sz="2400" dirty="0" err="1"/>
+              <a:t>unsupervised</a:t>
+            </a:r>
+            <a:r>
+              <a:rPr lang="fr-FR" sz="2400" dirty="0"/>
+              <a:t> ML </a:t>
+            </a:r>
+            <a:r>
+              <a:rPr lang="fr-FR" sz="2400" dirty="0" err="1"/>
+              <a:t>methods</a:t>
+            </a:r>
+            <a:endParaRPr lang="fr-FR" sz="2400" dirty="0"/>
+          </a:p>
+          <a:p>
+            <a:r>
+              <a:rPr lang="fr-FR" sz="2400" dirty="0"/>
+              <a:t>- how to </a:t>
+            </a:r>
+            <a:r>
+              <a:rPr lang="fr-FR" sz="2400" dirty="0" err="1"/>
+              <a:t>apply</a:t>
+            </a:r>
+            <a:r>
+              <a:rPr lang="fr-FR" sz="2400" dirty="0"/>
+              <a:t> a set of </a:t>
+            </a:r>
+            <a:r>
+              <a:rPr lang="fr-FR" sz="2400" dirty="0" err="1"/>
+              <a:t>methods</a:t>
             </a:r>
             <a:r>
               <a:rPr lang="fr-FR" sz="2400" dirty="0"/>
@@ -6222,7 +6631,15 @@
             </a:r>
             <a:r>
               <a:rPr lang="fr-FR" sz="2400" dirty="0" err="1"/>
-              <a:t>be</a:t>
+              <a:t>using</a:t>
+            </a:r>
+            <a:r>
+              <a:rPr lang="fr-FR" sz="2400" dirty="0"/>
+              <a:t> the open-source R </a:t>
+            </a:r>
+            <a:r>
+              <a:rPr lang="fr-FR" sz="2400" dirty="0" err="1"/>
+              <a:t>programming</a:t>
             </a:r>
             <a:r>
               <a:rPr lang="fr-FR" sz="2400" dirty="0"/>
@@ -6230,15 +6647,61 @@
             </a:r>
             <a:r>
               <a:rPr lang="fr-FR" sz="2400" dirty="0" err="1"/>
-              <a:t>learning</a:t>
-            </a:r>
-            <a:r>
-              <a:rPr lang="fr-FR" sz="2400" dirty="0"/>
-              <a:t> how to use machine </a:t>
-            </a:r>
-            <a:r>
-              <a:rPr lang="fr-FR" sz="2400" dirty="0" err="1"/>
-              <a:t>learning</a:t>
+              <a:t>language</a:t>
+            </a:r>
+            <a:endParaRPr lang="fr-FR" sz="2400" dirty="0"/>
+          </a:p>
+          <a:p>
+            <a:r>
+              <a:rPr lang="fr-FR" sz="2400" dirty="0"/>
+              <a:t>- how to use and </a:t>
+            </a:r>
+            <a:r>
+              <a:rPr lang="fr-FR" sz="2400" dirty="0" err="1"/>
+              <a:t>understand</a:t>
+            </a:r>
+            <a:r>
+              <a:rPr lang="fr-FR" sz="2400" dirty="0"/>
+              <a:t> a </a:t>
+            </a:r>
+            <a:r>
+              <a:rPr lang="fr-FR" sz="2400" dirty="0" err="1"/>
+              <a:t>core</a:t>
+            </a:r>
+            <a:r>
+              <a:rPr lang="fr-FR" sz="2400" dirty="0"/>
+              <a:t> set of </a:t>
+            </a:r>
+            <a:r>
+              <a:rPr lang="fr-FR" sz="2400" dirty="0" err="1"/>
+              <a:t>general-purpose</a:t>
+            </a:r>
+            <a:r>
+              <a:rPr lang="fr-FR" sz="2400" dirty="0"/>
+              <a:t>, </a:t>
+            </a:r>
+            <a:r>
+              <a:rPr lang="fr-FR" sz="2400" dirty="0" err="1"/>
+              <a:t>interpretable</a:t>
+            </a:r>
+            <a:r>
+              <a:rPr lang="fr-FR" sz="2400" dirty="0"/>
+              <a:t> ML </a:t>
+            </a:r>
+            <a:r>
+              <a:rPr lang="fr-FR" sz="2400" dirty="0" err="1"/>
+              <a:t>methods</a:t>
+            </a:r>
+            <a:endParaRPr lang="fr-FR" sz="2400" dirty="0"/>
+          </a:p>
+          <a:p>
+            <a:r>
+              <a:rPr lang="fr-FR" sz="2400" dirty="0"/>
+              <a:t>- how to use and </a:t>
+            </a:r>
+            <a:r>
+              <a:rPr lang="fr-FR" sz="2400" dirty="0" err="1"/>
+              <a:t>understand</a:t>
             </a:r>
             <a:r>
               <a:rPr lang="fr-FR" sz="2400" dirty="0"/>
@@ -6246,15 +6709,7 @@
             </a:r>
             <a:r>
               <a:rPr lang="fr-FR" sz="2400" dirty="0" err="1"/>
-              <a:t>algorithms</a:t>
-            </a:r>
-            <a:r>
-              <a:rPr lang="fr-FR" sz="2400" dirty="0"/>
-              <a:t> to tell a story about data. </a:t>
-            </a:r>
-            <a:r>
-              <a:rPr lang="fr-FR" sz="2400" dirty="0" err="1"/>
-              <a:t>We</a:t>
+              <a:t>several</a:t>
             </a:r>
             <a:r>
               <a:rPr lang="fr-FR" sz="2400" dirty="0"/>
@@ -6262,7 +6717,7 @@
             </a:r>
             <a:r>
               <a:rPr lang="fr-FR" sz="2400" dirty="0" err="1"/>
-              <a:t>will</a:t>
+              <a:t>specific</a:t>
             </a:r>
             <a:r>
               <a:rPr lang="fr-FR" sz="2400" dirty="0"/>
@@ -6270,15 +6725,15 @@
             </a:r>
             <a:r>
               <a:rPr lang="fr-FR" sz="2400" dirty="0" err="1"/>
-              <a:t>get</a:t>
-            </a:r>
-            <a:r>
-              <a:rPr lang="fr-FR" sz="2400" dirty="0"/>
-              <a:t> a lot of practice </a:t>
-            </a:r>
-            <a:r>
-              <a:rPr lang="fr-FR" sz="2400" dirty="0" err="1"/>
-              <a:t>doing</a:t>
+              <a:t>methods</a:t>
+            </a:r>
+            <a:r>
+              <a:rPr lang="fr-FR" sz="2400" dirty="0"/>
+              <a:t> for </a:t>
+            </a:r>
+            <a:r>
+              <a:rPr lang="fr-FR" sz="2400" dirty="0" err="1"/>
+              <a:t>working</a:t>
             </a:r>
             <a:r>
               <a:rPr lang="fr-FR" sz="2400" dirty="0"/>
@@ -6286,34 +6741,7 @@
             </a:r>
             <a:r>
               <a:rPr lang="fr-FR" sz="2400" dirty="0" err="1"/>
-              <a:t>this</a:t>
-            </a:r>
-            <a:r>
-              <a:rPr lang="fr-FR" sz="2400" dirty="0"/>
-              <a:t>.</a:t>
-            </a:r>
-          </a:p>
-          <a:p>
-            <a:pPr algn="just"/>
-            <a:endParaRPr lang="fr-FR" sz="2400" dirty="0"/>
-          </a:p>
-          <a:p>
-            <a:pPr algn="just"/>
-            <a:r>
-              <a:rPr lang="fr-FR" sz="2400" dirty="0"/>
-              <a:t>Our </a:t>
-            </a:r>
-            <a:r>
-              <a:rPr lang="fr-FR" sz="2400" dirty="0" err="1"/>
-              <a:t>primary</a:t>
-            </a:r>
-            <a:r>
-              <a:rPr lang="fr-FR" sz="2400" dirty="0"/>
-              <a:t> focus </a:t>
-            </a:r>
-            <a:r>
-              <a:rPr lang="fr-FR" sz="2400" dirty="0" err="1"/>
-              <a:t>will</a:t>
+              <a:t>with</a:t>
             </a:r>
             <a:r>
               <a:rPr lang="fr-FR" sz="2400" dirty="0"/>
@@ -6321,15 +6749,45 @@
             </a:r>
             <a:r>
               <a:rPr lang="fr-FR" sz="2400" dirty="0" err="1"/>
-              <a:t>be</a:t>
-            </a:r>
-            <a:r>
-              <a:rPr lang="fr-FR" sz="2400" dirty="0"/>
-              <a:t> on </a:t>
-            </a:r>
-            <a:r>
-              <a:rPr lang="fr-FR" sz="2400" dirty="0" err="1"/>
-              <a:t>text</a:t>
+              <a:t>textual</a:t>
+            </a:r>
+            <a:r>
+              <a:rPr lang="fr-FR" sz="2400" dirty="0"/>
+              <a:t> data</a:t>
+            </a:r>
+          </a:p>
+          <a:p>
+            <a:r>
+              <a:rPr lang="fr-FR" sz="2400" dirty="0"/>
+              <a:t>- how to </a:t>
+            </a:r>
+            <a:r>
+              <a:rPr lang="fr-FR" sz="2400" dirty="0" err="1"/>
+              <a:t>summarise</a:t>
+            </a:r>
+            <a:r>
+              <a:rPr lang="fr-FR" sz="2400" dirty="0"/>
+              <a:t> and </a:t>
+            </a:r>
+            <a:r>
+              <a:rPr lang="fr-FR" sz="2400" dirty="0" err="1"/>
+              <a:t>present</a:t>
+            </a:r>
+            <a:r>
+              <a:rPr lang="fr-FR" sz="2400" dirty="0"/>
+              <a:t> the </a:t>
+            </a:r>
+            <a:r>
+              <a:rPr lang="fr-FR" sz="2400" dirty="0" err="1"/>
+              <a:t>results</a:t>
+            </a:r>
+            <a:r>
+              <a:rPr lang="fr-FR" sz="2400" dirty="0"/>
+              <a:t> of an </a:t>
+            </a:r>
+            <a:r>
+              <a:rPr lang="fr-FR" sz="2400" dirty="0" err="1"/>
+              <a:t>exploratory</a:t>
             </a:r>
             <a:r>
               <a:rPr lang="fr-FR" sz="2400" dirty="0"/>
@@ -6341,11 +6799,11 @@
             </a:r>
             <a:r>
               <a:rPr lang="fr-FR" sz="2400" dirty="0"/>
-              <a:t>. In addition to </a:t>
-            </a:r>
-            <a:r>
-              <a:rPr lang="fr-FR" sz="2400" dirty="0" err="1"/>
-              <a:t>being</a:t>
+              <a:t> of data </a:t>
+            </a:r>
+            <a:r>
+              <a:rPr lang="fr-FR" sz="2400" dirty="0" err="1"/>
+              <a:t>that</a:t>
             </a:r>
             <a:r>
               <a:rPr lang="fr-FR" sz="2400" dirty="0"/>
@@ -6353,75 +6811,16 @@
             </a:r>
             <a:r>
               <a:rPr lang="fr-FR" sz="2400" dirty="0" err="1"/>
-              <a:t>generally</a:t>
-            </a:r>
-            <a:r>
-              <a:rPr lang="fr-FR" sz="2400" dirty="0"/>
-              <a:t> </a:t>
-            </a:r>
-            <a:r>
-              <a:rPr lang="fr-FR" sz="2400" dirty="0" err="1"/>
-              <a:t>interesting</a:t>
-            </a:r>
-            <a:r>
-              <a:rPr lang="fr-FR" sz="2400" dirty="0"/>
-              <a:t> and one of </a:t>
-            </a:r>
-            <a:r>
-              <a:rPr lang="fr-FR" sz="2400" dirty="0" err="1"/>
-              <a:t>my</a:t>
-            </a:r>
-            <a:r>
-              <a:rPr lang="fr-FR" sz="2400" dirty="0"/>
-              <a:t> </a:t>
-            </a:r>
-            <a:r>
-              <a:rPr lang="fr-FR" sz="2400" dirty="0" err="1"/>
-              <a:t>research</a:t>
-            </a:r>
-            <a:r>
-              <a:rPr lang="fr-FR" sz="2400" dirty="0"/>
-              <a:t> areas, </a:t>
-            </a:r>
-            <a:r>
-              <a:rPr lang="fr-FR" sz="2400" dirty="0" err="1"/>
-              <a:t>it</a:t>
-            </a:r>
-            <a:r>
-              <a:rPr lang="fr-FR" sz="2400" dirty="0"/>
-              <a:t> </a:t>
-            </a:r>
-            <a:r>
-              <a:rPr lang="fr-FR" sz="2400" dirty="0" err="1"/>
-              <a:t>is</a:t>
-            </a:r>
-            <a:r>
-              <a:rPr lang="fr-FR" sz="2400" dirty="0"/>
-              <a:t> application </a:t>
-            </a:r>
-            <a:r>
-              <a:rPr lang="fr-FR" sz="2400" dirty="0" err="1"/>
-              <a:t>domain</a:t>
-            </a:r>
-            <a:r>
-              <a:rPr lang="fr-FR" sz="2400" dirty="0"/>
-              <a:t> for a first course in machine </a:t>
-            </a:r>
-            <a:r>
-              <a:rPr lang="fr-FR" sz="2400" dirty="0" err="1"/>
-              <a:t>learning</a:t>
-            </a:r>
-            <a:r>
-              <a:rPr lang="fr-FR" sz="2400" dirty="0"/>
-              <a:t>.</a:t>
-            </a:r>
-          </a:p>
-          <a:p>
-            <a:pPr algn="just"/>
-            <a:endParaRPr lang="fr-FR" sz="2400" dirty="0"/>
-          </a:p>
-          <a:p>
-            <a:pPr algn="just"/>
+              <a:t>integrates</a:t>
+            </a:r>
+            <a:r>
+              <a:rPr lang="fr-FR" sz="2400" dirty="0"/>
+              <a:t> ML </a:t>
+            </a:r>
+            <a:r>
+              <a:rPr lang="fr-FR" sz="2400" dirty="0" err="1"/>
+              <a:t>methods</a:t>
+            </a:r>
             <a:endParaRPr lang="fr-FR" sz="2400" dirty="0"/>
           </a:p>
         </p:txBody>
@@ -6429,7 +6828,7 @@
     </p:spTree>
     <p:extLst>
       <p:ext uri="{BB962C8B-B14F-4D97-AF65-F5344CB8AC3E}">
-        <p14:creationId xmlns:p14="http://schemas.microsoft.com/office/powerpoint/2010/main" val="3785372900"/>
+        <p14:creationId xmlns:p14="http://schemas.microsoft.com/office/powerpoint/2010/main" val="2531183563"/>
       </p:ext>
     </p:extLst>
   </p:cSld>
@@ -6470,8 +6869,8 @@
         </p:nvSpPr>
         <p:spPr>
           <a:xfrm>
-            <a:off x="2412449" y="187151"/>
-            <a:ext cx="7367101" cy="830997"/>
+            <a:off x="1777724" y="263351"/>
+            <a:ext cx="8636551" cy="830997"/>
           </a:xfrm>
           <a:prstGeom prst="rect">
             <a:avLst/>
@@ -6487,7 +6886,7 @@
             <a:pPr algn="ctr"/>
             <a:r>
               <a:rPr lang="fr-FR" sz="4800" b="1" u="sng" noProof="1"/>
-              <a:t>Example Projects</a:t>
+              <a:t>What won't you (directly) learn?</a:t>
             </a:r>
           </a:p>
         </p:txBody>
@@ -6594,8 +6993,8 @@
         </p:nvSpPr>
         <p:spPr>
           <a:xfrm>
-            <a:off x="541533" y="1698838"/>
-            <a:ext cx="11582399" cy="2308324"/>
+            <a:off x="2276360" y="1807825"/>
+            <a:ext cx="8163039" cy="1815882"/>
           </a:xfrm>
           <a:prstGeom prst="rect">
             <a:avLst/>
@@ -6609,155 +7008,118 @@
           <a:lstStyle/>
           <a:p>
             <a:r>
-              <a:rPr lang="fr-FR" sz="2400" dirty="0" err="1"/>
-              <a:t>Here</a:t>
-            </a:r>
-            <a:r>
-              <a:rPr lang="fr-FR" sz="2400" dirty="0"/>
-              <a:t> are </a:t>
-            </a:r>
-            <a:r>
-              <a:rPr lang="fr-FR" sz="2400" dirty="0" err="1"/>
-              <a:t>some</a:t>
-            </a:r>
-            <a:r>
-              <a:rPr lang="fr-FR" sz="2400" dirty="0"/>
-              <a:t> digital </a:t>
-            </a:r>
-            <a:r>
-              <a:rPr lang="fr-FR" sz="2400" dirty="0" err="1"/>
-              <a:t>projects</a:t>
-            </a:r>
-            <a:r>
-              <a:rPr lang="fr-FR" sz="2400" dirty="0"/>
+              <a:rPr lang="fr-FR" sz="2800" dirty="0"/>
+              <a:t>- a </a:t>
+            </a:r>
+            <a:r>
+              <a:rPr lang="fr-FR" sz="2800" dirty="0" err="1"/>
+              <a:t>laundry-list</a:t>
+            </a:r>
+            <a:r>
+              <a:rPr lang="fr-FR" sz="2800" dirty="0"/>
+              <a:t> of </a:t>
+            </a:r>
+            <a:r>
+              <a:rPr lang="fr-FR" sz="2800" dirty="0" err="1"/>
+              <a:t>dozens</a:t>
+            </a:r>
+            <a:r>
+              <a:rPr lang="fr-FR" sz="2800" dirty="0"/>
+              <a:t> of ML </a:t>
+            </a:r>
+            <a:r>
+              <a:rPr lang="fr-FR" sz="2800" dirty="0" err="1"/>
+              <a:t>methods</a:t>
+            </a:r>
+            <a:endParaRPr lang="fr-FR" sz="2800" dirty="0"/>
+          </a:p>
+          <a:p>
+            <a:r>
+              <a:rPr lang="fr-FR" sz="2800" dirty="0"/>
+              <a:t>- </a:t>
+            </a:r>
+            <a:r>
+              <a:rPr lang="fr-FR" sz="2800" dirty="0" err="1"/>
+              <a:t>theoretical</a:t>
+            </a:r>
+            <a:r>
+              <a:rPr lang="fr-FR" sz="2800" dirty="0"/>
+              <a:t> justification / </a:t>
+            </a:r>
+            <a:r>
+              <a:rPr lang="fr-FR" sz="2800" dirty="0" err="1"/>
+              <a:t>analysis</a:t>
+            </a:r>
+            <a:r>
+              <a:rPr lang="fr-FR" sz="2800" dirty="0"/>
+              <a:t> of ML </a:t>
+            </a:r>
+            <a:r>
+              <a:rPr lang="fr-FR" sz="2800" dirty="0" err="1"/>
+              <a:t>methods</a:t>
+            </a:r>
+            <a:endParaRPr lang="fr-FR" sz="2800" dirty="0"/>
+          </a:p>
+          <a:p>
+            <a:r>
+              <a:rPr lang="fr-FR" sz="2800" dirty="0"/>
+              <a:t>- </a:t>
+            </a:r>
+            <a:r>
+              <a:rPr lang="fr-FR" sz="2800" dirty="0" err="1"/>
+              <a:t>implementation</a:t>
+            </a:r>
+            <a:r>
+              <a:rPr lang="fr-FR" sz="2800" dirty="0"/>
               <a:t> </a:t>
             </a:r>
             <a:r>
-              <a:rPr lang="fr-FR" sz="2400" dirty="0" err="1"/>
-              <a:t>that</a:t>
-            </a:r>
-            <a:r>
-              <a:rPr lang="fr-FR" sz="2400" dirty="0"/>
+              <a:rPr lang="fr-FR" sz="2800" dirty="0" err="1"/>
+              <a:t>details</a:t>
+            </a:r>
+            <a:r>
+              <a:rPr lang="fr-FR" sz="2800" dirty="0"/>
+              <a:t> of ML </a:t>
+            </a:r>
+            <a:r>
+              <a:rPr lang="fr-FR" sz="2800" dirty="0" err="1"/>
+              <a:t>methods</a:t>
+            </a:r>
+            <a:endParaRPr lang="fr-FR" sz="2800" dirty="0"/>
+          </a:p>
+          <a:p>
+            <a:r>
+              <a:rPr lang="fr-FR" sz="2800" dirty="0"/>
+              <a:t>- </a:t>
+            </a:r>
+            <a:r>
+              <a:rPr lang="fr-FR" sz="2800" dirty="0" err="1"/>
+              <a:t>deep</a:t>
+            </a:r>
+            <a:r>
+              <a:rPr lang="fr-FR" sz="2800" dirty="0"/>
               <a:t> </a:t>
             </a:r>
             <a:r>
-              <a:rPr lang="fr-FR" sz="2400" dirty="0" err="1"/>
-              <a:t>highlight</a:t>
-            </a:r>
-            <a:r>
-              <a:rPr lang="fr-FR" sz="2400" dirty="0"/>
+              <a:rPr lang="fr-FR" sz="2800" dirty="0" err="1"/>
+              <a:t>learning</a:t>
+            </a:r>
+            <a:r>
+              <a:rPr lang="fr-FR" sz="2800" dirty="0"/>
               <a:t> </a:t>
             </a:r>
             <a:r>
-              <a:rPr lang="fr-FR" sz="2400" dirty="0" err="1"/>
-              <a:t>what</a:t>
-            </a:r>
-            <a:r>
-              <a:rPr lang="fr-FR" sz="2400" dirty="0"/>
-              <a:t> the data science </a:t>
-            </a:r>
-            <a:r>
-              <a:rPr lang="fr-FR" sz="2400" dirty="0" err="1"/>
-              <a:t>approach</a:t>
-            </a:r>
-            <a:r>
-              <a:rPr lang="fr-FR" sz="2400" dirty="0"/>
-              <a:t> to machine </a:t>
-            </a:r>
-            <a:r>
-              <a:rPr lang="fr-FR" sz="2400" dirty="0" err="1"/>
-              <a:t>learning</a:t>
-            </a:r>
-            <a:r>
-              <a:rPr lang="fr-FR" sz="2400" dirty="0"/>
-              <a:t> </a:t>
-            </a:r>
-            <a:r>
-              <a:rPr lang="fr-FR" sz="2400" dirty="0" err="1"/>
-              <a:t>can</a:t>
-            </a:r>
-            <a:r>
-              <a:rPr lang="fr-FR" sz="2400" dirty="0"/>
-              <a:t> do:</a:t>
-            </a:r>
-          </a:p>
-          <a:p>
-            <a:endParaRPr lang="fr-FR" sz="2400" dirty="0"/>
-          </a:p>
-          <a:p>
-            <a:r>
-              <a:rPr lang="fr-FR" sz="2400" dirty="0"/>
-              <a:t>- </a:t>
-            </a:r>
-            <a:r>
-              <a:rPr lang="fr-FR" sz="2400" b="1" dirty="0" err="1"/>
-              <a:t>pixplot</a:t>
-            </a:r>
-            <a:r>
-              <a:rPr lang="fr-FR" sz="2400" dirty="0"/>
-              <a:t>: </a:t>
-            </a:r>
-            <a:r>
-              <a:rPr lang="fr-FR" sz="2400" dirty="0">
-                <a:hlinkClick r:id="rId3"/>
-              </a:rPr>
-              <a:t>https://s3-us-west-2.amazonaws.com/lab-apps/pix-plot/index.html</a:t>
-            </a:r>
-            <a:r>
-              <a:rPr lang="fr-FR" sz="2400" dirty="0"/>
-              <a:t> </a:t>
-            </a:r>
-          </a:p>
-          <a:p>
-            <a:r>
-              <a:rPr lang="fr-FR" sz="2400" dirty="0"/>
-              <a:t>- </a:t>
-            </a:r>
-            <a:r>
-              <a:rPr lang="fr-FR" sz="2400" b="1" dirty="0" err="1"/>
-              <a:t>addi</a:t>
-            </a:r>
-            <a:r>
-              <a:rPr lang="fr-FR" sz="2400" b="1" dirty="0"/>
-              <a:t>: </a:t>
-            </a:r>
-            <a:r>
-              <a:rPr lang="fr-FR" sz="2400" dirty="0">
-                <a:hlinkClick r:id="rId4"/>
-              </a:rPr>
-              <a:t>https://statsmaths.github.io/addi_project/06_interactive_viz/build/?id=2014712029</a:t>
-            </a:r>
-            <a:r>
-              <a:rPr lang="fr-FR" sz="2400" dirty="0"/>
-              <a:t> </a:t>
-            </a:r>
-          </a:p>
-          <a:p>
-            <a:r>
-              <a:rPr lang="fr-FR" sz="2400" dirty="0"/>
-              <a:t>- </a:t>
-            </a:r>
-            <a:r>
-              <a:rPr lang="fr-FR" sz="2400" b="1" dirty="0"/>
-              <a:t>signsat40: </a:t>
-            </a:r>
-            <a:r>
-              <a:rPr lang="fr-FR" sz="2400" dirty="0">
-                <a:hlinkClick r:id="rId5"/>
-              </a:rPr>
-              <a:t>http://signsat40.signsjournal.org/topic-model/</a:t>
-            </a:r>
-            <a:r>
-              <a:rPr lang="fr-FR" sz="2400" dirty="0"/>
-              <a:t> </a:t>
-            </a:r>
+              <a:rPr lang="fr-FR" sz="2800" dirty="0" err="1"/>
+              <a:t>models</a:t>
+            </a:r>
+            <a:endParaRPr lang="fr-FR" sz="2800" dirty="0"/>
           </a:p>
         </p:txBody>
       </p:sp>
     </p:spTree>
     <p:extLst>
       <p:ext uri="{BB962C8B-B14F-4D97-AF65-F5344CB8AC3E}">
-        <p14:creationId xmlns:p14="http://schemas.microsoft.com/office/powerpoint/2010/main" val="579392656"/>
+        <p14:creationId xmlns:p14="http://schemas.microsoft.com/office/powerpoint/2010/main" val="3305943997"/>
       </p:ext>
     </p:extLst>
   </p:cSld>
@@ -6815,7 +7177,7 @@
             <a:pPr algn="ctr"/>
             <a:r>
               <a:rPr lang="fr-FR" sz="4800" b="1" u="sng" noProof="1"/>
-              <a:t>Project Format</a:t>
+              <a:t>Project Oriented Class</a:t>
             </a:r>
           </a:p>
         </p:txBody>
@@ -6923,7 +7285,7 @@
         <p:spPr>
           <a:xfrm>
             <a:off x="1111589" y="1545256"/>
-            <a:ext cx="10361953" cy="3416320"/>
+            <a:ext cx="10361953" cy="4524315"/>
           </a:xfrm>
           <a:prstGeom prst="rect">
             <a:avLst/>
@@ -6936,13 +7298,33 @@
           </a:bodyPr>
           <a:lstStyle/>
           <a:p>
+            <a:pPr algn="just"/>
+            <a:r>
+              <a:rPr lang="en-US" sz="2400" dirty="0"/>
+              <a:t>In order to embody the data science approach, this course is centered around four projects.</a:t>
+            </a:r>
+          </a:p>
+          <a:p>
+            <a:pPr algn="just"/>
+            <a:endParaRPr lang="en-US" sz="2400" dirty="0"/>
+          </a:p>
+          <a:p>
+            <a:pPr algn="just"/>
             <a:r>
               <a:rPr lang="fr-FR" sz="2400" dirty="0"/>
               <a:t>The </a:t>
             </a:r>
             <a:r>
               <a:rPr lang="fr-FR" sz="2400" dirty="0" err="1"/>
-              <a:t>projects</a:t>
+              <a:t>primary</a:t>
+            </a:r>
+            <a:r>
+              <a:rPr lang="fr-FR" sz="2400" dirty="0"/>
+              <a:t> goal </a:t>
+            </a:r>
+            <a:r>
+              <a:rPr lang="fr-FR" sz="2400" dirty="0" err="1"/>
+              <a:t>will</a:t>
             </a:r>
             <a:r>
               <a:rPr lang="fr-FR" sz="2400" dirty="0"/>
@@ -6950,7 +7332,202 @@
             </a:r>
             <a:r>
               <a:rPr lang="fr-FR" sz="2400" dirty="0" err="1"/>
-              <a:t>take</a:t>
+              <a:t>be</a:t>
+            </a:r>
+            <a:r>
+              <a:rPr lang="fr-FR" sz="2400" dirty="0"/>
+              <a:t> </a:t>
+            </a:r>
+            <a:r>
+              <a:rPr lang="fr-FR" sz="2400" dirty="0" err="1"/>
+              <a:t>learning</a:t>
+            </a:r>
+            <a:r>
+              <a:rPr lang="fr-FR" sz="2400" dirty="0"/>
+              <a:t> how to use machine </a:t>
+            </a:r>
+            <a:r>
+              <a:rPr lang="fr-FR" sz="2400" dirty="0" err="1"/>
+              <a:t>learning</a:t>
+            </a:r>
+            <a:r>
+              <a:rPr lang="fr-FR" sz="2400" dirty="0"/>
+              <a:t> </a:t>
+            </a:r>
+            <a:r>
+              <a:rPr lang="fr-FR" sz="2400" dirty="0" err="1"/>
+              <a:t>algorithms</a:t>
+            </a:r>
+            <a:r>
+              <a:rPr lang="fr-FR" sz="2400" dirty="0"/>
+              <a:t> to tell a story about data. </a:t>
+            </a:r>
+            <a:r>
+              <a:rPr lang="fr-FR" sz="2400" dirty="0" err="1"/>
+              <a:t>We</a:t>
+            </a:r>
+            <a:r>
+              <a:rPr lang="fr-FR" sz="2400" dirty="0"/>
+              <a:t> </a:t>
+            </a:r>
+            <a:r>
+              <a:rPr lang="fr-FR" sz="2400" dirty="0" err="1"/>
+              <a:t>will</a:t>
+            </a:r>
+            <a:r>
+              <a:rPr lang="fr-FR" sz="2400" dirty="0"/>
+              <a:t> </a:t>
+            </a:r>
+            <a:r>
+              <a:rPr lang="fr-FR" sz="2400" dirty="0" err="1"/>
+              <a:t>get</a:t>
+            </a:r>
+            <a:r>
+              <a:rPr lang="fr-FR" sz="2400" dirty="0"/>
+              <a:t> a lot of practice </a:t>
+            </a:r>
+            <a:r>
+              <a:rPr lang="fr-FR" sz="2400" dirty="0" err="1"/>
+              <a:t>doing</a:t>
+            </a:r>
+            <a:r>
+              <a:rPr lang="fr-FR" sz="2400" dirty="0"/>
+              <a:t> </a:t>
+            </a:r>
+            <a:r>
+              <a:rPr lang="fr-FR" sz="2400" dirty="0" err="1"/>
+              <a:t>this</a:t>
+            </a:r>
+            <a:r>
+              <a:rPr lang="fr-FR" sz="2400" dirty="0"/>
+              <a:t>.</a:t>
+            </a:r>
+          </a:p>
+          <a:p>
+            <a:pPr algn="just"/>
+            <a:endParaRPr lang="fr-FR" sz="2400" dirty="0"/>
+          </a:p>
+          <a:p>
+            <a:pPr algn="just"/>
+            <a:r>
+              <a:rPr lang="fr-FR" sz="2400" dirty="0"/>
+              <a:t>Our </a:t>
+            </a:r>
+            <a:r>
+              <a:rPr lang="fr-FR" sz="2400" dirty="0" err="1"/>
+              <a:t>primary</a:t>
+            </a:r>
+            <a:r>
+              <a:rPr lang="fr-FR" sz="2400" dirty="0"/>
+              <a:t> focus </a:t>
+            </a:r>
+            <a:r>
+              <a:rPr lang="fr-FR" sz="2400" dirty="0" err="1"/>
+              <a:t>will</a:t>
+            </a:r>
+            <a:r>
+              <a:rPr lang="fr-FR" sz="2400" dirty="0"/>
+              <a:t> </a:t>
+            </a:r>
+            <a:r>
+              <a:rPr lang="fr-FR" sz="2400" dirty="0" err="1"/>
+              <a:t>be</a:t>
+            </a:r>
+            <a:r>
+              <a:rPr lang="fr-FR" sz="2400" dirty="0"/>
+              <a:t> on </a:t>
+            </a:r>
+            <a:r>
+              <a:rPr lang="fr-FR" sz="2400" dirty="0" err="1"/>
+              <a:t>text</a:t>
+            </a:r>
+            <a:r>
+              <a:rPr lang="fr-FR" sz="2400" dirty="0"/>
+              <a:t> </a:t>
+            </a:r>
+            <a:r>
+              <a:rPr lang="fr-FR" sz="2400" dirty="0" err="1"/>
+              <a:t>analysis</a:t>
+            </a:r>
+            <a:r>
+              <a:rPr lang="fr-FR" sz="2400" dirty="0"/>
+              <a:t>. In addition to </a:t>
+            </a:r>
+            <a:r>
+              <a:rPr lang="fr-FR" sz="2400" dirty="0" err="1"/>
+              <a:t>being</a:t>
+            </a:r>
+            <a:r>
+              <a:rPr lang="fr-FR" sz="2400" dirty="0"/>
+              <a:t> </a:t>
+            </a:r>
+            <a:r>
+              <a:rPr lang="fr-FR" sz="2400" dirty="0" err="1"/>
+              <a:t>generally</a:t>
+            </a:r>
+            <a:r>
+              <a:rPr lang="fr-FR" sz="2400" dirty="0"/>
+              <a:t> </a:t>
+            </a:r>
+            <a:r>
+              <a:rPr lang="fr-FR" sz="2400" dirty="0" err="1"/>
+              <a:t>interesting</a:t>
+            </a:r>
+            <a:r>
+              <a:rPr lang="fr-FR" sz="2400" dirty="0"/>
+              <a:t> and one of </a:t>
+            </a:r>
+            <a:r>
+              <a:rPr lang="fr-FR" sz="2400" dirty="0" err="1"/>
+              <a:t>my</a:t>
+            </a:r>
+            <a:r>
+              <a:rPr lang="fr-FR" sz="2400" dirty="0"/>
+              <a:t> </a:t>
+            </a:r>
+            <a:r>
+              <a:rPr lang="fr-FR" sz="2400" dirty="0" err="1"/>
+              <a:t>research</a:t>
+            </a:r>
+            <a:r>
+              <a:rPr lang="fr-FR" sz="2400" dirty="0"/>
+              <a:t> areas, </a:t>
+            </a:r>
+            <a:r>
+              <a:rPr lang="fr-FR" sz="2400" dirty="0" err="1"/>
+              <a:t>it</a:t>
+            </a:r>
+            <a:r>
+              <a:rPr lang="fr-FR" sz="2400" dirty="0"/>
+              <a:t> </a:t>
+            </a:r>
+            <a:r>
+              <a:rPr lang="fr-FR" sz="2400" dirty="0" err="1"/>
+              <a:t>is</a:t>
+            </a:r>
+            <a:r>
+              <a:rPr lang="fr-FR" sz="2400" dirty="0"/>
+              <a:t> a </a:t>
+            </a:r>
+            <a:r>
+              <a:rPr lang="fr-FR" sz="2400" dirty="0" err="1"/>
+              <a:t>great</a:t>
+            </a:r>
+            <a:r>
+              <a:rPr lang="fr-FR" sz="2400" dirty="0"/>
+              <a:t> application </a:t>
+            </a:r>
+            <a:r>
+              <a:rPr lang="fr-FR" sz="2400" dirty="0" err="1"/>
+              <a:t>domain</a:t>
+            </a:r>
+            <a:r>
+              <a:rPr lang="fr-FR" sz="2400" dirty="0"/>
+              <a:t> for </a:t>
+            </a:r>
+            <a:r>
+              <a:rPr lang="fr-FR" sz="2400" dirty="0" err="1"/>
+              <a:t>exploring</a:t>
             </a:r>
             <a:r>
               <a:rPr lang="fr-FR" sz="2400" dirty="0"/>
@@ -6958,23 +7535,15 @@
             </a:r>
             <a:r>
               <a:rPr lang="fr-FR" sz="2400" dirty="0" err="1"/>
-              <a:t>form</a:t>
-            </a:r>
-            <a:r>
-              <a:rPr lang="fr-FR" sz="2400" dirty="0"/>
-              <a:t> of a short </a:t>
-            </a:r>
-            <a:r>
-              <a:rPr lang="fr-FR" sz="2400" dirty="0" err="1"/>
-              <a:t>presentation</a:t>
-            </a:r>
-            <a:r>
-              <a:rPr lang="fr-FR" sz="2400" dirty="0"/>
-              <a:t>. </a:t>
-            </a:r>
-            <a:r>
-              <a:rPr lang="fr-FR" sz="2400" dirty="0" err="1"/>
-              <a:t>Rather</a:t>
+              <a:t>entire</a:t>
+            </a:r>
+            <a:r>
+              <a:rPr lang="fr-FR" sz="2400" dirty="0"/>
+              <a:t> data science pipeline </a:t>
+            </a:r>
+            <a:r>
+              <a:rPr lang="fr-FR" sz="2400" dirty="0" err="1"/>
+              <a:t>without</a:t>
             </a:r>
             <a:r>
               <a:rPr lang="fr-FR" sz="2400" dirty="0"/>
@@ -6982,15 +7551,7 @@
             </a:r>
             <a:r>
               <a:rPr lang="fr-FR" sz="2400" dirty="0" err="1"/>
-              <a:t>than</a:t>
-            </a:r>
-            <a:r>
-              <a:rPr lang="fr-FR" sz="2400" dirty="0"/>
-              <a:t> a </a:t>
-            </a:r>
-            <a:r>
-              <a:rPr lang="fr-FR" sz="2400" dirty="0" err="1"/>
-              <a:t>textual</a:t>
+              <a:t>any</a:t>
             </a:r>
             <a:r>
               <a:rPr lang="fr-FR" sz="2400" dirty="0"/>
@@ -6998,15 +7559,7 @@
             </a:r>
             <a:r>
               <a:rPr lang="fr-FR" sz="2400" dirty="0" err="1"/>
-              <a:t>write</a:t>
-            </a:r>
-            <a:r>
-              <a:rPr lang="fr-FR" sz="2400" dirty="0"/>
-              <a:t>-up, I </a:t>
-            </a:r>
-            <a:r>
-              <a:rPr lang="fr-FR" sz="2400" dirty="0" err="1"/>
-              <a:t>want</a:t>
+              <a:t>specialized</a:t>
             </a:r>
             <a:r>
               <a:rPr lang="fr-FR" sz="2400" dirty="0"/>
@@ -7014,31 +7567,15 @@
             </a:r>
             <a:r>
               <a:rPr lang="fr-FR" sz="2400" dirty="0" err="1"/>
-              <a:t>you</a:t>
-            </a:r>
-            <a:r>
-              <a:rPr lang="fr-FR" sz="2400" dirty="0"/>
-              <a:t> to focus on </a:t>
-            </a:r>
-            <a:r>
-              <a:rPr lang="fr-FR" sz="2400" dirty="0" err="1"/>
-              <a:t>producing</a:t>
-            </a:r>
-            <a:r>
-              <a:rPr lang="fr-FR" sz="2400" dirty="0"/>
-              <a:t> clean, </a:t>
-            </a:r>
-            <a:r>
-              <a:rPr lang="fr-FR" sz="2400" dirty="0" err="1"/>
-              <a:t>professional</a:t>
-            </a:r>
-            <a:r>
-              <a:rPr lang="fr-FR" sz="2400" dirty="0"/>
-              <a:t> slides for the </a:t>
-            </a:r>
-            <a:r>
-              <a:rPr lang="fr-FR" sz="2400" dirty="0" err="1"/>
-              <a:t>presentation</a:t>
+              <a:t>domain</a:t>
+            </a:r>
+            <a:r>
+              <a:rPr lang="fr-FR" sz="2400" dirty="0"/>
+              <a:t> </a:t>
+            </a:r>
+            <a:r>
+              <a:rPr lang="fr-FR" sz="2400" dirty="0" err="1"/>
+              <a:t>knowledge</a:t>
             </a:r>
             <a:r>
               <a:rPr lang="fr-FR" sz="2400" dirty="0"/>
@@ -7046,246 +7583,19 @@
             </a:r>
           </a:p>
           <a:p>
-            <a:br>
-              <a:rPr lang="fr-FR" sz="2400" dirty="0"/>
-            </a:br>
-            <a:r>
-              <a:rPr lang="fr-FR" sz="2400" dirty="0" err="1"/>
-              <a:t>Here</a:t>
-            </a:r>
-            <a:r>
-              <a:rPr lang="fr-FR" sz="2400" dirty="0"/>
-              <a:t> are the </a:t>
-            </a:r>
-            <a:r>
-              <a:rPr lang="fr-FR" sz="2400" dirty="0" err="1"/>
-              <a:t>planned</a:t>
-            </a:r>
-            <a:r>
-              <a:rPr lang="fr-FR" sz="2400" dirty="0"/>
-              <a:t> topics:</a:t>
-            </a:r>
-          </a:p>
-          <a:p>
-            <a:br>
-              <a:rPr lang="fr-FR" sz="2400" dirty="0"/>
-            </a:br>
-            <a:r>
-              <a:rPr lang="fr-FR" sz="2400" dirty="0"/>
-              <a:t>  - </a:t>
-            </a:r>
-            <a:r>
-              <a:rPr lang="fr-FR" sz="2400" b="1" dirty="0" err="1"/>
-              <a:t>IMDb</a:t>
-            </a:r>
-            <a:r>
-              <a:rPr lang="fr-FR" sz="2400" b="1" dirty="0"/>
-              <a:t> </a:t>
-            </a:r>
-            <a:r>
-              <a:rPr lang="fr-FR" sz="2400" b="1" dirty="0" err="1"/>
-              <a:t>movie</a:t>
-            </a:r>
-            <a:r>
-              <a:rPr lang="fr-FR" sz="2400" b="1" dirty="0"/>
-              <a:t> </a:t>
-            </a:r>
-            <a:r>
-              <a:rPr lang="fr-FR" sz="2400" b="1" dirty="0" err="1"/>
-              <a:t>reviews</a:t>
-            </a:r>
-            <a:r>
-              <a:rPr lang="fr-FR" sz="2400" dirty="0"/>
-              <a:t>: </a:t>
-            </a:r>
-            <a:r>
-              <a:rPr lang="fr-FR" sz="2400" dirty="0" err="1"/>
-              <a:t>predicting</a:t>
-            </a:r>
-            <a:r>
-              <a:rPr lang="fr-FR" sz="2400" dirty="0"/>
-              <a:t> how </a:t>
-            </a:r>
-            <a:r>
-              <a:rPr lang="fr-FR" sz="2400" dirty="0" err="1"/>
-              <a:t>many</a:t>
-            </a:r>
-            <a:r>
-              <a:rPr lang="fr-FR" sz="2400" dirty="0"/>
-              <a:t> stars a </a:t>
-            </a:r>
-            <a:r>
-              <a:rPr lang="fr-FR" sz="2400" dirty="0" err="1"/>
-              <a:t>movie</a:t>
-            </a:r>
-            <a:r>
-              <a:rPr lang="fr-FR" sz="2400" dirty="0"/>
-              <a:t> </a:t>
-            </a:r>
-            <a:r>
-              <a:rPr lang="fr-FR" sz="2400" dirty="0" err="1"/>
-              <a:t>review</a:t>
-            </a:r>
-            <a:r>
-              <a:rPr lang="fr-FR" sz="2400" dirty="0"/>
-              <a:t> </a:t>
-            </a:r>
-            <a:r>
-              <a:rPr lang="fr-FR" sz="2400" dirty="0" err="1"/>
-              <a:t>gives</a:t>
-            </a:r>
+            <a:pPr algn="just"/>
             <a:endParaRPr lang="fr-FR" sz="2400" dirty="0"/>
           </a:p>
           <a:p>
-            <a:r>
-              <a:rPr lang="fr-FR" sz="2400" dirty="0"/>
-              <a:t>  - </a:t>
-            </a:r>
-            <a:r>
-              <a:rPr lang="fr-FR" sz="2400" b="1" dirty="0"/>
-              <a:t>Amazon </a:t>
-            </a:r>
-            <a:r>
-              <a:rPr lang="fr-FR" sz="2400" b="1" dirty="0" err="1"/>
-              <a:t>product</a:t>
-            </a:r>
-            <a:r>
-              <a:rPr lang="fr-FR" sz="2400" b="1" dirty="0"/>
-              <a:t> </a:t>
-            </a:r>
-            <a:r>
-              <a:rPr lang="fr-FR" sz="2400" b="1" dirty="0" err="1"/>
-              <a:t>reviews</a:t>
-            </a:r>
-            <a:r>
-              <a:rPr lang="fr-FR" sz="2400" dirty="0"/>
-              <a:t>: </a:t>
-            </a:r>
-            <a:r>
-              <a:rPr lang="fr-FR" sz="2400" dirty="0" err="1"/>
-              <a:t>predict</a:t>
-            </a:r>
-            <a:r>
-              <a:rPr lang="fr-FR" sz="2400" dirty="0"/>
-              <a:t> the </a:t>
-            </a:r>
-            <a:r>
-              <a:rPr lang="fr-FR" sz="2400" dirty="0" err="1"/>
-              <a:t>author</a:t>
-            </a:r>
-            <a:r>
-              <a:rPr lang="fr-FR" sz="2400" dirty="0"/>
-              <a:t> of a </a:t>
-            </a:r>
-            <a:r>
-              <a:rPr lang="fr-FR" sz="2400" dirty="0" err="1"/>
-              <a:t>review</a:t>
-            </a:r>
+            <a:pPr algn="just"/>
             <a:endParaRPr lang="fr-FR" sz="2400" dirty="0"/>
-          </a:p>
-          <a:p>
-            <a:r>
-              <a:rPr lang="fr-FR" sz="2400" dirty="0"/>
-              <a:t>  - </a:t>
-            </a:r>
-            <a:r>
-              <a:rPr lang="fr-FR" sz="2400" b="1" dirty="0" err="1"/>
-              <a:t>Yelp</a:t>
-            </a:r>
-            <a:r>
-              <a:rPr lang="fr-FR" sz="2400" b="1" dirty="0"/>
-              <a:t> </a:t>
-            </a:r>
-            <a:r>
-              <a:rPr lang="fr-FR" sz="2400" b="1" dirty="0" err="1"/>
-              <a:t>reviews</a:t>
-            </a:r>
-            <a:r>
-              <a:rPr lang="fr-FR" sz="2400" dirty="0"/>
-              <a:t>: </a:t>
-            </a:r>
-            <a:r>
-              <a:rPr lang="fr-FR" sz="2400" dirty="0" err="1"/>
-              <a:t>predict</a:t>
-            </a:r>
-            <a:r>
-              <a:rPr lang="fr-FR" sz="2400" dirty="0"/>
-              <a:t> </a:t>
-            </a:r>
-            <a:r>
-              <a:rPr lang="fr-FR" sz="2400" dirty="0" err="1"/>
-              <a:t>author</a:t>
-            </a:r>
-            <a:r>
-              <a:rPr lang="fr-FR" sz="2400" dirty="0"/>
-              <a:t> of the </a:t>
-            </a:r>
-            <a:r>
-              <a:rPr lang="fr-FR" sz="2400" dirty="0" err="1"/>
-              <a:t>review</a:t>
-            </a:r>
-            <a:r>
-              <a:rPr lang="fr-FR" sz="2400" dirty="0"/>
-              <a:t> and cluster the corpus </a:t>
-            </a:r>
-            <a:r>
-              <a:rPr lang="fr-FR" sz="2400" dirty="0" err="1"/>
-              <a:t>authors</a:t>
-            </a:r>
-            <a:endParaRPr lang="fr-FR" sz="2400" dirty="0"/>
-          </a:p>
-          <a:p>
-            <a:r>
-              <a:rPr lang="fr-FR" sz="2400" dirty="0"/>
-              <a:t>  - </a:t>
-            </a:r>
-            <a:r>
-              <a:rPr lang="fr-FR" sz="2400" b="1" dirty="0" err="1"/>
-              <a:t>Wikipedia</a:t>
-            </a:r>
-            <a:r>
-              <a:rPr lang="fr-FR" sz="2400" dirty="0"/>
-              <a:t>: </a:t>
-            </a:r>
-            <a:r>
-              <a:rPr lang="fr-FR" sz="2400" dirty="0" err="1"/>
-              <a:t>detect</a:t>
-            </a:r>
-            <a:r>
-              <a:rPr lang="fr-FR" sz="2400" dirty="0"/>
-              <a:t> </a:t>
-            </a:r>
-            <a:r>
-              <a:rPr lang="fr-FR" sz="2400" dirty="0" err="1"/>
-              <a:t>themes</a:t>
-            </a:r>
-            <a:r>
-              <a:rPr lang="fr-FR" sz="2400" dirty="0"/>
-              <a:t> in a </a:t>
-            </a:r>
-            <a:r>
-              <a:rPr lang="fr-FR" sz="2400" dirty="0" err="1"/>
-              <a:t>subset</a:t>
-            </a:r>
-            <a:r>
-              <a:rPr lang="fr-FR" sz="2400" dirty="0"/>
-              <a:t> of </a:t>
-            </a:r>
-            <a:r>
-              <a:rPr lang="fr-FR" sz="2400" dirty="0" err="1"/>
-              <a:t>Wikipedia</a:t>
-            </a:r>
-            <a:r>
-              <a:rPr lang="fr-FR" sz="2400" dirty="0"/>
-              <a:t> articles</a:t>
-            </a:r>
           </a:p>
         </p:txBody>
       </p:sp>
     </p:spTree>
     <p:extLst>
       <p:ext uri="{BB962C8B-B14F-4D97-AF65-F5344CB8AC3E}">
-        <p14:creationId xmlns:p14="http://schemas.microsoft.com/office/powerpoint/2010/main" val="1547585162"/>
+        <p14:creationId xmlns:p14="http://schemas.microsoft.com/office/powerpoint/2010/main" val="3785372900"/>
       </p:ext>
     </p:extLst>
   </p:cSld>
@@ -7312,42 +7622,6 @@
           <a:chExt cx="0" cy="0"/>
         </a:xfrm>
       </p:grpSpPr>
-      <p:sp>
-        <p:nvSpPr>
-          <p:cNvPr id="72" name="ZoneTexte 71">
-            <a:extLst>
-              <a:ext uri="{FF2B5EF4-FFF2-40B4-BE49-F238E27FC236}">
-                <a16:creationId xmlns:a16="http://schemas.microsoft.com/office/drawing/2014/main" id="{3890A706-5F2B-E84E-A26A-A267907CC130}"/>
-              </a:ext>
-            </a:extLst>
-          </p:cNvPr>
-          <p:cNvSpPr txBox="1"/>
-          <p:nvPr/>
-        </p:nvSpPr>
-        <p:spPr>
-          <a:xfrm>
-            <a:off x="2412449" y="187151"/>
-            <a:ext cx="7367101" cy="830997"/>
-          </a:xfrm>
-          <a:prstGeom prst="rect">
-            <a:avLst/>
-          </a:prstGeom>
-          <a:noFill/>
-        </p:spPr>
-        <p:txBody>
-          <a:bodyPr wrap="square" rtlCol="0">
-            <a:spAutoFit/>
-          </a:bodyPr>
-          <a:lstStyle/>
-          <a:p>
-            <a:pPr algn="ctr"/>
-            <a:r>
-              <a:rPr lang="fr-FR" sz="4800" b="1" u="sng" noProof="1"/>
-              <a:t>Statistical Learning</a:t>
-            </a:r>
-          </a:p>
-        </p:txBody>
-      </p:sp>
       <p:pic>
         <p:nvPicPr>
           <p:cNvPr id="1026" name="Picture 2">
@@ -7438,10 +7712,10 @@
       </p:sp>
       <p:sp>
         <p:nvSpPr>
-          <p:cNvPr id="35" name="ZoneTexte 34">
-            <a:extLst>
-              <a:ext uri="{FF2B5EF4-FFF2-40B4-BE49-F238E27FC236}">
-                <a16:creationId xmlns:a16="http://schemas.microsoft.com/office/drawing/2014/main" id="{083121EA-22BA-0B48-B415-49DA1E741FA9}"/>
+          <p:cNvPr id="5" name="ZoneTexte 4">
+            <a:extLst>
+              <a:ext uri="{FF2B5EF4-FFF2-40B4-BE49-F238E27FC236}">
+                <a16:creationId xmlns:a16="http://schemas.microsoft.com/office/drawing/2014/main" id="{A9E3DC8F-D084-F246-8B0D-27E465CD52F5}"/>
               </a:ext>
             </a:extLst>
           </p:cNvPr>
@@ -7450,8 +7724,8 @@
         </p:nvSpPr>
         <p:spPr>
           <a:xfrm>
-            <a:off x="1646238" y="1776051"/>
-            <a:ext cx="8899522" cy="3416320"/>
+            <a:off x="2242456" y="2598003"/>
+            <a:ext cx="7707087" cy="830997"/>
           </a:xfrm>
           <a:prstGeom prst="rect">
             <a:avLst/>
@@ -7464,45 +7738,10 @@
           </a:bodyPr>
           <a:lstStyle/>
           <a:p>
-            <a:r>
-              <a:rPr lang="fr-FR" sz="2400" noProof="1"/>
-              <a:t>Today we are going to get all of the administrative details dealt with. Here is a quick outline:</a:t>
-            </a:r>
-          </a:p>
-          <a:p>
-            <a:endParaRPr lang="fr-FR" sz="2400" noProof="1"/>
-          </a:p>
-          <a:p>
-            <a:r>
-              <a:rPr lang="fr-FR" sz="2400" noProof="1"/>
-              <a:t>    1. syllabus</a:t>
-            </a:r>
-          </a:p>
-          <a:p>
-            <a:r>
-              <a:rPr lang="fr-FR" sz="2400" noProof="1"/>
-              <a:t>    2. course content</a:t>
-            </a:r>
-          </a:p>
-          <a:p>
-            <a:r>
-              <a:rPr lang="fr-FR" sz="2400" noProof="1"/>
-              <a:t>    3. introductions</a:t>
-            </a:r>
-          </a:p>
-          <a:p>
-            <a:r>
-              <a:rPr lang="fr-FR" sz="2400" noProof="1"/>
-              <a:t>    4. install course materials</a:t>
-            </a:r>
-          </a:p>
-          <a:p>
-            <a:endParaRPr lang="fr-FR" sz="2400" noProof="1"/>
-          </a:p>
-          <a:p>
-            <a:r>
-              <a:rPr lang="fr-FR" sz="2400" noProof="1"/>
-              <a:t>There should be plenty of time for questions throughout the class.</a:t>
+            <a:pPr algn="ctr"/>
+            <a:r>
+              <a:rPr lang="fr-FR" sz="4800" b="1" noProof="1"/>
+              <a:t>1. Syllabus</a:t>
             </a:r>
           </a:p>
         </p:txBody>
@@ -7510,7 +7749,7 @@
     </p:spTree>
     <p:extLst>
       <p:ext uri="{BB962C8B-B14F-4D97-AF65-F5344CB8AC3E}">
-        <p14:creationId xmlns:p14="http://schemas.microsoft.com/office/powerpoint/2010/main" val="368766299"/>
+        <p14:creationId xmlns:p14="http://schemas.microsoft.com/office/powerpoint/2010/main" val="4116643603"/>
       </p:ext>
     </p:extLst>
   </p:cSld>
@@ -7568,7 +7807,7 @@
             <a:pPr algn="ctr"/>
             <a:r>
               <a:rPr lang="fr-FR" sz="4800" b="1" u="sng" noProof="1"/>
-              <a:t>Programming</a:t>
+              <a:t>Project Format</a:t>
             </a:r>
           </a:p>
         </p:txBody>
@@ -7663,10 +7902,10 @@
       </p:sp>
       <p:sp>
         <p:nvSpPr>
-          <p:cNvPr id="7" name="ZoneTexte 6">
-            <a:extLst>
-              <a:ext uri="{FF2B5EF4-FFF2-40B4-BE49-F238E27FC236}">
-                <a16:creationId xmlns:a16="http://schemas.microsoft.com/office/drawing/2014/main" id="{FEFA02EE-5087-9E47-B189-2BE78B98886D}"/>
+          <p:cNvPr id="35" name="ZoneTexte 34">
+            <a:extLst>
+              <a:ext uri="{FF2B5EF4-FFF2-40B4-BE49-F238E27FC236}">
+                <a16:creationId xmlns:a16="http://schemas.microsoft.com/office/drawing/2014/main" id="{083121EA-22BA-0B48-B415-49DA1E741FA9}"/>
               </a:ext>
             </a:extLst>
           </p:cNvPr>
@@ -7675,8 +7914,8 @@
         </p:nvSpPr>
         <p:spPr>
           <a:xfrm>
-            <a:off x="880028" y="1277414"/>
-            <a:ext cx="8899522" cy="3416320"/>
+            <a:off x="1111589" y="1545256"/>
+            <a:ext cx="10361953" cy="3416320"/>
           </a:xfrm>
           <a:prstGeom prst="rect">
             <a:avLst/>
@@ -7689,91 +7928,356 @@
           </a:bodyPr>
           <a:lstStyle/>
           <a:p>
-            <a:pPr algn="just"/>
-            <a:r>
-              <a:rPr lang="en-US" sz="2400" dirty="0"/>
-              <a:t>This semester we will use the open-source programming language R. No prior experience with R is required. I have written a number of wrapper functions that </a:t>
-            </a:r>
-            <a:r>
-              <a:rPr lang="en-US" sz="2400" dirty="0" err="1"/>
-              <a:t>minimise</a:t>
-            </a:r>
-            <a:r>
-              <a:rPr lang="en-US" sz="2400" dirty="0"/>
-              <a:t> the amount of code you need to actually write.</a:t>
-            </a:r>
-          </a:p>
-          <a:p>
-            <a:pPr algn="just"/>
-            <a:endParaRPr lang="en-US" sz="2400" dirty="0"/>
-          </a:p>
-          <a:p>
-            <a:pPr algn="just"/>
-            <a:r>
-              <a:rPr lang="en-US" sz="2400" dirty="0"/>
-              <a:t>However, if you are interested, there will be plenty of opportunities to dive into the wrapper functions and create your own takes on the code during the</a:t>
-            </a:r>
-          </a:p>
-          <a:p>
-            <a:pPr algn="just"/>
-            <a:r>
-              <a:rPr lang="en-US" sz="2400" dirty="0"/>
-              <a:t>semester.</a:t>
-            </a:r>
-          </a:p>
-        </p:txBody>
-      </p:sp>
-      <p:pic>
-        <p:nvPicPr>
-          <p:cNvPr id="4098" name="Picture 2">
-            <a:extLst>
-              <a:ext uri="{FF2B5EF4-FFF2-40B4-BE49-F238E27FC236}">
-                <a16:creationId xmlns:a16="http://schemas.microsoft.com/office/drawing/2014/main" id="{E038C809-7A2A-804C-B9DE-D5D19D262B2E}"/>
-              </a:ext>
-            </a:extLst>
-          </p:cNvPr>
-          <p:cNvPicPr>
-            <a:picLocks noChangeAspect="1" noChangeArrowheads="1"/>
-          </p:cNvPicPr>
-          <p:nvPr/>
-        </p:nvPicPr>
-        <p:blipFill>
-          <a:blip r:embed="rId3">
-            <a:extLst>
-              <a:ext uri="{28A0092B-C50C-407E-A947-70E740481C1C}">
-                <a14:useLocalDpi xmlns:a14="http://schemas.microsoft.com/office/drawing/2010/main" val="0"/>
-              </a:ext>
-            </a:extLst>
-          </a:blip>
-          <a:srcRect/>
-          <a:stretch>
-            <a:fillRect/>
-          </a:stretch>
-        </p:blipFill>
-        <p:spPr bwMode="auto">
-          <a:xfrm>
-            <a:off x="8876416" y="4298756"/>
-            <a:ext cx="2329793" cy="1798954"/>
-          </a:xfrm>
-          <a:prstGeom prst="rect">
-            <a:avLst/>
-          </a:prstGeom>
-          <a:noFill/>
-          <a:extLst>
-            <a:ext uri="{909E8E84-426E-40DD-AFC4-6F175D3DCCD1}">
-              <a14:hiddenFill xmlns:a14="http://schemas.microsoft.com/office/drawing/2010/main">
-                <a:solidFill>
-                  <a:srgbClr val="FFFFFF"/>
-                </a:solidFill>
-              </a14:hiddenFill>
-            </a:ext>
-          </a:extLst>
-        </p:spPr>
-      </p:pic>
+            <a:r>
+              <a:rPr lang="fr-FR" sz="2400" dirty="0"/>
+              <a:t>The </a:t>
+            </a:r>
+            <a:r>
+              <a:rPr lang="fr-FR" sz="2400" dirty="0" err="1"/>
+              <a:t>projects</a:t>
+            </a:r>
+            <a:r>
+              <a:rPr lang="fr-FR" sz="2400" dirty="0"/>
+              <a:t> </a:t>
+            </a:r>
+            <a:r>
+              <a:rPr lang="fr-FR" sz="2400" dirty="0" err="1"/>
+              <a:t>take</a:t>
+            </a:r>
+            <a:r>
+              <a:rPr lang="fr-FR" sz="2400" dirty="0"/>
+              <a:t> the </a:t>
+            </a:r>
+            <a:r>
+              <a:rPr lang="fr-FR" sz="2400" dirty="0" err="1"/>
+              <a:t>form</a:t>
+            </a:r>
+            <a:r>
+              <a:rPr lang="fr-FR" sz="2400" dirty="0"/>
+              <a:t> of a short </a:t>
+            </a:r>
+            <a:r>
+              <a:rPr lang="fr-FR" sz="2400" dirty="0" err="1"/>
+              <a:t>presentation</a:t>
+            </a:r>
+            <a:r>
+              <a:rPr lang="fr-FR" sz="2400" dirty="0"/>
+              <a:t>. </a:t>
+            </a:r>
+            <a:r>
+              <a:rPr lang="fr-FR" sz="2400" dirty="0" err="1"/>
+              <a:t>Rather</a:t>
+            </a:r>
+            <a:r>
+              <a:rPr lang="fr-FR" sz="2400" dirty="0"/>
+              <a:t> </a:t>
+            </a:r>
+            <a:r>
+              <a:rPr lang="fr-FR" sz="2400" dirty="0" err="1"/>
+              <a:t>than</a:t>
+            </a:r>
+            <a:r>
+              <a:rPr lang="fr-FR" sz="2400" dirty="0"/>
+              <a:t> a </a:t>
+            </a:r>
+            <a:r>
+              <a:rPr lang="fr-FR" sz="2400" dirty="0" err="1"/>
+              <a:t>textual</a:t>
+            </a:r>
+            <a:r>
+              <a:rPr lang="fr-FR" sz="2400" dirty="0"/>
+              <a:t> </a:t>
+            </a:r>
+            <a:r>
+              <a:rPr lang="fr-FR" sz="2400" dirty="0" err="1"/>
+              <a:t>write</a:t>
+            </a:r>
+            <a:r>
+              <a:rPr lang="fr-FR" sz="2400" dirty="0"/>
+              <a:t>-up, I </a:t>
+            </a:r>
+            <a:r>
+              <a:rPr lang="fr-FR" sz="2400" dirty="0" err="1"/>
+              <a:t>want</a:t>
+            </a:r>
+            <a:r>
+              <a:rPr lang="fr-FR" sz="2400" dirty="0"/>
+              <a:t> </a:t>
+            </a:r>
+            <a:r>
+              <a:rPr lang="fr-FR" sz="2400" dirty="0" err="1"/>
+              <a:t>you</a:t>
+            </a:r>
+            <a:r>
+              <a:rPr lang="fr-FR" sz="2400" dirty="0"/>
+              <a:t> to focus on </a:t>
+            </a:r>
+            <a:r>
+              <a:rPr lang="fr-FR" sz="2400" dirty="0" err="1"/>
+              <a:t>producing</a:t>
+            </a:r>
+            <a:r>
+              <a:rPr lang="fr-FR" sz="2400" dirty="0"/>
+              <a:t> clean, </a:t>
+            </a:r>
+            <a:r>
+              <a:rPr lang="fr-FR" sz="2400" dirty="0" err="1"/>
+              <a:t>professional</a:t>
+            </a:r>
+            <a:r>
+              <a:rPr lang="fr-FR" sz="2400" dirty="0"/>
+              <a:t> slides for the </a:t>
+            </a:r>
+            <a:r>
+              <a:rPr lang="fr-FR" sz="2400" dirty="0" err="1"/>
+              <a:t>presentation</a:t>
+            </a:r>
+            <a:r>
+              <a:rPr lang="fr-FR" sz="2400" dirty="0"/>
+              <a:t>.</a:t>
+            </a:r>
+          </a:p>
+          <a:p>
+            <a:br>
+              <a:rPr lang="fr-FR" sz="2400" dirty="0"/>
+            </a:br>
+            <a:r>
+              <a:rPr lang="fr-FR" sz="2400" dirty="0" err="1"/>
+              <a:t>Here</a:t>
+            </a:r>
+            <a:r>
+              <a:rPr lang="fr-FR" sz="2400" dirty="0"/>
+              <a:t> are the </a:t>
+            </a:r>
+            <a:r>
+              <a:rPr lang="fr-FR" sz="2400" dirty="0" err="1"/>
+              <a:t>planned</a:t>
+            </a:r>
+            <a:r>
+              <a:rPr lang="fr-FR" sz="2400" dirty="0"/>
+              <a:t> topics:</a:t>
+            </a:r>
+          </a:p>
+          <a:p>
+            <a:br>
+              <a:rPr lang="fr-FR" sz="2400" dirty="0"/>
+            </a:br>
+            <a:r>
+              <a:rPr lang="fr-FR" sz="2400" dirty="0"/>
+              <a:t>  - </a:t>
+            </a:r>
+            <a:r>
+              <a:rPr lang="fr-FR" sz="2400" b="1" dirty="0" err="1"/>
+              <a:t>IMDb</a:t>
+            </a:r>
+            <a:r>
+              <a:rPr lang="fr-FR" sz="2400" b="1" dirty="0"/>
+              <a:t> </a:t>
+            </a:r>
+            <a:r>
+              <a:rPr lang="fr-FR" sz="2400" b="1" dirty="0" err="1"/>
+              <a:t>movie</a:t>
+            </a:r>
+            <a:r>
+              <a:rPr lang="fr-FR" sz="2400" b="1" dirty="0"/>
+              <a:t> </a:t>
+            </a:r>
+            <a:r>
+              <a:rPr lang="fr-FR" sz="2400" b="1" dirty="0" err="1"/>
+              <a:t>reviews</a:t>
+            </a:r>
+            <a:r>
+              <a:rPr lang="fr-FR" sz="2400" dirty="0"/>
+              <a:t>: </a:t>
+            </a:r>
+            <a:r>
+              <a:rPr lang="fr-FR" sz="2400" dirty="0" err="1"/>
+              <a:t>predicting</a:t>
+            </a:r>
+            <a:r>
+              <a:rPr lang="fr-FR" sz="2400" dirty="0"/>
+              <a:t> how </a:t>
+            </a:r>
+            <a:r>
+              <a:rPr lang="fr-FR" sz="2400" dirty="0" err="1"/>
+              <a:t>many</a:t>
+            </a:r>
+            <a:r>
+              <a:rPr lang="fr-FR" sz="2400" dirty="0"/>
+              <a:t> stars a </a:t>
+            </a:r>
+            <a:r>
+              <a:rPr lang="fr-FR" sz="2400" dirty="0" err="1"/>
+              <a:t>movie</a:t>
+            </a:r>
+            <a:r>
+              <a:rPr lang="fr-FR" sz="2400" dirty="0"/>
+              <a:t> </a:t>
+            </a:r>
+            <a:r>
+              <a:rPr lang="fr-FR" sz="2400" dirty="0" err="1"/>
+              <a:t>review</a:t>
+            </a:r>
+            <a:r>
+              <a:rPr lang="fr-FR" sz="2400" dirty="0"/>
+              <a:t> </a:t>
+            </a:r>
+            <a:r>
+              <a:rPr lang="fr-FR" sz="2400" dirty="0" err="1"/>
+              <a:t>gives</a:t>
+            </a:r>
+            <a:endParaRPr lang="fr-FR" sz="2400" dirty="0"/>
+          </a:p>
+          <a:p>
+            <a:r>
+              <a:rPr lang="fr-FR" sz="2400" dirty="0"/>
+              <a:t>  - </a:t>
+            </a:r>
+            <a:r>
+              <a:rPr lang="fr-FR" sz="2400" b="1" dirty="0"/>
+              <a:t>Amazon </a:t>
+            </a:r>
+            <a:r>
+              <a:rPr lang="fr-FR" sz="2400" b="1" dirty="0" err="1"/>
+              <a:t>product</a:t>
+            </a:r>
+            <a:r>
+              <a:rPr lang="fr-FR" sz="2400" b="1" dirty="0"/>
+              <a:t> </a:t>
+            </a:r>
+            <a:r>
+              <a:rPr lang="fr-FR" sz="2400" b="1" dirty="0" err="1"/>
+              <a:t>reviews</a:t>
+            </a:r>
+            <a:r>
+              <a:rPr lang="fr-FR" sz="2400" dirty="0"/>
+              <a:t>: </a:t>
+            </a:r>
+            <a:r>
+              <a:rPr lang="fr-FR" sz="2400" dirty="0" err="1"/>
+              <a:t>predict</a:t>
+            </a:r>
+            <a:r>
+              <a:rPr lang="fr-FR" sz="2400" dirty="0"/>
+              <a:t> the </a:t>
+            </a:r>
+            <a:r>
+              <a:rPr lang="fr-FR" sz="2400" dirty="0" err="1"/>
+              <a:t>author</a:t>
+            </a:r>
+            <a:r>
+              <a:rPr lang="fr-FR" sz="2400" dirty="0"/>
+              <a:t> of a </a:t>
+            </a:r>
+            <a:r>
+              <a:rPr lang="fr-FR" sz="2400" dirty="0" err="1"/>
+              <a:t>review</a:t>
+            </a:r>
+            <a:endParaRPr lang="fr-FR" sz="2400" dirty="0"/>
+          </a:p>
+          <a:p>
+            <a:r>
+              <a:rPr lang="fr-FR" sz="2400" dirty="0"/>
+              <a:t>  - </a:t>
+            </a:r>
+            <a:r>
+              <a:rPr lang="fr-FR" sz="2400" b="1" dirty="0" err="1"/>
+              <a:t>Yelp</a:t>
+            </a:r>
+            <a:r>
+              <a:rPr lang="fr-FR" sz="2400" b="1" dirty="0"/>
+              <a:t> </a:t>
+            </a:r>
+            <a:r>
+              <a:rPr lang="fr-FR" sz="2400" b="1" dirty="0" err="1"/>
+              <a:t>reviews</a:t>
+            </a:r>
+            <a:r>
+              <a:rPr lang="fr-FR" sz="2400" dirty="0"/>
+              <a:t>: </a:t>
+            </a:r>
+            <a:r>
+              <a:rPr lang="fr-FR" sz="2400" dirty="0" err="1"/>
+              <a:t>predict</a:t>
+            </a:r>
+            <a:r>
+              <a:rPr lang="fr-FR" sz="2400" dirty="0"/>
+              <a:t> </a:t>
+            </a:r>
+            <a:r>
+              <a:rPr lang="fr-FR" sz="2400" dirty="0" err="1"/>
+              <a:t>author</a:t>
+            </a:r>
+            <a:r>
+              <a:rPr lang="fr-FR" sz="2400" dirty="0"/>
+              <a:t> of the </a:t>
+            </a:r>
+            <a:r>
+              <a:rPr lang="fr-FR" sz="2400" dirty="0" err="1"/>
+              <a:t>review</a:t>
+            </a:r>
+            <a:r>
+              <a:rPr lang="fr-FR" sz="2400" dirty="0"/>
+              <a:t> and cluster the corpus </a:t>
+            </a:r>
+            <a:r>
+              <a:rPr lang="fr-FR" sz="2400" dirty="0" err="1"/>
+              <a:t>authors</a:t>
+            </a:r>
+            <a:endParaRPr lang="fr-FR" sz="2400" dirty="0"/>
+          </a:p>
+          <a:p>
+            <a:r>
+              <a:rPr lang="fr-FR" sz="2400" dirty="0"/>
+              <a:t>  - </a:t>
+            </a:r>
+            <a:r>
+              <a:rPr lang="fr-FR" sz="2400" b="1" dirty="0" err="1"/>
+              <a:t>Wikipedia</a:t>
+            </a:r>
+            <a:r>
+              <a:rPr lang="fr-FR" sz="2400" dirty="0"/>
+              <a:t>: </a:t>
+            </a:r>
+            <a:r>
+              <a:rPr lang="fr-FR" sz="2400" dirty="0" err="1"/>
+              <a:t>detect</a:t>
+            </a:r>
+            <a:r>
+              <a:rPr lang="fr-FR" sz="2400" dirty="0"/>
+              <a:t> </a:t>
+            </a:r>
+            <a:r>
+              <a:rPr lang="fr-FR" sz="2400" dirty="0" err="1"/>
+              <a:t>themes</a:t>
+            </a:r>
+            <a:r>
+              <a:rPr lang="fr-FR" sz="2400" dirty="0"/>
+              <a:t> in a </a:t>
+            </a:r>
+            <a:r>
+              <a:rPr lang="fr-FR" sz="2400" dirty="0" err="1"/>
+              <a:t>subset</a:t>
+            </a:r>
+            <a:r>
+              <a:rPr lang="fr-FR" sz="2400" dirty="0"/>
+              <a:t> of </a:t>
+            </a:r>
+            <a:r>
+              <a:rPr lang="fr-FR" sz="2400" dirty="0" err="1"/>
+              <a:t>Wikipedia</a:t>
+            </a:r>
+            <a:r>
+              <a:rPr lang="fr-FR" sz="2400" dirty="0"/>
+              <a:t> articles</a:t>
+            </a:r>
+          </a:p>
+        </p:txBody>
+      </p:sp>
     </p:spTree>
     <p:extLst>
       <p:ext uri="{BB962C8B-B14F-4D97-AF65-F5344CB8AC3E}">
-        <p14:creationId xmlns:p14="http://schemas.microsoft.com/office/powerpoint/2010/main" val="4229453402"/>
+        <p14:creationId xmlns:p14="http://schemas.microsoft.com/office/powerpoint/2010/main" val="1547585162"/>
       </p:ext>
     </p:extLst>
   </p:cSld>
@@ -7831,7 +8335,7 @@
             <a:pPr algn="ctr"/>
             <a:r>
               <a:rPr lang="fr-FR" sz="4800" b="1" u="sng" noProof="1"/>
-              <a:t>Programming: Example</a:t>
+              <a:t>First Two Weeks</a:t>
             </a:r>
           </a:p>
         </p:txBody>
@@ -7926,10 +8430,10 @@
       </p:sp>
       <p:sp>
         <p:nvSpPr>
-          <p:cNvPr id="7" name="ZoneTexte 6">
-            <a:extLst>
-              <a:ext uri="{FF2B5EF4-FFF2-40B4-BE49-F238E27FC236}">
-                <a16:creationId xmlns:a16="http://schemas.microsoft.com/office/drawing/2014/main" id="{FEFA02EE-5087-9E47-B189-2BE78B98886D}"/>
+          <p:cNvPr id="35" name="ZoneTexte 34">
+            <a:extLst>
+              <a:ext uri="{FF2B5EF4-FFF2-40B4-BE49-F238E27FC236}">
+                <a16:creationId xmlns:a16="http://schemas.microsoft.com/office/drawing/2014/main" id="{083121EA-22BA-0B48-B415-49DA1E741FA9}"/>
               </a:ext>
             </a:extLst>
           </p:cNvPr>
@@ -7938,8 +8442,8 @@
         </p:nvSpPr>
         <p:spPr>
           <a:xfrm>
-            <a:off x="4859405" y="1220049"/>
-            <a:ext cx="7093109" cy="5047536"/>
+            <a:off x="671641" y="1310457"/>
+            <a:ext cx="10361953" cy="2308324"/>
           </a:xfrm>
           <a:prstGeom prst="rect">
             <a:avLst/>
@@ -7953,1245 +8457,298 @@
           <a:lstStyle/>
           <a:p>
             <a:r>
-              <a:rPr lang="fr-FR" sz="1400" b="1" dirty="0" err="1">
-                <a:solidFill>
-                  <a:schemeClr val="accent4">
-                    <a:lumMod val="75000"/>
-                  </a:schemeClr>
-                </a:solidFill>
-                <a:latin typeface="Menlo" panose="020B0609030804020204" pitchFamily="49" charset="0"/>
-                <a:ea typeface="Menlo" panose="020B0609030804020204" pitchFamily="49" charset="0"/>
-                <a:cs typeface="Menlo" panose="020B0609030804020204" pitchFamily="49" charset="0"/>
-              </a:rPr>
-              <a:t>dsst_erate</a:t>
-            </a:r>
-            <a:r>
-              <a:rPr lang="fr-FR" sz="1400" b="1" dirty="0">
-                <a:solidFill>
-                  <a:schemeClr val="accent4">
-                    <a:lumMod val="75000"/>
-                  </a:schemeClr>
-                </a:solidFill>
-                <a:latin typeface="Menlo" panose="020B0609030804020204" pitchFamily="49" charset="0"/>
-                <a:ea typeface="Menlo" panose="020B0609030804020204" pitchFamily="49" charset="0"/>
-                <a:cs typeface="Menlo" panose="020B0609030804020204" pitchFamily="49" charset="0"/>
-              </a:rPr>
-              <a:t> &lt;- </a:t>
-            </a:r>
-            <a:r>
-              <a:rPr lang="fr-FR" sz="1400" b="1" dirty="0" err="1">
-                <a:solidFill>
-                  <a:schemeClr val="accent4">
-                    <a:lumMod val="75000"/>
-                  </a:schemeClr>
-                </a:solidFill>
-                <a:latin typeface="Menlo" panose="020B0609030804020204" pitchFamily="49" charset="0"/>
-                <a:ea typeface="Menlo" panose="020B0609030804020204" pitchFamily="49" charset="0"/>
-                <a:cs typeface="Menlo" panose="020B0609030804020204" pitchFamily="49" charset="0"/>
-              </a:rPr>
-              <a:t>function</a:t>
-            </a:r>
-            <a:r>
-              <a:rPr lang="fr-FR" sz="1400" b="1" dirty="0">
-                <a:solidFill>
-                  <a:schemeClr val="accent4">
-                    <a:lumMod val="75000"/>
-                  </a:schemeClr>
-                </a:solidFill>
-                <a:latin typeface="Menlo" panose="020B0609030804020204" pitchFamily="49" charset="0"/>
-                <a:ea typeface="Menlo" panose="020B0609030804020204" pitchFamily="49" charset="0"/>
-                <a:cs typeface="Menlo" panose="020B0609030804020204" pitchFamily="49" charset="0"/>
-              </a:rPr>
-              <a:t>(model, </a:t>
-            </a:r>
-            <a:r>
-              <a:rPr lang="fr-FR" sz="1400" b="1" dirty="0" err="1">
-                <a:solidFill>
-                  <a:schemeClr val="accent4">
-                    <a:lumMod val="75000"/>
-                  </a:schemeClr>
-                </a:solidFill>
-                <a:latin typeface="Menlo" panose="020B0609030804020204" pitchFamily="49" charset="0"/>
-                <a:ea typeface="Menlo" panose="020B0609030804020204" pitchFamily="49" charset="0"/>
-                <a:cs typeface="Menlo" panose="020B0609030804020204" pitchFamily="49" charset="0"/>
-              </a:rPr>
-              <a:t>segmented</a:t>
-            </a:r>
-            <a:r>
-              <a:rPr lang="fr-FR" sz="1400" b="1" dirty="0">
-                <a:solidFill>
-                  <a:schemeClr val="accent4">
-                    <a:lumMod val="75000"/>
-                  </a:schemeClr>
-                </a:solidFill>
-                <a:latin typeface="Menlo" panose="020B0609030804020204" pitchFamily="49" charset="0"/>
-                <a:ea typeface="Menlo" panose="020B0609030804020204" pitchFamily="49" charset="0"/>
-                <a:cs typeface="Menlo" panose="020B0609030804020204" pitchFamily="49" charset="0"/>
-              </a:rPr>
-              <a:t> = FALSE)</a:t>
-            </a:r>
-          </a:p>
-          <a:p>
-            <a:r>
-              <a:rPr lang="fr-FR" sz="1400" b="1" dirty="0">
-                <a:solidFill>
-                  <a:schemeClr val="accent4">
-                    <a:lumMod val="75000"/>
-                  </a:schemeClr>
-                </a:solidFill>
-                <a:latin typeface="Menlo" panose="020B0609030804020204" pitchFamily="49" charset="0"/>
-                <a:ea typeface="Menlo" panose="020B0609030804020204" pitchFamily="49" charset="0"/>
-                <a:cs typeface="Menlo" panose="020B0609030804020204" pitchFamily="49" charset="0"/>
-              </a:rPr>
-              <a:t>{</a:t>
-            </a:r>
-          </a:p>
-          <a:p>
-            <a:r>
-              <a:rPr lang="fr-FR" sz="1400" b="1" dirty="0">
-                <a:solidFill>
-                  <a:schemeClr val="accent4">
-                    <a:lumMod val="75000"/>
-                  </a:schemeClr>
-                </a:solidFill>
-                <a:latin typeface="Menlo" panose="020B0609030804020204" pitchFamily="49" charset="0"/>
-                <a:ea typeface="Menlo" panose="020B0609030804020204" pitchFamily="49" charset="0"/>
-                <a:cs typeface="Menlo" panose="020B0609030804020204" pitchFamily="49" charset="0"/>
-              </a:rPr>
-              <a:t>  if (</a:t>
-            </a:r>
-            <a:r>
-              <a:rPr lang="fr-FR" sz="1400" b="1" dirty="0" err="1">
-                <a:solidFill>
-                  <a:schemeClr val="accent4">
-                    <a:lumMod val="75000"/>
-                  </a:schemeClr>
-                </a:solidFill>
-                <a:latin typeface="Menlo" panose="020B0609030804020204" pitchFamily="49" charset="0"/>
-                <a:ea typeface="Menlo" panose="020B0609030804020204" pitchFamily="49" charset="0"/>
-                <a:cs typeface="Menlo" panose="020B0609030804020204" pitchFamily="49" charset="0"/>
-              </a:rPr>
-              <a:t>segmented</a:t>
-            </a:r>
-            <a:r>
-              <a:rPr lang="fr-FR" sz="1400" b="1" dirty="0">
-                <a:solidFill>
-                  <a:schemeClr val="accent4">
-                    <a:lumMod val="75000"/>
-                  </a:schemeClr>
-                </a:solidFill>
-                <a:latin typeface="Menlo" panose="020B0609030804020204" pitchFamily="49" charset="0"/>
-                <a:ea typeface="Menlo" panose="020B0609030804020204" pitchFamily="49" charset="0"/>
-                <a:cs typeface="Menlo" panose="020B0609030804020204" pitchFamily="49" charset="0"/>
-              </a:rPr>
-              <a:t>)</a:t>
-            </a:r>
-          </a:p>
-          <a:p>
-            <a:r>
-              <a:rPr lang="fr-FR" sz="1400" b="1" dirty="0">
-                <a:solidFill>
-                  <a:schemeClr val="accent4">
-                    <a:lumMod val="75000"/>
-                  </a:schemeClr>
-                </a:solidFill>
-                <a:latin typeface="Menlo" panose="020B0609030804020204" pitchFamily="49" charset="0"/>
-                <a:ea typeface="Menlo" panose="020B0609030804020204" pitchFamily="49" charset="0"/>
-                <a:cs typeface="Menlo" panose="020B0609030804020204" pitchFamily="49" charset="0"/>
-              </a:rPr>
-              <a:t>  {</a:t>
-            </a:r>
-          </a:p>
-          <a:p>
-            <a:r>
-              <a:rPr lang="fr-FR" sz="1400" b="1" dirty="0">
-                <a:solidFill>
-                  <a:schemeClr val="accent4">
-                    <a:lumMod val="75000"/>
-                  </a:schemeClr>
-                </a:solidFill>
-                <a:latin typeface="Menlo" panose="020B0609030804020204" pitchFamily="49" charset="0"/>
-                <a:ea typeface="Menlo" panose="020B0609030804020204" pitchFamily="49" charset="0"/>
-                <a:cs typeface="Menlo" panose="020B0609030804020204" pitchFamily="49" charset="0"/>
-              </a:rPr>
-              <a:t>    </a:t>
-            </a:r>
-            <a:r>
-              <a:rPr lang="fr-FR" sz="1400" b="1" dirty="0" err="1">
-                <a:solidFill>
-                  <a:schemeClr val="accent4">
-                    <a:lumMod val="75000"/>
-                  </a:schemeClr>
-                </a:solidFill>
-                <a:latin typeface="Menlo" panose="020B0609030804020204" pitchFamily="49" charset="0"/>
-                <a:ea typeface="Menlo" panose="020B0609030804020204" pitchFamily="49" charset="0"/>
-                <a:cs typeface="Menlo" panose="020B0609030804020204" pitchFamily="49" charset="0"/>
-              </a:rPr>
-              <a:t>res</a:t>
-            </a:r>
-            <a:r>
-              <a:rPr lang="fr-FR" sz="1400" b="1" dirty="0">
-                <a:solidFill>
-                  <a:schemeClr val="accent4">
-                    <a:lumMod val="75000"/>
-                  </a:schemeClr>
-                </a:solidFill>
-                <a:latin typeface="Menlo" panose="020B0609030804020204" pitchFamily="49" charset="0"/>
-                <a:ea typeface="Menlo" panose="020B0609030804020204" pitchFamily="49" charset="0"/>
-                <a:cs typeface="Menlo" panose="020B0609030804020204" pitchFamily="49" charset="0"/>
-              </a:rPr>
-              <a:t> &lt;- </a:t>
-            </a:r>
-            <a:r>
-              <a:rPr lang="fr-FR" sz="1400" b="1" dirty="0" err="1">
-                <a:solidFill>
-                  <a:schemeClr val="accent4">
-                    <a:lumMod val="75000"/>
-                  </a:schemeClr>
-                </a:solidFill>
-                <a:latin typeface="Menlo" panose="020B0609030804020204" pitchFamily="49" charset="0"/>
-                <a:ea typeface="Menlo" panose="020B0609030804020204" pitchFamily="49" charset="0"/>
-                <a:cs typeface="Menlo" panose="020B0609030804020204" pitchFamily="49" charset="0"/>
-              </a:rPr>
-              <a:t>model$docs</a:t>
-            </a:r>
-            <a:r>
-              <a:rPr lang="fr-FR" sz="1400" b="1" dirty="0">
-                <a:solidFill>
-                  <a:schemeClr val="accent4">
-                    <a:lumMod val="75000"/>
-                  </a:schemeClr>
-                </a:solidFill>
-                <a:latin typeface="Menlo" panose="020B0609030804020204" pitchFamily="49" charset="0"/>
-                <a:ea typeface="Menlo" panose="020B0609030804020204" pitchFamily="49" charset="0"/>
-                <a:cs typeface="Menlo" panose="020B0609030804020204" pitchFamily="49" charset="0"/>
-              </a:rPr>
-              <a:t> %&gt;%</a:t>
-            </a:r>
-          </a:p>
-          <a:p>
-            <a:r>
-              <a:rPr lang="fr-FR" sz="1400" b="1" dirty="0">
-                <a:solidFill>
-                  <a:schemeClr val="accent4">
-                    <a:lumMod val="75000"/>
-                  </a:schemeClr>
-                </a:solidFill>
-                <a:latin typeface="Menlo" panose="020B0609030804020204" pitchFamily="49" charset="0"/>
-                <a:ea typeface="Menlo" panose="020B0609030804020204" pitchFamily="49" charset="0"/>
-                <a:cs typeface="Menlo" panose="020B0609030804020204" pitchFamily="49" charset="0"/>
-              </a:rPr>
-              <a:t>      </a:t>
-            </a:r>
-            <a:r>
-              <a:rPr lang="fr-FR" sz="1400" b="1" dirty="0" err="1">
-                <a:solidFill>
-                  <a:schemeClr val="accent4">
-                    <a:lumMod val="75000"/>
-                  </a:schemeClr>
-                </a:solidFill>
-                <a:latin typeface="Menlo" panose="020B0609030804020204" pitchFamily="49" charset="0"/>
-                <a:ea typeface="Menlo" panose="020B0609030804020204" pitchFamily="49" charset="0"/>
-                <a:cs typeface="Menlo" panose="020B0609030804020204" pitchFamily="49" charset="0"/>
-              </a:rPr>
-              <a:t>group_by</a:t>
-            </a:r>
-            <a:r>
-              <a:rPr lang="fr-FR" sz="1400" b="1" dirty="0">
-                <a:solidFill>
-                  <a:schemeClr val="accent4">
-                    <a:lumMod val="75000"/>
-                  </a:schemeClr>
-                </a:solidFill>
-                <a:latin typeface="Menlo" panose="020B0609030804020204" pitchFamily="49" charset="0"/>
-                <a:ea typeface="Menlo" panose="020B0609030804020204" pitchFamily="49" charset="0"/>
-                <a:cs typeface="Menlo" panose="020B0609030804020204" pitchFamily="49" charset="0"/>
-              </a:rPr>
-              <a:t>(</a:t>
-            </a:r>
-            <a:r>
-              <a:rPr lang="fr-FR" sz="1400" b="1" dirty="0" err="1">
-                <a:solidFill>
-                  <a:schemeClr val="accent4">
-                    <a:lumMod val="75000"/>
-                  </a:schemeClr>
-                </a:solidFill>
-                <a:latin typeface="Menlo" panose="020B0609030804020204" pitchFamily="49" charset="0"/>
-                <a:ea typeface="Menlo" panose="020B0609030804020204" pitchFamily="49" charset="0"/>
-                <a:cs typeface="Menlo" panose="020B0609030804020204" pitchFamily="49" charset="0"/>
-              </a:rPr>
-              <a:t>train_id</a:t>
-            </a:r>
-            <a:r>
-              <a:rPr lang="fr-FR" sz="1400" b="1" dirty="0">
-                <a:solidFill>
-                  <a:schemeClr val="accent4">
-                    <a:lumMod val="75000"/>
-                  </a:schemeClr>
-                </a:solidFill>
-                <a:latin typeface="Menlo" panose="020B0609030804020204" pitchFamily="49" charset="0"/>
-                <a:ea typeface="Menlo" panose="020B0609030804020204" pitchFamily="49" charset="0"/>
-                <a:cs typeface="Menlo" panose="020B0609030804020204" pitchFamily="49" charset="0"/>
-              </a:rPr>
-              <a:t>, </a:t>
-            </a:r>
-            <a:r>
-              <a:rPr lang="fr-FR" sz="1400" b="1" dirty="0" err="1">
-                <a:solidFill>
-                  <a:schemeClr val="accent4">
-                    <a:lumMod val="75000"/>
-                  </a:schemeClr>
-                </a:solidFill>
-                <a:latin typeface="Menlo" panose="020B0609030804020204" pitchFamily="49" charset="0"/>
-                <a:ea typeface="Menlo" panose="020B0609030804020204" pitchFamily="49" charset="0"/>
-                <a:cs typeface="Menlo" panose="020B0609030804020204" pitchFamily="49" charset="0"/>
-              </a:rPr>
-              <a:t>real_label</a:t>
-            </a:r>
-            <a:r>
-              <a:rPr lang="fr-FR" sz="1400" b="1" dirty="0">
-                <a:solidFill>
-                  <a:schemeClr val="accent4">
-                    <a:lumMod val="75000"/>
-                  </a:schemeClr>
-                </a:solidFill>
-                <a:latin typeface="Menlo" panose="020B0609030804020204" pitchFamily="49" charset="0"/>
-                <a:ea typeface="Menlo" panose="020B0609030804020204" pitchFamily="49" charset="0"/>
-                <a:cs typeface="Menlo" panose="020B0609030804020204" pitchFamily="49" charset="0"/>
-              </a:rPr>
-              <a:t>) %&gt;%</a:t>
-            </a:r>
-          </a:p>
-          <a:p>
-            <a:r>
-              <a:rPr lang="fr-FR" sz="1400" b="1" dirty="0">
-                <a:solidFill>
-                  <a:schemeClr val="accent4">
-                    <a:lumMod val="75000"/>
-                  </a:schemeClr>
-                </a:solidFill>
-                <a:latin typeface="Menlo" panose="020B0609030804020204" pitchFamily="49" charset="0"/>
-                <a:ea typeface="Menlo" panose="020B0609030804020204" pitchFamily="49" charset="0"/>
-                <a:cs typeface="Menlo" panose="020B0609030804020204" pitchFamily="49" charset="0"/>
-              </a:rPr>
-              <a:t>      </a:t>
-            </a:r>
-            <a:r>
-              <a:rPr lang="fr-FR" sz="1400" b="1" dirty="0" err="1">
-                <a:solidFill>
-                  <a:schemeClr val="accent4">
-                    <a:lumMod val="75000"/>
-                  </a:schemeClr>
-                </a:solidFill>
-                <a:latin typeface="Menlo" panose="020B0609030804020204" pitchFamily="49" charset="0"/>
-                <a:ea typeface="Menlo" panose="020B0609030804020204" pitchFamily="49" charset="0"/>
-                <a:cs typeface="Menlo" panose="020B0609030804020204" pitchFamily="49" charset="0"/>
-              </a:rPr>
-              <a:t>summarize</a:t>
-            </a:r>
-            <a:r>
-              <a:rPr lang="fr-FR" sz="1400" b="1" dirty="0">
-                <a:solidFill>
-                  <a:schemeClr val="accent4">
-                    <a:lumMod val="75000"/>
-                  </a:schemeClr>
-                </a:solidFill>
-                <a:latin typeface="Menlo" panose="020B0609030804020204" pitchFamily="49" charset="0"/>
-                <a:ea typeface="Menlo" panose="020B0609030804020204" pitchFamily="49" charset="0"/>
-                <a:cs typeface="Menlo" panose="020B0609030804020204" pitchFamily="49" charset="0"/>
-              </a:rPr>
-              <a:t>(</a:t>
-            </a:r>
-          </a:p>
-          <a:p>
-            <a:r>
-              <a:rPr lang="fr-FR" sz="1400" b="1" dirty="0">
-                <a:solidFill>
-                  <a:schemeClr val="accent4">
-                    <a:lumMod val="75000"/>
-                  </a:schemeClr>
-                </a:solidFill>
-                <a:latin typeface="Menlo" panose="020B0609030804020204" pitchFamily="49" charset="0"/>
-                <a:ea typeface="Menlo" panose="020B0609030804020204" pitchFamily="49" charset="0"/>
-                <a:cs typeface="Menlo" panose="020B0609030804020204" pitchFamily="49" charset="0"/>
-              </a:rPr>
-              <a:t>        </a:t>
-            </a:r>
-            <a:r>
-              <a:rPr lang="fr-FR" sz="1400" b="1" dirty="0" err="1">
-                <a:solidFill>
-                  <a:schemeClr val="accent4">
-                    <a:lumMod val="75000"/>
-                  </a:schemeClr>
-                </a:solidFill>
-                <a:latin typeface="Menlo" panose="020B0609030804020204" pitchFamily="49" charset="0"/>
-                <a:ea typeface="Menlo" panose="020B0609030804020204" pitchFamily="49" charset="0"/>
-                <a:cs typeface="Menlo" panose="020B0609030804020204" pitchFamily="49" charset="0"/>
-              </a:rPr>
-              <a:t>class_rate</a:t>
-            </a:r>
-            <a:r>
-              <a:rPr lang="fr-FR" sz="1400" b="1" dirty="0">
-                <a:solidFill>
-                  <a:schemeClr val="accent4">
-                    <a:lumMod val="75000"/>
-                  </a:schemeClr>
-                </a:solidFill>
-                <a:latin typeface="Menlo" panose="020B0609030804020204" pitchFamily="49" charset="0"/>
-                <a:ea typeface="Menlo" panose="020B0609030804020204" pitchFamily="49" charset="0"/>
-                <a:cs typeface="Menlo" panose="020B0609030804020204" pitchFamily="49" charset="0"/>
-              </a:rPr>
-              <a:t> = </a:t>
-            </a:r>
-            <a:r>
-              <a:rPr lang="fr-FR" sz="1400" b="1" dirty="0" err="1">
-                <a:solidFill>
-                  <a:schemeClr val="accent4">
-                    <a:lumMod val="75000"/>
-                  </a:schemeClr>
-                </a:solidFill>
-                <a:latin typeface="Menlo" panose="020B0609030804020204" pitchFamily="49" charset="0"/>
-                <a:ea typeface="Menlo" panose="020B0609030804020204" pitchFamily="49" charset="0"/>
-                <a:cs typeface="Menlo" panose="020B0609030804020204" pitchFamily="49" charset="0"/>
-              </a:rPr>
-              <a:t>mean</a:t>
-            </a:r>
-            <a:r>
-              <a:rPr lang="fr-FR" sz="1400" b="1" dirty="0">
-                <a:solidFill>
-                  <a:schemeClr val="accent4">
-                    <a:lumMod val="75000"/>
-                  </a:schemeClr>
-                </a:solidFill>
-                <a:latin typeface="Menlo" panose="020B0609030804020204" pitchFamily="49" charset="0"/>
-                <a:ea typeface="Menlo" panose="020B0609030804020204" pitchFamily="49" charset="0"/>
-                <a:cs typeface="Menlo" panose="020B0609030804020204" pitchFamily="49" charset="0"/>
-              </a:rPr>
-              <a:t>(</a:t>
-            </a:r>
-            <a:r>
-              <a:rPr lang="fr-FR" sz="1400" b="1" dirty="0" err="1">
-                <a:solidFill>
-                  <a:schemeClr val="accent4">
-                    <a:lumMod val="75000"/>
-                  </a:schemeClr>
-                </a:solidFill>
-                <a:latin typeface="Menlo" panose="020B0609030804020204" pitchFamily="49" charset="0"/>
-                <a:ea typeface="Menlo" panose="020B0609030804020204" pitchFamily="49" charset="0"/>
-                <a:cs typeface="Menlo" panose="020B0609030804020204" pitchFamily="49" charset="0"/>
-              </a:rPr>
-              <a:t>pred_label</a:t>
-            </a:r>
-            <a:r>
-              <a:rPr lang="fr-FR" sz="1400" b="1" dirty="0">
-                <a:solidFill>
-                  <a:schemeClr val="accent4">
-                    <a:lumMod val="75000"/>
-                  </a:schemeClr>
-                </a:solidFill>
-                <a:latin typeface="Menlo" panose="020B0609030804020204" pitchFamily="49" charset="0"/>
-                <a:ea typeface="Menlo" panose="020B0609030804020204" pitchFamily="49" charset="0"/>
-                <a:cs typeface="Menlo" panose="020B0609030804020204" pitchFamily="49" charset="0"/>
-              </a:rPr>
-              <a:t> != </a:t>
-            </a:r>
-            <a:r>
-              <a:rPr lang="fr-FR" sz="1400" b="1" dirty="0" err="1">
-                <a:solidFill>
-                  <a:schemeClr val="accent4">
-                    <a:lumMod val="75000"/>
-                  </a:schemeClr>
-                </a:solidFill>
-                <a:latin typeface="Menlo" panose="020B0609030804020204" pitchFamily="49" charset="0"/>
-                <a:ea typeface="Menlo" panose="020B0609030804020204" pitchFamily="49" charset="0"/>
-                <a:cs typeface="Menlo" panose="020B0609030804020204" pitchFamily="49" charset="0"/>
-              </a:rPr>
-              <a:t>real_label</a:t>
-            </a:r>
-            <a:r>
-              <a:rPr lang="fr-FR" sz="1400" b="1" dirty="0">
-                <a:solidFill>
-                  <a:schemeClr val="accent4">
-                    <a:lumMod val="75000"/>
-                  </a:schemeClr>
-                </a:solidFill>
-                <a:latin typeface="Menlo" panose="020B0609030804020204" pitchFamily="49" charset="0"/>
-                <a:ea typeface="Menlo" panose="020B0609030804020204" pitchFamily="49" charset="0"/>
-                <a:cs typeface="Menlo" panose="020B0609030804020204" pitchFamily="49" charset="0"/>
-              </a:rPr>
-              <a:t>)) %&gt;%</a:t>
-            </a:r>
-          </a:p>
-          <a:p>
-            <a:r>
-              <a:rPr lang="fr-FR" sz="1400" b="1" dirty="0">
-                <a:solidFill>
-                  <a:schemeClr val="accent4">
-                    <a:lumMod val="75000"/>
-                  </a:schemeClr>
-                </a:solidFill>
-                <a:latin typeface="Menlo" panose="020B0609030804020204" pitchFamily="49" charset="0"/>
-                <a:ea typeface="Menlo" panose="020B0609030804020204" pitchFamily="49" charset="0"/>
-                <a:cs typeface="Menlo" panose="020B0609030804020204" pitchFamily="49" charset="0"/>
-              </a:rPr>
-              <a:t>      </a:t>
-            </a:r>
-            <a:r>
-              <a:rPr lang="fr-FR" sz="1400" b="1" dirty="0" err="1">
-                <a:solidFill>
-                  <a:schemeClr val="accent4">
-                    <a:lumMod val="75000"/>
-                  </a:schemeClr>
-                </a:solidFill>
-                <a:latin typeface="Menlo" panose="020B0609030804020204" pitchFamily="49" charset="0"/>
-                <a:ea typeface="Menlo" panose="020B0609030804020204" pitchFamily="49" charset="0"/>
-                <a:cs typeface="Menlo" panose="020B0609030804020204" pitchFamily="49" charset="0"/>
-              </a:rPr>
-              <a:t>pivot_wider</a:t>
-            </a:r>
-            <a:r>
-              <a:rPr lang="fr-FR" sz="1400" b="1" dirty="0">
-                <a:solidFill>
-                  <a:schemeClr val="accent4">
-                    <a:lumMod val="75000"/>
-                  </a:schemeClr>
-                </a:solidFill>
-                <a:latin typeface="Menlo" panose="020B0609030804020204" pitchFamily="49" charset="0"/>
-                <a:ea typeface="Menlo" panose="020B0609030804020204" pitchFamily="49" charset="0"/>
-                <a:cs typeface="Menlo" panose="020B0609030804020204" pitchFamily="49" charset="0"/>
-              </a:rPr>
-              <a:t>(</a:t>
-            </a:r>
-          </a:p>
-          <a:p>
-            <a:r>
-              <a:rPr lang="fr-FR" sz="1400" b="1" dirty="0">
-                <a:solidFill>
-                  <a:schemeClr val="accent4">
-                    <a:lumMod val="75000"/>
-                  </a:schemeClr>
-                </a:solidFill>
-                <a:latin typeface="Menlo" panose="020B0609030804020204" pitchFamily="49" charset="0"/>
-                <a:ea typeface="Menlo" panose="020B0609030804020204" pitchFamily="49" charset="0"/>
-                <a:cs typeface="Menlo" panose="020B0609030804020204" pitchFamily="49" charset="0"/>
-              </a:rPr>
-              <a:t>        </a:t>
-            </a:r>
-            <a:r>
-              <a:rPr lang="fr-FR" sz="1400" b="1" dirty="0" err="1">
-                <a:solidFill>
-                  <a:schemeClr val="accent4">
-                    <a:lumMod val="75000"/>
-                  </a:schemeClr>
-                </a:solidFill>
-                <a:latin typeface="Menlo" panose="020B0609030804020204" pitchFamily="49" charset="0"/>
-                <a:ea typeface="Menlo" panose="020B0609030804020204" pitchFamily="49" charset="0"/>
-                <a:cs typeface="Menlo" panose="020B0609030804020204" pitchFamily="49" charset="0"/>
-              </a:rPr>
-              <a:t>values_from</a:t>
-            </a:r>
-            <a:r>
-              <a:rPr lang="fr-FR" sz="1400" b="1" dirty="0">
-                <a:solidFill>
-                  <a:schemeClr val="accent4">
-                    <a:lumMod val="75000"/>
-                  </a:schemeClr>
-                </a:solidFill>
-                <a:latin typeface="Menlo" panose="020B0609030804020204" pitchFamily="49" charset="0"/>
-                <a:ea typeface="Menlo" panose="020B0609030804020204" pitchFamily="49" charset="0"/>
-                <a:cs typeface="Menlo" panose="020B0609030804020204" pitchFamily="49" charset="0"/>
-              </a:rPr>
-              <a:t> = </a:t>
-            </a:r>
-            <a:r>
-              <a:rPr lang="fr-FR" sz="1400" b="1" dirty="0" err="1">
-                <a:solidFill>
-                  <a:schemeClr val="accent4">
-                    <a:lumMod val="75000"/>
-                  </a:schemeClr>
-                </a:solidFill>
-                <a:latin typeface="Menlo" panose="020B0609030804020204" pitchFamily="49" charset="0"/>
-                <a:ea typeface="Menlo" panose="020B0609030804020204" pitchFamily="49" charset="0"/>
-                <a:cs typeface="Menlo" panose="020B0609030804020204" pitchFamily="49" charset="0"/>
-              </a:rPr>
-              <a:t>class_rate</a:t>
-            </a:r>
-            <a:r>
-              <a:rPr lang="fr-FR" sz="1400" b="1" dirty="0">
-                <a:solidFill>
-                  <a:schemeClr val="accent4">
-                    <a:lumMod val="75000"/>
-                  </a:schemeClr>
-                </a:solidFill>
-                <a:latin typeface="Menlo" panose="020B0609030804020204" pitchFamily="49" charset="0"/>
-                <a:ea typeface="Menlo" panose="020B0609030804020204" pitchFamily="49" charset="0"/>
-                <a:cs typeface="Menlo" panose="020B0609030804020204" pitchFamily="49" charset="0"/>
-              </a:rPr>
-              <a:t>, </a:t>
-            </a:r>
-            <a:r>
-              <a:rPr lang="fr-FR" sz="1400" b="1" dirty="0" err="1">
-                <a:solidFill>
-                  <a:schemeClr val="accent4">
-                    <a:lumMod val="75000"/>
-                  </a:schemeClr>
-                </a:solidFill>
-                <a:latin typeface="Menlo" panose="020B0609030804020204" pitchFamily="49" charset="0"/>
-                <a:ea typeface="Menlo" panose="020B0609030804020204" pitchFamily="49" charset="0"/>
-                <a:cs typeface="Menlo" panose="020B0609030804020204" pitchFamily="49" charset="0"/>
-              </a:rPr>
-              <a:t>names_from</a:t>
-            </a:r>
-            <a:r>
-              <a:rPr lang="fr-FR" sz="1400" b="1" dirty="0">
-                <a:solidFill>
-                  <a:schemeClr val="accent4">
-                    <a:lumMod val="75000"/>
-                  </a:schemeClr>
-                </a:solidFill>
-                <a:latin typeface="Menlo" panose="020B0609030804020204" pitchFamily="49" charset="0"/>
-                <a:ea typeface="Menlo" panose="020B0609030804020204" pitchFamily="49" charset="0"/>
-                <a:cs typeface="Menlo" panose="020B0609030804020204" pitchFamily="49" charset="0"/>
-              </a:rPr>
-              <a:t> = </a:t>
-            </a:r>
-            <a:r>
-              <a:rPr lang="fr-FR" sz="1400" b="1" dirty="0" err="1">
-                <a:solidFill>
-                  <a:schemeClr val="accent4">
-                    <a:lumMod val="75000"/>
-                  </a:schemeClr>
-                </a:solidFill>
-                <a:latin typeface="Menlo" panose="020B0609030804020204" pitchFamily="49" charset="0"/>
-                <a:ea typeface="Menlo" panose="020B0609030804020204" pitchFamily="49" charset="0"/>
-                <a:cs typeface="Menlo" panose="020B0609030804020204" pitchFamily="49" charset="0"/>
-              </a:rPr>
-              <a:t>train_id</a:t>
-            </a:r>
-            <a:endParaRPr lang="fr-FR" sz="1400" b="1" dirty="0">
-              <a:solidFill>
-                <a:schemeClr val="accent4">
-                  <a:lumMod val="75000"/>
-                </a:schemeClr>
-              </a:solidFill>
-              <a:latin typeface="Menlo" panose="020B0609030804020204" pitchFamily="49" charset="0"/>
-              <a:ea typeface="Menlo" panose="020B0609030804020204" pitchFamily="49" charset="0"/>
-              <a:cs typeface="Menlo" panose="020B0609030804020204" pitchFamily="49" charset="0"/>
-            </a:endParaRPr>
-          </a:p>
-          <a:p>
-            <a:r>
-              <a:rPr lang="fr-FR" sz="1400" b="1" dirty="0">
-                <a:solidFill>
-                  <a:schemeClr val="accent4">
-                    <a:lumMod val="75000"/>
-                  </a:schemeClr>
-                </a:solidFill>
-                <a:latin typeface="Menlo" panose="020B0609030804020204" pitchFamily="49" charset="0"/>
-                <a:ea typeface="Menlo" panose="020B0609030804020204" pitchFamily="49" charset="0"/>
-                <a:cs typeface="Menlo" panose="020B0609030804020204" pitchFamily="49" charset="0"/>
-              </a:rPr>
-              <a:t>      )</a:t>
-            </a:r>
-          </a:p>
-          <a:p>
-            <a:r>
-              <a:rPr lang="fr-FR" sz="1400" b="1" dirty="0">
-                <a:solidFill>
-                  <a:schemeClr val="accent4">
-                    <a:lumMod val="75000"/>
-                  </a:schemeClr>
-                </a:solidFill>
-                <a:latin typeface="Menlo" panose="020B0609030804020204" pitchFamily="49" charset="0"/>
-                <a:ea typeface="Menlo" panose="020B0609030804020204" pitchFamily="49" charset="0"/>
-                <a:cs typeface="Menlo" panose="020B0609030804020204" pitchFamily="49" charset="0"/>
-              </a:rPr>
-              <a:t>  } </a:t>
-            </a:r>
-            <a:r>
-              <a:rPr lang="fr-FR" sz="1400" b="1" dirty="0" err="1">
-                <a:solidFill>
-                  <a:schemeClr val="accent4">
-                    <a:lumMod val="75000"/>
-                  </a:schemeClr>
-                </a:solidFill>
-                <a:latin typeface="Menlo" panose="020B0609030804020204" pitchFamily="49" charset="0"/>
-                <a:ea typeface="Menlo" panose="020B0609030804020204" pitchFamily="49" charset="0"/>
-                <a:cs typeface="Menlo" panose="020B0609030804020204" pitchFamily="49" charset="0"/>
-              </a:rPr>
-              <a:t>else</a:t>
-            </a:r>
-            <a:r>
-              <a:rPr lang="fr-FR" sz="1400" b="1" dirty="0">
-                <a:solidFill>
-                  <a:schemeClr val="accent4">
-                    <a:lumMod val="75000"/>
-                  </a:schemeClr>
-                </a:solidFill>
-                <a:latin typeface="Menlo" panose="020B0609030804020204" pitchFamily="49" charset="0"/>
-                <a:ea typeface="Menlo" panose="020B0609030804020204" pitchFamily="49" charset="0"/>
-                <a:cs typeface="Menlo" panose="020B0609030804020204" pitchFamily="49" charset="0"/>
-              </a:rPr>
-              <a:t> {</a:t>
-            </a:r>
-          </a:p>
-          <a:p>
-            <a:r>
-              <a:rPr lang="fr-FR" sz="1400" b="1" dirty="0">
-                <a:solidFill>
-                  <a:schemeClr val="accent4">
-                    <a:lumMod val="75000"/>
-                  </a:schemeClr>
-                </a:solidFill>
-                <a:latin typeface="Menlo" panose="020B0609030804020204" pitchFamily="49" charset="0"/>
-                <a:ea typeface="Menlo" panose="020B0609030804020204" pitchFamily="49" charset="0"/>
-                <a:cs typeface="Menlo" panose="020B0609030804020204" pitchFamily="49" charset="0"/>
-              </a:rPr>
-              <a:t>    </a:t>
-            </a:r>
-            <a:r>
-              <a:rPr lang="fr-FR" sz="1400" b="1" dirty="0" err="1">
-                <a:solidFill>
-                  <a:schemeClr val="accent4">
-                    <a:lumMod val="75000"/>
-                  </a:schemeClr>
-                </a:solidFill>
-                <a:latin typeface="Menlo" panose="020B0609030804020204" pitchFamily="49" charset="0"/>
-                <a:ea typeface="Menlo" panose="020B0609030804020204" pitchFamily="49" charset="0"/>
-                <a:cs typeface="Menlo" panose="020B0609030804020204" pitchFamily="49" charset="0"/>
-              </a:rPr>
-              <a:t>res</a:t>
-            </a:r>
-            <a:r>
-              <a:rPr lang="fr-FR" sz="1400" b="1" dirty="0">
-                <a:solidFill>
-                  <a:schemeClr val="accent4">
-                    <a:lumMod val="75000"/>
-                  </a:schemeClr>
-                </a:solidFill>
-                <a:latin typeface="Menlo" panose="020B0609030804020204" pitchFamily="49" charset="0"/>
-                <a:ea typeface="Menlo" panose="020B0609030804020204" pitchFamily="49" charset="0"/>
-                <a:cs typeface="Menlo" panose="020B0609030804020204" pitchFamily="49" charset="0"/>
-              </a:rPr>
-              <a:t> &lt;- </a:t>
-            </a:r>
-            <a:r>
-              <a:rPr lang="fr-FR" sz="1400" b="1" dirty="0" err="1">
-                <a:solidFill>
-                  <a:schemeClr val="accent4">
-                    <a:lumMod val="75000"/>
-                  </a:schemeClr>
-                </a:solidFill>
-                <a:latin typeface="Menlo" panose="020B0609030804020204" pitchFamily="49" charset="0"/>
-                <a:ea typeface="Menlo" panose="020B0609030804020204" pitchFamily="49" charset="0"/>
-                <a:cs typeface="Menlo" panose="020B0609030804020204" pitchFamily="49" charset="0"/>
-              </a:rPr>
-              <a:t>model$docs</a:t>
-            </a:r>
-            <a:r>
-              <a:rPr lang="fr-FR" sz="1400" b="1" dirty="0">
-                <a:solidFill>
-                  <a:schemeClr val="accent4">
-                    <a:lumMod val="75000"/>
-                  </a:schemeClr>
-                </a:solidFill>
-                <a:latin typeface="Menlo" panose="020B0609030804020204" pitchFamily="49" charset="0"/>
-                <a:ea typeface="Menlo" panose="020B0609030804020204" pitchFamily="49" charset="0"/>
-                <a:cs typeface="Menlo" panose="020B0609030804020204" pitchFamily="49" charset="0"/>
-              </a:rPr>
-              <a:t> %&gt;%</a:t>
-            </a:r>
-          </a:p>
-          <a:p>
-            <a:r>
-              <a:rPr lang="fr-FR" sz="1400" b="1" dirty="0">
-                <a:solidFill>
-                  <a:schemeClr val="accent4">
-                    <a:lumMod val="75000"/>
-                  </a:schemeClr>
-                </a:solidFill>
-                <a:latin typeface="Menlo" panose="020B0609030804020204" pitchFamily="49" charset="0"/>
-                <a:ea typeface="Menlo" panose="020B0609030804020204" pitchFamily="49" charset="0"/>
-                <a:cs typeface="Menlo" panose="020B0609030804020204" pitchFamily="49" charset="0"/>
-              </a:rPr>
-              <a:t>      </a:t>
-            </a:r>
-            <a:r>
-              <a:rPr lang="fr-FR" sz="1400" b="1" dirty="0" err="1">
-                <a:solidFill>
-                  <a:schemeClr val="accent4">
-                    <a:lumMod val="75000"/>
-                  </a:schemeClr>
-                </a:solidFill>
-                <a:latin typeface="Menlo" panose="020B0609030804020204" pitchFamily="49" charset="0"/>
-                <a:ea typeface="Menlo" panose="020B0609030804020204" pitchFamily="49" charset="0"/>
-                <a:cs typeface="Menlo" panose="020B0609030804020204" pitchFamily="49" charset="0"/>
-              </a:rPr>
-              <a:t>group_by</a:t>
-            </a:r>
-            <a:r>
-              <a:rPr lang="fr-FR" sz="1400" b="1" dirty="0">
-                <a:solidFill>
-                  <a:schemeClr val="accent4">
-                    <a:lumMod val="75000"/>
-                  </a:schemeClr>
-                </a:solidFill>
-                <a:latin typeface="Menlo" panose="020B0609030804020204" pitchFamily="49" charset="0"/>
-                <a:ea typeface="Menlo" panose="020B0609030804020204" pitchFamily="49" charset="0"/>
-                <a:cs typeface="Menlo" panose="020B0609030804020204" pitchFamily="49" charset="0"/>
-              </a:rPr>
-              <a:t>(</a:t>
-            </a:r>
-            <a:r>
-              <a:rPr lang="fr-FR" sz="1400" b="1" dirty="0" err="1">
-                <a:solidFill>
-                  <a:schemeClr val="accent4">
-                    <a:lumMod val="75000"/>
-                  </a:schemeClr>
-                </a:solidFill>
-                <a:latin typeface="Menlo" panose="020B0609030804020204" pitchFamily="49" charset="0"/>
-                <a:ea typeface="Menlo" panose="020B0609030804020204" pitchFamily="49" charset="0"/>
-                <a:cs typeface="Menlo" panose="020B0609030804020204" pitchFamily="49" charset="0"/>
-              </a:rPr>
-              <a:t>train_id</a:t>
-            </a:r>
-            <a:r>
-              <a:rPr lang="fr-FR" sz="1400" b="1" dirty="0">
-                <a:solidFill>
-                  <a:schemeClr val="accent4">
-                    <a:lumMod val="75000"/>
-                  </a:schemeClr>
-                </a:solidFill>
-                <a:latin typeface="Menlo" panose="020B0609030804020204" pitchFamily="49" charset="0"/>
-                <a:ea typeface="Menlo" panose="020B0609030804020204" pitchFamily="49" charset="0"/>
-                <a:cs typeface="Menlo" panose="020B0609030804020204" pitchFamily="49" charset="0"/>
-              </a:rPr>
-              <a:t>) %&gt;%</a:t>
-            </a:r>
-          </a:p>
-          <a:p>
-            <a:r>
-              <a:rPr lang="fr-FR" sz="1400" b="1" dirty="0">
-                <a:solidFill>
-                  <a:schemeClr val="accent4">
-                    <a:lumMod val="75000"/>
-                  </a:schemeClr>
-                </a:solidFill>
-                <a:latin typeface="Menlo" panose="020B0609030804020204" pitchFamily="49" charset="0"/>
-                <a:ea typeface="Menlo" panose="020B0609030804020204" pitchFamily="49" charset="0"/>
-                <a:cs typeface="Menlo" panose="020B0609030804020204" pitchFamily="49" charset="0"/>
-              </a:rPr>
-              <a:t>      </a:t>
-            </a:r>
-            <a:r>
-              <a:rPr lang="fr-FR" sz="1400" b="1" dirty="0" err="1">
-                <a:solidFill>
-                  <a:schemeClr val="accent4">
-                    <a:lumMod val="75000"/>
-                  </a:schemeClr>
-                </a:solidFill>
-                <a:latin typeface="Menlo" panose="020B0609030804020204" pitchFamily="49" charset="0"/>
-                <a:ea typeface="Menlo" panose="020B0609030804020204" pitchFamily="49" charset="0"/>
-                <a:cs typeface="Menlo" panose="020B0609030804020204" pitchFamily="49" charset="0"/>
-              </a:rPr>
-              <a:t>summarize</a:t>
-            </a:r>
-            <a:r>
-              <a:rPr lang="fr-FR" sz="1400" b="1" dirty="0">
-                <a:solidFill>
-                  <a:schemeClr val="accent4">
-                    <a:lumMod val="75000"/>
-                  </a:schemeClr>
-                </a:solidFill>
-                <a:latin typeface="Menlo" panose="020B0609030804020204" pitchFamily="49" charset="0"/>
-                <a:ea typeface="Menlo" panose="020B0609030804020204" pitchFamily="49" charset="0"/>
-                <a:cs typeface="Menlo" panose="020B0609030804020204" pitchFamily="49" charset="0"/>
-              </a:rPr>
-              <a:t>(</a:t>
-            </a:r>
-          </a:p>
-          <a:p>
-            <a:r>
-              <a:rPr lang="fr-FR" sz="1400" b="1" dirty="0">
-                <a:solidFill>
-                  <a:schemeClr val="accent4">
-                    <a:lumMod val="75000"/>
-                  </a:schemeClr>
-                </a:solidFill>
-                <a:latin typeface="Menlo" panose="020B0609030804020204" pitchFamily="49" charset="0"/>
-                <a:ea typeface="Menlo" panose="020B0609030804020204" pitchFamily="49" charset="0"/>
-                <a:cs typeface="Menlo" panose="020B0609030804020204" pitchFamily="49" charset="0"/>
-              </a:rPr>
-              <a:t>        </a:t>
-            </a:r>
-            <a:r>
-              <a:rPr lang="fr-FR" sz="1400" b="1" dirty="0" err="1">
-                <a:solidFill>
-                  <a:schemeClr val="accent4">
-                    <a:lumMod val="75000"/>
-                  </a:schemeClr>
-                </a:solidFill>
-                <a:latin typeface="Menlo" panose="020B0609030804020204" pitchFamily="49" charset="0"/>
-                <a:ea typeface="Menlo" panose="020B0609030804020204" pitchFamily="49" charset="0"/>
-                <a:cs typeface="Menlo" panose="020B0609030804020204" pitchFamily="49" charset="0"/>
-              </a:rPr>
-              <a:t>class_rate</a:t>
-            </a:r>
-            <a:r>
-              <a:rPr lang="fr-FR" sz="1400" b="1" dirty="0">
-                <a:solidFill>
-                  <a:schemeClr val="accent4">
-                    <a:lumMod val="75000"/>
-                  </a:schemeClr>
-                </a:solidFill>
-                <a:latin typeface="Menlo" panose="020B0609030804020204" pitchFamily="49" charset="0"/>
-                <a:ea typeface="Menlo" panose="020B0609030804020204" pitchFamily="49" charset="0"/>
-                <a:cs typeface="Menlo" panose="020B0609030804020204" pitchFamily="49" charset="0"/>
-              </a:rPr>
-              <a:t> = </a:t>
-            </a:r>
-            <a:r>
-              <a:rPr lang="fr-FR" sz="1400" b="1" dirty="0" err="1">
-                <a:solidFill>
-                  <a:schemeClr val="accent4">
-                    <a:lumMod val="75000"/>
-                  </a:schemeClr>
-                </a:solidFill>
-                <a:latin typeface="Menlo" panose="020B0609030804020204" pitchFamily="49" charset="0"/>
-                <a:ea typeface="Menlo" panose="020B0609030804020204" pitchFamily="49" charset="0"/>
-                <a:cs typeface="Menlo" panose="020B0609030804020204" pitchFamily="49" charset="0"/>
-              </a:rPr>
-              <a:t>mean</a:t>
-            </a:r>
-            <a:r>
-              <a:rPr lang="fr-FR" sz="1400" b="1" dirty="0">
-                <a:solidFill>
-                  <a:schemeClr val="accent4">
-                    <a:lumMod val="75000"/>
-                  </a:schemeClr>
-                </a:solidFill>
-                <a:latin typeface="Menlo" panose="020B0609030804020204" pitchFamily="49" charset="0"/>
-                <a:ea typeface="Menlo" panose="020B0609030804020204" pitchFamily="49" charset="0"/>
-                <a:cs typeface="Menlo" panose="020B0609030804020204" pitchFamily="49" charset="0"/>
-              </a:rPr>
-              <a:t>(</a:t>
-            </a:r>
-            <a:r>
-              <a:rPr lang="fr-FR" sz="1400" b="1" dirty="0" err="1">
-                <a:solidFill>
-                  <a:schemeClr val="accent4">
-                    <a:lumMod val="75000"/>
-                  </a:schemeClr>
-                </a:solidFill>
-                <a:latin typeface="Menlo" panose="020B0609030804020204" pitchFamily="49" charset="0"/>
-                <a:ea typeface="Menlo" panose="020B0609030804020204" pitchFamily="49" charset="0"/>
-                <a:cs typeface="Menlo" panose="020B0609030804020204" pitchFamily="49" charset="0"/>
-              </a:rPr>
-              <a:t>pred_label</a:t>
-            </a:r>
-            <a:r>
-              <a:rPr lang="fr-FR" sz="1400" b="1" dirty="0">
-                <a:solidFill>
-                  <a:schemeClr val="accent4">
-                    <a:lumMod val="75000"/>
-                  </a:schemeClr>
-                </a:solidFill>
-                <a:latin typeface="Menlo" panose="020B0609030804020204" pitchFamily="49" charset="0"/>
-                <a:ea typeface="Menlo" panose="020B0609030804020204" pitchFamily="49" charset="0"/>
-                <a:cs typeface="Menlo" panose="020B0609030804020204" pitchFamily="49" charset="0"/>
-              </a:rPr>
-              <a:t> != </a:t>
-            </a:r>
-            <a:r>
-              <a:rPr lang="fr-FR" sz="1400" b="1" dirty="0" err="1">
-                <a:solidFill>
-                  <a:schemeClr val="accent4">
-                    <a:lumMod val="75000"/>
-                  </a:schemeClr>
-                </a:solidFill>
-                <a:latin typeface="Menlo" panose="020B0609030804020204" pitchFamily="49" charset="0"/>
-                <a:ea typeface="Menlo" panose="020B0609030804020204" pitchFamily="49" charset="0"/>
-                <a:cs typeface="Menlo" panose="020B0609030804020204" pitchFamily="49" charset="0"/>
-              </a:rPr>
-              <a:t>real_label</a:t>
-            </a:r>
-            <a:r>
-              <a:rPr lang="fr-FR" sz="1400" b="1" dirty="0">
-                <a:solidFill>
-                  <a:schemeClr val="accent4">
-                    <a:lumMod val="75000"/>
-                  </a:schemeClr>
-                </a:solidFill>
-                <a:latin typeface="Menlo" panose="020B0609030804020204" pitchFamily="49" charset="0"/>
-                <a:ea typeface="Menlo" panose="020B0609030804020204" pitchFamily="49" charset="0"/>
-                <a:cs typeface="Menlo" panose="020B0609030804020204" pitchFamily="49" charset="0"/>
-              </a:rPr>
-              <a:t>)) %&gt;%</a:t>
-            </a:r>
-          </a:p>
-          <a:p>
-            <a:r>
-              <a:rPr lang="fr-FR" sz="1400" b="1" dirty="0">
-                <a:solidFill>
-                  <a:schemeClr val="accent4">
-                    <a:lumMod val="75000"/>
-                  </a:schemeClr>
-                </a:solidFill>
-                <a:latin typeface="Menlo" panose="020B0609030804020204" pitchFamily="49" charset="0"/>
-                <a:ea typeface="Menlo" panose="020B0609030804020204" pitchFamily="49" charset="0"/>
-                <a:cs typeface="Menlo" panose="020B0609030804020204" pitchFamily="49" charset="0"/>
-              </a:rPr>
-              <a:t>      </a:t>
-            </a:r>
-            <a:r>
-              <a:rPr lang="fr-FR" sz="1400" b="1" dirty="0" err="1">
-                <a:solidFill>
-                  <a:schemeClr val="accent4">
-                    <a:lumMod val="75000"/>
-                  </a:schemeClr>
-                </a:solidFill>
-                <a:latin typeface="Menlo" panose="020B0609030804020204" pitchFamily="49" charset="0"/>
-                <a:ea typeface="Menlo" panose="020B0609030804020204" pitchFamily="49" charset="0"/>
-                <a:cs typeface="Menlo" panose="020B0609030804020204" pitchFamily="49" charset="0"/>
-              </a:rPr>
-              <a:t>pivot_wider</a:t>
-            </a:r>
-            <a:r>
-              <a:rPr lang="fr-FR" sz="1400" b="1" dirty="0">
-                <a:solidFill>
-                  <a:schemeClr val="accent4">
-                    <a:lumMod val="75000"/>
-                  </a:schemeClr>
-                </a:solidFill>
-                <a:latin typeface="Menlo" panose="020B0609030804020204" pitchFamily="49" charset="0"/>
-                <a:ea typeface="Menlo" panose="020B0609030804020204" pitchFamily="49" charset="0"/>
-                <a:cs typeface="Menlo" panose="020B0609030804020204" pitchFamily="49" charset="0"/>
-              </a:rPr>
-              <a:t>(</a:t>
-            </a:r>
-          </a:p>
-          <a:p>
-            <a:r>
-              <a:rPr lang="fr-FR" sz="1400" b="1" dirty="0">
-                <a:solidFill>
-                  <a:schemeClr val="accent4">
-                    <a:lumMod val="75000"/>
-                  </a:schemeClr>
-                </a:solidFill>
-                <a:latin typeface="Menlo" panose="020B0609030804020204" pitchFamily="49" charset="0"/>
-                <a:ea typeface="Menlo" panose="020B0609030804020204" pitchFamily="49" charset="0"/>
-                <a:cs typeface="Menlo" panose="020B0609030804020204" pitchFamily="49" charset="0"/>
-              </a:rPr>
-              <a:t>        </a:t>
-            </a:r>
-            <a:r>
-              <a:rPr lang="fr-FR" sz="1400" b="1" dirty="0" err="1">
-                <a:solidFill>
-                  <a:schemeClr val="accent4">
-                    <a:lumMod val="75000"/>
-                  </a:schemeClr>
-                </a:solidFill>
-                <a:latin typeface="Menlo" panose="020B0609030804020204" pitchFamily="49" charset="0"/>
-                <a:ea typeface="Menlo" panose="020B0609030804020204" pitchFamily="49" charset="0"/>
-                <a:cs typeface="Menlo" panose="020B0609030804020204" pitchFamily="49" charset="0"/>
-              </a:rPr>
-              <a:t>values_from</a:t>
-            </a:r>
-            <a:r>
-              <a:rPr lang="fr-FR" sz="1400" b="1" dirty="0">
-                <a:solidFill>
-                  <a:schemeClr val="accent4">
-                    <a:lumMod val="75000"/>
-                  </a:schemeClr>
-                </a:solidFill>
-                <a:latin typeface="Menlo" panose="020B0609030804020204" pitchFamily="49" charset="0"/>
-                <a:ea typeface="Menlo" panose="020B0609030804020204" pitchFamily="49" charset="0"/>
-                <a:cs typeface="Menlo" panose="020B0609030804020204" pitchFamily="49" charset="0"/>
-              </a:rPr>
-              <a:t> = </a:t>
-            </a:r>
-            <a:r>
-              <a:rPr lang="fr-FR" sz="1400" b="1" dirty="0" err="1">
-                <a:solidFill>
-                  <a:schemeClr val="accent4">
-                    <a:lumMod val="75000"/>
-                  </a:schemeClr>
-                </a:solidFill>
-                <a:latin typeface="Menlo" panose="020B0609030804020204" pitchFamily="49" charset="0"/>
-                <a:ea typeface="Menlo" panose="020B0609030804020204" pitchFamily="49" charset="0"/>
-                <a:cs typeface="Menlo" panose="020B0609030804020204" pitchFamily="49" charset="0"/>
-              </a:rPr>
-              <a:t>class_rate</a:t>
-            </a:r>
-            <a:r>
-              <a:rPr lang="fr-FR" sz="1400" b="1" dirty="0">
-                <a:solidFill>
-                  <a:schemeClr val="accent4">
-                    <a:lumMod val="75000"/>
-                  </a:schemeClr>
-                </a:solidFill>
-                <a:latin typeface="Menlo" panose="020B0609030804020204" pitchFamily="49" charset="0"/>
-                <a:ea typeface="Menlo" panose="020B0609030804020204" pitchFamily="49" charset="0"/>
-                <a:cs typeface="Menlo" panose="020B0609030804020204" pitchFamily="49" charset="0"/>
-              </a:rPr>
-              <a:t>, </a:t>
-            </a:r>
-            <a:r>
-              <a:rPr lang="fr-FR" sz="1400" b="1" dirty="0" err="1">
-                <a:solidFill>
-                  <a:schemeClr val="accent4">
-                    <a:lumMod val="75000"/>
-                  </a:schemeClr>
-                </a:solidFill>
-                <a:latin typeface="Menlo" panose="020B0609030804020204" pitchFamily="49" charset="0"/>
-                <a:ea typeface="Menlo" panose="020B0609030804020204" pitchFamily="49" charset="0"/>
-                <a:cs typeface="Menlo" panose="020B0609030804020204" pitchFamily="49" charset="0"/>
-              </a:rPr>
-              <a:t>names_from</a:t>
-            </a:r>
-            <a:r>
-              <a:rPr lang="fr-FR" sz="1400" b="1" dirty="0">
-                <a:solidFill>
-                  <a:schemeClr val="accent4">
-                    <a:lumMod val="75000"/>
-                  </a:schemeClr>
-                </a:solidFill>
-                <a:latin typeface="Menlo" panose="020B0609030804020204" pitchFamily="49" charset="0"/>
-                <a:ea typeface="Menlo" panose="020B0609030804020204" pitchFamily="49" charset="0"/>
-                <a:cs typeface="Menlo" panose="020B0609030804020204" pitchFamily="49" charset="0"/>
-              </a:rPr>
-              <a:t> = </a:t>
-            </a:r>
-            <a:r>
-              <a:rPr lang="fr-FR" sz="1400" b="1" dirty="0" err="1">
-                <a:solidFill>
-                  <a:schemeClr val="accent4">
-                    <a:lumMod val="75000"/>
-                  </a:schemeClr>
-                </a:solidFill>
-                <a:latin typeface="Menlo" panose="020B0609030804020204" pitchFamily="49" charset="0"/>
-                <a:ea typeface="Menlo" panose="020B0609030804020204" pitchFamily="49" charset="0"/>
-                <a:cs typeface="Menlo" panose="020B0609030804020204" pitchFamily="49" charset="0"/>
-              </a:rPr>
-              <a:t>train_id</a:t>
-            </a:r>
-            <a:endParaRPr lang="fr-FR" sz="1400" b="1" dirty="0">
-              <a:solidFill>
-                <a:schemeClr val="accent4">
-                  <a:lumMod val="75000"/>
-                </a:schemeClr>
-              </a:solidFill>
-              <a:latin typeface="Menlo" panose="020B0609030804020204" pitchFamily="49" charset="0"/>
-              <a:ea typeface="Menlo" panose="020B0609030804020204" pitchFamily="49" charset="0"/>
-              <a:cs typeface="Menlo" panose="020B0609030804020204" pitchFamily="49" charset="0"/>
-            </a:endParaRPr>
-          </a:p>
-          <a:p>
-            <a:r>
-              <a:rPr lang="fr-FR" sz="1400" b="1" dirty="0">
-                <a:solidFill>
-                  <a:schemeClr val="accent4">
-                    <a:lumMod val="75000"/>
-                  </a:schemeClr>
-                </a:solidFill>
-                <a:latin typeface="Menlo" panose="020B0609030804020204" pitchFamily="49" charset="0"/>
-                <a:ea typeface="Menlo" panose="020B0609030804020204" pitchFamily="49" charset="0"/>
-                <a:cs typeface="Menlo" panose="020B0609030804020204" pitchFamily="49" charset="0"/>
-              </a:rPr>
-              <a:t>      )</a:t>
-            </a:r>
-          </a:p>
-          <a:p>
-            <a:r>
-              <a:rPr lang="fr-FR" sz="1400" b="1" dirty="0">
-                <a:solidFill>
-                  <a:schemeClr val="accent4">
-                    <a:lumMod val="75000"/>
-                  </a:schemeClr>
-                </a:solidFill>
-                <a:latin typeface="Menlo" panose="020B0609030804020204" pitchFamily="49" charset="0"/>
-                <a:ea typeface="Menlo" panose="020B0609030804020204" pitchFamily="49" charset="0"/>
-                <a:cs typeface="Menlo" panose="020B0609030804020204" pitchFamily="49" charset="0"/>
-              </a:rPr>
-              <a:t>  }</a:t>
-            </a:r>
-          </a:p>
-          <a:p>
-            <a:br>
-              <a:rPr lang="fr-FR" sz="1400" b="1" dirty="0">
-                <a:solidFill>
-                  <a:schemeClr val="accent4">
-                    <a:lumMod val="75000"/>
-                  </a:schemeClr>
-                </a:solidFill>
-                <a:latin typeface="Menlo" panose="020B0609030804020204" pitchFamily="49" charset="0"/>
-                <a:ea typeface="Menlo" panose="020B0609030804020204" pitchFamily="49" charset="0"/>
-                <a:cs typeface="Menlo" panose="020B0609030804020204" pitchFamily="49" charset="0"/>
-              </a:rPr>
-            </a:br>
-            <a:r>
-              <a:rPr lang="fr-FR" sz="1400" b="1" dirty="0">
-                <a:solidFill>
-                  <a:schemeClr val="accent4">
-                    <a:lumMod val="75000"/>
-                  </a:schemeClr>
-                </a:solidFill>
-                <a:latin typeface="Menlo" panose="020B0609030804020204" pitchFamily="49" charset="0"/>
-                <a:ea typeface="Menlo" panose="020B0609030804020204" pitchFamily="49" charset="0"/>
-                <a:cs typeface="Menlo" panose="020B0609030804020204" pitchFamily="49" charset="0"/>
-              </a:rPr>
-              <a:t>  return(</a:t>
-            </a:r>
-            <a:r>
-              <a:rPr lang="fr-FR" sz="1400" b="1" dirty="0" err="1">
-                <a:solidFill>
-                  <a:schemeClr val="accent4">
-                    <a:lumMod val="75000"/>
-                  </a:schemeClr>
-                </a:solidFill>
-                <a:latin typeface="Menlo" panose="020B0609030804020204" pitchFamily="49" charset="0"/>
-                <a:ea typeface="Menlo" panose="020B0609030804020204" pitchFamily="49" charset="0"/>
-                <a:cs typeface="Menlo" panose="020B0609030804020204" pitchFamily="49" charset="0"/>
-              </a:rPr>
-              <a:t>res</a:t>
-            </a:r>
-            <a:r>
-              <a:rPr lang="fr-FR" sz="1400" b="1" dirty="0">
-                <a:solidFill>
-                  <a:schemeClr val="accent4">
-                    <a:lumMod val="75000"/>
-                  </a:schemeClr>
-                </a:solidFill>
-                <a:latin typeface="Menlo" panose="020B0609030804020204" pitchFamily="49" charset="0"/>
-                <a:ea typeface="Menlo" panose="020B0609030804020204" pitchFamily="49" charset="0"/>
-                <a:cs typeface="Menlo" panose="020B0609030804020204" pitchFamily="49" charset="0"/>
-              </a:rPr>
-              <a:t>)</a:t>
-            </a:r>
-          </a:p>
-          <a:p>
-            <a:r>
-              <a:rPr lang="fr-FR" sz="1400" b="1" dirty="0">
-                <a:solidFill>
-                  <a:schemeClr val="accent4">
-                    <a:lumMod val="75000"/>
-                  </a:schemeClr>
-                </a:solidFill>
-                <a:latin typeface="Menlo" panose="020B0609030804020204" pitchFamily="49" charset="0"/>
-                <a:ea typeface="Menlo" panose="020B0609030804020204" pitchFamily="49" charset="0"/>
-                <a:cs typeface="Menlo" panose="020B0609030804020204" pitchFamily="49" charset="0"/>
-              </a:rPr>
-              <a:t>}</a:t>
-            </a:r>
-          </a:p>
-        </p:txBody>
-      </p:sp>
-      <p:sp>
-        <p:nvSpPr>
-          <p:cNvPr id="8" name="ZoneTexte 7">
-            <a:extLst>
-              <a:ext uri="{FF2B5EF4-FFF2-40B4-BE49-F238E27FC236}">
-                <a16:creationId xmlns:a16="http://schemas.microsoft.com/office/drawing/2014/main" id="{063CBB16-8C32-8B45-9D9D-20709EA354C4}"/>
+              <a:rPr lang="fr-FR" sz="2400" dirty="0"/>
+              <a:t>The content </a:t>
+            </a:r>
+            <a:r>
+              <a:rPr lang="fr-FR" sz="2400" dirty="0" err="1"/>
+              <a:t>next</a:t>
+            </a:r>
+            <a:r>
+              <a:rPr lang="fr-FR" sz="2400" dirty="0"/>
+              <a:t> </a:t>
+            </a:r>
+            <a:r>
+              <a:rPr lang="fr-FR" sz="2400" dirty="0" err="1"/>
+              <a:t>two</a:t>
+            </a:r>
+            <a:r>
+              <a:rPr lang="fr-FR" sz="2400" dirty="0"/>
+              <a:t> classes (</a:t>
+            </a:r>
+            <a:r>
+              <a:rPr lang="fr-FR" sz="2400" dirty="0" err="1"/>
+              <a:t>remember</a:t>
+            </a:r>
+            <a:r>
+              <a:rPr lang="fr-FR" sz="2400" dirty="0"/>
+              <a:t> </a:t>
+            </a:r>
+            <a:r>
+              <a:rPr lang="fr-FR" sz="2400" dirty="0" err="1"/>
+              <a:t>that</a:t>
+            </a:r>
+            <a:r>
+              <a:rPr lang="fr-FR" sz="2400" dirty="0"/>
+              <a:t> </a:t>
+            </a:r>
+            <a:r>
+              <a:rPr lang="fr-FR" sz="2400" dirty="0" err="1"/>
+              <a:t>we</a:t>
+            </a:r>
+            <a:r>
+              <a:rPr lang="fr-FR" sz="2400" dirty="0"/>
+              <a:t> </a:t>
+            </a:r>
+            <a:r>
+              <a:rPr lang="fr-FR" sz="2400" dirty="0" err="1"/>
+              <a:t>don’t</a:t>
+            </a:r>
+            <a:r>
+              <a:rPr lang="fr-FR" sz="2400" dirty="0"/>
+              <a:t> have class on MLK </a:t>
+            </a:r>
+            <a:r>
+              <a:rPr lang="fr-FR" sz="2400" dirty="0" err="1"/>
+              <a:t>day</a:t>
+            </a:r>
+            <a:r>
+              <a:rPr lang="fr-FR" sz="2400" dirty="0"/>
+              <a:t>) </a:t>
+            </a:r>
+            <a:r>
+              <a:rPr lang="fr-FR" sz="2400" dirty="0" err="1"/>
+              <a:t>will</a:t>
+            </a:r>
+            <a:r>
+              <a:rPr lang="fr-FR" sz="2400" dirty="0"/>
+              <a:t> </a:t>
+            </a:r>
+            <a:r>
+              <a:rPr lang="fr-FR" sz="2400" dirty="0" err="1"/>
+              <a:t>be</a:t>
+            </a:r>
+            <a:r>
+              <a:rPr lang="fr-FR" sz="2400" dirty="0"/>
+              <a:t> a bit </a:t>
+            </a:r>
+            <a:r>
+              <a:rPr lang="fr-FR" sz="2400" dirty="0" err="1"/>
+              <a:t>different</a:t>
+            </a:r>
+            <a:r>
+              <a:rPr lang="fr-FR" sz="2400" dirty="0"/>
+              <a:t>. </a:t>
+            </a:r>
+            <a:r>
+              <a:rPr lang="fr-FR" sz="2400" dirty="0" err="1"/>
+              <a:t>You’ll</a:t>
+            </a:r>
+            <a:r>
+              <a:rPr lang="fr-FR" sz="2400" dirty="0"/>
+              <a:t> </a:t>
+            </a:r>
+            <a:r>
+              <a:rPr lang="fr-FR" sz="2400" dirty="0" err="1"/>
+              <a:t>be</a:t>
+            </a:r>
+            <a:r>
+              <a:rPr lang="fr-FR" sz="2400" dirty="0"/>
+              <a:t> </a:t>
+            </a:r>
+            <a:r>
+              <a:rPr lang="fr-FR" sz="2400" dirty="0" err="1"/>
+              <a:t>getting</a:t>
+            </a:r>
+            <a:r>
+              <a:rPr lang="fr-FR" sz="2400" dirty="0"/>
+              <a:t> a crash course in the </a:t>
+            </a:r>
+            <a:r>
+              <a:rPr lang="fr-FR" sz="2400" dirty="0" err="1"/>
+              <a:t>language</a:t>
+            </a:r>
+            <a:r>
+              <a:rPr lang="fr-FR" sz="2400" dirty="0"/>
+              <a:t> of machine </a:t>
+            </a:r>
+            <a:r>
+              <a:rPr lang="fr-FR" sz="2400" dirty="0" err="1"/>
+              <a:t>learning</a:t>
+            </a:r>
+            <a:r>
+              <a:rPr lang="fr-FR" sz="2400" dirty="0"/>
+              <a:t> and </a:t>
+            </a:r>
+            <a:r>
+              <a:rPr lang="fr-FR" sz="2400" dirty="0" err="1"/>
+              <a:t>we</a:t>
+            </a:r>
+            <a:r>
+              <a:rPr lang="fr-FR" sz="2400" dirty="0"/>
+              <a:t> </a:t>
+            </a:r>
+            <a:r>
+              <a:rPr lang="fr-FR" sz="2400" dirty="0" err="1"/>
+              <a:t>won’t</a:t>
+            </a:r>
+            <a:r>
+              <a:rPr lang="fr-FR" sz="2400" dirty="0"/>
+              <a:t> </a:t>
+            </a:r>
+            <a:r>
+              <a:rPr lang="fr-FR" sz="2400" dirty="0" err="1"/>
+              <a:t>be</a:t>
+            </a:r>
+            <a:r>
+              <a:rPr lang="fr-FR" sz="2400" dirty="0"/>
+              <a:t> </a:t>
+            </a:r>
+            <a:r>
+              <a:rPr lang="fr-FR" sz="2400" dirty="0" err="1"/>
+              <a:t>doing</a:t>
+            </a:r>
+            <a:r>
+              <a:rPr lang="fr-FR" sz="2400" dirty="0"/>
+              <a:t> </a:t>
+            </a:r>
+            <a:r>
+              <a:rPr lang="fr-FR" sz="2400" dirty="0" err="1"/>
+              <a:t>any</a:t>
+            </a:r>
+            <a:r>
+              <a:rPr lang="fr-FR" sz="2400" dirty="0"/>
+              <a:t> </a:t>
+            </a:r>
+            <a:r>
+              <a:rPr lang="fr-FR" sz="2400" dirty="0" err="1"/>
+              <a:t>computing</a:t>
+            </a:r>
+            <a:r>
+              <a:rPr lang="fr-FR" sz="2400" dirty="0"/>
+              <a:t>. </a:t>
+            </a:r>
+            <a:r>
+              <a:rPr lang="fr-FR" sz="2400" dirty="0" err="1"/>
+              <a:t>Because</a:t>
+            </a:r>
+            <a:r>
+              <a:rPr lang="fr-FR" sz="2400" dirty="0"/>
+              <a:t> of the dense nature of the </a:t>
+            </a:r>
+            <a:r>
+              <a:rPr lang="fr-FR" sz="2400" dirty="0" err="1"/>
+              <a:t>material</a:t>
+            </a:r>
+            <a:r>
+              <a:rPr lang="fr-FR" sz="2400" dirty="0"/>
+              <a:t>, I have </a:t>
+            </a:r>
+            <a:r>
+              <a:rPr lang="fr-FR" sz="2400" dirty="0" err="1"/>
+              <a:t>prepared</a:t>
+            </a:r>
+            <a:r>
+              <a:rPr lang="fr-FR" sz="2400" dirty="0"/>
+              <a:t> </a:t>
+            </a:r>
+            <a:r>
+              <a:rPr lang="fr-FR" sz="2400" dirty="0" err="1"/>
+              <a:t>video</a:t>
+            </a:r>
+            <a:r>
+              <a:rPr lang="fr-FR" sz="2400" dirty="0"/>
+              <a:t> notes in addition to the standard slides </a:t>
+            </a:r>
+            <a:r>
+              <a:rPr lang="fr-FR" sz="2400" dirty="0" err="1"/>
+              <a:t>that</a:t>
+            </a:r>
+            <a:r>
+              <a:rPr lang="fr-FR" sz="2400" dirty="0"/>
+              <a:t> </a:t>
+            </a:r>
+            <a:r>
+              <a:rPr lang="fr-FR" sz="2400" dirty="0" err="1"/>
+              <a:t>you</a:t>
+            </a:r>
+            <a:r>
+              <a:rPr lang="fr-FR" sz="2400" dirty="0"/>
+              <a:t> can </a:t>
+            </a:r>
+            <a:r>
+              <a:rPr lang="fr-FR" sz="2400" dirty="0" err="1"/>
+              <a:t>watch</a:t>
+            </a:r>
+            <a:r>
+              <a:rPr lang="fr-FR" sz="2400" dirty="0"/>
+              <a:t>, pause, and re-</a:t>
+            </a:r>
+            <a:r>
+              <a:rPr lang="fr-FR" sz="2400" dirty="0" err="1"/>
+              <a:t>watch</a:t>
+            </a:r>
+            <a:r>
+              <a:rPr lang="fr-FR" sz="2400" dirty="0"/>
+              <a:t>. In class </a:t>
+            </a:r>
+            <a:r>
+              <a:rPr lang="fr-FR" sz="2400" dirty="0" err="1"/>
+              <a:t>we’ll</a:t>
+            </a:r>
+            <a:r>
+              <a:rPr lang="fr-FR" sz="2400" dirty="0"/>
+              <a:t> </a:t>
+            </a:r>
+            <a:r>
+              <a:rPr lang="fr-FR" sz="2400" dirty="0" err="1"/>
+              <a:t>work</a:t>
+            </a:r>
+            <a:r>
+              <a:rPr lang="fr-FR" sz="2400" dirty="0"/>
+              <a:t> on </a:t>
+            </a:r>
+            <a:r>
+              <a:rPr lang="fr-FR" sz="2400" dirty="0" err="1"/>
+              <a:t>pen</a:t>
+            </a:r>
+            <a:r>
+              <a:rPr lang="fr-FR" sz="2400" dirty="0"/>
+              <a:t> and </a:t>
+            </a:r>
+            <a:r>
+              <a:rPr lang="fr-FR" sz="2400" dirty="0" err="1"/>
+              <a:t>paper</a:t>
+            </a:r>
+            <a:r>
+              <a:rPr lang="fr-FR" sz="2400" dirty="0"/>
+              <a:t> </a:t>
+            </a:r>
+            <a:r>
+              <a:rPr lang="fr-FR" sz="2400" dirty="0" err="1"/>
+              <a:t>handouts</a:t>
+            </a:r>
+            <a:r>
+              <a:rPr lang="fr-FR" sz="2400" dirty="0"/>
+              <a:t> </a:t>
+            </a:r>
+            <a:r>
+              <a:rPr lang="fr-FR" sz="2400" dirty="0" err="1"/>
+              <a:t>instead</a:t>
+            </a:r>
+            <a:r>
+              <a:rPr lang="fr-FR" sz="2400" dirty="0"/>
+              <a:t> of R notebooks.</a:t>
+            </a:r>
+          </a:p>
+        </p:txBody>
+      </p:sp>
+      <p:sp>
+        <p:nvSpPr>
+          <p:cNvPr id="2" name="ZoneTexte 34">
+            <a:extLst>
+              <a:ext uri="{FF2B5EF4-FFF2-40B4-BE49-F238E27FC236}">
+                <a16:creationId xmlns:a16="http://schemas.microsoft.com/office/drawing/2014/main" id="{16CDE267-3A51-77B8-7469-CE2282265555}"/>
               </a:ext>
             </a:extLst>
           </p:cNvPr>
@@ -9200,8 +8757,8 @@
         </p:nvSpPr>
         <p:spPr>
           <a:xfrm>
-            <a:off x="420224" y="2967335"/>
-            <a:ext cx="3326652" cy="461665"/>
+            <a:off x="2424983" y="4452335"/>
+            <a:ext cx="9409229" cy="1569660"/>
           </a:xfrm>
           <a:prstGeom prst="rect">
             <a:avLst/>
@@ -9214,31 +8771,250 @@
           </a:bodyPr>
           <a:lstStyle/>
           <a:p>
-            <a:r>
-              <a:rPr lang="fr-FR" sz="2400" b="1" dirty="0" err="1">
-                <a:solidFill>
-                  <a:schemeClr val="accent5">
-                    <a:lumMod val="75000"/>
-                  </a:schemeClr>
-                </a:solidFill>
-                <a:latin typeface="Menlo" panose="020B0609030804020204" pitchFamily="49" charset="0"/>
-                <a:ea typeface="Menlo" panose="020B0609030804020204" pitchFamily="49" charset="0"/>
-                <a:cs typeface="Menlo" panose="020B0609030804020204" pitchFamily="49" charset="0"/>
-              </a:rPr>
-              <a:t>dsst_erate</a:t>
-            </a:r>
-            <a:r>
-              <a:rPr lang="fr-FR" sz="2400" b="1" dirty="0">
-                <a:solidFill>
-                  <a:schemeClr val="accent5">
-                    <a:lumMod val="75000"/>
-                  </a:schemeClr>
-                </a:solidFill>
-                <a:latin typeface="Menlo" panose="020B0609030804020204" pitchFamily="49" charset="0"/>
-                <a:ea typeface="Menlo" panose="020B0609030804020204" pitchFamily="49" charset="0"/>
-                <a:cs typeface="Menlo" panose="020B0609030804020204" pitchFamily="49" charset="0"/>
-              </a:rPr>
-              <a:t>(model)</a:t>
+            <a:pPr algn="r"/>
+            <a:r>
+              <a:rPr lang="fr-FR" sz="2400" dirty="0"/>
+              <a:t>The </a:t>
+            </a:r>
+            <a:r>
+              <a:rPr lang="fr-FR" sz="2400" dirty="0" err="1"/>
+              <a:t>material</a:t>
+            </a:r>
+            <a:r>
+              <a:rPr lang="fr-FR" sz="2400" dirty="0"/>
+              <a:t> </a:t>
+            </a:r>
+            <a:r>
+              <a:rPr lang="fr-FR" sz="2400" dirty="0" err="1"/>
+              <a:t>will</a:t>
+            </a:r>
+            <a:r>
+              <a:rPr lang="fr-FR" sz="2400" dirty="0"/>
+              <a:t> </a:t>
+            </a:r>
+            <a:r>
+              <a:rPr lang="fr-FR" sz="2400" dirty="0" err="1"/>
+              <a:t>be</a:t>
+            </a:r>
+            <a:r>
+              <a:rPr lang="fr-FR" sz="2400" dirty="0"/>
+              <a:t> more </a:t>
+            </a:r>
+            <a:r>
+              <a:rPr lang="fr-FR" sz="2400" dirty="0" err="1"/>
+              <a:t>mathematical</a:t>
+            </a:r>
+            <a:r>
+              <a:rPr lang="fr-FR" sz="2400" dirty="0"/>
+              <a:t> </a:t>
+            </a:r>
+            <a:r>
+              <a:rPr lang="fr-FR" sz="2400" dirty="0" err="1"/>
+              <a:t>than</a:t>
+            </a:r>
+            <a:r>
+              <a:rPr lang="fr-FR" sz="2400" dirty="0"/>
+              <a:t> </a:t>
+            </a:r>
+            <a:r>
+              <a:rPr lang="fr-FR" sz="2400" dirty="0" err="1"/>
+              <a:t>what</a:t>
+            </a:r>
+            <a:r>
+              <a:rPr lang="fr-FR" sz="2400" dirty="0"/>
+              <a:t> I </a:t>
+            </a:r>
+            <a:r>
+              <a:rPr lang="fr-FR" sz="2400" dirty="0" err="1"/>
+              <a:t>normally</a:t>
+            </a:r>
+            <a:r>
+              <a:rPr lang="fr-FR" sz="2400" dirty="0"/>
+              <a:t> </a:t>
+            </a:r>
+            <a:r>
+              <a:rPr lang="fr-FR" sz="2400" dirty="0" err="1"/>
+              <a:t>teach</a:t>
+            </a:r>
+            <a:r>
+              <a:rPr lang="fr-FR" sz="2400" dirty="0"/>
+              <a:t> and </a:t>
+            </a:r>
+            <a:r>
+              <a:rPr lang="fr-FR" sz="2400" dirty="0" err="1"/>
+              <a:t>may</a:t>
+            </a:r>
+            <a:r>
+              <a:rPr lang="fr-FR" sz="2400" dirty="0"/>
+              <a:t> </a:t>
+            </a:r>
+            <a:r>
+              <a:rPr lang="fr-FR" sz="2400" dirty="0" err="1"/>
+              <a:t>seem</a:t>
+            </a:r>
+            <a:r>
+              <a:rPr lang="fr-FR" sz="2400" dirty="0"/>
+              <a:t> </a:t>
+            </a:r>
+            <a:r>
+              <a:rPr lang="fr-FR" sz="2400" dirty="0" err="1"/>
+              <a:t>overwelming</a:t>
+            </a:r>
+            <a:r>
+              <a:rPr lang="fr-FR" sz="2400" dirty="0"/>
+              <a:t>. Just do </a:t>
+            </a:r>
+            <a:r>
+              <a:rPr lang="fr-FR" sz="2400" dirty="0" err="1"/>
+              <a:t>your</a:t>
+            </a:r>
+            <a:r>
+              <a:rPr lang="fr-FR" sz="2400" dirty="0"/>
+              <a:t> best, </a:t>
+            </a:r>
+            <a:r>
+              <a:rPr lang="fr-FR" sz="2400" dirty="0" err="1"/>
+              <a:t>watch</a:t>
+            </a:r>
+            <a:r>
+              <a:rPr lang="fr-FR" sz="2400" dirty="0"/>
+              <a:t> the </a:t>
+            </a:r>
+            <a:r>
+              <a:rPr lang="fr-FR" sz="2400" dirty="0" err="1"/>
+              <a:t>videos</a:t>
+            </a:r>
+            <a:r>
+              <a:rPr lang="fr-FR" sz="2400" dirty="0"/>
+              <a:t>, and come </a:t>
+            </a:r>
+            <a:r>
+              <a:rPr lang="fr-FR" sz="2400" dirty="0" err="1"/>
+              <a:t>ready</a:t>
+            </a:r>
+            <a:r>
+              <a:rPr lang="fr-FR" sz="2400" dirty="0"/>
+              <a:t> to </a:t>
+            </a:r>
+            <a:r>
+              <a:rPr lang="fr-FR" sz="2400" dirty="0" err="1"/>
+              <a:t>ask</a:t>
+            </a:r>
+            <a:r>
+              <a:rPr lang="fr-FR" sz="2400" dirty="0"/>
+              <a:t> questions. </a:t>
+            </a:r>
+            <a:r>
+              <a:rPr lang="fr-FR" sz="2400" dirty="0" err="1"/>
+              <a:t>From</a:t>
+            </a:r>
+            <a:r>
+              <a:rPr lang="fr-FR" sz="2400" dirty="0"/>
+              <a:t> the </a:t>
+            </a:r>
+            <a:r>
+              <a:rPr lang="fr-FR" sz="2400" dirty="0" err="1"/>
+              <a:t>third</a:t>
+            </a:r>
+            <a:r>
+              <a:rPr lang="fr-FR" sz="2400" dirty="0"/>
+              <a:t> </a:t>
+            </a:r>
+            <a:r>
+              <a:rPr lang="fr-FR" sz="2400" dirty="0" err="1"/>
+              <a:t>week</a:t>
+            </a:r>
+            <a:r>
+              <a:rPr lang="fr-FR" sz="2400" dirty="0"/>
+              <a:t> </a:t>
+            </a:r>
+            <a:r>
+              <a:rPr lang="fr-FR" sz="2400" dirty="0" err="1"/>
+              <a:t>onwards</a:t>
+            </a:r>
+            <a:r>
+              <a:rPr lang="fr-FR" sz="2400" dirty="0"/>
+              <a:t>, 389 </a:t>
+            </a:r>
+            <a:r>
+              <a:rPr lang="fr-FR" sz="2400" dirty="0" err="1"/>
+              <a:t>will</a:t>
+            </a:r>
+            <a:r>
+              <a:rPr lang="fr-FR" sz="2400" dirty="0"/>
+              <a:t> </a:t>
+            </a:r>
+            <a:r>
+              <a:rPr lang="fr-FR" sz="2400" dirty="0" err="1"/>
+              <a:t>feel</a:t>
+            </a:r>
+            <a:r>
+              <a:rPr lang="fr-FR" sz="2400" dirty="0"/>
+              <a:t> a lot more </a:t>
+            </a:r>
+            <a:r>
+              <a:rPr lang="fr-FR" sz="2400" dirty="0" err="1"/>
+              <a:t>similar</a:t>
+            </a:r>
+            <a:r>
+              <a:rPr lang="fr-FR" sz="2400" dirty="0"/>
+              <a:t> (in </a:t>
+            </a:r>
+            <a:r>
+              <a:rPr lang="fr-FR" sz="2400" dirty="0" err="1"/>
+              <a:t>fact</a:t>
+            </a:r>
+            <a:r>
+              <a:rPr lang="fr-FR" sz="2400" dirty="0"/>
+              <a:t>, </a:t>
+            </a:r>
+            <a:r>
+              <a:rPr lang="fr-FR" sz="2400" dirty="0" err="1"/>
+              <a:t>it’s</a:t>
+            </a:r>
+            <a:r>
+              <a:rPr lang="fr-FR" sz="2400" dirty="0"/>
+              <a:t> </a:t>
+            </a:r>
+            <a:r>
+              <a:rPr lang="fr-FR" sz="2400" dirty="0" err="1"/>
+              <a:t>usually</a:t>
+            </a:r>
+            <a:r>
+              <a:rPr lang="fr-FR" sz="2400" dirty="0"/>
+              <a:t> more fun) </a:t>
+            </a:r>
+            <a:r>
+              <a:rPr lang="fr-FR" sz="2400" dirty="0" err="1"/>
+              <a:t>than</a:t>
+            </a:r>
+            <a:r>
+              <a:rPr lang="fr-FR" sz="2400" dirty="0"/>
+              <a:t> </a:t>
+            </a:r>
+            <a:r>
+              <a:rPr lang="fr-FR" sz="2400" dirty="0" err="1"/>
+              <a:t>what</a:t>
+            </a:r>
+            <a:r>
+              <a:rPr lang="fr-FR" sz="2400" dirty="0"/>
+              <a:t> </a:t>
+            </a:r>
+            <a:r>
+              <a:rPr lang="fr-FR" sz="2400" dirty="0" err="1"/>
+              <a:t>we</a:t>
+            </a:r>
+            <a:r>
+              <a:rPr lang="fr-FR" sz="2400" dirty="0"/>
+              <a:t> </a:t>
+            </a:r>
+            <a:r>
+              <a:rPr lang="fr-FR" sz="2400" dirty="0" err="1"/>
+              <a:t>did</a:t>
+            </a:r>
+            <a:r>
+              <a:rPr lang="fr-FR" sz="2400" dirty="0"/>
+              <a:t> in 289.</a:t>
             </a:r>
           </a:p>
         </p:txBody>
@@ -9246,7 +9022,7 @@
     </p:spTree>
     <p:extLst>
       <p:ext uri="{BB962C8B-B14F-4D97-AF65-F5344CB8AC3E}">
-        <p14:creationId xmlns:p14="http://schemas.microsoft.com/office/powerpoint/2010/main" val="2831472651"/>
+        <p14:creationId xmlns:p14="http://schemas.microsoft.com/office/powerpoint/2010/main" val="3303671702"/>
       </p:ext>
     </p:extLst>
   </p:cSld>
@@ -9375,8 +9151,8 @@
         </p:nvSpPr>
         <p:spPr>
           <a:xfrm>
-            <a:off x="2242456" y="2598003"/>
-            <a:ext cx="7707087" cy="830997"/>
+            <a:off x="2164818" y="2830916"/>
+            <a:ext cx="8066110" cy="830997"/>
           </a:xfrm>
           <a:prstGeom prst="rect">
             <a:avLst/>
@@ -9392,7 +9168,7 @@
             <a:pPr algn="ctr"/>
             <a:r>
               <a:rPr lang="fr-FR" sz="4800" b="1" noProof="1"/>
-              <a:t>3. Introductions</a:t>
+              <a:t>3. Class Form + Groups + Setup</a:t>
             </a:r>
           </a:p>
         </p:txBody>
@@ -9400,1331 +9176,7 @@
     </p:spTree>
     <p:extLst>
       <p:ext uri="{BB962C8B-B14F-4D97-AF65-F5344CB8AC3E}">
-        <p14:creationId xmlns:p14="http://schemas.microsoft.com/office/powerpoint/2010/main" val="504823286"/>
-      </p:ext>
-    </p:extLst>
-  </p:cSld>
-  <p:clrMapOvr>
-    <a:masterClrMapping/>
-  </p:clrMapOvr>
-</p:sld>
-</file>
-
-<file path=ppt/slides/slide23.xml><?xml version="1.0" encoding="utf-8"?>
-<p:sld xmlns:a="http://schemas.openxmlformats.org/drawingml/2006/main" xmlns:r="http://schemas.openxmlformats.org/officeDocument/2006/relationships" xmlns:p="http://schemas.openxmlformats.org/presentationml/2006/main">
-  <p:cSld>
-    <p:spTree>
-      <p:nvGrpSpPr>
-        <p:cNvPr id="1" name=""/>
-        <p:cNvGrpSpPr/>
-        <p:nvPr/>
-      </p:nvGrpSpPr>
-      <p:grpSpPr>
-        <a:xfrm>
-          <a:off x="0" y="0"/>
-          <a:ext cx="0" cy="0"/>
-          <a:chOff x="0" y="0"/>
-          <a:chExt cx="0" cy="0"/>
-        </a:xfrm>
-      </p:grpSpPr>
-      <p:sp>
-        <p:nvSpPr>
-          <p:cNvPr id="72" name="ZoneTexte 71">
-            <a:extLst>
-              <a:ext uri="{FF2B5EF4-FFF2-40B4-BE49-F238E27FC236}">
-                <a16:creationId xmlns:a16="http://schemas.microsoft.com/office/drawing/2014/main" id="{3890A706-5F2B-E84E-A26A-A267907CC130}"/>
-              </a:ext>
-            </a:extLst>
-          </p:cNvPr>
-          <p:cNvSpPr txBox="1"/>
-          <p:nvPr/>
-        </p:nvSpPr>
-        <p:spPr>
-          <a:xfrm>
-            <a:off x="2412449" y="187151"/>
-            <a:ext cx="7367101" cy="830997"/>
-          </a:xfrm>
-          <a:prstGeom prst="rect">
-            <a:avLst/>
-          </a:prstGeom>
-          <a:noFill/>
-        </p:spPr>
-        <p:txBody>
-          <a:bodyPr wrap="square" rtlCol="0">
-            <a:spAutoFit/>
-          </a:bodyPr>
-          <a:lstStyle/>
-          <a:p>
-            <a:pPr algn="ctr"/>
-            <a:r>
-              <a:rPr lang="fr-FR" sz="4800" b="1" u="sng" noProof="1"/>
-              <a:t>About Me</a:t>
-            </a:r>
-          </a:p>
-        </p:txBody>
-      </p:sp>
-      <p:pic>
-        <p:nvPicPr>
-          <p:cNvPr id="1026" name="Picture 2">
-            <a:extLst>
-              <a:ext uri="{FF2B5EF4-FFF2-40B4-BE49-F238E27FC236}">
-                <a16:creationId xmlns:a16="http://schemas.microsoft.com/office/drawing/2014/main" id="{ECEC78D4-0EC8-6148-B750-42F18BFCA56C}"/>
-              </a:ext>
-            </a:extLst>
-          </p:cNvPr>
-          <p:cNvPicPr>
-            <a:picLocks noChangeAspect="1" noChangeArrowheads="1"/>
-          </p:cNvPicPr>
-          <p:nvPr/>
-        </p:nvPicPr>
-        <p:blipFill>
-          <a:blip r:embed="rId2">
-            <a:extLst>
-              <a:ext uri="{28A0092B-C50C-407E-A947-70E740481C1C}">
-                <a14:useLocalDpi xmlns:a14="http://schemas.microsoft.com/office/drawing/2010/main" val="0"/>
-              </a:ext>
-            </a:extLst>
-          </a:blip>
-          <a:srcRect/>
-          <a:stretch>
-            <a:fillRect/>
-          </a:stretch>
-        </p:blipFill>
-        <p:spPr bwMode="auto">
-          <a:xfrm>
-            <a:off x="11267345" y="6475487"/>
-            <a:ext cx="856587" cy="299700"/>
-          </a:xfrm>
-          <a:prstGeom prst="rect">
-            <a:avLst/>
-          </a:prstGeom>
-          <a:noFill/>
-          <a:extLst>
-            <a:ext uri="{909E8E84-426E-40DD-AFC4-6F175D3DCCD1}">
-              <a14:hiddenFill xmlns:a14="http://schemas.microsoft.com/office/drawing/2010/main">
-                <a:solidFill>
-                  <a:srgbClr val="FFFFFF"/>
-                </a:solidFill>
-              </a14:hiddenFill>
-            </a:ext>
-          </a:extLst>
-        </p:spPr>
-      </p:pic>
-      <p:sp>
-        <p:nvSpPr>
-          <p:cNvPr id="76" name="ZoneTexte 75">
-            <a:extLst>
-              <a:ext uri="{FF2B5EF4-FFF2-40B4-BE49-F238E27FC236}">
-                <a16:creationId xmlns:a16="http://schemas.microsoft.com/office/drawing/2014/main" id="{827C32F7-EAB8-F143-B412-CBD04F7209BF}"/>
-              </a:ext>
-            </a:extLst>
-          </p:cNvPr>
-          <p:cNvSpPr txBox="1"/>
-          <p:nvPr/>
-        </p:nvSpPr>
-        <p:spPr>
-          <a:xfrm>
-            <a:off x="68068" y="6475487"/>
-            <a:ext cx="4030964" cy="338554"/>
-          </a:xfrm>
-          <a:prstGeom prst="rect">
-            <a:avLst/>
-          </a:prstGeom>
-          <a:noFill/>
-        </p:spPr>
-        <p:txBody>
-          <a:bodyPr wrap="square" rtlCol="0">
-            <a:spAutoFit/>
-          </a:bodyPr>
-          <a:lstStyle/>
-          <a:p>
-            <a:r>
-              <a:rPr lang="fr-FR" sz="1600" noProof="1">
-                <a:solidFill>
-                  <a:schemeClr val="bg1">
-                    <a:lumMod val="65000"/>
-                  </a:schemeClr>
-                </a:solidFill>
-              </a:rPr>
-              <a:t>T. ARNOLD</a:t>
-            </a:r>
-          </a:p>
-        </p:txBody>
-      </p:sp>
-      <p:sp>
-        <p:nvSpPr>
-          <p:cNvPr id="11" name="ZoneTexte 10">
-            <a:extLst>
-              <a:ext uri="{FF2B5EF4-FFF2-40B4-BE49-F238E27FC236}">
-                <a16:creationId xmlns:a16="http://schemas.microsoft.com/office/drawing/2014/main" id="{3695B09F-B519-3944-93E1-7B210067C534}"/>
-              </a:ext>
-            </a:extLst>
-          </p:cNvPr>
-          <p:cNvSpPr txBox="1"/>
-          <p:nvPr/>
-        </p:nvSpPr>
-        <p:spPr>
-          <a:xfrm>
-            <a:off x="1921327" y="1107340"/>
-            <a:ext cx="8349343" cy="1015663"/>
-          </a:xfrm>
-          <a:prstGeom prst="rect">
-            <a:avLst/>
-          </a:prstGeom>
-          <a:noFill/>
-        </p:spPr>
-        <p:txBody>
-          <a:bodyPr wrap="square" rtlCol="0">
-            <a:spAutoFit/>
-          </a:bodyPr>
-          <a:lstStyle/>
-          <a:p>
-            <a:r>
-              <a:rPr lang="en-US" sz="2000" dirty="0"/>
-              <a:t>- From New England: born in Maine, school in MA, ME, CT</a:t>
-            </a:r>
-          </a:p>
-          <a:p>
-            <a:r>
-              <a:rPr lang="en-US" sz="2000" dirty="0"/>
-              <a:t>- Moved to Richmond in 2016</a:t>
-            </a:r>
-          </a:p>
-          <a:p>
-            <a:r>
-              <a:rPr lang="en-US" sz="2000" dirty="0"/>
-              <a:t>- Research on large text and image datasets in linguistics and cultural studies</a:t>
-            </a:r>
-          </a:p>
-        </p:txBody>
-      </p:sp>
-      <p:pic>
-        <p:nvPicPr>
-          <p:cNvPr id="13" name="Image 12">
-            <a:extLst>
-              <a:ext uri="{FF2B5EF4-FFF2-40B4-BE49-F238E27FC236}">
-                <a16:creationId xmlns:a16="http://schemas.microsoft.com/office/drawing/2014/main" id="{7F77E79D-FFD6-AB4A-9A38-2C0DA692FE97}"/>
-              </a:ext>
-            </a:extLst>
-          </p:cNvPr>
-          <p:cNvPicPr>
-            <a:picLocks noChangeAspect="1"/>
-          </p:cNvPicPr>
-          <p:nvPr/>
-        </p:nvPicPr>
-        <p:blipFill>
-          <a:blip r:embed="rId3"/>
-          <a:stretch>
-            <a:fillRect/>
-          </a:stretch>
-        </p:blipFill>
-        <p:spPr>
-          <a:xfrm>
-            <a:off x="1423902" y="2787035"/>
-            <a:ext cx="4030964" cy="952499"/>
-          </a:xfrm>
-          <a:prstGeom prst="rect">
-            <a:avLst/>
-          </a:prstGeom>
-        </p:spPr>
-      </p:pic>
-      <p:pic>
-        <p:nvPicPr>
-          <p:cNvPr id="8208" name="Picture 16">
-            <a:extLst>
-              <a:ext uri="{FF2B5EF4-FFF2-40B4-BE49-F238E27FC236}">
-                <a16:creationId xmlns:a16="http://schemas.microsoft.com/office/drawing/2014/main" id="{2D0BEB21-ED3D-7944-888E-BE157A362072}"/>
-              </a:ext>
-            </a:extLst>
-          </p:cNvPr>
-          <p:cNvPicPr>
-            <a:picLocks noChangeAspect="1" noChangeArrowheads="1"/>
-          </p:cNvPicPr>
-          <p:nvPr/>
-        </p:nvPicPr>
-        <p:blipFill>
-          <a:blip r:embed="rId4">
-            <a:extLst>
-              <a:ext uri="{28A0092B-C50C-407E-A947-70E740481C1C}">
-                <a14:useLocalDpi xmlns:a14="http://schemas.microsoft.com/office/drawing/2010/main" val="0"/>
-              </a:ext>
-            </a:extLst>
-          </a:blip>
-          <a:srcRect/>
-          <a:stretch>
-            <a:fillRect/>
-          </a:stretch>
-        </p:blipFill>
-        <p:spPr bwMode="auto">
-          <a:xfrm>
-            <a:off x="2934147" y="5311755"/>
-            <a:ext cx="2520719" cy="1163732"/>
-          </a:xfrm>
-          <a:prstGeom prst="rect">
-            <a:avLst/>
-          </a:prstGeom>
-          <a:noFill/>
-          <a:extLst>
-            <a:ext uri="{909E8E84-426E-40DD-AFC4-6F175D3DCCD1}">
-              <a14:hiddenFill xmlns:a14="http://schemas.microsoft.com/office/drawing/2010/main">
-                <a:solidFill>
-                  <a:srgbClr val="FFFFFF"/>
-                </a:solidFill>
-              </a14:hiddenFill>
-            </a:ext>
-          </a:extLst>
-        </p:spPr>
-      </p:pic>
-      <p:pic>
-        <p:nvPicPr>
-          <p:cNvPr id="8210" name="Picture 18" descr="ACLS">
-            <a:extLst>
-              <a:ext uri="{FF2B5EF4-FFF2-40B4-BE49-F238E27FC236}">
-                <a16:creationId xmlns:a16="http://schemas.microsoft.com/office/drawing/2014/main" id="{666107A7-9AD5-724B-9246-810AEDC032A8}"/>
-              </a:ext>
-            </a:extLst>
-          </p:cNvPr>
-          <p:cNvPicPr>
-            <a:picLocks noChangeAspect="1" noChangeArrowheads="1"/>
-          </p:cNvPicPr>
-          <p:nvPr/>
-        </p:nvPicPr>
-        <p:blipFill>
-          <a:blip r:embed="rId5">
-            <a:extLst>
-              <a:ext uri="{28A0092B-C50C-407E-A947-70E740481C1C}">
-                <a14:useLocalDpi xmlns:a14="http://schemas.microsoft.com/office/drawing/2010/main" val="0"/>
-              </a:ext>
-            </a:extLst>
-          </a:blip>
-          <a:srcRect/>
-          <a:stretch>
-            <a:fillRect/>
-          </a:stretch>
-        </p:blipFill>
-        <p:spPr bwMode="auto">
-          <a:xfrm>
-            <a:off x="916790" y="3978608"/>
-            <a:ext cx="1724259" cy="1063722"/>
-          </a:xfrm>
-          <a:prstGeom prst="rect">
-            <a:avLst/>
-          </a:prstGeom>
-          <a:noFill/>
-          <a:extLst>
-            <a:ext uri="{909E8E84-426E-40DD-AFC4-6F175D3DCCD1}">
-              <a14:hiddenFill xmlns:a14="http://schemas.microsoft.com/office/drawing/2010/main">
-                <a:solidFill>
-                  <a:srgbClr val="FFFFFF"/>
-                </a:solidFill>
-              </a14:hiddenFill>
-            </a:ext>
-          </a:extLst>
-        </p:spPr>
-      </p:pic>
-      <p:pic>
-        <p:nvPicPr>
-          <p:cNvPr id="17" name="Image 16">
-            <a:extLst>
-              <a:ext uri="{FF2B5EF4-FFF2-40B4-BE49-F238E27FC236}">
-                <a16:creationId xmlns:a16="http://schemas.microsoft.com/office/drawing/2014/main" id="{1B6C2CDE-532D-4548-8F09-F5A23553500A}"/>
-              </a:ext>
-            </a:extLst>
-          </p:cNvPr>
-          <p:cNvPicPr>
-            <a:picLocks noChangeAspect="1"/>
-          </p:cNvPicPr>
-          <p:nvPr/>
-        </p:nvPicPr>
-        <p:blipFill>
-          <a:blip r:embed="rId6"/>
-          <a:stretch>
-            <a:fillRect/>
-          </a:stretch>
-        </p:blipFill>
-        <p:spPr>
-          <a:xfrm>
-            <a:off x="8497285" y="3882289"/>
-            <a:ext cx="2564530" cy="1245629"/>
-          </a:xfrm>
-          <a:prstGeom prst="rect">
-            <a:avLst/>
-          </a:prstGeom>
-        </p:spPr>
-      </p:pic>
-      <p:pic>
-        <p:nvPicPr>
-          <p:cNvPr id="20" name="Image 19">
-            <a:extLst>
-              <a:ext uri="{FF2B5EF4-FFF2-40B4-BE49-F238E27FC236}">
-                <a16:creationId xmlns:a16="http://schemas.microsoft.com/office/drawing/2014/main" id="{C66B43FE-5138-3240-BD48-3CE4A0B46A98}"/>
-              </a:ext>
-            </a:extLst>
-          </p:cNvPr>
-          <p:cNvPicPr>
-            <a:picLocks noChangeAspect="1"/>
-          </p:cNvPicPr>
-          <p:nvPr/>
-        </p:nvPicPr>
-        <p:blipFill>
-          <a:blip r:embed="rId7"/>
-          <a:stretch>
-            <a:fillRect/>
-          </a:stretch>
-        </p:blipFill>
-        <p:spPr>
-          <a:xfrm>
-            <a:off x="6781513" y="5322473"/>
-            <a:ext cx="3431543" cy="1166922"/>
-          </a:xfrm>
-          <a:prstGeom prst="rect">
-            <a:avLst/>
-          </a:prstGeom>
-        </p:spPr>
-      </p:pic>
-      <p:pic>
-        <p:nvPicPr>
-          <p:cNvPr id="22" name="Image 21">
-            <a:extLst>
-              <a:ext uri="{FF2B5EF4-FFF2-40B4-BE49-F238E27FC236}">
-                <a16:creationId xmlns:a16="http://schemas.microsoft.com/office/drawing/2014/main" id="{C2B7D110-0C6A-F34C-AD9D-66DE6C5FF999}"/>
-              </a:ext>
-            </a:extLst>
-          </p:cNvPr>
-          <p:cNvPicPr>
-            <a:picLocks noChangeAspect="1"/>
-          </p:cNvPicPr>
-          <p:nvPr/>
-        </p:nvPicPr>
-        <p:blipFill>
-          <a:blip r:embed="rId8"/>
-          <a:stretch>
-            <a:fillRect/>
-          </a:stretch>
-        </p:blipFill>
-        <p:spPr>
-          <a:xfrm>
-            <a:off x="3693697" y="4027794"/>
-            <a:ext cx="4254500" cy="965200"/>
-          </a:xfrm>
-          <a:prstGeom prst="rect">
-            <a:avLst/>
-          </a:prstGeom>
-        </p:spPr>
-      </p:pic>
-      <p:pic>
-        <p:nvPicPr>
-          <p:cNvPr id="24" name="Image 23" descr="Une image contenant texte, clipart&#10;&#10;Description générée automatiquement">
-            <a:extLst>
-              <a:ext uri="{FF2B5EF4-FFF2-40B4-BE49-F238E27FC236}">
-                <a16:creationId xmlns:a16="http://schemas.microsoft.com/office/drawing/2014/main" id="{7245CF1F-CDBA-F446-B4C5-F55864A79610}"/>
-              </a:ext>
-            </a:extLst>
-          </p:cNvPr>
-          <p:cNvPicPr>
-            <a:picLocks noChangeAspect="1"/>
-          </p:cNvPicPr>
-          <p:nvPr/>
-        </p:nvPicPr>
-        <p:blipFill>
-          <a:blip r:embed="rId9"/>
-          <a:stretch>
-            <a:fillRect/>
-          </a:stretch>
-        </p:blipFill>
-        <p:spPr>
-          <a:xfrm>
-            <a:off x="6095998" y="2659421"/>
-            <a:ext cx="4030964" cy="1203634"/>
-          </a:xfrm>
-          <a:prstGeom prst="rect">
-            <a:avLst/>
-          </a:prstGeom>
-        </p:spPr>
-      </p:pic>
-    </p:spTree>
-    <p:extLst>
-      <p:ext uri="{BB962C8B-B14F-4D97-AF65-F5344CB8AC3E}">
-        <p14:creationId xmlns:p14="http://schemas.microsoft.com/office/powerpoint/2010/main" val="2768787111"/>
-      </p:ext>
-    </p:extLst>
-  </p:cSld>
-  <p:clrMapOvr>
-    <a:masterClrMapping/>
-  </p:clrMapOvr>
-</p:sld>
-</file>
-
-<file path=ppt/slides/slide24.xml><?xml version="1.0" encoding="utf-8"?>
-<p:sld xmlns:a="http://schemas.openxmlformats.org/drawingml/2006/main" xmlns:r="http://schemas.openxmlformats.org/officeDocument/2006/relationships" xmlns:p="http://schemas.openxmlformats.org/presentationml/2006/main">
-  <p:cSld>
-    <p:spTree>
-      <p:nvGrpSpPr>
-        <p:cNvPr id="1" name=""/>
-        <p:cNvGrpSpPr/>
-        <p:nvPr/>
-      </p:nvGrpSpPr>
-      <p:grpSpPr>
-        <a:xfrm>
-          <a:off x="0" y="0"/>
-          <a:ext cx="0" cy="0"/>
-          <a:chOff x="0" y="0"/>
-          <a:chExt cx="0" cy="0"/>
-        </a:xfrm>
-      </p:grpSpPr>
-      <p:sp>
-        <p:nvSpPr>
-          <p:cNvPr id="72" name="ZoneTexte 71">
-            <a:extLst>
-              <a:ext uri="{FF2B5EF4-FFF2-40B4-BE49-F238E27FC236}">
-                <a16:creationId xmlns:a16="http://schemas.microsoft.com/office/drawing/2014/main" id="{3890A706-5F2B-E84E-A26A-A267907CC130}"/>
-              </a:ext>
-            </a:extLst>
-          </p:cNvPr>
-          <p:cNvSpPr txBox="1"/>
-          <p:nvPr/>
-        </p:nvSpPr>
-        <p:spPr>
-          <a:xfrm>
-            <a:off x="2412449" y="187151"/>
-            <a:ext cx="7367101" cy="830997"/>
-          </a:xfrm>
-          <a:prstGeom prst="rect">
-            <a:avLst/>
-          </a:prstGeom>
-          <a:noFill/>
-        </p:spPr>
-        <p:txBody>
-          <a:bodyPr wrap="square" rtlCol="0">
-            <a:spAutoFit/>
-          </a:bodyPr>
-          <a:lstStyle/>
-          <a:p>
-            <a:pPr algn="ctr"/>
-            <a:r>
-              <a:rPr lang="fr-FR" sz="4800" b="1" u="sng" noProof="1"/>
-              <a:t>About Me</a:t>
-            </a:r>
-          </a:p>
-        </p:txBody>
-      </p:sp>
-      <p:pic>
-        <p:nvPicPr>
-          <p:cNvPr id="1026" name="Picture 2">
-            <a:extLst>
-              <a:ext uri="{FF2B5EF4-FFF2-40B4-BE49-F238E27FC236}">
-                <a16:creationId xmlns:a16="http://schemas.microsoft.com/office/drawing/2014/main" id="{ECEC78D4-0EC8-6148-B750-42F18BFCA56C}"/>
-              </a:ext>
-            </a:extLst>
-          </p:cNvPr>
-          <p:cNvPicPr>
-            <a:picLocks noChangeAspect="1" noChangeArrowheads="1"/>
-          </p:cNvPicPr>
-          <p:nvPr/>
-        </p:nvPicPr>
-        <p:blipFill>
-          <a:blip r:embed="rId2">
-            <a:extLst>
-              <a:ext uri="{28A0092B-C50C-407E-A947-70E740481C1C}">
-                <a14:useLocalDpi xmlns:a14="http://schemas.microsoft.com/office/drawing/2010/main" val="0"/>
-              </a:ext>
-            </a:extLst>
-          </a:blip>
-          <a:srcRect/>
-          <a:stretch>
-            <a:fillRect/>
-          </a:stretch>
-        </p:blipFill>
-        <p:spPr bwMode="auto">
-          <a:xfrm>
-            <a:off x="11267345" y="6475487"/>
-            <a:ext cx="856587" cy="299700"/>
-          </a:xfrm>
-          <a:prstGeom prst="rect">
-            <a:avLst/>
-          </a:prstGeom>
-          <a:noFill/>
-          <a:extLst>
-            <a:ext uri="{909E8E84-426E-40DD-AFC4-6F175D3DCCD1}">
-              <a14:hiddenFill xmlns:a14="http://schemas.microsoft.com/office/drawing/2010/main">
-                <a:solidFill>
-                  <a:srgbClr val="FFFFFF"/>
-                </a:solidFill>
-              </a14:hiddenFill>
-            </a:ext>
-          </a:extLst>
-        </p:spPr>
-      </p:pic>
-      <p:sp>
-        <p:nvSpPr>
-          <p:cNvPr id="76" name="ZoneTexte 75">
-            <a:extLst>
-              <a:ext uri="{FF2B5EF4-FFF2-40B4-BE49-F238E27FC236}">
-                <a16:creationId xmlns:a16="http://schemas.microsoft.com/office/drawing/2014/main" id="{827C32F7-EAB8-F143-B412-CBD04F7209BF}"/>
-              </a:ext>
-            </a:extLst>
-          </p:cNvPr>
-          <p:cNvSpPr txBox="1"/>
-          <p:nvPr/>
-        </p:nvSpPr>
-        <p:spPr>
-          <a:xfrm>
-            <a:off x="68068" y="6475487"/>
-            <a:ext cx="4030964" cy="338554"/>
-          </a:xfrm>
-          <a:prstGeom prst="rect">
-            <a:avLst/>
-          </a:prstGeom>
-          <a:noFill/>
-        </p:spPr>
-        <p:txBody>
-          <a:bodyPr wrap="square" rtlCol="0">
-            <a:spAutoFit/>
-          </a:bodyPr>
-          <a:lstStyle/>
-          <a:p>
-            <a:r>
-              <a:rPr lang="fr-FR" sz="1600" noProof="1">
-                <a:solidFill>
-                  <a:schemeClr val="bg1">
-                    <a:lumMod val="65000"/>
-                  </a:schemeClr>
-                </a:solidFill>
-              </a:rPr>
-              <a:t>T. ARNOLD</a:t>
-            </a:r>
-          </a:p>
-        </p:txBody>
-      </p:sp>
-      <p:sp>
-        <p:nvSpPr>
-          <p:cNvPr id="11" name="ZoneTexte 10">
-            <a:extLst>
-              <a:ext uri="{FF2B5EF4-FFF2-40B4-BE49-F238E27FC236}">
-                <a16:creationId xmlns:a16="http://schemas.microsoft.com/office/drawing/2014/main" id="{3695B09F-B519-3944-93E1-7B210067C534}"/>
-              </a:ext>
-            </a:extLst>
-          </p:cNvPr>
-          <p:cNvSpPr txBox="1"/>
-          <p:nvPr/>
-        </p:nvSpPr>
-        <p:spPr>
-          <a:xfrm>
-            <a:off x="363608" y="1145071"/>
-            <a:ext cx="6450850" cy="2308324"/>
-          </a:xfrm>
-          <a:prstGeom prst="rect">
-            <a:avLst/>
-          </a:prstGeom>
-          <a:noFill/>
-        </p:spPr>
-        <p:txBody>
-          <a:bodyPr wrap="square" rtlCol="0">
-            <a:spAutoFit/>
-          </a:bodyPr>
-          <a:lstStyle/>
-          <a:p>
-            <a:r>
-              <a:rPr lang="en-US" sz="2400" dirty="0"/>
-              <a:t>- Lots of industry experience in DS:</a:t>
-            </a:r>
-          </a:p>
-          <a:p>
-            <a:r>
-              <a:rPr lang="en-US" sz="2400" dirty="0"/>
-              <a:t>    - IBM (Healthcare)</a:t>
-            </a:r>
-          </a:p>
-          <a:p>
-            <a:r>
-              <a:rPr lang="en-US" sz="2400" dirty="0"/>
-              <a:t>    - Travelers (Insurance)</a:t>
-            </a:r>
-          </a:p>
-          <a:p>
-            <a:r>
-              <a:rPr lang="en-US" sz="2400" dirty="0"/>
-              <a:t>    - DARPA (social media)</a:t>
-            </a:r>
-          </a:p>
-          <a:p>
-            <a:r>
-              <a:rPr lang="en-US" sz="2400" dirty="0"/>
-              <a:t>    - AT&amp;T (location analytics)</a:t>
-            </a:r>
-          </a:p>
-          <a:p>
-            <a:r>
-              <a:rPr lang="en-US" sz="2400" dirty="0"/>
-              <a:t>    - </a:t>
-            </a:r>
-            <a:r>
-              <a:rPr lang="en-US" sz="2400" dirty="0" err="1"/>
-              <a:t>Telperian</a:t>
-            </a:r>
-            <a:r>
-              <a:rPr lang="en-US" sz="2400" dirty="0"/>
-              <a:t> (pharmaceuticals)</a:t>
-            </a:r>
-          </a:p>
-        </p:txBody>
-      </p:sp>
-      <p:pic>
-        <p:nvPicPr>
-          <p:cNvPr id="7" name="Image 6">
-            <a:extLst>
-              <a:ext uri="{FF2B5EF4-FFF2-40B4-BE49-F238E27FC236}">
-                <a16:creationId xmlns:a16="http://schemas.microsoft.com/office/drawing/2014/main" id="{35C1F904-8143-A74B-89C2-BB5E64644789}"/>
-              </a:ext>
-            </a:extLst>
-          </p:cNvPr>
-          <p:cNvPicPr>
-            <a:picLocks noChangeAspect="1"/>
-          </p:cNvPicPr>
-          <p:nvPr/>
-        </p:nvPicPr>
-        <p:blipFill>
-          <a:blip r:embed="rId3"/>
-          <a:stretch>
-            <a:fillRect/>
-          </a:stretch>
-        </p:blipFill>
-        <p:spPr>
-          <a:xfrm>
-            <a:off x="4039542" y="5485398"/>
-            <a:ext cx="3905108" cy="762717"/>
-          </a:xfrm>
-          <a:prstGeom prst="rect">
-            <a:avLst/>
-          </a:prstGeom>
-        </p:spPr>
-      </p:pic>
-      <p:pic>
-        <p:nvPicPr>
-          <p:cNvPr id="8198" name="Picture 6">
-            <a:extLst>
-              <a:ext uri="{FF2B5EF4-FFF2-40B4-BE49-F238E27FC236}">
-                <a16:creationId xmlns:a16="http://schemas.microsoft.com/office/drawing/2014/main" id="{7B80C41D-386E-C64A-AA25-22C9238BA6C5}"/>
-              </a:ext>
-            </a:extLst>
-          </p:cNvPr>
-          <p:cNvPicPr>
-            <a:picLocks noChangeAspect="1" noChangeArrowheads="1"/>
-          </p:cNvPicPr>
-          <p:nvPr/>
-        </p:nvPicPr>
-        <p:blipFill>
-          <a:blip r:embed="rId4">
-            <a:extLst>
-              <a:ext uri="{28A0092B-C50C-407E-A947-70E740481C1C}">
-                <a14:useLocalDpi xmlns:a14="http://schemas.microsoft.com/office/drawing/2010/main" val="0"/>
-              </a:ext>
-            </a:extLst>
-          </a:blip>
-          <a:srcRect/>
-          <a:stretch>
-            <a:fillRect/>
-          </a:stretch>
-        </p:blipFill>
-        <p:spPr bwMode="auto">
-          <a:xfrm>
-            <a:off x="8696272" y="1405043"/>
-            <a:ext cx="1912052" cy="867281"/>
-          </a:xfrm>
-          <a:prstGeom prst="rect">
-            <a:avLst/>
-          </a:prstGeom>
-          <a:noFill/>
-          <a:extLst>
-            <a:ext uri="{909E8E84-426E-40DD-AFC4-6F175D3DCCD1}">
-              <a14:hiddenFill xmlns:a14="http://schemas.microsoft.com/office/drawing/2010/main">
-                <a:solidFill>
-                  <a:srgbClr val="FFFFFF"/>
-                </a:solidFill>
-              </a14:hiddenFill>
-            </a:ext>
-          </a:extLst>
-        </p:spPr>
-      </p:pic>
-      <p:pic>
-        <p:nvPicPr>
-          <p:cNvPr id="8200" name="Picture 8" descr="Travelers Insurance Agents | The CIB Group | Insurance ...">
-            <a:extLst>
-              <a:ext uri="{FF2B5EF4-FFF2-40B4-BE49-F238E27FC236}">
-                <a16:creationId xmlns:a16="http://schemas.microsoft.com/office/drawing/2014/main" id="{41500DC7-C213-3442-8488-313E2C8D7646}"/>
-              </a:ext>
-            </a:extLst>
-          </p:cNvPr>
-          <p:cNvPicPr>
-            <a:picLocks noChangeAspect="1" noChangeArrowheads="1"/>
-          </p:cNvPicPr>
-          <p:nvPr/>
-        </p:nvPicPr>
-        <p:blipFill>
-          <a:blip r:embed="rId5">
-            <a:extLst>
-              <a:ext uri="{28A0092B-C50C-407E-A947-70E740481C1C}">
-                <a14:useLocalDpi xmlns:a14="http://schemas.microsoft.com/office/drawing/2010/main" val="0"/>
-              </a:ext>
-            </a:extLst>
-          </a:blip>
-          <a:srcRect/>
-          <a:stretch>
-            <a:fillRect/>
-          </a:stretch>
-        </p:blipFill>
-        <p:spPr bwMode="auto">
-          <a:xfrm>
-            <a:off x="7682342" y="2658287"/>
-            <a:ext cx="3120313" cy="1040104"/>
-          </a:xfrm>
-          <a:prstGeom prst="rect">
-            <a:avLst/>
-          </a:prstGeom>
-          <a:noFill/>
-          <a:extLst>
-            <a:ext uri="{909E8E84-426E-40DD-AFC4-6F175D3DCCD1}">
-              <a14:hiddenFill xmlns:a14="http://schemas.microsoft.com/office/drawing/2010/main">
-                <a:solidFill>
-                  <a:srgbClr val="FFFFFF"/>
-                </a:solidFill>
-              </a14:hiddenFill>
-            </a:ext>
-          </a:extLst>
-        </p:spPr>
-      </p:pic>
-      <p:pic>
-        <p:nvPicPr>
-          <p:cNvPr id="8202" name="Picture 10" descr="upright=Article à illustrer Organisation">
-            <a:extLst>
-              <a:ext uri="{FF2B5EF4-FFF2-40B4-BE49-F238E27FC236}">
-                <a16:creationId xmlns:a16="http://schemas.microsoft.com/office/drawing/2014/main" id="{213EC3C5-AA79-4548-9528-57CFCDEB980A}"/>
-              </a:ext>
-            </a:extLst>
-          </p:cNvPr>
-          <p:cNvPicPr>
-            <a:picLocks noChangeAspect="1" noChangeArrowheads="1"/>
-          </p:cNvPicPr>
-          <p:nvPr/>
-        </p:nvPicPr>
-        <p:blipFill>
-          <a:blip r:embed="rId6">
-            <a:extLst>
-              <a:ext uri="{28A0092B-C50C-407E-A947-70E740481C1C}">
-                <a14:useLocalDpi xmlns:a14="http://schemas.microsoft.com/office/drawing/2010/main" val="0"/>
-              </a:ext>
-            </a:extLst>
-          </a:blip>
-          <a:srcRect/>
-          <a:stretch>
-            <a:fillRect/>
-          </a:stretch>
-        </p:blipFill>
-        <p:spPr bwMode="auto">
-          <a:xfrm>
-            <a:off x="7410743" y="4136339"/>
-            <a:ext cx="1481472" cy="808075"/>
-          </a:xfrm>
-          <a:prstGeom prst="rect">
-            <a:avLst/>
-          </a:prstGeom>
-          <a:noFill/>
-          <a:extLst>
-            <a:ext uri="{909E8E84-426E-40DD-AFC4-6F175D3DCCD1}">
-              <a14:hiddenFill xmlns:a14="http://schemas.microsoft.com/office/drawing/2010/main">
-                <a:solidFill>
-                  <a:srgbClr val="FFFFFF"/>
-                </a:solidFill>
-              </a14:hiddenFill>
-            </a:ext>
-          </a:extLst>
-        </p:spPr>
-      </p:pic>
-      <p:pic>
-        <p:nvPicPr>
-          <p:cNvPr id="9" name="Image 8">
-            <a:extLst>
-              <a:ext uri="{FF2B5EF4-FFF2-40B4-BE49-F238E27FC236}">
-                <a16:creationId xmlns:a16="http://schemas.microsoft.com/office/drawing/2014/main" id="{66E3830E-CCA1-1047-933B-6610BD43910D}"/>
-              </a:ext>
-            </a:extLst>
-          </p:cNvPr>
-          <p:cNvPicPr>
-            <a:picLocks noChangeAspect="1"/>
-          </p:cNvPicPr>
-          <p:nvPr/>
-        </p:nvPicPr>
-        <p:blipFill>
-          <a:blip r:embed="rId7"/>
-          <a:stretch>
-            <a:fillRect/>
-          </a:stretch>
-        </p:blipFill>
-        <p:spPr>
-          <a:xfrm>
-            <a:off x="1045135" y="4251197"/>
-            <a:ext cx="2734627" cy="754034"/>
-          </a:xfrm>
-          <a:prstGeom prst="rect">
-            <a:avLst/>
-          </a:prstGeom>
-        </p:spPr>
-      </p:pic>
-    </p:spTree>
-    <p:extLst>
-      <p:ext uri="{BB962C8B-B14F-4D97-AF65-F5344CB8AC3E}">
-        <p14:creationId xmlns:p14="http://schemas.microsoft.com/office/powerpoint/2010/main" val="3162786448"/>
-      </p:ext>
-    </p:extLst>
-  </p:cSld>
-  <p:clrMapOvr>
-    <a:masterClrMapping/>
-  </p:clrMapOvr>
-</p:sld>
-</file>
-
-<file path=ppt/slides/slide25.xml><?xml version="1.0" encoding="utf-8"?>
-<p:sld xmlns:a="http://schemas.openxmlformats.org/drawingml/2006/main" xmlns:r="http://schemas.openxmlformats.org/officeDocument/2006/relationships" xmlns:p="http://schemas.openxmlformats.org/presentationml/2006/main">
-  <p:cSld>
-    <p:spTree>
-      <p:nvGrpSpPr>
-        <p:cNvPr id="1" name=""/>
-        <p:cNvGrpSpPr/>
-        <p:nvPr/>
-      </p:nvGrpSpPr>
-      <p:grpSpPr>
-        <a:xfrm>
-          <a:off x="0" y="0"/>
-          <a:ext cx="0" cy="0"/>
-          <a:chOff x="0" y="0"/>
-          <a:chExt cx="0" cy="0"/>
-        </a:xfrm>
-      </p:grpSpPr>
-      <p:sp>
-        <p:nvSpPr>
-          <p:cNvPr id="72" name="ZoneTexte 71">
-            <a:extLst>
-              <a:ext uri="{FF2B5EF4-FFF2-40B4-BE49-F238E27FC236}">
-                <a16:creationId xmlns:a16="http://schemas.microsoft.com/office/drawing/2014/main" id="{3890A706-5F2B-E84E-A26A-A267907CC130}"/>
-              </a:ext>
-            </a:extLst>
-          </p:cNvPr>
-          <p:cNvSpPr txBox="1"/>
-          <p:nvPr/>
-        </p:nvSpPr>
-        <p:spPr>
-          <a:xfrm>
-            <a:off x="2412449" y="120780"/>
-            <a:ext cx="7367101" cy="830997"/>
-          </a:xfrm>
-          <a:prstGeom prst="rect">
-            <a:avLst/>
-          </a:prstGeom>
-          <a:noFill/>
-        </p:spPr>
-        <p:txBody>
-          <a:bodyPr wrap="square" rtlCol="0">
-            <a:spAutoFit/>
-          </a:bodyPr>
-          <a:lstStyle/>
-          <a:p>
-            <a:pPr algn="ctr"/>
-            <a:r>
-              <a:rPr lang="fr-FR" sz="4800" b="1" u="sng" noProof="1"/>
-              <a:t>About Me</a:t>
-            </a:r>
-          </a:p>
-        </p:txBody>
-      </p:sp>
-      <p:pic>
-        <p:nvPicPr>
-          <p:cNvPr id="1026" name="Picture 2">
-            <a:extLst>
-              <a:ext uri="{FF2B5EF4-FFF2-40B4-BE49-F238E27FC236}">
-                <a16:creationId xmlns:a16="http://schemas.microsoft.com/office/drawing/2014/main" id="{ECEC78D4-0EC8-6148-B750-42F18BFCA56C}"/>
-              </a:ext>
-            </a:extLst>
-          </p:cNvPr>
-          <p:cNvPicPr>
-            <a:picLocks noChangeAspect="1" noChangeArrowheads="1"/>
-          </p:cNvPicPr>
-          <p:nvPr/>
-        </p:nvPicPr>
-        <p:blipFill>
-          <a:blip r:embed="rId2">
-            <a:extLst>
-              <a:ext uri="{28A0092B-C50C-407E-A947-70E740481C1C}">
-                <a14:useLocalDpi xmlns:a14="http://schemas.microsoft.com/office/drawing/2010/main" val="0"/>
-              </a:ext>
-            </a:extLst>
-          </a:blip>
-          <a:srcRect/>
-          <a:stretch>
-            <a:fillRect/>
-          </a:stretch>
-        </p:blipFill>
-        <p:spPr bwMode="auto">
-          <a:xfrm>
-            <a:off x="11267345" y="6475487"/>
-            <a:ext cx="856587" cy="299700"/>
-          </a:xfrm>
-          <a:prstGeom prst="rect">
-            <a:avLst/>
-          </a:prstGeom>
-          <a:noFill/>
-          <a:extLst>
-            <a:ext uri="{909E8E84-426E-40DD-AFC4-6F175D3DCCD1}">
-              <a14:hiddenFill xmlns:a14="http://schemas.microsoft.com/office/drawing/2010/main">
-                <a:solidFill>
-                  <a:srgbClr val="FFFFFF"/>
-                </a:solidFill>
-              </a14:hiddenFill>
-            </a:ext>
-          </a:extLst>
-        </p:spPr>
-      </p:pic>
-      <p:sp>
-        <p:nvSpPr>
-          <p:cNvPr id="76" name="ZoneTexte 75">
-            <a:extLst>
-              <a:ext uri="{FF2B5EF4-FFF2-40B4-BE49-F238E27FC236}">
-                <a16:creationId xmlns:a16="http://schemas.microsoft.com/office/drawing/2014/main" id="{827C32F7-EAB8-F143-B412-CBD04F7209BF}"/>
-              </a:ext>
-            </a:extLst>
-          </p:cNvPr>
-          <p:cNvSpPr txBox="1"/>
-          <p:nvPr/>
-        </p:nvSpPr>
-        <p:spPr>
-          <a:xfrm>
-            <a:off x="68068" y="6475487"/>
-            <a:ext cx="4030964" cy="338554"/>
-          </a:xfrm>
-          <a:prstGeom prst="rect">
-            <a:avLst/>
-          </a:prstGeom>
-          <a:noFill/>
-        </p:spPr>
-        <p:txBody>
-          <a:bodyPr wrap="square" rtlCol="0">
-            <a:spAutoFit/>
-          </a:bodyPr>
-          <a:lstStyle/>
-          <a:p>
-            <a:r>
-              <a:rPr lang="fr-FR" sz="1600" noProof="1">
-                <a:solidFill>
-                  <a:schemeClr val="bg1">
-                    <a:lumMod val="65000"/>
-                  </a:schemeClr>
-                </a:solidFill>
-              </a:rPr>
-              <a:t>T. ARNOLD</a:t>
-            </a:r>
-          </a:p>
-        </p:txBody>
-      </p:sp>
-      <p:pic>
-        <p:nvPicPr>
-          <p:cNvPr id="4" name="Image 3">
-            <a:extLst>
-              <a:ext uri="{FF2B5EF4-FFF2-40B4-BE49-F238E27FC236}">
-                <a16:creationId xmlns:a16="http://schemas.microsoft.com/office/drawing/2014/main" id="{201CE998-C59C-9946-9CFF-7857A1359DD2}"/>
-              </a:ext>
-            </a:extLst>
-          </p:cNvPr>
-          <p:cNvPicPr>
-            <a:picLocks noChangeAspect="1"/>
-          </p:cNvPicPr>
-          <p:nvPr/>
-        </p:nvPicPr>
-        <p:blipFill>
-          <a:blip r:embed="rId3"/>
-          <a:stretch>
-            <a:fillRect/>
-          </a:stretch>
-        </p:blipFill>
-        <p:spPr>
-          <a:xfrm>
-            <a:off x="1447800" y="1963491"/>
-            <a:ext cx="4410262" cy="4416691"/>
-          </a:xfrm>
-          <a:prstGeom prst="rect">
-            <a:avLst/>
-          </a:prstGeom>
-        </p:spPr>
-      </p:pic>
-      <p:pic>
-        <p:nvPicPr>
-          <p:cNvPr id="3" name="Image 2">
-            <a:extLst>
-              <a:ext uri="{FF2B5EF4-FFF2-40B4-BE49-F238E27FC236}">
-                <a16:creationId xmlns:a16="http://schemas.microsoft.com/office/drawing/2014/main" id="{36F80110-B470-B04A-A4EC-A8B2AEF9ADE3}"/>
-              </a:ext>
-            </a:extLst>
-          </p:cNvPr>
-          <p:cNvPicPr>
-            <a:picLocks noChangeAspect="1"/>
-          </p:cNvPicPr>
-          <p:nvPr/>
-        </p:nvPicPr>
-        <p:blipFill>
-          <a:blip r:embed="rId4"/>
-          <a:stretch>
-            <a:fillRect/>
-          </a:stretch>
-        </p:blipFill>
-        <p:spPr>
-          <a:xfrm>
-            <a:off x="7119256" y="1180572"/>
-            <a:ext cx="3626611" cy="5202000"/>
-          </a:xfrm>
-          <a:prstGeom prst="rect">
-            <a:avLst/>
-          </a:prstGeom>
-        </p:spPr>
-      </p:pic>
-      <p:sp>
-        <p:nvSpPr>
-          <p:cNvPr id="9" name="ZoneTexte 8">
-            <a:extLst>
-              <a:ext uri="{FF2B5EF4-FFF2-40B4-BE49-F238E27FC236}">
-                <a16:creationId xmlns:a16="http://schemas.microsoft.com/office/drawing/2014/main" id="{2BD7AE67-CD8F-F545-95AC-9E60A042D04A}"/>
-              </a:ext>
-            </a:extLst>
-          </p:cNvPr>
-          <p:cNvSpPr txBox="1"/>
-          <p:nvPr/>
-        </p:nvSpPr>
-        <p:spPr>
-          <a:xfrm>
-            <a:off x="701064" y="1103639"/>
-            <a:ext cx="5558221" cy="707886"/>
-          </a:xfrm>
-          <a:prstGeom prst="rect">
-            <a:avLst/>
-          </a:prstGeom>
-          <a:noFill/>
-        </p:spPr>
-        <p:txBody>
-          <a:bodyPr wrap="square" rtlCol="0">
-            <a:spAutoFit/>
-          </a:bodyPr>
-          <a:lstStyle/>
-          <a:p>
-            <a:r>
-              <a:rPr lang="en-US" sz="2000" dirty="0"/>
-              <a:t>- I have two Shih-Tzus: Roux and Sargent</a:t>
-            </a:r>
-          </a:p>
-          <a:p>
-            <a:r>
-              <a:rPr lang="en-US" sz="2000" dirty="0"/>
-              <a:t>- Roux is often in my office; please come say hello</a:t>
-            </a:r>
-          </a:p>
-        </p:txBody>
-      </p:sp>
-    </p:spTree>
-    <p:extLst>
-      <p:ext uri="{BB962C8B-B14F-4D97-AF65-F5344CB8AC3E}">
-        <p14:creationId xmlns:p14="http://schemas.microsoft.com/office/powerpoint/2010/main" val="3439518439"/>
-      </p:ext>
-    </p:extLst>
-  </p:cSld>
-  <p:clrMapOvr>
-    <a:masterClrMapping/>
-  </p:clrMapOvr>
-</p:sld>
-</file>
-
-<file path=ppt/slides/slide26.xml><?xml version="1.0" encoding="utf-8"?>
-<p:sld xmlns:a="http://schemas.openxmlformats.org/drawingml/2006/main" xmlns:r="http://schemas.openxmlformats.org/officeDocument/2006/relationships" xmlns:p="http://schemas.openxmlformats.org/presentationml/2006/main">
-  <p:cSld>
-    <p:spTree>
-      <p:nvGrpSpPr>
-        <p:cNvPr id="1" name=""/>
-        <p:cNvGrpSpPr/>
-        <p:nvPr/>
-      </p:nvGrpSpPr>
-      <p:grpSpPr>
-        <a:xfrm>
-          <a:off x="0" y="0"/>
-          <a:ext cx="0" cy="0"/>
-          <a:chOff x="0" y="0"/>
-          <a:chExt cx="0" cy="0"/>
-        </a:xfrm>
-      </p:grpSpPr>
-      <p:pic>
-        <p:nvPicPr>
-          <p:cNvPr id="1026" name="Picture 2">
-            <a:extLst>
-              <a:ext uri="{FF2B5EF4-FFF2-40B4-BE49-F238E27FC236}">
-                <a16:creationId xmlns:a16="http://schemas.microsoft.com/office/drawing/2014/main" id="{ECEC78D4-0EC8-6148-B750-42F18BFCA56C}"/>
-              </a:ext>
-            </a:extLst>
-          </p:cNvPr>
-          <p:cNvPicPr>
-            <a:picLocks noChangeAspect="1" noChangeArrowheads="1"/>
-          </p:cNvPicPr>
-          <p:nvPr/>
-        </p:nvPicPr>
-        <p:blipFill>
-          <a:blip r:embed="rId2">
-            <a:extLst>
-              <a:ext uri="{28A0092B-C50C-407E-A947-70E740481C1C}">
-                <a14:useLocalDpi xmlns:a14="http://schemas.microsoft.com/office/drawing/2010/main" val="0"/>
-              </a:ext>
-            </a:extLst>
-          </a:blip>
-          <a:srcRect/>
-          <a:stretch>
-            <a:fillRect/>
-          </a:stretch>
-        </p:blipFill>
-        <p:spPr bwMode="auto">
-          <a:xfrm>
-            <a:off x="11267345" y="6475487"/>
-            <a:ext cx="856587" cy="299700"/>
-          </a:xfrm>
-          <a:prstGeom prst="rect">
-            <a:avLst/>
-          </a:prstGeom>
-          <a:noFill/>
-          <a:extLst>
-            <a:ext uri="{909E8E84-426E-40DD-AFC4-6F175D3DCCD1}">
-              <a14:hiddenFill xmlns:a14="http://schemas.microsoft.com/office/drawing/2010/main">
-                <a:solidFill>
-                  <a:srgbClr val="FFFFFF"/>
-                </a:solidFill>
-              </a14:hiddenFill>
-            </a:ext>
-          </a:extLst>
-        </p:spPr>
-      </p:pic>
-      <p:sp>
-        <p:nvSpPr>
-          <p:cNvPr id="76" name="ZoneTexte 75">
-            <a:extLst>
-              <a:ext uri="{FF2B5EF4-FFF2-40B4-BE49-F238E27FC236}">
-                <a16:creationId xmlns:a16="http://schemas.microsoft.com/office/drawing/2014/main" id="{827C32F7-EAB8-F143-B412-CBD04F7209BF}"/>
-              </a:ext>
-            </a:extLst>
-          </p:cNvPr>
-          <p:cNvSpPr txBox="1"/>
-          <p:nvPr/>
-        </p:nvSpPr>
-        <p:spPr>
-          <a:xfrm>
-            <a:off x="68068" y="6475487"/>
-            <a:ext cx="4030964" cy="338554"/>
-          </a:xfrm>
-          <a:prstGeom prst="rect">
-            <a:avLst/>
-          </a:prstGeom>
-          <a:noFill/>
-        </p:spPr>
-        <p:txBody>
-          <a:bodyPr wrap="square" rtlCol="0">
-            <a:spAutoFit/>
-          </a:bodyPr>
-          <a:lstStyle/>
-          <a:p>
-            <a:r>
-              <a:rPr lang="fr-FR" sz="1600" noProof="1">
-                <a:solidFill>
-                  <a:schemeClr val="bg1">
-                    <a:lumMod val="65000"/>
-                  </a:schemeClr>
-                </a:solidFill>
-              </a:rPr>
-              <a:t>T. ARNOLD</a:t>
-            </a:r>
-          </a:p>
-        </p:txBody>
-      </p:sp>
-      <p:sp>
-        <p:nvSpPr>
-          <p:cNvPr id="5" name="ZoneTexte 4">
-            <a:extLst>
-              <a:ext uri="{FF2B5EF4-FFF2-40B4-BE49-F238E27FC236}">
-                <a16:creationId xmlns:a16="http://schemas.microsoft.com/office/drawing/2014/main" id="{A9E3DC8F-D084-F246-8B0D-27E465CD52F5}"/>
-              </a:ext>
-            </a:extLst>
-          </p:cNvPr>
-          <p:cNvSpPr txBox="1"/>
-          <p:nvPr/>
-        </p:nvSpPr>
-        <p:spPr>
-          <a:xfrm>
-            <a:off x="2242456" y="2598003"/>
-            <a:ext cx="7707087" cy="830997"/>
-          </a:xfrm>
-          <a:prstGeom prst="rect">
-            <a:avLst/>
-          </a:prstGeom>
-          <a:noFill/>
-        </p:spPr>
-        <p:txBody>
-          <a:bodyPr wrap="square" rtlCol="0">
-            <a:spAutoFit/>
-          </a:bodyPr>
-          <a:lstStyle/>
-          <a:p>
-            <a:pPr algn="ctr"/>
-            <a:r>
-              <a:rPr lang="fr-FR" sz="4800" b="1" noProof="1"/>
-              <a:t>4. Course Setup</a:t>
-            </a:r>
-          </a:p>
-        </p:txBody>
-      </p:sp>
-      <p:sp>
-        <p:nvSpPr>
-          <p:cNvPr id="6" name="ZoneTexte 5">
-            <a:extLst>
-              <a:ext uri="{FF2B5EF4-FFF2-40B4-BE49-F238E27FC236}">
-                <a16:creationId xmlns:a16="http://schemas.microsoft.com/office/drawing/2014/main" id="{A3AE1680-4F23-C54E-AB6D-4187E07BD7E7}"/>
-              </a:ext>
-            </a:extLst>
-          </p:cNvPr>
-          <p:cNvSpPr txBox="1"/>
-          <p:nvPr/>
-        </p:nvSpPr>
-        <p:spPr>
-          <a:xfrm>
-            <a:off x="2726868" y="4429023"/>
-            <a:ext cx="6738261" cy="523220"/>
-          </a:xfrm>
-          <a:prstGeom prst="rect">
-            <a:avLst/>
-          </a:prstGeom>
-          <a:noFill/>
-        </p:spPr>
-        <p:txBody>
-          <a:bodyPr wrap="square" rtlCol="0">
-            <a:spAutoFit/>
-          </a:bodyPr>
-          <a:lstStyle/>
-          <a:p>
-            <a:pPr algn="ctr"/>
-            <a:r>
-              <a:rPr lang="en-US" sz="2800" dirty="0">
-                <a:solidFill>
-                  <a:schemeClr val="accent1">
-                    <a:lumMod val="75000"/>
-                  </a:schemeClr>
-                </a:solidFill>
-              </a:rPr>
-              <a:t>[see other slides]</a:t>
-            </a:r>
-          </a:p>
-        </p:txBody>
-      </p:sp>
-    </p:spTree>
-    <p:extLst>
-      <p:ext uri="{BB962C8B-B14F-4D97-AF65-F5344CB8AC3E}">
-        <p14:creationId xmlns:p14="http://schemas.microsoft.com/office/powerpoint/2010/main" val="997185454"/>
+        <p14:creationId xmlns:p14="http://schemas.microsoft.com/office/powerpoint/2010/main" val="1279284152"/>
       </p:ext>
     </p:extLst>
   </p:cSld>
@@ -10921,7 +9373,7 @@
               <a:rPr lang="fr-FR" sz="2400" noProof="1">
                 <a:hlinkClick r:id="rId3"/>
               </a:rPr>
-              <a:t>https://statsmaths.github.io/dsst389-s22/</a:t>
+              <a:t>https://statsmaths.github.io/dsst389-s23/</a:t>
             </a:r>
             <a:endParaRPr lang="fr-FR" sz="2400" noProof="1"/>
           </a:p>
@@ -10965,6 +9417,42 @@
           <a:chExt cx="0" cy="0"/>
         </a:xfrm>
       </p:grpSpPr>
+      <p:sp>
+        <p:nvSpPr>
+          <p:cNvPr id="72" name="ZoneTexte 71">
+            <a:extLst>
+              <a:ext uri="{FF2B5EF4-FFF2-40B4-BE49-F238E27FC236}">
+                <a16:creationId xmlns:a16="http://schemas.microsoft.com/office/drawing/2014/main" id="{3890A706-5F2B-E84E-A26A-A267907CC130}"/>
+              </a:ext>
+            </a:extLst>
+          </p:cNvPr>
+          <p:cNvSpPr txBox="1"/>
+          <p:nvPr/>
+        </p:nvSpPr>
+        <p:spPr>
+          <a:xfrm>
+            <a:off x="2412449" y="187151"/>
+            <a:ext cx="7367101" cy="830997"/>
+          </a:xfrm>
+          <a:prstGeom prst="rect">
+            <a:avLst/>
+          </a:prstGeom>
+          <a:noFill/>
+        </p:spPr>
+        <p:txBody>
+          <a:bodyPr wrap="square" rtlCol="0">
+            <a:spAutoFit/>
+          </a:bodyPr>
+          <a:lstStyle/>
+          <a:p>
+            <a:pPr algn="ctr"/>
+            <a:r>
+              <a:rPr lang="fr-FR" sz="4800" b="1" u="sng" noProof="1"/>
+              <a:t>Course Expectations</a:t>
+            </a:r>
+          </a:p>
+        </p:txBody>
+      </p:sp>
       <p:pic>
         <p:nvPicPr>
           <p:cNvPr id="1026" name="Picture 2">
@@ -11055,10 +9543,10 @@
       </p:sp>
       <p:sp>
         <p:nvSpPr>
-          <p:cNvPr id="5" name="ZoneTexte 4">
-            <a:extLst>
-              <a:ext uri="{FF2B5EF4-FFF2-40B4-BE49-F238E27FC236}">
-                <a16:creationId xmlns:a16="http://schemas.microsoft.com/office/drawing/2014/main" id="{A9E3DC8F-D084-F246-8B0D-27E465CD52F5}"/>
+          <p:cNvPr id="11" name="ZoneTexte 10">
+            <a:extLst>
+              <a:ext uri="{FF2B5EF4-FFF2-40B4-BE49-F238E27FC236}">
+                <a16:creationId xmlns:a16="http://schemas.microsoft.com/office/drawing/2014/main" id="{3695B09F-B519-3944-93E1-7B210067C534}"/>
               </a:ext>
             </a:extLst>
           </p:cNvPr>
@@ -11067,8 +9555,8 @@
         </p:nvSpPr>
         <p:spPr>
           <a:xfrm>
-            <a:off x="2242456" y="2598003"/>
-            <a:ext cx="7707087" cy="830997"/>
+            <a:off x="915344" y="1620834"/>
+            <a:ext cx="10264490" cy="3416320"/>
           </a:xfrm>
           <a:prstGeom prst="rect">
             <a:avLst/>
@@ -11081,18 +9569,58 @@
           </a:bodyPr>
           <a:lstStyle/>
           <a:p>
-            <a:pPr algn="ctr"/>
-            <a:r>
-              <a:rPr lang="fr-FR" sz="4800" b="1" noProof="1"/>
-              <a:t>1. Syllabus</a:t>
-            </a:r>
+            <a:pPr algn="just"/>
+            <a:r>
+              <a:rPr lang="en-US" sz="2400" dirty="0"/>
+              <a:t>To get right to the point, there are four main things I expect from you this semester:</a:t>
+            </a:r>
+          </a:p>
+          <a:p>
+            <a:pPr algn="just"/>
+            <a:endParaRPr lang="en-US" sz="2400" dirty="0"/>
+          </a:p>
+          <a:p>
+            <a:pPr algn="just"/>
+            <a:r>
+              <a:rPr lang="en-US" sz="2400" dirty="0"/>
+              <a:t>	– Regularly attend and participate in class.</a:t>
+            </a:r>
+          </a:p>
+          <a:p>
+            <a:pPr algn="just"/>
+            <a:r>
+              <a:rPr lang="en-US" sz="2400" dirty="0"/>
+              <a:t>	– Record daily attendance (or reasons for absence) using the class form.</a:t>
+            </a:r>
+          </a:p>
+          <a:p>
+            <a:pPr algn="just"/>
+            <a:r>
+              <a:rPr lang="en-US" sz="2400" dirty="0"/>
+              <a:t>	– Complete and present four class projects throughout semester.</a:t>
+            </a:r>
+          </a:p>
+          <a:p>
+            <a:pPr algn="just"/>
+            <a:r>
+              <a:rPr lang="en-US" sz="2400" dirty="0"/>
+              <a:t>	– Complete end-of-semester self assessment of your work.</a:t>
+            </a:r>
+          </a:p>
+          <a:p>
+            <a:pPr algn="just"/>
+            <a:endParaRPr lang="en-US" sz="2400" dirty="0"/>
+          </a:p>
+          <a:p>
+            <a:pPr algn="just"/>
+            <a:endParaRPr lang="en-US" sz="2400" dirty="0"/>
           </a:p>
         </p:txBody>
       </p:sp>
     </p:spTree>
     <p:extLst>
       <p:ext uri="{BB962C8B-B14F-4D97-AF65-F5344CB8AC3E}">
-        <p14:creationId xmlns:p14="http://schemas.microsoft.com/office/powerpoint/2010/main" val="1248391818"/>
+        <p14:creationId xmlns:p14="http://schemas.microsoft.com/office/powerpoint/2010/main" val="857821838"/>
       </p:ext>
     </p:extLst>
   </p:cSld>
@@ -11150,7 +9678,7 @@
             <a:pPr algn="ctr"/>
             <a:r>
               <a:rPr lang="fr-FR" sz="4800" b="1" u="sng" noProof="1"/>
-              <a:t>Course Expectations</a:t>
+              <a:t>Grading</a:t>
             </a:r>
           </a:p>
         </p:txBody>
@@ -11257,8 +9785,8 @@
         </p:nvSpPr>
         <p:spPr>
           <a:xfrm>
-            <a:off x="1105124" y="1905506"/>
-            <a:ext cx="10162221" cy="3046988"/>
+            <a:off x="1510504" y="1785764"/>
+            <a:ext cx="9170990" cy="2677656"/>
           </a:xfrm>
           <a:prstGeom prst="rect">
             <a:avLst/>
@@ -11274,7 +9802,7 @@
             <a:pPr algn="just"/>
             <a:r>
               <a:rPr lang="en-US" sz="2400" dirty="0"/>
-              <a:t>There are four things I expect from you this semester:</a:t>
+              <a:t>I try to keep grading simple. You will get a grade out of 95 points (based on the posted rubric) for each of the projects and another one for the self-assessment. The final grade is based on the average of these five scores.</a:t>
             </a:r>
           </a:p>
           <a:p>
@@ -11285,44 +9813,15 @@
             <a:pPr algn="just"/>
             <a:r>
               <a:rPr lang="en-US" sz="2400" dirty="0"/>
-              <a:t>	– Regularly attend and participate in class.</a:t>
-            </a:r>
-          </a:p>
-          <a:p>
-            <a:pPr algn="just"/>
-            <a:r>
-              <a:rPr lang="en-US" sz="2400" dirty="0"/>
-              <a:t>	– Record daily attendance (or reasons for absence) using the class form.</a:t>
-            </a:r>
-          </a:p>
-          <a:p>
-            <a:pPr algn="just"/>
-            <a:r>
-              <a:rPr lang="en-US" sz="2400" dirty="0"/>
-              <a:t>	– Complete and present four class projects throughout semester.</a:t>
-            </a:r>
-          </a:p>
-          <a:p>
-            <a:pPr algn="just"/>
-            <a:r>
-              <a:rPr lang="en-US" sz="2400" dirty="0"/>
-              <a:t>	– Complete end-of-semester self assessment of your work.</a:t>
-            </a:r>
-          </a:p>
-          <a:p>
-            <a:pPr algn="just"/>
-            <a:endParaRPr lang="en-US" sz="2400" dirty="0"/>
-          </a:p>
-          <a:p>
-            <a:pPr algn="just"/>
-            <a:endParaRPr lang="en-US" sz="2400" dirty="0"/>
+              <a:t>Letter grades are assigned as follows: A (93–95), A- (90–92), B+ (87–89), B (83–86), B- (80–82), C+ (77–79), C (73–76), C- (70–72), and F (0–69).</a:t>
+            </a:r>
           </a:p>
         </p:txBody>
       </p:sp>
     </p:spTree>
     <p:extLst>
       <p:ext uri="{BB962C8B-B14F-4D97-AF65-F5344CB8AC3E}">
-        <p14:creationId xmlns:p14="http://schemas.microsoft.com/office/powerpoint/2010/main" val="857821838"/>
+        <p14:creationId xmlns:p14="http://schemas.microsoft.com/office/powerpoint/2010/main" val="4230930645"/>
       </p:ext>
     </p:extLst>
   </p:cSld>
@@ -11380,7 +9879,7 @@
             <a:pPr algn="ctr"/>
             <a:r>
               <a:rPr lang="fr-FR" sz="4800" b="1" u="sng" noProof="1"/>
-              <a:t>Grading</a:t>
+              <a:t>Attendance </a:t>
             </a:r>
           </a:p>
         </p:txBody>
@@ -11487,8 +9986,8 @@
         </p:nvSpPr>
         <p:spPr>
           <a:xfrm>
-            <a:off x="1510504" y="1785764"/>
-            <a:ext cx="9170990" cy="2677656"/>
+            <a:off x="1860276" y="1462890"/>
+            <a:ext cx="8471446" cy="3785652"/>
           </a:xfrm>
           <a:prstGeom prst="rect">
             <a:avLst/>
@@ -11504,7 +10003,7 @@
             <a:pPr algn="just"/>
             <a:r>
               <a:rPr lang="en-US" sz="2400" dirty="0"/>
-              <a:t>I try to keep grading simple. You will get a grade out of 95 points (based on posted rubric) for each of the projects and another one for the self-assessment. The final grade is based on the average of these five scores.</a:t>
+              <a:t>This is a course where it is very important to be present in class.</a:t>
             </a:r>
           </a:p>
           <a:p>
@@ -11513,13 +10012,28 @@
           </a:p>
           <a:p>
             <a:pPr algn="just"/>
+            <a:r>
+              <a:rPr lang="en-US" sz="2400" dirty="0"/>
+              <a:t>Please fill out the class form on the website at the </a:t>
+            </a:r>
+            <a:r>
+              <a:rPr lang="en-US" sz="2400" b="1" dirty="0"/>
+              <a:t>start of each class</a:t>
+            </a:r>
+            <a:r>
+              <a:rPr lang="en-US" sz="2400" dirty="0"/>
+              <a:t>. Note that there is a slight change from previous semesters. If absent, please explain why. I will follow up with anyone with a warning if there are any issues.</a:t>
+            </a:r>
+          </a:p>
+          <a:p>
+            <a:pPr algn="just"/>
             <a:endParaRPr lang="en-US" sz="2400" dirty="0"/>
           </a:p>
           <a:p>
             <a:pPr algn="just"/>
             <a:r>
               <a:rPr lang="en-US" sz="2400" dirty="0"/>
-              <a:t>Letter grades are assigned as follows: A (93–95), A- (90–92), B+ (87–89), B (83–86), B- (80–82), C+ (77–79), C (73–76), C- (70–72), and F (0–69).</a:t>
+              <a:t>If you need to miss the day you are supposed to present a project, I expect you to (1) email me before class and (2) send me your slides. </a:t>
             </a:r>
           </a:p>
         </p:txBody>
@@ -11527,7 +10041,7 @@
     </p:spTree>
     <p:extLst>
       <p:ext uri="{BB962C8B-B14F-4D97-AF65-F5344CB8AC3E}">
-        <p14:creationId xmlns:p14="http://schemas.microsoft.com/office/powerpoint/2010/main" val="4230930645"/>
+        <p14:creationId xmlns:p14="http://schemas.microsoft.com/office/powerpoint/2010/main" val="4069036685"/>
       </p:ext>
     </p:extLst>
   </p:cSld>
@@ -11585,7 +10099,7 @@
             <a:pPr algn="ctr"/>
             <a:r>
               <a:rPr lang="fr-FR" sz="4800" b="1" u="sng" noProof="1"/>
-              <a:t>Groups</a:t>
+              <a:t>Schedule and Workload </a:t>
             </a:r>
           </a:p>
         </p:txBody>
@@ -11692,8 +10206,8 @@
         </p:nvSpPr>
         <p:spPr>
           <a:xfrm>
-            <a:off x="1510504" y="1491850"/>
-            <a:ext cx="9170990" cy="3416320"/>
+            <a:off x="1724977" y="2090172"/>
+            <a:ext cx="8742044" cy="2677656"/>
           </a:xfrm>
           <a:prstGeom prst="rect">
             <a:avLst/>
@@ -11709,7 +10223,7 @@
             <a:pPr algn="just"/>
             <a:r>
               <a:rPr lang="en-US" sz="2400" dirty="0"/>
-              <a:t>The projects can be done in groups. I prefer these groups to stay fixed throughout the semester, but we can discuss changes if issues arise.</a:t>
+              <a:t>The course schedule is posted on the website. I will make every attempt to follow this schedule. I tried hard to avoid projects being due during typical busy periods.</a:t>
             </a:r>
           </a:p>
           <a:p>
@@ -11720,18 +10234,7 @@
             <a:pPr algn="just"/>
             <a:r>
               <a:rPr lang="en-US" sz="2400" dirty="0"/>
-              <a:t>I strongly recommend working in a group of two people. Working alone or as a group of three is also okay.</a:t>
-            </a:r>
-          </a:p>
-          <a:p>
-            <a:pPr algn="just"/>
-            <a:endParaRPr lang="en-US" sz="2400" dirty="0"/>
-          </a:p>
-          <a:p>
-            <a:pPr algn="just"/>
-            <a:r>
-              <a:rPr lang="en-US" sz="2400" dirty="0"/>
-              <a:t>I prefer that you all try to organize yourselves into these groups. Think about who you want to be in a group with; we will put them together in the near future.</a:t>
+              <a:t>The workload for this class is not particularly heavy but it is a bit inconsistent. Make sure you plan on carving out some time before the projects are due.</a:t>
             </a:r>
           </a:p>
         </p:txBody>
@@ -11739,7 +10242,7 @@
     </p:spTree>
     <p:extLst>
       <p:ext uri="{BB962C8B-B14F-4D97-AF65-F5344CB8AC3E}">
-        <p14:creationId xmlns:p14="http://schemas.microsoft.com/office/powerpoint/2010/main" val="2206236915"/>
+        <p14:creationId xmlns:p14="http://schemas.microsoft.com/office/powerpoint/2010/main" val="3558242741"/>
       </p:ext>
     </p:extLst>
   </p:cSld>
@@ -11797,7 +10300,7 @@
             <a:pPr algn="ctr"/>
             <a:r>
               <a:rPr lang="fr-FR" sz="4800" b="1" u="sng" noProof="1"/>
-              <a:t>Attendance </a:t>
+              <a:t>Getting Help</a:t>
             </a:r>
           </a:p>
         </p:txBody>
@@ -11921,7 +10424,7 @@
             <a:pPr algn="just"/>
             <a:r>
               <a:rPr lang="en-US" sz="2400" dirty="0"/>
-              <a:t>This is a course where it is very important to be present in class. I usually have a very strict attendance policy for 389, but that is hard this semester.</a:t>
+              <a:t>There is usually a lot of time during class and right after class to ask questions and get help with the course material. </a:t>
             </a:r>
           </a:p>
           <a:p>
@@ -11932,7 +10435,7 @@
             <a:pPr algn="just"/>
             <a:r>
               <a:rPr lang="en-US" sz="2400" dirty="0"/>
-              <a:t>Instead, please fill out the class form on the website for each course meeting. If absent, please explain why. I will follow up with anyone with a warning if there are any issues.</a:t>
+              <a:t>I can answer quick questions by email. This is particularly helpful if you have a coding question.</a:t>
             </a:r>
           </a:p>
           <a:p>
@@ -11943,7 +10446,7 @@
             <a:pPr algn="just"/>
             <a:r>
               <a:rPr lang="en-US" sz="2400" dirty="0"/>
-              <a:t>If you need to miss the day you are supposed to present a project, I expect you to (1) email me before class and (2) send me your slides. Note that there is always the option of presenting remotely. </a:t>
+              <a:t>Of course, I am also happy to set up a time to meet outside of class. I don’t have fixed office hours, but generally am free to meet on Mondays and Wednesdays after 1:30pm and before 5:30pm. Just send me an email (ideally the day beforehand) with some times that work for you. </a:t>
             </a:r>
           </a:p>
         </p:txBody>
@@ -11951,7 +10454,7 @@
     </p:spTree>
     <p:extLst>
       <p:ext uri="{BB962C8B-B14F-4D97-AF65-F5344CB8AC3E}">
-        <p14:creationId xmlns:p14="http://schemas.microsoft.com/office/powerpoint/2010/main" val="4069036685"/>
+        <p14:creationId xmlns:p14="http://schemas.microsoft.com/office/powerpoint/2010/main" val="2727766880"/>
       </p:ext>
     </p:extLst>
   </p:cSld>
@@ -12009,7 +10512,7 @@
             <a:pPr algn="ctr"/>
             <a:r>
               <a:rPr lang="fr-FR" sz="4800" b="1" u="sng" noProof="1"/>
-              <a:t>Schedule and Workload </a:t>
+              <a:t>Class Groups</a:t>
             </a:r>
           </a:p>
         </p:txBody>
@@ -12116,8 +10619,8 @@
         </p:nvSpPr>
         <p:spPr>
           <a:xfrm>
-            <a:off x="1724977" y="1393878"/>
-            <a:ext cx="8742044" cy="2677656"/>
+            <a:off x="3168545" y="3393345"/>
+            <a:ext cx="8647862" cy="1200329"/>
           </a:xfrm>
           <a:prstGeom prst="rect">
             <a:avLst/>
@@ -12133,18 +10636,87 @@
             <a:pPr algn="just"/>
             <a:r>
               <a:rPr lang="en-US" sz="2400" dirty="0"/>
-              <a:t>The course schedule is posted on the website. I will make every attempt to follow this schedule. I tried hard to avoid projects being due during typical busy periods.</a:t>
-            </a:r>
-          </a:p>
+              <a:t>You have the </a:t>
+            </a:r>
+            <a:r>
+              <a:rPr lang="en-US" sz="2400" b="1" dirty="0"/>
+              <a:t>option</a:t>
+            </a:r>
+            <a:r>
+              <a:rPr lang="en-US" sz="2400" dirty="0"/>
+              <a:t> of submitting a joint project with your class group or any subset of your class group (maximum 3 students) for the first three projects. I recommend working in a pair if possible.</a:t>
+            </a:r>
+          </a:p>
+        </p:txBody>
+      </p:sp>
+      <p:sp>
+        <p:nvSpPr>
+          <p:cNvPr id="2" name="ZoneTexte 10">
+            <a:extLst>
+              <a:ext uri="{FF2B5EF4-FFF2-40B4-BE49-F238E27FC236}">
+                <a16:creationId xmlns:a16="http://schemas.microsoft.com/office/drawing/2014/main" id="{7E673D22-8A82-FC2E-997C-629F376A38B2}"/>
+              </a:ext>
+            </a:extLst>
+          </p:cNvPr>
+          <p:cNvSpPr txBox="1"/>
+          <p:nvPr/>
+        </p:nvSpPr>
+        <p:spPr>
+          <a:xfrm>
+            <a:off x="886527" y="1276330"/>
+            <a:ext cx="9309896" cy="1569660"/>
+          </a:xfrm>
+          <a:prstGeom prst="rect">
+            <a:avLst/>
+          </a:prstGeom>
+          <a:noFill/>
+        </p:spPr>
+        <p:txBody>
+          <a:bodyPr wrap="square" rtlCol="0">
+            <a:spAutoFit/>
+          </a:bodyPr>
+          <a:lstStyle/>
           <a:p>
             <a:pPr algn="just"/>
-            <a:endParaRPr lang="en-US" sz="2400" dirty="0"/>
-          </a:p>
+            <a:r>
+              <a:rPr lang="en-US" sz="2400" dirty="0"/>
+              <a:t>This semester, I would like you all to organize yourselves into eight (or fewer) groups with between 2 and 4 students in each group. We will arrange the tables so that you are sitting with your group; you will work and/or share your results together during class.</a:t>
+            </a:r>
+          </a:p>
+        </p:txBody>
+      </p:sp>
+      <p:sp>
+        <p:nvSpPr>
+          <p:cNvPr id="3" name="ZoneTexte 10">
+            <a:extLst>
+              <a:ext uri="{FF2B5EF4-FFF2-40B4-BE49-F238E27FC236}">
+                <a16:creationId xmlns:a16="http://schemas.microsoft.com/office/drawing/2014/main" id="{A41F7D04-AE6F-3724-4624-4CC75E1F2CE0}"/>
+              </a:ext>
+            </a:extLst>
+          </p:cNvPr>
+          <p:cNvSpPr txBox="1"/>
+          <p:nvPr/>
+        </p:nvSpPr>
+        <p:spPr>
+          <a:xfrm>
+            <a:off x="1217544" y="5141030"/>
+            <a:ext cx="8647862" cy="461665"/>
+          </a:xfrm>
+          <a:prstGeom prst="rect">
+            <a:avLst/>
+          </a:prstGeom>
+          <a:noFill/>
+        </p:spPr>
+        <p:txBody>
+          <a:bodyPr wrap="square" rtlCol="0">
+            <a:spAutoFit/>
+          </a:bodyPr>
+          <a:lstStyle/>
           <a:p>
             <a:pPr algn="just"/>
             <a:r>
               <a:rPr lang="en-US" sz="2400" dirty="0"/>
-              <a:t>The workload for this class is not particularly heavy but note that it is inconsistent. Make sure you plan on carving out some time before the projects are due.</a:t>
+              <a:t>We will form these groups in a few moments.</a:t>
             </a:r>
           </a:p>
         </p:txBody>
@@ -12152,7 +10724,7 @@
     </p:spTree>
     <p:extLst>
       <p:ext uri="{BB962C8B-B14F-4D97-AF65-F5344CB8AC3E}">
-        <p14:creationId xmlns:p14="http://schemas.microsoft.com/office/powerpoint/2010/main" val="3558242741"/>
+        <p14:creationId xmlns:p14="http://schemas.microsoft.com/office/powerpoint/2010/main" val="2206236915"/>
       </p:ext>
     </p:extLst>
   </p:cSld>

--- a/pslides/00_intro.pptx
+++ b/pslides/00_intro.pptx
@@ -19,14 +19,10 @@
     <p:sldId id="303" r:id="rId13"/>
     <p:sldId id="302" r:id="rId14"/>
     <p:sldId id="304" r:id="rId15"/>
-    <p:sldId id="260" r:id="rId16"/>
-    <p:sldId id="292" r:id="rId17"/>
-    <p:sldId id="294" r:id="rId18"/>
-    <p:sldId id="295" r:id="rId19"/>
-    <p:sldId id="293" r:id="rId20"/>
-    <p:sldId id="297" r:id="rId21"/>
-    <p:sldId id="306" r:id="rId22"/>
-    <p:sldId id="305" r:id="rId23"/>
+    <p:sldId id="293" r:id="rId16"/>
+    <p:sldId id="297" r:id="rId17"/>
+    <p:sldId id="306" r:id="rId18"/>
+    <p:sldId id="305" r:id="rId19"/>
   </p:sldIdLst>
   <p:sldSz cx="12192000" cy="6858000"/>
   <p:notesSz cx="6858000" cy="9144000"/>
@@ -280,7 +276,7 @@
           <a:p>
             <a:fld id="{7B9169B0-A344-9A43-AAD5-682508993835}" type="datetimeFigureOut">
               <a:rPr lang="fr-FR" smtClean="0"/>
-              <a:t>30/12/2022</a:t>
+              <a:t>08/01/2023</a:t>
             </a:fld>
             <a:endParaRPr lang="fr-FR"/>
           </a:p>
@@ -478,7 +474,7 @@
           <a:p>
             <a:fld id="{7B9169B0-A344-9A43-AAD5-682508993835}" type="datetimeFigureOut">
               <a:rPr lang="fr-FR" smtClean="0"/>
-              <a:t>30/12/2022</a:t>
+              <a:t>08/01/2023</a:t>
             </a:fld>
             <a:endParaRPr lang="fr-FR"/>
           </a:p>
@@ -686,7 +682,7 @@
           <a:p>
             <a:fld id="{7B9169B0-A344-9A43-AAD5-682508993835}" type="datetimeFigureOut">
               <a:rPr lang="fr-FR" smtClean="0"/>
-              <a:t>30/12/2022</a:t>
+              <a:t>08/01/2023</a:t>
             </a:fld>
             <a:endParaRPr lang="fr-FR"/>
           </a:p>
@@ -884,7 +880,7 @@
           <a:p>
             <a:fld id="{7B9169B0-A344-9A43-AAD5-682508993835}" type="datetimeFigureOut">
               <a:rPr lang="fr-FR" smtClean="0"/>
-              <a:t>30/12/2022</a:t>
+              <a:t>08/01/2023</a:t>
             </a:fld>
             <a:endParaRPr lang="fr-FR"/>
           </a:p>
@@ -1159,7 +1155,7 @@
           <a:p>
             <a:fld id="{7B9169B0-A344-9A43-AAD5-682508993835}" type="datetimeFigureOut">
               <a:rPr lang="fr-FR" smtClean="0"/>
-              <a:t>30/12/2022</a:t>
+              <a:t>08/01/2023</a:t>
             </a:fld>
             <a:endParaRPr lang="fr-FR"/>
           </a:p>
@@ -1424,7 +1420,7 @@
           <a:p>
             <a:fld id="{7B9169B0-A344-9A43-AAD5-682508993835}" type="datetimeFigureOut">
               <a:rPr lang="fr-FR" smtClean="0"/>
-              <a:t>30/12/2022</a:t>
+              <a:t>08/01/2023</a:t>
             </a:fld>
             <a:endParaRPr lang="fr-FR"/>
           </a:p>
@@ -1836,7 +1832,7 @@
           <a:p>
             <a:fld id="{7B9169B0-A344-9A43-AAD5-682508993835}" type="datetimeFigureOut">
               <a:rPr lang="fr-FR" smtClean="0"/>
-              <a:t>30/12/2022</a:t>
+              <a:t>08/01/2023</a:t>
             </a:fld>
             <a:endParaRPr lang="fr-FR"/>
           </a:p>
@@ -1977,7 +1973,7 @@
           <a:p>
             <a:fld id="{7B9169B0-A344-9A43-AAD5-682508993835}" type="datetimeFigureOut">
               <a:rPr lang="fr-FR" smtClean="0"/>
-              <a:t>30/12/2022</a:t>
+              <a:t>08/01/2023</a:t>
             </a:fld>
             <a:endParaRPr lang="fr-FR"/>
           </a:p>
@@ -2090,7 +2086,7 @@
           <a:p>
             <a:fld id="{7B9169B0-A344-9A43-AAD5-682508993835}" type="datetimeFigureOut">
               <a:rPr lang="fr-FR" smtClean="0"/>
-              <a:t>30/12/2022</a:t>
+              <a:t>08/01/2023</a:t>
             </a:fld>
             <a:endParaRPr lang="fr-FR"/>
           </a:p>
@@ -2401,7 +2397,7 @@
           <a:p>
             <a:fld id="{7B9169B0-A344-9A43-AAD5-682508993835}" type="datetimeFigureOut">
               <a:rPr lang="fr-FR" smtClean="0"/>
-              <a:t>30/12/2022</a:t>
+              <a:t>08/01/2023</a:t>
             </a:fld>
             <a:endParaRPr lang="fr-FR"/>
           </a:p>
@@ -2689,7 +2685,7 @@
           <a:p>
             <a:fld id="{7B9169B0-A344-9A43-AAD5-682508993835}" type="datetimeFigureOut">
               <a:rPr lang="fr-FR" smtClean="0"/>
-              <a:t>30/12/2022</a:t>
+              <a:t>08/01/2023</a:t>
             </a:fld>
             <a:endParaRPr lang="fr-FR"/>
           </a:p>
@@ -2930,7 +2926,7 @@
           <a:p>
             <a:fld id="{7B9169B0-A344-9A43-AAD5-682508993835}" type="datetimeFigureOut">
               <a:rPr lang="fr-FR" smtClean="0"/>
-              <a:t>30/12/2022</a:t>
+              <a:t>08/01/2023</a:t>
             </a:fld>
             <a:endParaRPr lang="fr-FR"/>
           </a:p>
@@ -3449,7 +3445,7 @@
         </p:nvSpPr>
         <p:spPr>
           <a:xfrm>
-            <a:off x="570106" y="3074954"/>
+            <a:off x="3564527" y="2767280"/>
             <a:ext cx="5062943" cy="1323439"/>
           </a:xfrm>
           <a:prstGeom prst="rect">
@@ -3513,53 +3509,6 @@
           </a:p>
         </p:txBody>
       </p:sp>
-      <p:pic>
-        <p:nvPicPr>
-          <p:cNvPr id="1032" name="Picture 8" descr="3 reasons why robo-advisors threaten the traditional wealth management  industry – Cornell MBA">
-            <a:extLst>
-              <a:ext uri="{FF2B5EF4-FFF2-40B4-BE49-F238E27FC236}">
-                <a16:creationId xmlns:a16="http://schemas.microsoft.com/office/drawing/2014/main" id="{05EA7FDA-923F-8867-A541-452489DABE63}"/>
-              </a:ext>
-            </a:extLst>
-          </p:cNvPr>
-          <p:cNvPicPr>
-            <a:picLocks noChangeAspect="1" noChangeArrowheads="1"/>
-          </p:cNvPicPr>
-          <p:nvPr/>
-        </p:nvPicPr>
-        <p:blipFill>
-          <a:blip r:embed="rId3">
-            <a:extLst>
-              <a:ext uri="{28A0092B-C50C-407E-A947-70E740481C1C}">
-                <a14:useLocalDpi xmlns:a14="http://schemas.microsoft.com/office/drawing/2010/main" val="0"/>
-              </a:ext>
-            </a:extLst>
-          </a:blip>
-          <a:srcRect/>
-          <a:stretch>
-            <a:fillRect/>
-          </a:stretch>
-        </p:blipFill>
-        <p:spPr bwMode="auto">
-          <a:xfrm>
-            <a:off x="6159260" y="2168584"/>
-            <a:ext cx="4704272" cy="3136181"/>
-          </a:xfrm>
-          <a:prstGeom prst="rect">
-            <a:avLst/>
-          </a:prstGeom>
-          <a:noFill/>
-          <a:extLst>
-            <a:ext uri="{909E8E84-426E-40DD-AFC4-6F175D3DCCD1}">
-              <a14:hiddenFill xmlns:a14="http://schemas.microsoft.com/office/drawing/2010/main">
-                <a:solidFill>
-                  <a:srgbClr val="FFFFFF"/>
-                </a:solidFill>
-              </a14:hiddenFill>
-            </a:ext>
-          </a:extLst>
-        </p:spPr>
-      </p:pic>
     </p:spTree>
     <p:extLst>
       <p:ext uri="{BB962C8B-B14F-4D97-AF65-F5344CB8AC3E}">
@@ -5350,7 +5299,7 @@
             <a:pPr algn="ctr"/>
             <a:r>
               <a:rPr lang="fr-FR" sz="4800" b="1" u="sng" noProof="1"/>
-              <a:t>What Kinds of Models?</a:t>
+              <a:t>Project Oriented Class</a:t>
             </a:r>
           </a:p>
         </p:txBody>
@@ -5457,8 +5406,8 @@
         </p:nvSpPr>
         <p:spPr>
           <a:xfrm>
-            <a:off x="1111589" y="1207799"/>
-            <a:ext cx="10361953" cy="4893647"/>
+            <a:off x="1111589" y="1545256"/>
+            <a:ext cx="10361953" cy="4524315"/>
           </a:xfrm>
           <a:prstGeom prst="rect">
             <a:avLst/>
@@ -5473,20 +5422,8 @@
           <a:p>
             <a:pPr algn="just"/>
             <a:r>
-              <a:rPr lang="en-US" sz="2400" i="1" dirty="0"/>
-              <a:t>Machine Learning </a:t>
-            </a:r>
-            <a:r>
               <a:rPr lang="en-US" sz="2400" dirty="0"/>
-              <a:t>vs </a:t>
-            </a:r>
-            <a:r>
-              <a:rPr lang="en-US" sz="2400" i="1" dirty="0"/>
-              <a:t>Statistical Learning</a:t>
-            </a:r>
-            <a:r>
-              <a:rPr lang="en-US" sz="2400" dirty="0"/>
-              <a:t>: different histories but the same thing</a:t>
+              <a:t>In order to embody the data science approach, this course is centered around four projects.</a:t>
             </a:r>
           </a:p>
           <a:p>
@@ -5496,97 +5433,291 @@
           <a:p>
             <a:pPr algn="just"/>
             <a:r>
-              <a:rPr lang="en-US" sz="2400" dirty="0"/>
-              <a:t>Machine Learning (ML) is a branch of artificial intelligence that uses data to create models. Methods mostly fall into three groups:</a:t>
+              <a:rPr lang="fr-FR" sz="2400" dirty="0"/>
+              <a:t>The </a:t>
+            </a:r>
+            <a:r>
+              <a:rPr lang="fr-FR" sz="2400" dirty="0" err="1"/>
+              <a:t>primary</a:t>
+            </a:r>
+            <a:r>
+              <a:rPr lang="fr-FR" sz="2400" dirty="0"/>
+              <a:t> goal </a:t>
+            </a:r>
+            <a:r>
+              <a:rPr lang="fr-FR" sz="2400" dirty="0" err="1"/>
+              <a:t>will</a:t>
+            </a:r>
+            <a:r>
+              <a:rPr lang="fr-FR" sz="2400" dirty="0"/>
+              <a:t> </a:t>
+            </a:r>
+            <a:r>
+              <a:rPr lang="fr-FR" sz="2400" dirty="0" err="1"/>
+              <a:t>be</a:t>
+            </a:r>
+            <a:r>
+              <a:rPr lang="fr-FR" sz="2400" dirty="0"/>
+              <a:t> </a:t>
+            </a:r>
+            <a:r>
+              <a:rPr lang="fr-FR" sz="2400" dirty="0" err="1"/>
+              <a:t>learning</a:t>
+            </a:r>
+            <a:r>
+              <a:rPr lang="fr-FR" sz="2400" dirty="0"/>
+              <a:t> how to use machine </a:t>
+            </a:r>
+            <a:r>
+              <a:rPr lang="fr-FR" sz="2400" dirty="0" err="1"/>
+              <a:t>learning</a:t>
+            </a:r>
+            <a:r>
+              <a:rPr lang="fr-FR" sz="2400" dirty="0"/>
+              <a:t> </a:t>
+            </a:r>
+            <a:r>
+              <a:rPr lang="fr-FR" sz="2400" dirty="0" err="1"/>
+              <a:t>algorithms</a:t>
+            </a:r>
+            <a:r>
+              <a:rPr lang="fr-FR" sz="2400" dirty="0"/>
+              <a:t> to tell a story about data. </a:t>
+            </a:r>
+            <a:r>
+              <a:rPr lang="fr-FR" sz="2400" dirty="0" err="1"/>
+              <a:t>We</a:t>
+            </a:r>
+            <a:r>
+              <a:rPr lang="fr-FR" sz="2400" dirty="0"/>
+              <a:t> </a:t>
+            </a:r>
+            <a:r>
+              <a:rPr lang="fr-FR" sz="2400" dirty="0" err="1"/>
+              <a:t>will</a:t>
+            </a:r>
+            <a:r>
+              <a:rPr lang="fr-FR" sz="2400" dirty="0"/>
+              <a:t> </a:t>
+            </a:r>
+            <a:r>
+              <a:rPr lang="fr-FR" sz="2400" dirty="0" err="1"/>
+              <a:t>get</a:t>
+            </a:r>
+            <a:r>
+              <a:rPr lang="fr-FR" sz="2400" dirty="0"/>
+              <a:t> a lot of practice </a:t>
+            </a:r>
+            <a:r>
+              <a:rPr lang="fr-FR" sz="2400" dirty="0" err="1"/>
+              <a:t>doing</a:t>
+            </a:r>
+            <a:r>
+              <a:rPr lang="fr-FR" sz="2400" dirty="0"/>
+              <a:t> </a:t>
+            </a:r>
+            <a:r>
+              <a:rPr lang="fr-FR" sz="2400" dirty="0" err="1"/>
+              <a:t>this</a:t>
+            </a:r>
+            <a:r>
+              <a:rPr lang="fr-FR" sz="2400" dirty="0"/>
+              <a:t>.</a:t>
             </a:r>
           </a:p>
           <a:p>
             <a:pPr algn="just"/>
-            <a:endParaRPr lang="en-US" sz="2400" dirty="0"/>
+            <a:endParaRPr lang="fr-FR" sz="2400" dirty="0"/>
           </a:p>
           <a:p>
             <a:pPr algn="just"/>
             <a:r>
-              <a:rPr lang="en-US" sz="2400" dirty="0"/>
-              <a:t>  	– </a:t>
-            </a:r>
-            <a:r>
-              <a:rPr lang="en-US" sz="2400" b="1" dirty="0"/>
-              <a:t>Supervised Learning</a:t>
-            </a:r>
-            <a:r>
-              <a:rPr lang="en-US" sz="2400" dirty="0"/>
-              <a:t>:         detect patterns in order to make predictions</a:t>
+              <a:rPr lang="fr-FR" sz="2400" dirty="0"/>
+              <a:t>Our </a:t>
+            </a:r>
+            <a:r>
+              <a:rPr lang="fr-FR" sz="2400" dirty="0" err="1"/>
+              <a:t>primary</a:t>
+            </a:r>
+            <a:r>
+              <a:rPr lang="fr-FR" sz="2400" dirty="0"/>
+              <a:t> focus </a:t>
+            </a:r>
+            <a:r>
+              <a:rPr lang="fr-FR" sz="2400" dirty="0" err="1"/>
+              <a:t>will</a:t>
+            </a:r>
+            <a:r>
+              <a:rPr lang="fr-FR" sz="2400" dirty="0"/>
+              <a:t> </a:t>
+            </a:r>
+            <a:r>
+              <a:rPr lang="fr-FR" sz="2400" dirty="0" err="1"/>
+              <a:t>be</a:t>
+            </a:r>
+            <a:r>
+              <a:rPr lang="fr-FR" sz="2400" dirty="0"/>
+              <a:t> on </a:t>
+            </a:r>
+            <a:r>
+              <a:rPr lang="fr-FR" sz="2400" dirty="0" err="1"/>
+              <a:t>text</a:t>
+            </a:r>
+            <a:r>
+              <a:rPr lang="fr-FR" sz="2400" dirty="0"/>
+              <a:t> </a:t>
+            </a:r>
+            <a:r>
+              <a:rPr lang="fr-FR" sz="2400" dirty="0" err="1"/>
+              <a:t>analysis</a:t>
+            </a:r>
+            <a:r>
+              <a:rPr lang="fr-FR" sz="2400" dirty="0"/>
+              <a:t>. In addition to </a:t>
+            </a:r>
+            <a:r>
+              <a:rPr lang="fr-FR" sz="2400" dirty="0" err="1"/>
+              <a:t>being</a:t>
+            </a:r>
+            <a:r>
+              <a:rPr lang="fr-FR" sz="2400" dirty="0"/>
+              <a:t> </a:t>
+            </a:r>
+            <a:r>
+              <a:rPr lang="fr-FR" sz="2400" dirty="0" err="1"/>
+              <a:t>generally</a:t>
+            </a:r>
+            <a:r>
+              <a:rPr lang="fr-FR" sz="2400" dirty="0"/>
+              <a:t> </a:t>
+            </a:r>
+            <a:r>
+              <a:rPr lang="fr-FR" sz="2400" dirty="0" err="1"/>
+              <a:t>interesting</a:t>
+            </a:r>
+            <a:r>
+              <a:rPr lang="fr-FR" sz="2400" dirty="0"/>
+              <a:t> and one of </a:t>
+            </a:r>
+            <a:r>
+              <a:rPr lang="fr-FR" sz="2400" dirty="0" err="1"/>
+              <a:t>my</a:t>
+            </a:r>
+            <a:r>
+              <a:rPr lang="fr-FR" sz="2400" dirty="0"/>
+              <a:t> </a:t>
+            </a:r>
+            <a:r>
+              <a:rPr lang="fr-FR" sz="2400" dirty="0" err="1"/>
+              <a:t>research</a:t>
+            </a:r>
+            <a:r>
+              <a:rPr lang="fr-FR" sz="2400" dirty="0"/>
+              <a:t> areas, </a:t>
+            </a:r>
+            <a:r>
+              <a:rPr lang="fr-FR" sz="2400" dirty="0" err="1"/>
+              <a:t>it</a:t>
+            </a:r>
+            <a:r>
+              <a:rPr lang="fr-FR" sz="2400" dirty="0"/>
+              <a:t> </a:t>
+            </a:r>
+            <a:r>
+              <a:rPr lang="fr-FR" sz="2400" dirty="0" err="1"/>
+              <a:t>is</a:t>
+            </a:r>
+            <a:r>
+              <a:rPr lang="fr-FR" sz="2400" dirty="0"/>
+              <a:t> a </a:t>
+            </a:r>
+            <a:r>
+              <a:rPr lang="fr-FR" sz="2400" dirty="0" err="1"/>
+              <a:t>great</a:t>
+            </a:r>
+            <a:r>
+              <a:rPr lang="fr-FR" sz="2400" dirty="0"/>
+              <a:t> application </a:t>
+            </a:r>
+            <a:r>
+              <a:rPr lang="fr-FR" sz="2400" dirty="0" err="1"/>
+              <a:t>domain</a:t>
+            </a:r>
+            <a:r>
+              <a:rPr lang="fr-FR" sz="2400" dirty="0"/>
+              <a:t> for </a:t>
+            </a:r>
+            <a:r>
+              <a:rPr lang="fr-FR" sz="2400" dirty="0" err="1"/>
+              <a:t>exploring</a:t>
+            </a:r>
+            <a:r>
+              <a:rPr lang="fr-FR" sz="2400" dirty="0"/>
+              <a:t> the </a:t>
+            </a:r>
+            <a:r>
+              <a:rPr lang="fr-FR" sz="2400" dirty="0" err="1"/>
+              <a:t>entire</a:t>
+            </a:r>
+            <a:r>
+              <a:rPr lang="fr-FR" sz="2400" dirty="0"/>
+              <a:t> data science pipeline </a:t>
+            </a:r>
+            <a:r>
+              <a:rPr lang="fr-FR" sz="2400" dirty="0" err="1"/>
+              <a:t>without</a:t>
+            </a:r>
+            <a:r>
+              <a:rPr lang="fr-FR" sz="2400" dirty="0"/>
+              <a:t> </a:t>
+            </a:r>
+            <a:r>
+              <a:rPr lang="fr-FR" sz="2400" dirty="0" err="1"/>
+              <a:t>any</a:t>
+            </a:r>
+            <a:r>
+              <a:rPr lang="fr-FR" sz="2400" dirty="0"/>
+              <a:t> </a:t>
+            </a:r>
+            <a:r>
+              <a:rPr lang="fr-FR" sz="2400" dirty="0" err="1"/>
+              <a:t>specialized</a:t>
+            </a:r>
+            <a:r>
+              <a:rPr lang="fr-FR" sz="2400" dirty="0"/>
+              <a:t> </a:t>
+            </a:r>
+            <a:r>
+              <a:rPr lang="fr-FR" sz="2400" dirty="0" err="1"/>
+              <a:t>domain</a:t>
+            </a:r>
+            <a:r>
+              <a:rPr lang="fr-FR" sz="2400" dirty="0"/>
+              <a:t> </a:t>
+            </a:r>
+            <a:r>
+              <a:rPr lang="fr-FR" sz="2400" dirty="0" err="1"/>
+              <a:t>knowledge</a:t>
+            </a:r>
+            <a:r>
+              <a:rPr lang="fr-FR" sz="2400" dirty="0"/>
+              <a:t>.</a:t>
             </a:r>
           </a:p>
           <a:p>
             <a:pPr algn="just"/>
-            <a:r>
-              <a:rPr lang="en-US" sz="2400" dirty="0"/>
-              <a:t>	                                                   about new data</a:t>
-            </a:r>
+            <a:endParaRPr lang="fr-FR" sz="2400" dirty="0"/>
           </a:p>
           <a:p>
             <a:pPr algn="just"/>
-            <a:r>
-              <a:rPr lang="en-US" sz="2400" dirty="0"/>
-              <a:t>  	– </a:t>
-            </a:r>
-            <a:r>
-              <a:rPr lang="en-US" sz="2400" b="1" dirty="0"/>
-              <a:t>Unsupervised Learning</a:t>
-            </a:r>
-            <a:r>
-              <a:rPr lang="en-US" sz="2400" dirty="0"/>
-              <a:t>:    detect patterns in order to organize and </a:t>
-            </a:r>
-          </a:p>
-          <a:p>
-            <a:pPr algn="just"/>
-            <a:r>
-              <a:rPr lang="en-US" sz="2400" dirty="0"/>
-              <a:t>                                                                 structure data</a:t>
-            </a:r>
-          </a:p>
-          <a:p>
-            <a:pPr algn="just"/>
-            <a:r>
-              <a:rPr lang="en-US" sz="2400" dirty="0"/>
-              <a:t>	– </a:t>
-            </a:r>
-            <a:r>
-              <a:rPr lang="en-US" sz="2400" b="1" dirty="0"/>
-              <a:t>Reinforcement Learning</a:t>
-            </a:r>
-            <a:r>
-              <a:rPr lang="en-US" sz="2400" dirty="0"/>
-              <a:t>:  detect patterns in order to make complex</a:t>
-            </a:r>
-          </a:p>
-          <a:p>
-            <a:pPr algn="just"/>
-            <a:r>
-              <a:rPr lang="en-US" sz="2400" dirty="0"/>
-              <a:t>                                                                 decisions</a:t>
-            </a:r>
-          </a:p>
-          <a:p>
-            <a:pPr algn="just"/>
-            <a:endParaRPr lang="en-US" sz="2400" dirty="0"/>
-          </a:p>
-          <a:p>
-            <a:pPr algn="just"/>
-            <a:r>
-              <a:rPr lang="en-US" sz="2400" dirty="0"/>
-              <a:t>These are not disjoint areas, though, many tasks require a mixture of methods.</a:t>
-            </a:r>
+            <a:endParaRPr lang="fr-FR" sz="2400" dirty="0"/>
           </a:p>
         </p:txBody>
       </p:sp>
     </p:spTree>
     <p:extLst>
       <p:ext uri="{BB962C8B-B14F-4D97-AF65-F5344CB8AC3E}">
-        <p14:creationId xmlns:p14="http://schemas.microsoft.com/office/powerpoint/2010/main" val="2049307912"/>
+        <p14:creationId xmlns:p14="http://schemas.microsoft.com/office/powerpoint/2010/main" val="3785372900"/>
       </p:ext>
     </p:extLst>
   </p:cSld>
@@ -5644,7 +5775,7 @@
             <a:pPr algn="ctr"/>
             <a:r>
               <a:rPr lang="fr-FR" sz="4800" b="1" u="sng" noProof="1"/>
-              <a:t>Examples</a:t>
+              <a:t>Project Format</a:t>
             </a:r>
           </a:p>
         </p:txBody>
@@ -5751,8 +5882,8 @@
         </p:nvSpPr>
         <p:spPr>
           <a:xfrm>
-            <a:off x="1121850" y="1002153"/>
-            <a:ext cx="10765350" cy="5324535"/>
+            <a:off x="1111589" y="1545256"/>
+            <a:ext cx="10361953" cy="3416320"/>
           </a:xfrm>
           <a:prstGeom prst="rect">
             <a:avLst/>
@@ -5766,620 +5897,347 @@
           <a:lstStyle/>
           <a:p>
             <a:r>
-              <a:rPr lang="fr-FR" sz="2000" dirty="0" err="1"/>
+              <a:rPr lang="fr-FR" sz="2400" dirty="0"/>
+              <a:t>The </a:t>
+            </a:r>
+            <a:r>
+              <a:rPr lang="fr-FR" sz="2400" dirty="0" err="1"/>
+              <a:t>projects</a:t>
+            </a:r>
+            <a:r>
+              <a:rPr lang="fr-FR" sz="2400" dirty="0"/>
+              <a:t> </a:t>
+            </a:r>
+            <a:r>
+              <a:rPr lang="fr-FR" sz="2400" dirty="0" err="1"/>
+              <a:t>take</a:t>
+            </a:r>
+            <a:r>
+              <a:rPr lang="fr-FR" sz="2400" dirty="0"/>
+              <a:t> the </a:t>
+            </a:r>
+            <a:r>
+              <a:rPr lang="fr-FR" sz="2400" dirty="0" err="1"/>
+              <a:t>form</a:t>
+            </a:r>
+            <a:r>
+              <a:rPr lang="fr-FR" sz="2400" dirty="0"/>
+              <a:t> of a short </a:t>
+            </a:r>
+            <a:r>
+              <a:rPr lang="fr-FR" sz="2400" dirty="0" err="1"/>
+              <a:t>presentation</a:t>
+            </a:r>
+            <a:r>
+              <a:rPr lang="fr-FR" sz="2400" dirty="0"/>
+              <a:t>. </a:t>
+            </a:r>
+            <a:r>
+              <a:rPr lang="fr-FR" sz="2400" dirty="0" err="1"/>
+              <a:t>Rather</a:t>
+            </a:r>
+            <a:r>
+              <a:rPr lang="fr-FR" sz="2400" dirty="0"/>
+              <a:t> </a:t>
+            </a:r>
+            <a:r>
+              <a:rPr lang="fr-FR" sz="2400" dirty="0" err="1"/>
+              <a:t>than</a:t>
+            </a:r>
+            <a:r>
+              <a:rPr lang="fr-FR" sz="2400" dirty="0"/>
+              <a:t> a </a:t>
+            </a:r>
+            <a:r>
+              <a:rPr lang="fr-FR" sz="2400" dirty="0" err="1"/>
+              <a:t>textual</a:t>
+            </a:r>
+            <a:r>
+              <a:rPr lang="fr-FR" sz="2400" dirty="0"/>
+              <a:t> </a:t>
+            </a:r>
+            <a:r>
+              <a:rPr lang="fr-FR" sz="2400" dirty="0" err="1"/>
+              <a:t>write</a:t>
+            </a:r>
+            <a:r>
+              <a:rPr lang="fr-FR" sz="2400" dirty="0"/>
+              <a:t>-up, I </a:t>
+            </a:r>
+            <a:r>
+              <a:rPr lang="fr-FR" sz="2400" dirty="0" err="1"/>
+              <a:t>want</a:t>
+            </a:r>
+            <a:r>
+              <a:rPr lang="fr-FR" sz="2400" dirty="0"/>
+              <a:t> </a:t>
+            </a:r>
+            <a:r>
+              <a:rPr lang="fr-FR" sz="2400" dirty="0" err="1"/>
+              <a:t>you</a:t>
+            </a:r>
+            <a:r>
+              <a:rPr lang="fr-FR" sz="2400" dirty="0"/>
+              <a:t> to focus on </a:t>
+            </a:r>
+            <a:r>
+              <a:rPr lang="fr-FR" sz="2400" dirty="0" err="1"/>
+              <a:t>producing</a:t>
+            </a:r>
+            <a:r>
+              <a:rPr lang="fr-FR" sz="2400" dirty="0"/>
+              <a:t> clean, </a:t>
+            </a:r>
+            <a:r>
+              <a:rPr lang="fr-FR" sz="2400" dirty="0" err="1"/>
+              <a:t>professional</a:t>
+            </a:r>
+            <a:r>
+              <a:rPr lang="fr-FR" sz="2400" dirty="0"/>
+              <a:t> slides for the </a:t>
+            </a:r>
+            <a:r>
+              <a:rPr lang="fr-FR" sz="2400" dirty="0" err="1"/>
+              <a:t>presentation</a:t>
+            </a:r>
+            <a:r>
+              <a:rPr lang="fr-FR" sz="2400" dirty="0"/>
+              <a:t>.</a:t>
+            </a:r>
+          </a:p>
+          <a:p>
+            <a:br>
+              <a:rPr lang="fr-FR" sz="2400" dirty="0"/>
+            </a:br>
+            <a:r>
+              <a:rPr lang="fr-FR" sz="2400" dirty="0" err="1"/>
               <a:t>Here</a:t>
             </a:r>
             <a:r>
-              <a:rPr lang="fr-FR" sz="2000" dirty="0"/>
-              <a:t> are </a:t>
-            </a:r>
-            <a:r>
-              <a:rPr lang="fr-FR" sz="2000" dirty="0" err="1"/>
-              <a:t>some</a:t>
-            </a:r>
-            <a:r>
-              <a:rPr lang="fr-FR" sz="2000" dirty="0"/>
+              <a:rPr lang="fr-FR" sz="2400" dirty="0"/>
+              <a:t> are the </a:t>
+            </a:r>
+            <a:r>
+              <a:rPr lang="fr-FR" sz="2400" dirty="0" err="1"/>
+              <a:t>planned</a:t>
+            </a:r>
+            <a:r>
+              <a:rPr lang="fr-FR" sz="2400" dirty="0"/>
+              <a:t> topics:</a:t>
+            </a:r>
+          </a:p>
+          <a:p>
+            <a:br>
+              <a:rPr lang="fr-FR" sz="2400" dirty="0"/>
+            </a:br>
+            <a:r>
+              <a:rPr lang="fr-FR" sz="2400" dirty="0"/>
+              <a:t>  - </a:t>
+            </a:r>
+            <a:r>
+              <a:rPr lang="fr-FR" sz="2400" b="1" dirty="0" err="1"/>
+              <a:t>IMDb</a:t>
+            </a:r>
+            <a:r>
+              <a:rPr lang="fr-FR" sz="2400" b="1" dirty="0"/>
               <a:t> </a:t>
             </a:r>
             <a:r>
-              <a:rPr lang="fr-FR" sz="2000" dirty="0" err="1"/>
-              <a:t>examples</a:t>
-            </a:r>
-            <a:r>
-              <a:rPr lang="fr-FR" sz="2000" dirty="0"/>
-              <a:t> of ML </a:t>
-            </a:r>
-            <a:r>
-              <a:rPr lang="fr-FR" sz="2000" dirty="0" err="1"/>
-              <a:t>tasks</a:t>
-            </a:r>
-            <a:r>
-              <a:rPr lang="fr-FR" sz="2000" dirty="0"/>
-              <a:t>. </a:t>
-            </a:r>
-            <a:r>
-              <a:rPr lang="fr-FR" sz="2000" dirty="0" err="1"/>
-              <a:t>They</a:t>
-            </a:r>
-            <a:r>
-              <a:rPr lang="fr-FR" sz="2000" dirty="0"/>
-              <a:t> are </a:t>
-            </a:r>
-            <a:r>
-              <a:rPr lang="fr-FR" sz="2000" dirty="0" err="1"/>
-              <a:t>organized</a:t>
-            </a:r>
-            <a:r>
-              <a:rPr lang="fr-FR" sz="2000" dirty="0"/>
-              <a:t> by the canonical type of machine </a:t>
-            </a:r>
-            <a:r>
-              <a:rPr lang="fr-FR" sz="2000" dirty="0" err="1"/>
-              <a:t>learning</a:t>
-            </a:r>
-            <a:r>
-              <a:rPr lang="fr-FR" sz="2000" dirty="0"/>
+              <a:rPr lang="fr-FR" sz="2400" b="1" dirty="0" err="1"/>
+              <a:t>movie</a:t>
+            </a:r>
+            <a:r>
+              <a:rPr lang="fr-FR" sz="2400" b="1" dirty="0"/>
               <a:t> </a:t>
             </a:r>
             <a:r>
-              <a:rPr lang="fr-FR" sz="2000" dirty="0" err="1"/>
-              <a:t>that</a:t>
-            </a:r>
-            <a:r>
-              <a:rPr lang="fr-FR" sz="2000" dirty="0"/>
+              <a:rPr lang="fr-FR" sz="2400" b="1" dirty="0" err="1"/>
+              <a:t>reviews</a:t>
+            </a:r>
+            <a:r>
+              <a:rPr lang="fr-FR" sz="2400" dirty="0"/>
+              <a:t>: </a:t>
+            </a:r>
+            <a:r>
+              <a:rPr lang="fr-FR" sz="2400" dirty="0" err="1"/>
+              <a:t>predicting</a:t>
+            </a:r>
+            <a:r>
+              <a:rPr lang="fr-FR" sz="2400" dirty="0"/>
+              <a:t> how </a:t>
+            </a:r>
+            <a:r>
+              <a:rPr lang="fr-FR" sz="2400" dirty="0" err="1"/>
+              <a:t>many</a:t>
+            </a:r>
+            <a:r>
+              <a:rPr lang="fr-FR" sz="2400" dirty="0"/>
+              <a:t> stars a </a:t>
+            </a:r>
+            <a:r>
+              <a:rPr lang="fr-FR" sz="2400" dirty="0" err="1"/>
+              <a:t>movie</a:t>
+            </a:r>
+            <a:r>
+              <a:rPr lang="fr-FR" sz="2400" dirty="0"/>
               <a:t> </a:t>
             </a:r>
             <a:r>
-              <a:rPr lang="fr-FR" sz="2000" dirty="0" err="1"/>
-              <a:t>each</a:t>
-            </a:r>
-            <a:r>
-              <a:rPr lang="fr-FR" sz="2000" dirty="0"/>
+              <a:rPr lang="fr-FR" sz="2400" dirty="0" err="1"/>
+              <a:t>review</a:t>
+            </a:r>
+            <a:r>
+              <a:rPr lang="fr-FR" sz="2400" dirty="0"/>
               <a:t> </a:t>
             </a:r>
             <a:r>
-              <a:rPr lang="fr-FR" sz="2000" dirty="0" err="1"/>
-              <a:t>is</a:t>
-            </a:r>
-            <a:r>
-              <a:rPr lang="fr-FR" sz="2000" dirty="0"/>
+              <a:rPr lang="fr-FR" sz="2400" dirty="0" err="1"/>
+              <a:t>gives</a:t>
+            </a:r>
+            <a:endParaRPr lang="fr-FR" sz="2400" dirty="0"/>
+          </a:p>
+          <a:p>
+            <a:r>
+              <a:rPr lang="fr-FR" sz="2400" dirty="0"/>
+              <a:t>  - </a:t>
+            </a:r>
+            <a:r>
+              <a:rPr lang="fr-FR" sz="2400" b="1" dirty="0"/>
+              <a:t>Amazon </a:t>
+            </a:r>
+            <a:r>
+              <a:rPr lang="fr-FR" sz="2400" b="1" dirty="0" err="1"/>
+              <a:t>product</a:t>
+            </a:r>
+            <a:r>
+              <a:rPr lang="fr-FR" sz="2400" b="1" dirty="0"/>
               <a:t> </a:t>
             </a:r>
             <a:r>
-              <a:rPr lang="fr-FR" sz="2000" dirty="0" err="1"/>
-              <a:t>usually</a:t>
-            </a:r>
-            <a:r>
-              <a:rPr lang="fr-FR" sz="2000" dirty="0"/>
+              <a:rPr lang="fr-FR" sz="2400" b="1" dirty="0" err="1"/>
+              <a:t>reviews</a:t>
+            </a:r>
+            <a:r>
+              <a:rPr lang="fr-FR" sz="2400" dirty="0"/>
+              <a:t>: </a:t>
+            </a:r>
+            <a:r>
+              <a:rPr lang="fr-FR" sz="2400" dirty="0" err="1"/>
+              <a:t>predict</a:t>
+            </a:r>
+            <a:r>
+              <a:rPr lang="fr-FR" sz="2400" dirty="0"/>
+              <a:t> the </a:t>
+            </a:r>
+            <a:r>
+              <a:rPr lang="fr-FR" sz="2400" dirty="0" err="1"/>
+              <a:t>author</a:t>
+            </a:r>
+            <a:r>
+              <a:rPr lang="fr-FR" sz="2400" dirty="0"/>
+              <a:t> of a </a:t>
+            </a:r>
+            <a:r>
+              <a:rPr lang="fr-FR" sz="2400" dirty="0" err="1"/>
+              <a:t>review</a:t>
+            </a:r>
+            <a:endParaRPr lang="fr-FR" sz="2400" dirty="0"/>
+          </a:p>
+          <a:p>
+            <a:r>
+              <a:rPr lang="fr-FR" sz="2400" dirty="0"/>
+              <a:t>  - </a:t>
+            </a:r>
+            <a:r>
+              <a:rPr lang="fr-FR" sz="2400" b="1" dirty="0" err="1"/>
+              <a:t>Yelp</a:t>
+            </a:r>
+            <a:r>
+              <a:rPr lang="fr-FR" sz="2400" b="1" dirty="0"/>
               <a:t> </a:t>
             </a:r>
             <a:r>
-              <a:rPr lang="fr-FR" sz="2000" dirty="0" err="1"/>
-              <a:t>associated</a:t>
-            </a:r>
-            <a:r>
-              <a:rPr lang="fr-FR" sz="2000" dirty="0"/>
+              <a:rPr lang="fr-FR" sz="2400" b="1" dirty="0" err="1"/>
+              <a:t>reviews</a:t>
+            </a:r>
+            <a:r>
+              <a:rPr lang="fr-FR" sz="2400" dirty="0"/>
+              <a:t>: </a:t>
+            </a:r>
+            <a:r>
+              <a:rPr lang="fr-FR" sz="2400" dirty="0" err="1"/>
+              <a:t>predict</a:t>
+            </a:r>
+            <a:r>
+              <a:rPr lang="fr-FR" sz="2400" dirty="0"/>
               <a:t> </a:t>
             </a:r>
             <a:r>
-              <a:rPr lang="fr-FR" sz="2000" dirty="0" err="1"/>
-              <a:t>with</a:t>
-            </a:r>
-            <a:r>
-              <a:rPr lang="fr-FR" sz="2000" dirty="0"/>
-              <a:t>, </a:t>
-            </a:r>
-            <a:r>
-              <a:rPr lang="fr-FR" sz="2000" dirty="0" err="1"/>
-              <a:t>though</a:t>
-            </a:r>
-            <a:r>
-              <a:rPr lang="fr-FR" sz="2000" dirty="0"/>
-              <a:t> the optimal </a:t>
-            </a:r>
-            <a:r>
-              <a:rPr lang="fr-FR" sz="2000" dirty="0" err="1"/>
-              <a:t>approach</a:t>
-            </a:r>
-            <a:r>
-              <a:rPr lang="fr-FR" sz="2000" dirty="0"/>
+              <a:rPr lang="fr-FR" sz="2400" dirty="0" err="1"/>
+              <a:t>author</a:t>
+            </a:r>
+            <a:r>
+              <a:rPr lang="fr-FR" sz="2400" dirty="0"/>
+              <a:t> of the </a:t>
+            </a:r>
+            <a:r>
+              <a:rPr lang="fr-FR" sz="2400" dirty="0" err="1"/>
+              <a:t>review</a:t>
+            </a:r>
+            <a:r>
+              <a:rPr lang="fr-FR" sz="2400" dirty="0"/>
+              <a:t> and cluster the corpus </a:t>
+            </a:r>
+            <a:r>
+              <a:rPr lang="fr-FR" sz="2400" dirty="0" err="1"/>
+              <a:t>authors</a:t>
+            </a:r>
+            <a:endParaRPr lang="fr-FR" sz="2400" dirty="0"/>
+          </a:p>
+          <a:p>
+            <a:r>
+              <a:rPr lang="fr-FR" sz="2400" dirty="0"/>
+              <a:t>  - </a:t>
+            </a:r>
+            <a:r>
+              <a:rPr lang="fr-FR" sz="2400" b="1" dirty="0" err="1"/>
+              <a:t>Wikipedia</a:t>
+            </a:r>
+            <a:r>
+              <a:rPr lang="fr-FR" sz="2400" dirty="0"/>
+              <a:t>: </a:t>
+            </a:r>
+            <a:r>
+              <a:rPr lang="fr-FR" sz="2400" dirty="0" err="1"/>
+              <a:t>detect</a:t>
+            </a:r>
+            <a:r>
+              <a:rPr lang="fr-FR" sz="2400" dirty="0"/>
               <a:t> </a:t>
             </a:r>
             <a:r>
-              <a:rPr lang="fr-FR" sz="2000" dirty="0" err="1"/>
-              <a:t>may</a:t>
-            </a:r>
-            <a:r>
-              <a:rPr lang="fr-FR" sz="2000" dirty="0"/>
-              <a:t> </a:t>
-            </a:r>
-            <a:r>
-              <a:rPr lang="fr-FR" sz="2000" dirty="0" err="1"/>
-              <a:t>involve</a:t>
-            </a:r>
-            <a:r>
-              <a:rPr lang="fr-FR" sz="2000" dirty="0"/>
-              <a:t> a mixture of </a:t>
-            </a:r>
-            <a:r>
-              <a:rPr lang="fr-FR" sz="2000" dirty="0" err="1"/>
-              <a:t>methods</a:t>
-            </a:r>
-            <a:r>
-              <a:rPr lang="fr-FR" sz="2000" dirty="0"/>
-              <a:t>.</a:t>
-            </a:r>
-          </a:p>
-          <a:p>
-            <a:br>
-              <a:rPr lang="fr-FR" sz="2000" dirty="0"/>
-            </a:br>
-            <a:r>
-              <a:rPr lang="fr-FR" sz="2000" b="1" dirty="0" err="1"/>
-              <a:t>Supervised</a:t>
-            </a:r>
-            <a:r>
-              <a:rPr lang="fr-FR" sz="2000" b="1" dirty="0"/>
-              <a:t> Learning</a:t>
-            </a:r>
-            <a:endParaRPr lang="fr-FR" sz="2000" dirty="0"/>
-          </a:p>
-          <a:p>
-            <a:r>
-              <a:rPr lang="fr-FR" sz="2000" dirty="0"/>
-              <a:t>  - </a:t>
-            </a:r>
-            <a:r>
-              <a:rPr lang="fr-FR" sz="2000" dirty="0" err="1"/>
-              <a:t>Predict</a:t>
-            </a:r>
-            <a:r>
-              <a:rPr lang="fr-FR" sz="2000" dirty="0"/>
-              <a:t> the sale </a:t>
-            </a:r>
-            <a:r>
-              <a:rPr lang="fr-FR" sz="2000" dirty="0" err="1"/>
-              <a:t>price</a:t>
-            </a:r>
-            <a:r>
-              <a:rPr lang="fr-FR" sz="2000" dirty="0"/>
-              <a:t> of a house </a:t>
-            </a:r>
-            <a:r>
-              <a:rPr lang="fr-FR" sz="2000" dirty="0" err="1"/>
-              <a:t>based</a:t>
-            </a:r>
-            <a:r>
-              <a:rPr lang="fr-FR" sz="2000" dirty="0"/>
-              <a:t> on </a:t>
-            </a:r>
-            <a:r>
-              <a:rPr lang="fr-FR" sz="2000" dirty="0" err="1"/>
-              <a:t>its</a:t>
-            </a:r>
-            <a:r>
-              <a:rPr lang="fr-FR" sz="2000" dirty="0"/>
-              <a:t> size and location.</a:t>
-            </a:r>
-          </a:p>
-          <a:p>
-            <a:r>
-              <a:rPr lang="fr-FR" sz="2000" dirty="0"/>
-              <a:t>  - </a:t>
-            </a:r>
-            <a:r>
-              <a:rPr lang="fr-FR" sz="2000" dirty="0" err="1"/>
-              <a:t>Predict</a:t>
-            </a:r>
-            <a:r>
-              <a:rPr lang="fr-FR" sz="2000" dirty="0"/>
-              <a:t> </a:t>
-            </a:r>
-            <a:r>
-              <a:rPr lang="fr-FR" sz="2000" dirty="0" err="1"/>
-              <a:t>whether</a:t>
-            </a:r>
-            <a:r>
-              <a:rPr lang="fr-FR" sz="2000" dirty="0"/>
-              <a:t> an email message </a:t>
-            </a:r>
-            <a:r>
-              <a:rPr lang="fr-FR" sz="2000" dirty="0" err="1"/>
-              <a:t>should</a:t>
-            </a:r>
-            <a:r>
-              <a:rPr lang="fr-FR" sz="2000" dirty="0"/>
-              <a:t> </a:t>
-            </a:r>
-            <a:r>
-              <a:rPr lang="fr-FR" sz="2000" dirty="0" err="1"/>
-              <a:t>be</a:t>
-            </a:r>
-            <a:r>
-              <a:rPr lang="fr-FR" sz="2000" dirty="0"/>
-              <a:t> put </a:t>
-            </a:r>
-            <a:r>
-              <a:rPr lang="fr-FR" sz="2000" dirty="0" err="1"/>
-              <a:t>into</a:t>
-            </a:r>
-            <a:r>
-              <a:rPr lang="fr-FR" sz="2000" dirty="0"/>
-              <a:t> a </a:t>
-            </a:r>
-            <a:r>
-              <a:rPr lang="fr-FR" sz="2000" dirty="0" err="1"/>
-              <a:t>user's</a:t>
-            </a:r>
-            <a:r>
-              <a:rPr lang="fr-FR" sz="2000" dirty="0"/>
-              <a:t> spam box.</a:t>
-            </a:r>
-          </a:p>
-          <a:p>
-            <a:r>
-              <a:rPr lang="fr-FR" sz="2000" dirty="0"/>
-              <a:t>  - </a:t>
-            </a:r>
-            <a:r>
-              <a:rPr lang="fr-FR" sz="2000" dirty="0" err="1"/>
-              <a:t>Find</a:t>
-            </a:r>
-            <a:r>
-              <a:rPr lang="fr-FR" sz="2000" dirty="0"/>
-              <a:t> and </a:t>
-            </a:r>
-            <a:r>
-              <a:rPr lang="fr-FR" sz="2000" dirty="0" err="1"/>
-              <a:t>identify</a:t>
-            </a:r>
-            <a:r>
-              <a:rPr lang="fr-FR" sz="2000" dirty="0"/>
-              <a:t> all the faces </a:t>
-            </a:r>
-            <a:r>
-              <a:rPr lang="fr-FR" sz="2000" dirty="0" err="1"/>
-              <a:t>found</a:t>
-            </a:r>
-            <a:r>
-              <a:rPr lang="fr-FR" sz="2000" dirty="0"/>
+              <a:rPr lang="fr-FR" sz="2400" dirty="0" err="1"/>
+              <a:t>themes</a:t>
+            </a:r>
+            <a:r>
+              <a:rPr lang="fr-FR" sz="2400" dirty="0"/>
               <a:t> in a </a:t>
             </a:r>
             <a:r>
-              <a:rPr lang="fr-FR" sz="2000" dirty="0" err="1"/>
-              <a:t>video</a:t>
-            </a:r>
-            <a:r>
-              <a:rPr lang="fr-FR" sz="2000" dirty="0"/>
-              <a:t> </a:t>
-            </a:r>
-            <a:r>
-              <a:rPr lang="fr-FR" sz="2000" dirty="0" err="1"/>
-              <a:t>feed</a:t>
-            </a:r>
-            <a:r>
-              <a:rPr lang="fr-FR" sz="2000" dirty="0"/>
-              <a:t>.</a:t>
-            </a:r>
-          </a:p>
-          <a:p>
-            <a:endParaRPr lang="fr-FR" sz="2000" dirty="0"/>
-          </a:p>
-          <a:p>
-            <a:r>
-              <a:rPr lang="fr-FR" sz="2000" b="1" dirty="0" err="1"/>
-              <a:t>Unsupervised</a:t>
-            </a:r>
-            <a:r>
-              <a:rPr lang="fr-FR" sz="2000" b="1" dirty="0"/>
-              <a:t> Learning</a:t>
-            </a:r>
-            <a:endParaRPr lang="fr-FR" sz="2000" dirty="0"/>
-          </a:p>
-          <a:p>
-            <a:r>
-              <a:rPr lang="fr-FR" sz="2000" dirty="0"/>
-              <a:t>- Cluster a collection of news </a:t>
-            </a:r>
-            <a:r>
-              <a:rPr lang="fr-FR" sz="2000" dirty="0" err="1"/>
-              <a:t>paper</a:t>
-            </a:r>
-            <a:r>
-              <a:rPr lang="fr-FR" sz="2000" dirty="0"/>
-              <a:t> articles by </a:t>
-            </a:r>
-            <a:r>
-              <a:rPr lang="fr-FR" sz="2000" dirty="0" err="1"/>
-              <a:t>themes</a:t>
-            </a:r>
-            <a:r>
-              <a:rPr lang="fr-FR" sz="2000" dirty="0"/>
-              <a:t>.</a:t>
-            </a:r>
-          </a:p>
-          <a:p>
-            <a:r>
-              <a:rPr lang="fr-FR" sz="2000" dirty="0"/>
-              <a:t>- </a:t>
-            </a:r>
-            <a:r>
-              <a:rPr lang="fr-FR" sz="2000" dirty="0" err="1"/>
-              <a:t>Find</a:t>
-            </a:r>
-            <a:r>
-              <a:rPr lang="fr-FR" sz="2000" dirty="0"/>
-              <a:t> and </a:t>
-            </a:r>
-            <a:r>
-              <a:rPr lang="fr-FR" sz="2000" dirty="0" err="1"/>
-              <a:t>recommend</a:t>
-            </a:r>
-            <a:r>
-              <a:rPr lang="fr-FR" sz="2000" dirty="0"/>
-              <a:t> </a:t>
-            </a:r>
-            <a:r>
-              <a:rPr lang="fr-FR" sz="2000" dirty="0" err="1"/>
-              <a:t>similar</a:t>
-            </a:r>
-            <a:r>
-              <a:rPr lang="fr-FR" sz="2000" dirty="0"/>
-              <a:t> </a:t>
-            </a:r>
-            <a:r>
-              <a:rPr lang="fr-FR" sz="2000" dirty="0" err="1"/>
-              <a:t>products</a:t>
-            </a:r>
-            <a:r>
-              <a:rPr lang="fr-FR" sz="2000" dirty="0"/>
-              <a:t> to </a:t>
-            </a:r>
-            <a:r>
-              <a:rPr lang="fr-FR" sz="2000" dirty="0" err="1"/>
-              <a:t>users</a:t>
-            </a:r>
-            <a:r>
-              <a:rPr lang="fr-FR" sz="2000" dirty="0"/>
-              <a:t> on a digital commerce </a:t>
-            </a:r>
-            <a:r>
-              <a:rPr lang="fr-FR" sz="2000" dirty="0" err="1"/>
-              <a:t>website</a:t>
-            </a:r>
-            <a:r>
-              <a:rPr lang="fr-FR" sz="2000" dirty="0"/>
-              <a:t>.</a:t>
-            </a:r>
-          </a:p>
-          <a:p>
-            <a:r>
-              <a:rPr lang="fr-FR" sz="2000" dirty="0"/>
-              <a:t>- Flag </a:t>
-            </a:r>
-            <a:r>
-              <a:rPr lang="fr-FR" sz="2000" dirty="0" err="1"/>
-              <a:t>suspicious</a:t>
-            </a:r>
-            <a:r>
-              <a:rPr lang="fr-FR" sz="2000" dirty="0"/>
-              <a:t> </a:t>
-            </a:r>
-            <a:r>
-              <a:rPr lang="fr-FR" sz="2000" dirty="0" err="1"/>
-              <a:t>product</a:t>
-            </a:r>
-            <a:r>
-              <a:rPr lang="fr-FR" sz="2000" dirty="0"/>
-              <a:t> </a:t>
-            </a:r>
-            <a:r>
-              <a:rPr lang="fr-FR" sz="2000" dirty="0" err="1"/>
-              <a:t>reviews</a:t>
-            </a:r>
-            <a:r>
-              <a:rPr lang="fr-FR" sz="2000" dirty="0"/>
-              <a:t> </a:t>
-            </a:r>
-            <a:r>
-              <a:rPr lang="fr-FR" sz="2000" dirty="0" err="1"/>
-              <a:t>that</a:t>
-            </a:r>
-            <a:r>
-              <a:rPr lang="fr-FR" sz="2000" dirty="0"/>
-              <a:t> </a:t>
-            </a:r>
-            <a:r>
-              <a:rPr lang="fr-FR" sz="2000" dirty="0" err="1"/>
-              <a:t>should</a:t>
-            </a:r>
-            <a:r>
-              <a:rPr lang="fr-FR" sz="2000" dirty="0"/>
-              <a:t> </a:t>
-            </a:r>
-            <a:r>
-              <a:rPr lang="fr-FR" sz="2000" dirty="0" err="1"/>
-              <a:t>be</a:t>
-            </a:r>
-            <a:r>
-              <a:rPr lang="fr-FR" sz="2000" dirty="0"/>
-              <a:t> </a:t>
-            </a:r>
-            <a:r>
-              <a:rPr lang="fr-FR" sz="2000" dirty="0" err="1"/>
-              <a:t>manually</a:t>
-            </a:r>
-            <a:r>
-              <a:rPr lang="fr-FR" sz="2000" dirty="0"/>
-              <a:t> </a:t>
-            </a:r>
-            <a:r>
-              <a:rPr lang="fr-FR" sz="2000" dirty="0" err="1"/>
-              <a:t>investigated</a:t>
-            </a:r>
-            <a:r>
-              <a:rPr lang="fr-FR" sz="2000" dirty="0"/>
-              <a:t> for </a:t>
-            </a:r>
-            <a:r>
-              <a:rPr lang="fr-FR" sz="2000" dirty="0" err="1"/>
-              <a:t>fraud</a:t>
-            </a:r>
-            <a:r>
-              <a:rPr lang="fr-FR" sz="2000" dirty="0"/>
-              <a:t>.</a:t>
-            </a:r>
-          </a:p>
-          <a:p>
-            <a:endParaRPr lang="fr-FR" sz="2000" b="1" dirty="0"/>
-          </a:p>
-          <a:p>
-            <a:r>
-              <a:rPr lang="fr-FR" sz="2000" b="1" dirty="0" err="1"/>
-              <a:t>Reinforcement</a:t>
-            </a:r>
-            <a:r>
-              <a:rPr lang="fr-FR" sz="2000" b="1" dirty="0"/>
-              <a:t> Learning</a:t>
-            </a:r>
-            <a:endParaRPr lang="fr-FR" sz="2000" dirty="0"/>
-          </a:p>
-          <a:p>
-            <a:r>
-              <a:rPr lang="fr-FR" sz="2000" dirty="0"/>
-              <a:t>- </a:t>
-            </a:r>
-            <a:r>
-              <a:rPr lang="fr-FR" sz="2000" dirty="0" err="1"/>
-              <a:t>Build</a:t>
-            </a:r>
-            <a:r>
-              <a:rPr lang="fr-FR" sz="2000" dirty="0"/>
-              <a:t> an </a:t>
-            </a:r>
-            <a:r>
-              <a:rPr lang="fr-FR" sz="2000" dirty="0" err="1"/>
-              <a:t>algorithm</a:t>
-            </a:r>
-            <a:r>
-              <a:rPr lang="fr-FR" sz="2000" dirty="0"/>
-              <a:t> to </a:t>
-            </a:r>
-            <a:r>
-              <a:rPr lang="fr-FR" sz="2000" dirty="0" err="1"/>
-              <a:t>play</a:t>
-            </a:r>
-            <a:r>
-              <a:rPr lang="fr-FR" sz="2000" dirty="0"/>
-              <a:t> a </a:t>
-            </a:r>
-            <a:r>
-              <a:rPr lang="fr-FR" sz="2000" dirty="0" err="1"/>
-              <a:t>game</a:t>
-            </a:r>
-            <a:r>
-              <a:rPr lang="fr-FR" sz="2000" dirty="0"/>
-              <a:t>, </a:t>
-            </a:r>
-            <a:r>
-              <a:rPr lang="fr-FR" sz="2000" dirty="0" err="1"/>
-              <a:t>such</a:t>
-            </a:r>
-            <a:r>
-              <a:rPr lang="fr-FR" sz="2000" dirty="0"/>
-              <a:t> as </a:t>
-            </a:r>
-            <a:r>
-              <a:rPr lang="fr-FR" sz="2000" dirty="0" err="1"/>
-              <a:t>checkers</a:t>
-            </a:r>
-            <a:r>
-              <a:rPr lang="fr-FR" sz="2000" dirty="0"/>
-              <a:t> or </a:t>
-            </a:r>
-            <a:r>
-              <a:rPr lang="fr-FR" sz="2000" dirty="0" err="1"/>
-              <a:t>chess</a:t>
-            </a:r>
-            <a:r>
-              <a:rPr lang="fr-FR" sz="2000" dirty="0"/>
-              <a:t>, </a:t>
-            </a:r>
-            <a:r>
-              <a:rPr lang="fr-FR" sz="2000" dirty="0" err="1"/>
-              <a:t>against</a:t>
-            </a:r>
-            <a:r>
-              <a:rPr lang="fr-FR" sz="2000" dirty="0"/>
-              <a:t> a </a:t>
-            </a:r>
-            <a:r>
-              <a:rPr lang="fr-FR" sz="2000" dirty="0" err="1"/>
-              <a:t>human</a:t>
-            </a:r>
-            <a:r>
-              <a:rPr lang="fr-FR" sz="2000" dirty="0"/>
-              <a:t>.</a:t>
-            </a:r>
-          </a:p>
-          <a:p>
-            <a:r>
-              <a:rPr lang="fr-FR" sz="2000" dirty="0"/>
-              <a:t>- </a:t>
-            </a:r>
-            <a:r>
-              <a:rPr lang="fr-FR" sz="2000" dirty="0" err="1"/>
-              <a:t>Determine</a:t>
-            </a:r>
-            <a:r>
-              <a:rPr lang="fr-FR" sz="2000" dirty="0"/>
-              <a:t> a </a:t>
-            </a:r>
-            <a:r>
-              <a:rPr lang="fr-FR" sz="2000" dirty="0" err="1"/>
-              <a:t>way</a:t>
-            </a:r>
-            <a:r>
-              <a:rPr lang="fr-FR" sz="2000" dirty="0"/>
-              <a:t> to </a:t>
-            </a:r>
-            <a:r>
-              <a:rPr lang="fr-FR" sz="2000" dirty="0" err="1"/>
-              <a:t>optimally</a:t>
-            </a:r>
-            <a:r>
-              <a:rPr lang="fr-FR" sz="2000" dirty="0"/>
-              <a:t> </a:t>
-            </a:r>
-            <a:r>
-              <a:rPr lang="fr-FR" sz="2000" dirty="0" err="1"/>
-              <a:t>schedule</a:t>
-            </a:r>
-            <a:r>
-              <a:rPr lang="fr-FR" sz="2000" dirty="0"/>
-              <a:t> </a:t>
-            </a:r>
-            <a:r>
-              <a:rPr lang="fr-FR" sz="2000" dirty="0" err="1"/>
-              <a:t>elevators</a:t>
-            </a:r>
-            <a:r>
-              <a:rPr lang="fr-FR" sz="2000" dirty="0"/>
-              <a:t> in a large office building.</a:t>
-            </a:r>
-          </a:p>
-          <a:p>
-            <a:r>
-              <a:rPr lang="fr-FR" sz="2000" dirty="0"/>
-              <a:t>- Program a self-</a:t>
-            </a:r>
-            <a:r>
-              <a:rPr lang="fr-FR" sz="2000" dirty="0" err="1"/>
-              <a:t>driving</a:t>
-            </a:r>
-            <a:r>
-              <a:rPr lang="fr-FR" sz="2000" dirty="0"/>
-              <a:t> car.</a:t>
+              <a:rPr lang="fr-FR" sz="2400" dirty="0" err="1"/>
+              <a:t>subset</a:t>
+            </a:r>
+            <a:r>
+              <a:rPr lang="fr-FR" sz="2400" dirty="0"/>
+              <a:t> of </a:t>
+            </a:r>
+            <a:r>
+              <a:rPr lang="fr-FR" sz="2400" dirty="0" err="1"/>
+              <a:t>Wikipedia</a:t>
+            </a:r>
+            <a:r>
+              <a:rPr lang="fr-FR" sz="2400" dirty="0"/>
+              <a:t> articles</a:t>
             </a:r>
           </a:p>
         </p:txBody>
@@ -6387,7 +6245,7 @@
     </p:spTree>
     <p:extLst>
       <p:ext uri="{BB962C8B-B14F-4D97-AF65-F5344CB8AC3E}">
-        <p14:creationId xmlns:p14="http://schemas.microsoft.com/office/powerpoint/2010/main" val="706004684"/>
+        <p14:creationId xmlns:p14="http://schemas.microsoft.com/office/powerpoint/2010/main" val="1547585162"/>
       </p:ext>
     </p:extLst>
   </p:cSld>
@@ -6445,7 +6303,7 @@
             <a:pPr algn="ctr"/>
             <a:r>
               <a:rPr lang="fr-FR" sz="4800" b="1" u="sng" noProof="1"/>
-              <a:t>What will you learn?</a:t>
+              <a:t>First Two Weeks</a:t>
             </a:r>
           </a:p>
         </p:txBody>
@@ -6552,8 +6410,8 @@
         </p:nvSpPr>
         <p:spPr>
           <a:xfrm>
-            <a:off x="752361" y="1654113"/>
-            <a:ext cx="10938896" cy="2308324"/>
+            <a:off x="671641" y="1310457"/>
+            <a:ext cx="10361953" cy="2308324"/>
           </a:xfrm>
           <a:prstGeom prst="rect">
             <a:avLst/>
@@ -6568,11 +6426,431 @@
           <a:p>
             <a:r>
               <a:rPr lang="fr-FR" sz="2400" dirty="0"/>
-              <a:t>- </a:t>
-            </a:r>
-            <a:r>
-              <a:rPr lang="fr-FR" sz="2400" dirty="0" err="1"/>
-              <a:t>understand</a:t>
+              <a:t>The content </a:t>
+            </a:r>
+            <a:r>
+              <a:rPr lang="fr-FR" sz="2400" dirty="0" err="1"/>
+              <a:t>next</a:t>
+            </a:r>
+            <a:r>
+              <a:rPr lang="fr-FR" sz="2400" dirty="0"/>
+              <a:t> </a:t>
+            </a:r>
+            <a:r>
+              <a:rPr lang="fr-FR" sz="2400" dirty="0" err="1"/>
+              <a:t>two</a:t>
+            </a:r>
+            <a:r>
+              <a:rPr lang="fr-FR" sz="2400" dirty="0"/>
+              <a:t> classes (</a:t>
+            </a:r>
+            <a:r>
+              <a:rPr lang="fr-FR" sz="2400" dirty="0" err="1"/>
+              <a:t>remember</a:t>
+            </a:r>
+            <a:r>
+              <a:rPr lang="fr-FR" sz="2400" dirty="0"/>
+              <a:t> </a:t>
+            </a:r>
+            <a:r>
+              <a:rPr lang="fr-FR" sz="2400" dirty="0" err="1"/>
+              <a:t>that</a:t>
+            </a:r>
+            <a:r>
+              <a:rPr lang="fr-FR" sz="2400" dirty="0"/>
+              <a:t> </a:t>
+            </a:r>
+            <a:r>
+              <a:rPr lang="fr-FR" sz="2400" dirty="0" err="1"/>
+              <a:t>we</a:t>
+            </a:r>
+            <a:r>
+              <a:rPr lang="fr-FR" sz="2400" dirty="0"/>
+              <a:t> </a:t>
+            </a:r>
+            <a:r>
+              <a:rPr lang="fr-FR" sz="2400" dirty="0" err="1"/>
+              <a:t>don’t</a:t>
+            </a:r>
+            <a:r>
+              <a:rPr lang="fr-FR" sz="2400" dirty="0"/>
+              <a:t> have class on MLK </a:t>
+            </a:r>
+            <a:r>
+              <a:rPr lang="fr-FR" sz="2400" dirty="0" err="1"/>
+              <a:t>day</a:t>
+            </a:r>
+            <a:r>
+              <a:rPr lang="fr-FR" sz="2400" dirty="0"/>
+              <a:t>) </a:t>
+            </a:r>
+            <a:r>
+              <a:rPr lang="fr-FR" sz="2400" dirty="0" err="1"/>
+              <a:t>will</a:t>
+            </a:r>
+            <a:r>
+              <a:rPr lang="fr-FR" sz="2400" dirty="0"/>
+              <a:t> </a:t>
+            </a:r>
+            <a:r>
+              <a:rPr lang="fr-FR" sz="2400" dirty="0" err="1"/>
+              <a:t>be</a:t>
+            </a:r>
+            <a:r>
+              <a:rPr lang="fr-FR" sz="2400" dirty="0"/>
+              <a:t> a bit </a:t>
+            </a:r>
+            <a:r>
+              <a:rPr lang="fr-FR" sz="2400" dirty="0" err="1"/>
+              <a:t>different</a:t>
+            </a:r>
+            <a:r>
+              <a:rPr lang="fr-FR" sz="2400" dirty="0"/>
+              <a:t>. </a:t>
+            </a:r>
+            <a:r>
+              <a:rPr lang="fr-FR" sz="2400" dirty="0" err="1"/>
+              <a:t>You’ll</a:t>
+            </a:r>
+            <a:r>
+              <a:rPr lang="fr-FR" sz="2400" dirty="0"/>
+              <a:t> </a:t>
+            </a:r>
+            <a:r>
+              <a:rPr lang="fr-FR" sz="2400" dirty="0" err="1"/>
+              <a:t>be</a:t>
+            </a:r>
+            <a:r>
+              <a:rPr lang="fr-FR" sz="2400" dirty="0"/>
+              <a:t> </a:t>
+            </a:r>
+            <a:r>
+              <a:rPr lang="fr-FR" sz="2400" dirty="0" err="1"/>
+              <a:t>getting</a:t>
+            </a:r>
+            <a:r>
+              <a:rPr lang="fr-FR" sz="2400" dirty="0"/>
+              <a:t> a crash course in the </a:t>
+            </a:r>
+            <a:r>
+              <a:rPr lang="fr-FR" sz="2400" dirty="0" err="1"/>
+              <a:t>language</a:t>
+            </a:r>
+            <a:r>
+              <a:rPr lang="fr-FR" sz="2400" dirty="0"/>
+              <a:t> of </a:t>
+            </a:r>
+            <a:r>
+              <a:rPr lang="fr-FR" sz="2400" dirty="0" err="1"/>
+              <a:t>statistical</a:t>
+            </a:r>
+            <a:r>
+              <a:rPr lang="fr-FR" sz="2400" dirty="0"/>
+              <a:t>/machine </a:t>
+            </a:r>
+            <a:r>
+              <a:rPr lang="fr-FR" sz="2400" dirty="0" err="1"/>
+              <a:t>learning</a:t>
+            </a:r>
+            <a:r>
+              <a:rPr lang="fr-FR" sz="2400" dirty="0"/>
+              <a:t> and </a:t>
+            </a:r>
+            <a:r>
+              <a:rPr lang="fr-FR" sz="2400" dirty="0" err="1"/>
+              <a:t>we</a:t>
+            </a:r>
+            <a:r>
+              <a:rPr lang="fr-FR" sz="2400" dirty="0"/>
+              <a:t> </a:t>
+            </a:r>
+            <a:r>
+              <a:rPr lang="fr-FR" sz="2400" dirty="0" err="1"/>
+              <a:t>won’t</a:t>
+            </a:r>
+            <a:r>
+              <a:rPr lang="fr-FR" sz="2400" dirty="0"/>
+              <a:t> </a:t>
+            </a:r>
+            <a:r>
+              <a:rPr lang="fr-FR" sz="2400" dirty="0" err="1"/>
+              <a:t>be</a:t>
+            </a:r>
+            <a:r>
+              <a:rPr lang="fr-FR" sz="2400" dirty="0"/>
+              <a:t> </a:t>
+            </a:r>
+            <a:r>
+              <a:rPr lang="fr-FR" sz="2400" dirty="0" err="1"/>
+              <a:t>doing</a:t>
+            </a:r>
+            <a:r>
+              <a:rPr lang="fr-FR" sz="2400" dirty="0"/>
+              <a:t> </a:t>
+            </a:r>
+            <a:r>
+              <a:rPr lang="fr-FR" sz="2400" dirty="0" err="1"/>
+              <a:t>any</a:t>
+            </a:r>
+            <a:r>
+              <a:rPr lang="fr-FR" sz="2400" dirty="0"/>
+              <a:t> </a:t>
+            </a:r>
+            <a:r>
+              <a:rPr lang="fr-FR" sz="2400" dirty="0" err="1"/>
+              <a:t>programming</a:t>
+            </a:r>
+            <a:r>
+              <a:rPr lang="fr-FR" sz="2400" dirty="0"/>
+              <a:t>. </a:t>
+            </a:r>
+            <a:r>
+              <a:rPr lang="fr-FR" sz="2400" dirty="0" err="1"/>
+              <a:t>Because</a:t>
+            </a:r>
+            <a:r>
+              <a:rPr lang="fr-FR" sz="2400" dirty="0"/>
+              <a:t> of the dense nature of the </a:t>
+            </a:r>
+            <a:r>
+              <a:rPr lang="fr-FR" sz="2400" dirty="0" err="1"/>
+              <a:t>material</a:t>
+            </a:r>
+            <a:r>
+              <a:rPr lang="fr-FR" sz="2400" dirty="0"/>
+              <a:t>, I have </a:t>
+            </a:r>
+            <a:r>
+              <a:rPr lang="fr-FR" sz="2400" dirty="0" err="1"/>
+              <a:t>prepared</a:t>
+            </a:r>
+            <a:r>
+              <a:rPr lang="fr-FR" sz="2400" dirty="0"/>
+              <a:t> </a:t>
+            </a:r>
+            <a:r>
+              <a:rPr lang="fr-FR" sz="2400" dirty="0" err="1"/>
+              <a:t>video</a:t>
+            </a:r>
+            <a:r>
+              <a:rPr lang="fr-FR" sz="2400" dirty="0"/>
+              <a:t> notes in addition to the standard slides </a:t>
+            </a:r>
+            <a:r>
+              <a:rPr lang="fr-FR" sz="2400" dirty="0" err="1"/>
+              <a:t>that</a:t>
+            </a:r>
+            <a:r>
+              <a:rPr lang="fr-FR" sz="2400" dirty="0"/>
+              <a:t> </a:t>
+            </a:r>
+            <a:r>
+              <a:rPr lang="fr-FR" sz="2400" dirty="0" err="1"/>
+              <a:t>you</a:t>
+            </a:r>
+            <a:r>
+              <a:rPr lang="fr-FR" sz="2400" dirty="0"/>
+              <a:t> can </a:t>
+            </a:r>
+            <a:r>
+              <a:rPr lang="fr-FR" sz="2400" dirty="0" err="1"/>
+              <a:t>watch</a:t>
+            </a:r>
+            <a:r>
+              <a:rPr lang="fr-FR" sz="2400" dirty="0"/>
+              <a:t>, pause, and re-</a:t>
+            </a:r>
+            <a:r>
+              <a:rPr lang="fr-FR" sz="2400" dirty="0" err="1"/>
+              <a:t>watch</a:t>
+            </a:r>
+            <a:r>
+              <a:rPr lang="fr-FR" sz="2400" dirty="0"/>
+              <a:t>. In class </a:t>
+            </a:r>
+            <a:r>
+              <a:rPr lang="fr-FR" sz="2400" dirty="0" err="1"/>
+              <a:t>we’ll</a:t>
+            </a:r>
+            <a:r>
+              <a:rPr lang="fr-FR" sz="2400" dirty="0"/>
+              <a:t> </a:t>
+            </a:r>
+            <a:r>
+              <a:rPr lang="fr-FR" sz="2400" dirty="0" err="1"/>
+              <a:t>work</a:t>
+            </a:r>
+            <a:r>
+              <a:rPr lang="fr-FR" sz="2400" dirty="0"/>
+              <a:t> on </a:t>
+            </a:r>
+            <a:r>
+              <a:rPr lang="fr-FR" sz="2400" dirty="0" err="1"/>
+              <a:t>pen</a:t>
+            </a:r>
+            <a:r>
+              <a:rPr lang="fr-FR" sz="2400" dirty="0"/>
+              <a:t> and </a:t>
+            </a:r>
+            <a:r>
+              <a:rPr lang="fr-FR" sz="2400" dirty="0" err="1"/>
+              <a:t>paper</a:t>
+            </a:r>
+            <a:r>
+              <a:rPr lang="fr-FR" sz="2400" dirty="0"/>
+              <a:t> </a:t>
+            </a:r>
+            <a:r>
+              <a:rPr lang="fr-FR" sz="2400" dirty="0" err="1"/>
+              <a:t>handouts</a:t>
+            </a:r>
+            <a:r>
+              <a:rPr lang="fr-FR" sz="2400" dirty="0"/>
+              <a:t> </a:t>
+            </a:r>
+            <a:r>
+              <a:rPr lang="fr-FR" sz="2400" dirty="0" err="1"/>
+              <a:t>instead</a:t>
+            </a:r>
+            <a:r>
+              <a:rPr lang="fr-FR" sz="2400" dirty="0"/>
+              <a:t> of R notebooks.</a:t>
+            </a:r>
+          </a:p>
+        </p:txBody>
+      </p:sp>
+      <p:sp>
+        <p:nvSpPr>
+          <p:cNvPr id="2" name="ZoneTexte 34">
+            <a:extLst>
+              <a:ext uri="{FF2B5EF4-FFF2-40B4-BE49-F238E27FC236}">
+                <a16:creationId xmlns:a16="http://schemas.microsoft.com/office/drawing/2014/main" id="{16CDE267-3A51-77B8-7469-CE2282265555}"/>
+              </a:ext>
+            </a:extLst>
+          </p:cNvPr>
+          <p:cNvSpPr txBox="1"/>
+          <p:nvPr/>
+        </p:nvSpPr>
+        <p:spPr>
+          <a:xfrm>
+            <a:off x="2424983" y="4452335"/>
+            <a:ext cx="9409229" cy="1569660"/>
+          </a:xfrm>
+          <a:prstGeom prst="rect">
+            <a:avLst/>
+          </a:prstGeom>
+          <a:noFill/>
+        </p:spPr>
+        <p:txBody>
+          <a:bodyPr wrap="square" rtlCol="0">
+            <a:spAutoFit/>
+          </a:bodyPr>
+          <a:lstStyle/>
+          <a:p>
+            <a:pPr algn="r"/>
+            <a:r>
+              <a:rPr lang="fr-FR" sz="2400" dirty="0"/>
+              <a:t>The </a:t>
+            </a:r>
+            <a:r>
+              <a:rPr lang="fr-FR" sz="2400" dirty="0" err="1"/>
+              <a:t>material</a:t>
+            </a:r>
+            <a:r>
+              <a:rPr lang="fr-FR" sz="2400" dirty="0"/>
+              <a:t> </a:t>
+            </a:r>
+            <a:r>
+              <a:rPr lang="fr-FR" sz="2400" dirty="0" err="1"/>
+              <a:t>will</a:t>
+            </a:r>
+            <a:r>
+              <a:rPr lang="fr-FR" sz="2400" dirty="0"/>
+              <a:t> </a:t>
+            </a:r>
+            <a:r>
+              <a:rPr lang="fr-FR" sz="2400" dirty="0" err="1"/>
+              <a:t>be</a:t>
+            </a:r>
+            <a:r>
+              <a:rPr lang="fr-FR" sz="2400" dirty="0"/>
+              <a:t> more </a:t>
+            </a:r>
+            <a:r>
+              <a:rPr lang="fr-FR" sz="2400" dirty="0" err="1"/>
+              <a:t>mathematical</a:t>
+            </a:r>
+            <a:r>
+              <a:rPr lang="fr-FR" sz="2400" dirty="0"/>
+              <a:t> </a:t>
+            </a:r>
+            <a:r>
+              <a:rPr lang="fr-FR" sz="2400" dirty="0" err="1"/>
+              <a:t>than</a:t>
+            </a:r>
+            <a:r>
+              <a:rPr lang="fr-FR" sz="2400" dirty="0"/>
+              <a:t> </a:t>
+            </a:r>
+            <a:r>
+              <a:rPr lang="fr-FR" sz="2400" dirty="0" err="1"/>
+              <a:t>what</a:t>
+            </a:r>
+            <a:r>
+              <a:rPr lang="fr-FR" sz="2400" dirty="0"/>
+              <a:t> I </a:t>
+            </a:r>
+            <a:r>
+              <a:rPr lang="fr-FR" sz="2400" dirty="0" err="1"/>
+              <a:t>normally</a:t>
+            </a:r>
+            <a:r>
+              <a:rPr lang="fr-FR" sz="2400" dirty="0"/>
+              <a:t> </a:t>
+            </a:r>
+            <a:r>
+              <a:rPr lang="fr-FR" sz="2400" dirty="0" err="1"/>
+              <a:t>teach</a:t>
+            </a:r>
+            <a:r>
+              <a:rPr lang="fr-FR" sz="2400" dirty="0"/>
+              <a:t> and </a:t>
+            </a:r>
+            <a:r>
+              <a:rPr lang="fr-FR" sz="2400" dirty="0" err="1"/>
+              <a:t>may</a:t>
+            </a:r>
+            <a:r>
+              <a:rPr lang="fr-FR" sz="2400" dirty="0"/>
+              <a:t> </a:t>
+            </a:r>
+            <a:r>
+              <a:rPr lang="fr-FR" sz="2400" dirty="0" err="1"/>
+              <a:t>seem</a:t>
+            </a:r>
+            <a:r>
+              <a:rPr lang="fr-FR" sz="2400" dirty="0"/>
+              <a:t> </a:t>
+            </a:r>
+            <a:r>
+              <a:rPr lang="fr-FR" sz="2400" dirty="0" err="1"/>
+              <a:t>overwelming</a:t>
+            </a:r>
+            <a:r>
+              <a:rPr lang="fr-FR" sz="2400" dirty="0"/>
+              <a:t>. Just do </a:t>
+            </a:r>
+            <a:r>
+              <a:rPr lang="fr-FR" sz="2400" dirty="0" err="1"/>
+              <a:t>your</a:t>
+            </a:r>
+            <a:r>
+              <a:rPr lang="fr-FR" sz="2400" dirty="0"/>
+              <a:t> best, </a:t>
+            </a:r>
+            <a:r>
+              <a:rPr lang="fr-FR" sz="2400" dirty="0" err="1"/>
+              <a:t>watch</a:t>
             </a:r>
             <a:r>
               <a:rPr lang="fr-FR" sz="2400" dirty="0"/>
@@ -6580,50 +6858,39 @@
             </a:r>
             <a:r>
               <a:rPr lang="fr-FR" sz="2400" dirty="0" err="1"/>
-              <a:t>terminology</a:t>
-            </a:r>
-            <a:r>
-              <a:rPr lang="fr-FR" sz="2400" dirty="0"/>
-              <a:t> of </a:t>
-            </a:r>
-            <a:r>
-              <a:rPr lang="fr-FR" sz="2400" dirty="0" err="1"/>
-              <a:t>predictive</a:t>
-            </a:r>
-            <a:r>
-              <a:rPr lang="fr-FR" sz="2400" dirty="0"/>
-              <a:t> and </a:t>
-            </a:r>
-            <a:r>
-              <a:rPr lang="fr-FR" sz="2400" dirty="0" err="1"/>
-              <a:t>unsupervised</a:t>
-            </a:r>
-            <a:r>
-              <a:rPr lang="fr-FR" sz="2400" dirty="0"/>
-              <a:t> ML </a:t>
-            </a:r>
-            <a:r>
-              <a:rPr lang="fr-FR" sz="2400" dirty="0" err="1"/>
-              <a:t>methods</a:t>
-            </a:r>
-            <a:endParaRPr lang="fr-FR" sz="2400" dirty="0"/>
-          </a:p>
-          <a:p>
-            <a:r>
-              <a:rPr lang="fr-FR" sz="2400" dirty="0"/>
-              <a:t>- how to </a:t>
-            </a:r>
-            <a:r>
-              <a:rPr lang="fr-FR" sz="2400" dirty="0" err="1"/>
-              <a:t>apply</a:t>
-            </a:r>
-            <a:r>
-              <a:rPr lang="fr-FR" sz="2400" dirty="0"/>
-              <a:t> a set of </a:t>
-            </a:r>
-            <a:r>
-              <a:rPr lang="fr-FR" sz="2400" dirty="0" err="1"/>
-              <a:t>methods</a:t>
+              <a:t>videos</a:t>
+            </a:r>
+            <a:r>
+              <a:rPr lang="fr-FR" sz="2400" dirty="0"/>
+              <a:t>, and come </a:t>
+            </a:r>
+            <a:r>
+              <a:rPr lang="fr-FR" sz="2400" dirty="0" err="1"/>
+              <a:t>ready</a:t>
+            </a:r>
+            <a:r>
+              <a:rPr lang="fr-FR" sz="2400" dirty="0"/>
+              <a:t> to </a:t>
+            </a:r>
+            <a:r>
+              <a:rPr lang="fr-FR" sz="2400" dirty="0" err="1"/>
+              <a:t>ask</a:t>
+            </a:r>
+            <a:r>
+              <a:rPr lang="fr-FR" sz="2400" dirty="0"/>
+              <a:t> questions. </a:t>
+            </a:r>
+            <a:r>
+              <a:rPr lang="fr-FR" sz="2400" dirty="0" err="1"/>
+              <a:t>From</a:t>
+            </a:r>
+            <a:r>
+              <a:rPr lang="fr-FR" sz="2400" dirty="0"/>
+              <a:t> the </a:t>
+            </a:r>
+            <a:r>
+              <a:rPr lang="fr-FR" sz="2400" dirty="0" err="1"/>
+              <a:t>third</a:t>
             </a:r>
             <a:r>
               <a:rPr lang="fr-FR" sz="2400" dirty="0"/>
@@ -6631,15 +6898,7 @@
             </a:r>
             <a:r>
               <a:rPr lang="fr-FR" sz="2400" dirty="0" err="1"/>
-              <a:t>using</a:t>
-            </a:r>
-            <a:r>
-              <a:rPr lang="fr-FR" sz="2400" dirty="0"/>
-              <a:t> the open-source R </a:t>
-            </a:r>
-            <a:r>
-              <a:rPr lang="fr-FR" sz="2400" dirty="0" err="1"/>
-              <a:t>programming</a:t>
+              <a:t>week</a:t>
             </a:r>
             <a:r>
               <a:rPr lang="fr-FR" sz="2400" dirty="0"/>
@@ -6647,34 +6906,39 @@
             </a:r>
             <a:r>
               <a:rPr lang="fr-FR" sz="2400" dirty="0" err="1"/>
-              <a:t>language</a:t>
-            </a:r>
-            <a:endParaRPr lang="fr-FR" sz="2400" dirty="0"/>
-          </a:p>
-          <a:p>
-            <a:r>
-              <a:rPr lang="fr-FR" sz="2400" dirty="0"/>
-              <a:t>- how to use and </a:t>
-            </a:r>
-            <a:r>
-              <a:rPr lang="fr-FR" sz="2400" dirty="0" err="1"/>
-              <a:t>understand</a:t>
-            </a:r>
-            <a:r>
-              <a:rPr lang="fr-FR" sz="2400" dirty="0"/>
-              <a:t> a </a:t>
-            </a:r>
-            <a:r>
-              <a:rPr lang="fr-FR" sz="2400" dirty="0" err="1"/>
-              <a:t>core</a:t>
-            </a:r>
-            <a:r>
-              <a:rPr lang="fr-FR" sz="2400" dirty="0"/>
-              <a:t> set of </a:t>
-            </a:r>
-            <a:r>
-              <a:rPr lang="fr-FR" sz="2400" dirty="0" err="1"/>
-              <a:t>general-purpose</a:t>
+              <a:t>onwards</a:t>
+            </a:r>
+            <a:r>
+              <a:rPr lang="fr-FR" sz="2400" dirty="0"/>
+              <a:t>, 389 </a:t>
+            </a:r>
+            <a:r>
+              <a:rPr lang="fr-FR" sz="2400" dirty="0" err="1"/>
+              <a:t>will</a:t>
+            </a:r>
+            <a:r>
+              <a:rPr lang="fr-FR" sz="2400" dirty="0"/>
+              <a:t> </a:t>
+            </a:r>
+            <a:r>
+              <a:rPr lang="fr-FR" sz="2400" dirty="0" err="1"/>
+              <a:t>feel</a:t>
+            </a:r>
+            <a:r>
+              <a:rPr lang="fr-FR" sz="2400" dirty="0"/>
+              <a:t> a lot more </a:t>
+            </a:r>
+            <a:r>
+              <a:rPr lang="fr-FR" sz="2400" dirty="0" err="1"/>
+              <a:t>similar</a:t>
+            </a:r>
+            <a:r>
+              <a:rPr lang="fr-FR" sz="2400" dirty="0"/>
+              <a:t> (in </a:t>
+            </a:r>
+            <a:r>
+              <a:rPr lang="fr-FR" sz="2400" dirty="0" err="1"/>
+              <a:t>fact</a:t>
             </a:r>
             <a:r>
               <a:rPr lang="fr-FR" sz="2400" dirty="0"/>
@@ -6682,26 +6946,7 @@
             </a:r>
             <a:r>
               <a:rPr lang="fr-FR" sz="2400" dirty="0" err="1"/>
-              <a:t>interpretable</a:t>
-            </a:r>
-            <a:r>
-              <a:rPr lang="fr-FR" sz="2400" dirty="0"/>
-              <a:t> ML </a:t>
-            </a:r>
-            <a:r>
-              <a:rPr lang="fr-FR" sz="2400" dirty="0" err="1"/>
-              <a:t>methods</a:t>
-            </a:r>
-            <a:endParaRPr lang="fr-FR" sz="2400" dirty="0"/>
-          </a:p>
-          <a:p>
-            <a:r>
-              <a:rPr lang="fr-FR" sz="2400" dirty="0"/>
-              <a:t>- how to use and </a:t>
-            </a:r>
-            <a:r>
-              <a:rPr lang="fr-FR" sz="2400" dirty="0" err="1"/>
-              <a:t>understand</a:t>
+              <a:t>it’s</a:t>
             </a:r>
             <a:r>
               <a:rPr lang="fr-FR" sz="2400" dirty="0"/>
@@ -6709,7 +6954,15 @@
             </a:r>
             <a:r>
               <a:rPr lang="fr-FR" sz="2400" dirty="0" err="1"/>
-              <a:t>several</a:t>
+              <a:t>usually</a:t>
+            </a:r>
+            <a:r>
+              <a:rPr lang="fr-FR" sz="2400" dirty="0"/>
+              <a:t> more fun) </a:t>
+            </a:r>
+            <a:r>
+              <a:rPr lang="fr-FR" sz="2400" dirty="0" err="1"/>
+              <a:t>than</a:t>
             </a:r>
             <a:r>
               <a:rPr lang="fr-FR" sz="2400" dirty="0"/>
@@ -6717,7 +6970,7 @@
             </a:r>
             <a:r>
               <a:rPr lang="fr-FR" sz="2400" dirty="0" err="1"/>
-              <a:t>specific</a:t>
+              <a:t>what</a:t>
             </a:r>
             <a:r>
               <a:rPr lang="fr-FR" sz="2400" dirty="0"/>
@@ -6725,15 +6978,7 @@
             </a:r>
             <a:r>
               <a:rPr lang="fr-FR" sz="2400" dirty="0" err="1"/>
-              <a:t>methods</a:t>
-            </a:r>
-            <a:r>
-              <a:rPr lang="fr-FR" sz="2400" dirty="0"/>
-              <a:t> for </a:t>
-            </a:r>
-            <a:r>
-              <a:rPr lang="fr-FR" sz="2400" dirty="0" err="1"/>
-              <a:t>working</a:t>
+              <a:t>we</a:t>
             </a:r>
             <a:r>
               <a:rPr lang="fr-FR" sz="2400" dirty="0"/>
@@ -6741,94 +6986,19 @@
             </a:r>
             <a:r>
               <a:rPr lang="fr-FR" sz="2400" dirty="0" err="1"/>
-              <a:t>with</a:t>
-            </a:r>
-            <a:r>
-              <a:rPr lang="fr-FR" sz="2400" dirty="0"/>
-              <a:t> </a:t>
-            </a:r>
-            <a:r>
-              <a:rPr lang="fr-FR" sz="2400" dirty="0" err="1"/>
-              <a:t>textual</a:t>
-            </a:r>
-            <a:r>
-              <a:rPr lang="fr-FR" sz="2400" dirty="0"/>
-              <a:t> data</a:t>
-            </a:r>
-          </a:p>
-          <a:p>
-            <a:r>
-              <a:rPr lang="fr-FR" sz="2400" dirty="0"/>
-              <a:t>- how to </a:t>
-            </a:r>
-            <a:r>
-              <a:rPr lang="fr-FR" sz="2400" dirty="0" err="1"/>
-              <a:t>summarise</a:t>
-            </a:r>
-            <a:r>
-              <a:rPr lang="fr-FR" sz="2400" dirty="0"/>
-              <a:t> and </a:t>
-            </a:r>
-            <a:r>
-              <a:rPr lang="fr-FR" sz="2400" dirty="0" err="1"/>
-              <a:t>present</a:t>
-            </a:r>
-            <a:r>
-              <a:rPr lang="fr-FR" sz="2400" dirty="0"/>
-              <a:t> the </a:t>
-            </a:r>
-            <a:r>
-              <a:rPr lang="fr-FR" sz="2400" dirty="0" err="1"/>
-              <a:t>results</a:t>
-            </a:r>
-            <a:r>
-              <a:rPr lang="fr-FR" sz="2400" dirty="0"/>
-              <a:t> of an </a:t>
-            </a:r>
-            <a:r>
-              <a:rPr lang="fr-FR" sz="2400" dirty="0" err="1"/>
-              <a:t>exploratory</a:t>
-            </a:r>
-            <a:r>
-              <a:rPr lang="fr-FR" sz="2400" dirty="0"/>
-              <a:t> </a:t>
-            </a:r>
-            <a:r>
-              <a:rPr lang="fr-FR" sz="2400" dirty="0" err="1"/>
-              <a:t>analysis</a:t>
-            </a:r>
-            <a:r>
-              <a:rPr lang="fr-FR" sz="2400" dirty="0"/>
-              <a:t> of data </a:t>
-            </a:r>
-            <a:r>
-              <a:rPr lang="fr-FR" sz="2400" dirty="0" err="1"/>
-              <a:t>that</a:t>
-            </a:r>
-            <a:r>
-              <a:rPr lang="fr-FR" sz="2400" dirty="0"/>
-              <a:t> </a:t>
-            </a:r>
-            <a:r>
-              <a:rPr lang="fr-FR" sz="2400" dirty="0" err="1"/>
-              <a:t>integrates</a:t>
-            </a:r>
-            <a:r>
-              <a:rPr lang="fr-FR" sz="2400" dirty="0"/>
-              <a:t> ML </a:t>
-            </a:r>
-            <a:r>
-              <a:rPr lang="fr-FR" sz="2400" dirty="0" err="1"/>
-              <a:t>methods</a:t>
-            </a:r>
-            <a:endParaRPr lang="fr-FR" sz="2400" dirty="0"/>
+              <a:t>did</a:t>
+            </a:r>
+            <a:r>
+              <a:rPr lang="fr-FR" sz="2400" dirty="0"/>
+              <a:t> in 289.</a:t>
+            </a:r>
           </a:p>
         </p:txBody>
       </p:sp>
     </p:spTree>
     <p:extLst>
       <p:ext uri="{BB962C8B-B14F-4D97-AF65-F5344CB8AC3E}">
-        <p14:creationId xmlns:p14="http://schemas.microsoft.com/office/powerpoint/2010/main" val="2531183563"/>
+        <p14:creationId xmlns:p14="http://schemas.microsoft.com/office/powerpoint/2010/main" val="3303671702"/>
       </p:ext>
     </p:extLst>
   </p:cSld>
@@ -6855,42 +7025,6 @@
           <a:chExt cx="0" cy="0"/>
         </a:xfrm>
       </p:grpSpPr>
-      <p:sp>
-        <p:nvSpPr>
-          <p:cNvPr id="72" name="ZoneTexte 71">
-            <a:extLst>
-              <a:ext uri="{FF2B5EF4-FFF2-40B4-BE49-F238E27FC236}">
-                <a16:creationId xmlns:a16="http://schemas.microsoft.com/office/drawing/2014/main" id="{3890A706-5F2B-E84E-A26A-A267907CC130}"/>
-              </a:ext>
-            </a:extLst>
-          </p:cNvPr>
-          <p:cNvSpPr txBox="1"/>
-          <p:nvPr/>
-        </p:nvSpPr>
-        <p:spPr>
-          <a:xfrm>
-            <a:off x="1777724" y="263351"/>
-            <a:ext cx="8636551" cy="830997"/>
-          </a:xfrm>
-          <a:prstGeom prst="rect">
-            <a:avLst/>
-          </a:prstGeom>
-          <a:noFill/>
-        </p:spPr>
-        <p:txBody>
-          <a:bodyPr wrap="square" rtlCol="0">
-            <a:spAutoFit/>
-          </a:bodyPr>
-          <a:lstStyle/>
-          <a:p>
-            <a:pPr algn="ctr"/>
-            <a:r>
-              <a:rPr lang="fr-FR" sz="4800" b="1" u="sng" noProof="1"/>
-              <a:t>What won't you (directly) learn?</a:t>
-            </a:r>
-          </a:p>
-        </p:txBody>
-      </p:sp>
       <p:pic>
         <p:nvPicPr>
           <p:cNvPr id="1026" name="Picture 2">
@@ -6981,10 +7115,10 @@
       </p:sp>
       <p:sp>
         <p:nvSpPr>
-          <p:cNvPr id="35" name="ZoneTexte 34">
-            <a:extLst>
-              <a:ext uri="{FF2B5EF4-FFF2-40B4-BE49-F238E27FC236}">
-                <a16:creationId xmlns:a16="http://schemas.microsoft.com/office/drawing/2014/main" id="{083121EA-22BA-0B48-B415-49DA1E741FA9}"/>
+          <p:cNvPr id="5" name="ZoneTexte 4">
+            <a:extLst>
+              <a:ext uri="{FF2B5EF4-FFF2-40B4-BE49-F238E27FC236}">
+                <a16:creationId xmlns:a16="http://schemas.microsoft.com/office/drawing/2014/main" id="{A9E3DC8F-D084-F246-8B0D-27E465CD52F5}"/>
               </a:ext>
             </a:extLst>
           </p:cNvPr>
@@ -6993,8 +7127,8 @@
         </p:nvSpPr>
         <p:spPr>
           <a:xfrm>
-            <a:off x="2276360" y="1807825"/>
-            <a:ext cx="8163039" cy="1815882"/>
+            <a:off x="2164818" y="2830916"/>
+            <a:ext cx="8066110" cy="830997"/>
           </a:xfrm>
           <a:prstGeom prst="rect">
             <a:avLst/>
@@ -7007,595 +7141,18 @@
           </a:bodyPr>
           <a:lstStyle/>
           <a:p>
-            <a:r>
-              <a:rPr lang="fr-FR" sz="2800" dirty="0"/>
-              <a:t>- a </a:t>
-            </a:r>
-            <a:r>
-              <a:rPr lang="fr-FR" sz="2800" dirty="0" err="1"/>
-              <a:t>laundry-list</a:t>
-            </a:r>
-            <a:r>
-              <a:rPr lang="fr-FR" sz="2800" dirty="0"/>
-              <a:t> of </a:t>
-            </a:r>
-            <a:r>
-              <a:rPr lang="fr-FR" sz="2800" dirty="0" err="1"/>
-              <a:t>dozens</a:t>
-            </a:r>
-            <a:r>
-              <a:rPr lang="fr-FR" sz="2800" dirty="0"/>
-              <a:t> of ML </a:t>
-            </a:r>
-            <a:r>
-              <a:rPr lang="fr-FR" sz="2800" dirty="0" err="1"/>
-              <a:t>methods</a:t>
-            </a:r>
-            <a:endParaRPr lang="fr-FR" sz="2800" dirty="0"/>
-          </a:p>
-          <a:p>
-            <a:r>
-              <a:rPr lang="fr-FR" sz="2800" dirty="0"/>
-              <a:t>- </a:t>
-            </a:r>
-            <a:r>
-              <a:rPr lang="fr-FR" sz="2800" dirty="0" err="1"/>
-              <a:t>theoretical</a:t>
-            </a:r>
-            <a:r>
-              <a:rPr lang="fr-FR" sz="2800" dirty="0"/>
-              <a:t> justification / </a:t>
-            </a:r>
-            <a:r>
-              <a:rPr lang="fr-FR" sz="2800" dirty="0" err="1"/>
-              <a:t>analysis</a:t>
-            </a:r>
-            <a:r>
-              <a:rPr lang="fr-FR" sz="2800" dirty="0"/>
-              <a:t> of ML </a:t>
-            </a:r>
-            <a:r>
-              <a:rPr lang="fr-FR" sz="2800" dirty="0" err="1"/>
-              <a:t>methods</a:t>
-            </a:r>
-            <a:endParaRPr lang="fr-FR" sz="2800" dirty="0"/>
-          </a:p>
-          <a:p>
-            <a:r>
-              <a:rPr lang="fr-FR" sz="2800" dirty="0"/>
-              <a:t>- </a:t>
-            </a:r>
-            <a:r>
-              <a:rPr lang="fr-FR" sz="2800" dirty="0" err="1"/>
-              <a:t>implementation</a:t>
-            </a:r>
-            <a:r>
-              <a:rPr lang="fr-FR" sz="2800" dirty="0"/>
-              <a:t> </a:t>
-            </a:r>
-            <a:r>
-              <a:rPr lang="fr-FR" sz="2800" dirty="0" err="1"/>
-              <a:t>details</a:t>
-            </a:r>
-            <a:r>
-              <a:rPr lang="fr-FR" sz="2800" dirty="0"/>
-              <a:t> of ML </a:t>
-            </a:r>
-            <a:r>
-              <a:rPr lang="fr-FR" sz="2800" dirty="0" err="1"/>
-              <a:t>methods</a:t>
-            </a:r>
-            <a:endParaRPr lang="fr-FR" sz="2800" dirty="0"/>
-          </a:p>
-          <a:p>
-            <a:r>
-              <a:rPr lang="fr-FR" sz="2800" dirty="0"/>
-              <a:t>- </a:t>
-            </a:r>
-            <a:r>
-              <a:rPr lang="fr-FR" sz="2800" dirty="0" err="1"/>
-              <a:t>deep</a:t>
-            </a:r>
-            <a:r>
-              <a:rPr lang="fr-FR" sz="2800" dirty="0"/>
-              <a:t> </a:t>
-            </a:r>
-            <a:r>
-              <a:rPr lang="fr-FR" sz="2800" dirty="0" err="1"/>
-              <a:t>learning</a:t>
-            </a:r>
-            <a:r>
-              <a:rPr lang="fr-FR" sz="2800" dirty="0"/>
-              <a:t> </a:t>
-            </a:r>
-            <a:r>
-              <a:rPr lang="fr-FR" sz="2800" dirty="0" err="1"/>
-              <a:t>models</a:t>
-            </a:r>
-            <a:endParaRPr lang="fr-FR" sz="2800" dirty="0"/>
+            <a:pPr algn="ctr"/>
+            <a:r>
+              <a:rPr lang="fr-FR" sz="4800" b="1" noProof="1"/>
+              <a:t>3. Class Form + Groups + Setup</a:t>
+            </a:r>
           </a:p>
         </p:txBody>
       </p:sp>
     </p:spTree>
     <p:extLst>
       <p:ext uri="{BB962C8B-B14F-4D97-AF65-F5344CB8AC3E}">
-        <p14:creationId xmlns:p14="http://schemas.microsoft.com/office/powerpoint/2010/main" val="3305943997"/>
-      </p:ext>
-    </p:extLst>
-  </p:cSld>
-  <p:clrMapOvr>
-    <a:masterClrMapping/>
-  </p:clrMapOvr>
-</p:sld>
-</file>
-
-<file path=ppt/slides/slide19.xml><?xml version="1.0" encoding="utf-8"?>
-<p:sld xmlns:a="http://schemas.openxmlformats.org/drawingml/2006/main" xmlns:r="http://schemas.openxmlformats.org/officeDocument/2006/relationships" xmlns:p="http://schemas.openxmlformats.org/presentationml/2006/main">
-  <p:cSld>
-    <p:spTree>
-      <p:nvGrpSpPr>
-        <p:cNvPr id="1" name=""/>
-        <p:cNvGrpSpPr/>
-        <p:nvPr/>
-      </p:nvGrpSpPr>
-      <p:grpSpPr>
-        <a:xfrm>
-          <a:off x="0" y="0"/>
-          <a:ext cx="0" cy="0"/>
-          <a:chOff x="0" y="0"/>
-          <a:chExt cx="0" cy="0"/>
-        </a:xfrm>
-      </p:grpSpPr>
-      <p:sp>
-        <p:nvSpPr>
-          <p:cNvPr id="72" name="ZoneTexte 71">
-            <a:extLst>
-              <a:ext uri="{FF2B5EF4-FFF2-40B4-BE49-F238E27FC236}">
-                <a16:creationId xmlns:a16="http://schemas.microsoft.com/office/drawing/2014/main" id="{3890A706-5F2B-E84E-A26A-A267907CC130}"/>
-              </a:ext>
-            </a:extLst>
-          </p:cNvPr>
-          <p:cNvSpPr txBox="1"/>
-          <p:nvPr/>
-        </p:nvSpPr>
-        <p:spPr>
-          <a:xfrm>
-            <a:off x="2412449" y="187151"/>
-            <a:ext cx="7367101" cy="830997"/>
-          </a:xfrm>
-          <a:prstGeom prst="rect">
-            <a:avLst/>
-          </a:prstGeom>
-          <a:noFill/>
-        </p:spPr>
-        <p:txBody>
-          <a:bodyPr wrap="square" rtlCol="0">
-            <a:spAutoFit/>
-          </a:bodyPr>
-          <a:lstStyle/>
-          <a:p>
-            <a:pPr algn="ctr"/>
-            <a:r>
-              <a:rPr lang="fr-FR" sz="4800" b="1" u="sng" noProof="1"/>
-              <a:t>Project Oriented Class</a:t>
-            </a:r>
-          </a:p>
-        </p:txBody>
-      </p:sp>
-      <p:pic>
-        <p:nvPicPr>
-          <p:cNvPr id="1026" name="Picture 2">
-            <a:extLst>
-              <a:ext uri="{FF2B5EF4-FFF2-40B4-BE49-F238E27FC236}">
-                <a16:creationId xmlns:a16="http://schemas.microsoft.com/office/drawing/2014/main" id="{ECEC78D4-0EC8-6148-B750-42F18BFCA56C}"/>
-              </a:ext>
-            </a:extLst>
-          </p:cNvPr>
-          <p:cNvPicPr>
-            <a:picLocks noChangeAspect="1" noChangeArrowheads="1"/>
-          </p:cNvPicPr>
-          <p:nvPr/>
-        </p:nvPicPr>
-        <p:blipFill>
-          <a:blip r:embed="rId2">
-            <a:extLst>
-              <a:ext uri="{28A0092B-C50C-407E-A947-70E740481C1C}">
-                <a14:useLocalDpi xmlns:a14="http://schemas.microsoft.com/office/drawing/2010/main" val="0"/>
-              </a:ext>
-            </a:extLst>
-          </a:blip>
-          <a:srcRect/>
-          <a:stretch>
-            <a:fillRect/>
-          </a:stretch>
-        </p:blipFill>
-        <p:spPr bwMode="auto">
-          <a:xfrm>
-            <a:off x="11267345" y="6475487"/>
-            <a:ext cx="856587" cy="299700"/>
-          </a:xfrm>
-          <a:prstGeom prst="rect">
-            <a:avLst/>
-          </a:prstGeom>
-          <a:noFill/>
-          <a:extLst>
-            <a:ext uri="{909E8E84-426E-40DD-AFC4-6F175D3DCCD1}">
-              <a14:hiddenFill xmlns:a14="http://schemas.microsoft.com/office/drawing/2010/main">
-                <a:solidFill>
-                  <a:srgbClr val="FFFFFF"/>
-                </a:solidFill>
-              </a14:hiddenFill>
-            </a:ext>
-          </a:extLst>
-        </p:spPr>
-      </p:pic>
-      <p:sp>
-        <p:nvSpPr>
-          <p:cNvPr id="76" name="ZoneTexte 75">
-            <a:extLst>
-              <a:ext uri="{FF2B5EF4-FFF2-40B4-BE49-F238E27FC236}">
-                <a16:creationId xmlns:a16="http://schemas.microsoft.com/office/drawing/2014/main" id="{827C32F7-EAB8-F143-B412-CBD04F7209BF}"/>
-              </a:ext>
-            </a:extLst>
-          </p:cNvPr>
-          <p:cNvSpPr txBox="1"/>
-          <p:nvPr/>
-        </p:nvSpPr>
-        <p:spPr>
-          <a:xfrm>
-            <a:off x="68068" y="6475487"/>
-            <a:ext cx="4030964" cy="338554"/>
-          </a:xfrm>
-          <a:prstGeom prst="rect">
-            <a:avLst/>
-          </a:prstGeom>
-          <a:noFill/>
-        </p:spPr>
-        <p:txBody>
-          <a:bodyPr wrap="square" rtlCol="0">
-            <a:spAutoFit/>
-          </a:bodyPr>
-          <a:lstStyle/>
-          <a:p>
-            <a:r>
-              <a:rPr lang="fr-FR" sz="1600" noProof="1">
-                <a:solidFill>
-                  <a:schemeClr val="bg1">
-                    <a:lumMod val="65000"/>
-                  </a:schemeClr>
-                </a:solidFill>
-              </a:rPr>
-              <a:t>T. ARNOLD</a:t>
-            </a:r>
-          </a:p>
-        </p:txBody>
-      </p:sp>
-      <p:sp>
-        <p:nvSpPr>
-          <p:cNvPr id="35" name="ZoneTexte 34">
-            <a:extLst>
-              <a:ext uri="{FF2B5EF4-FFF2-40B4-BE49-F238E27FC236}">
-                <a16:creationId xmlns:a16="http://schemas.microsoft.com/office/drawing/2014/main" id="{083121EA-22BA-0B48-B415-49DA1E741FA9}"/>
-              </a:ext>
-            </a:extLst>
-          </p:cNvPr>
-          <p:cNvSpPr txBox="1"/>
-          <p:nvPr/>
-        </p:nvSpPr>
-        <p:spPr>
-          <a:xfrm>
-            <a:off x="1111589" y="1545256"/>
-            <a:ext cx="10361953" cy="4524315"/>
-          </a:xfrm>
-          <a:prstGeom prst="rect">
-            <a:avLst/>
-          </a:prstGeom>
-          <a:noFill/>
-        </p:spPr>
-        <p:txBody>
-          <a:bodyPr wrap="square" rtlCol="0">
-            <a:spAutoFit/>
-          </a:bodyPr>
-          <a:lstStyle/>
-          <a:p>
-            <a:pPr algn="just"/>
-            <a:r>
-              <a:rPr lang="en-US" sz="2400" dirty="0"/>
-              <a:t>In order to embody the data science approach, this course is centered around four projects.</a:t>
-            </a:r>
-          </a:p>
-          <a:p>
-            <a:pPr algn="just"/>
-            <a:endParaRPr lang="en-US" sz="2400" dirty="0"/>
-          </a:p>
-          <a:p>
-            <a:pPr algn="just"/>
-            <a:r>
-              <a:rPr lang="fr-FR" sz="2400" dirty="0"/>
-              <a:t>The </a:t>
-            </a:r>
-            <a:r>
-              <a:rPr lang="fr-FR" sz="2400" dirty="0" err="1"/>
-              <a:t>primary</a:t>
-            </a:r>
-            <a:r>
-              <a:rPr lang="fr-FR" sz="2400" dirty="0"/>
-              <a:t> goal </a:t>
-            </a:r>
-            <a:r>
-              <a:rPr lang="fr-FR" sz="2400" dirty="0" err="1"/>
-              <a:t>will</a:t>
-            </a:r>
-            <a:r>
-              <a:rPr lang="fr-FR" sz="2400" dirty="0"/>
-              <a:t> </a:t>
-            </a:r>
-            <a:r>
-              <a:rPr lang="fr-FR" sz="2400" dirty="0" err="1"/>
-              <a:t>be</a:t>
-            </a:r>
-            <a:r>
-              <a:rPr lang="fr-FR" sz="2400" dirty="0"/>
-              <a:t> </a:t>
-            </a:r>
-            <a:r>
-              <a:rPr lang="fr-FR" sz="2400" dirty="0" err="1"/>
-              <a:t>learning</a:t>
-            </a:r>
-            <a:r>
-              <a:rPr lang="fr-FR" sz="2400" dirty="0"/>
-              <a:t> how to use machine </a:t>
-            </a:r>
-            <a:r>
-              <a:rPr lang="fr-FR" sz="2400" dirty="0" err="1"/>
-              <a:t>learning</a:t>
-            </a:r>
-            <a:r>
-              <a:rPr lang="fr-FR" sz="2400" dirty="0"/>
-              <a:t> </a:t>
-            </a:r>
-            <a:r>
-              <a:rPr lang="fr-FR" sz="2400" dirty="0" err="1"/>
-              <a:t>algorithms</a:t>
-            </a:r>
-            <a:r>
-              <a:rPr lang="fr-FR" sz="2400" dirty="0"/>
-              <a:t> to tell a story about data. </a:t>
-            </a:r>
-            <a:r>
-              <a:rPr lang="fr-FR" sz="2400" dirty="0" err="1"/>
-              <a:t>We</a:t>
-            </a:r>
-            <a:r>
-              <a:rPr lang="fr-FR" sz="2400" dirty="0"/>
-              <a:t> </a:t>
-            </a:r>
-            <a:r>
-              <a:rPr lang="fr-FR" sz="2400" dirty="0" err="1"/>
-              <a:t>will</a:t>
-            </a:r>
-            <a:r>
-              <a:rPr lang="fr-FR" sz="2400" dirty="0"/>
-              <a:t> </a:t>
-            </a:r>
-            <a:r>
-              <a:rPr lang="fr-FR" sz="2400" dirty="0" err="1"/>
-              <a:t>get</a:t>
-            </a:r>
-            <a:r>
-              <a:rPr lang="fr-FR" sz="2400" dirty="0"/>
-              <a:t> a lot of practice </a:t>
-            </a:r>
-            <a:r>
-              <a:rPr lang="fr-FR" sz="2400" dirty="0" err="1"/>
-              <a:t>doing</a:t>
-            </a:r>
-            <a:r>
-              <a:rPr lang="fr-FR" sz="2400" dirty="0"/>
-              <a:t> </a:t>
-            </a:r>
-            <a:r>
-              <a:rPr lang="fr-FR" sz="2400" dirty="0" err="1"/>
-              <a:t>this</a:t>
-            </a:r>
-            <a:r>
-              <a:rPr lang="fr-FR" sz="2400" dirty="0"/>
-              <a:t>.</a:t>
-            </a:r>
-          </a:p>
-          <a:p>
-            <a:pPr algn="just"/>
-            <a:endParaRPr lang="fr-FR" sz="2400" dirty="0"/>
-          </a:p>
-          <a:p>
-            <a:pPr algn="just"/>
-            <a:r>
-              <a:rPr lang="fr-FR" sz="2400" dirty="0"/>
-              <a:t>Our </a:t>
-            </a:r>
-            <a:r>
-              <a:rPr lang="fr-FR" sz="2400" dirty="0" err="1"/>
-              <a:t>primary</a:t>
-            </a:r>
-            <a:r>
-              <a:rPr lang="fr-FR" sz="2400" dirty="0"/>
-              <a:t> focus </a:t>
-            </a:r>
-            <a:r>
-              <a:rPr lang="fr-FR" sz="2400" dirty="0" err="1"/>
-              <a:t>will</a:t>
-            </a:r>
-            <a:r>
-              <a:rPr lang="fr-FR" sz="2400" dirty="0"/>
-              <a:t> </a:t>
-            </a:r>
-            <a:r>
-              <a:rPr lang="fr-FR" sz="2400" dirty="0" err="1"/>
-              <a:t>be</a:t>
-            </a:r>
-            <a:r>
-              <a:rPr lang="fr-FR" sz="2400" dirty="0"/>
-              <a:t> on </a:t>
-            </a:r>
-            <a:r>
-              <a:rPr lang="fr-FR" sz="2400" dirty="0" err="1"/>
-              <a:t>text</a:t>
-            </a:r>
-            <a:r>
-              <a:rPr lang="fr-FR" sz="2400" dirty="0"/>
-              <a:t> </a:t>
-            </a:r>
-            <a:r>
-              <a:rPr lang="fr-FR" sz="2400" dirty="0" err="1"/>
-              <a:t>analysis</a:t>
-            </a:r>
-            <a:r>
-              <a:rPr lang="fr-FR" sz="2400" dirty="0"/>
-              <a:t>. In addition to </a:t>
-            </a:r>
-            <a:r>
-              <a:rPr lang="fr-FR" sz="2400" dirty="0" err="1"/>
-              <a:t>being</a:t>
-            </a:r>
-            <a:r>
-              <a:rPr lang="fr-FR" sz="2400" dirty="0"/>
-              <a:t> </a:t>
-            </a:r>
-            <a:r>
-              <a:rPr lang="fr-FR" sz="2400" dirty="0" err="1"/>
-              <a:t>generally</a:t>
-            </a:r>
-            <a:r>
-              <a:rPr lang="fr-FR" sz="2400" dirty="0"/>
-              <a:t> </a:t>
-            </a:r>
-            <a:r>
-              <a:rPr lang="fr-FR" sz="2400" dirty="0" err="1"/>
-              <a:t>interesting</a:t>
-            </a:r>
-            <a:r>
-              <a:rPr lang="fr-FR" sz="2400" dirty="0"/>
-              <a:t> and one of </a:t>
-            </a:r>
-            <a:r>
-              <a:rPr lang="fr-FR" sz="2400" dirty="0" err="1"/>
-              <a:t>my</a:t>
-            </a:r>
-            <a:r>
-              <a:rPr lang="fr-FR" sz="2400" dirty="0"/>
-              <a:t> </a:t>
-            </a:r>
-            <a:r>
-              <a:rPr lang="fr-FR" sz="2400" dirty="0" err="1"/>
-              <a:t>research</a:t>
-            </a:r>
-            <a:r>
-              <a:rPr lang="fr-FR" sz="2400" dirty="0"/>
-              <a:t> areas, </a:t>
-            </a:r>
-            <a:r>
-              <a:rPr lang="fr-FR" sz="2400" dirty="0" err="1"/>
-              <a:t>it</a:t>
-            </a:r>
-            <a:r>
-              <a:rPr lang="fr-FR" sz="2400" dirty="0"/>
-              <a:t> </a:t>
-            </a:r>
-            <a:r>
-              <a:rPr lang="fr-FR" sz="2400" dirty="0" err="1"/>
-              <a:t>is</a:t>
-            </a:r>
-            <a:r>
-              <a:rPr lang="fr-FR" sz="2400" dirty="0"/>
-              <a:t> a </a:t>
-            </a:r>
-            <a:r>
-              <a:rPr lang="fr-FR" sz="2400" dirty="0" err="1"/>
-              <a:t>great</a:t>
-            </a:r>
-            <a:r>
-              <a:rPr lang="fr-FR" sz="2400" dirty="0"/>
-              <a:t> application </a:t>
-            </a:r>
-            <a:r>
-              <a:rPr lang="fr-FR" sz="2400" dirty="0" err="1"/>
-              <a:t>domain</a:t>
-            </a:r>
-            <a:r>
-              <a:rPr lang="fr-FR" sz="2400" dirty="0"/>
-              <a:t> for </a:t>
-            </a:r>
-            <a:r>
-              <a:rPr lang="fr-FR" sz="2400" dirty="0" err="1"/>
-              <a:t>exploring</a:t>
-            </a:r>
-            <a:r>
-              <a:rPr lang="fr-FR" sz="2400" dirty="0"/>
-              <a:t> the </a:t>
-            </a:r>
-            <a:r>
-              <a:rPr lang="fr-FR" sz="2400" dirty="0" err="1"/>
-              <a:t>entire</a:t>
-            </a:r>
-            <a:r>
-              <a:rPr lang="fr-FR" sz="2400" dirty="0"/>
-              <a:t> data science pipeline </a:t>
-            </a:r>
-            <a:r>
-              <a:rPr lang="fr-FR" sz="2400" dirty="0" err="1"/>
-              <a:t>without</a:t>
-            </a:r>
-            <a:r>
-              <a:rPr lang="fr-FR" sz="2400" dirty="0"/>
-              <a:t> </a:t>
-            </a:r>
-            <a:r>
-              <a:rPr lang="fr-FR" sz="2400" dirty="0" err="1"/>
-              <a:t>any</a:t>
-            </a:r>
-            <a:r>
-              <a:rPr lang="fr-FR" sz="2400" dirty="0"/>
-              <a:t> </a:t>
-            </a:r>
-            <a:r>
-              <a:rPr lang="fr-FR" sz="2400" dirty="0" err="1"/>
-              <a:t>specialized</a:t>
-            </a:r>
-            <a:r>
-              <a:rPr lang="fr-FR" sz="2400" dirty="0"/>
-              <a:t> </a:t>
-            </a:r>
-            <a:r>
-              <a:rPr lang="fr-FR" sz="2400" dirty="0" err="1"/>
-              <a:t>domain</a:t>
-            </a:r>
-            <a:r>
-              <a:rPr lang="fr-FR" sz="2400" dirty="0"/>
-              <a:t> </a:t>
-            </a:r>
-            <a:r>
-              <a:rPr lang="fr-FR" sz="2400" dirty="0" err="1"/>
-              <a:t>knowledge</a:t>
-            </a:r>
-            <a:r>
-              <a:rPr lang="fr-FR" sz="2400" dirty="0"/>
-              <a:t>.</a:t>
-            </a:r>
-          </a:p>
-          <a:p>
-            <a:pPr algn="just"/>
-            <a:endParaRPr lang="fr-FR" sz="2400" dirty="0"/>
-          </a:p>
-          <a:p>
-            <a:pPr algn="just"/>
-            <a:endParaRPr lang="fr-FR" sz="2400" dirty="0"/>
-          </a:p>
-        </p:txBody>
-      </p:sp>
-    </p:spTree>
-    <p:extLst>
-      <p:ext uri="{BB962C8B-B14F-4D97-AF65-F5344CB8AC3E}">
-        <p14:creationId xmlns:p14="http://schemas.microsoft.com/office/powerpoint/2010/main" val="3785372900"/>
+        <p14:creationId xmlns:p14="http://schemas.microsoft.com/office/powerpoint/2010/main" val="1279284152"/>
       </p:ext>
     </p:extLst>
   </p:cSld>
@@ -7750,1433 +7307,6 @@
     <p:extLst>
       <p:ext uri="{BB962C8B-B14F-4D97-AF65-F5344CB8AC3E}">
         <p14:creationId xmlns:p14="http://schemas.microsoft.com/office/powerpoint/2010/main" val="4116643603"/>
-      </p:ext>
-    </p:extLst>
-  </p:cSld>
-  <p:clrMapOvr>
-    <a:masterClrMapping/>
-  </p:clrMapOvr>
-</p:sld>
-</file>
-
-<file path=ppt/slides/slide20.xml><?xml version="1.0" encoding="utf-8"?>
-<p:sld xmlns:a="http://schemas.openxmlformats.org/drawingml/2006/main" xmlns:r="http://schemas.openxmlformats.org/officeDocument/2006/relationships" xmlns:p="http://schemas.openxmlformats.org/presentationml/2006/main">
-  <p:cSld>
-    <p:spTree>
-      <p:nvGrpSpPr>
-        <p:cNvPr id="1" name=""/>
-        <p:cNvGrpSpPr/>
-        <p:nvPr/>
-      </p:nvGrpSpPr>
-      <p:grpSpPr>
-        <a:xfrm>
-          <a:off x="0" y="0"/>
-          <a:ext cx="0" cy="0"/>
-          <a:chOff x="0" y="0"/>
-          <a:chExt cx="0" cy="0"/>
-        </a:xfrm>
-      </p:grpSpPr>
-      <p:sp>
-        <p:nvSpPr>
-          <p:cNvPr id="72" name="ZoneTexte 71">
-            <a:extLst>
-              <a:ext uri="{FF2B5EF4-FFF2-40B4-BE49-F238E27FC236}">
-                <a16:creationId xmlns:a16="http://schemas.microsoft.com/office/drawing/2014/main" id="{3890A706-5F2B-E84E-A26A-A267907CC130}"/>
-              </a:ext>
-            </a:extLst>
-          </p:cNvPr>
-          <p:cNvSpPr txBox="1"/>
-          <p:nvPr/>
-        </p:nvSpPr>
-        <p:spPr>
-          <a:xfrm>
-            <a:off x="2412449" y="187151"/>
-            <a:ext cx="7367101" cy="830997"/>
-          </a:xfrm>
-          <a:prstGeom prst="rect">
-            <a:avLst/>
-          </a:prstGeom>
-          <a:noFill/>
-        </p:spPr>
-        <p:txBody>
-          <a:bodyPr wrap="square" rtlCol="0">
-            <a:spAutoFit/>
-          </a:bodyPr>
-          <a:lstStyle/>
-          <a:p>
-            <a:pPr algn="ctr"/>
-            <a:r>
-              <a:rPr lang="fr-FR" sz="4800" b="1" u="sng" noProof="1"/>
-              <a:t>Project Format</a:t>
-            </a:r>
-          </a:p>
-        </p:txBody>
-      </p:sp>
-      <p:pic>
-        <p:nvPicPr>
-          <p:cNvPr id="1026" name="Picture 2">
-            <a:extLst>
-              <a:ext uri="{FF2B5EF4-FFF2-40B4-BE49-F238E27FC236}">
-                <a16:creationId xmlns:a16="http://schemas.microsoft.com/office/drawing/2014/main" id="{ECEC78D4-0EC8-6148-B750-42F18BFCA56C}"/>
-              </a:ext>
-            </a:extLst>
-          </p:cNvPr>
-          <p:cNvPicPr>
-            <a:picLocks noChangeAspect="1" noChangeArrowheads="1"/>
-          </p:cNvPicPr>
-          <p:nvPr/>
-        </p:nvPicPr>
-        <p:blipFill>
-          <a:blip r:embed="rId2">
-            <a:extLst>
-              <a:ext uri="{28A0092B-C50C-407E-A947-70E740481C1C}">
-                <a14:useLocalDpi xmlns:a14="http://schemas.microsoft.com/office/drawing/2010/main" val="0"/>
-              </a:ext>
-            </a:extLst>
-          </a:blip>
-          <a:srcRect/>
-          <a:stretch>
-            <a:fillRect/>
-          </a:stretch>
-        </p:blipFill>
-        <p:spPr bwMode="auto">
-          <a:xfrm>
-            <a:off x="11267345" y="6475487"/>
-            <a:ext cx="856587" cy="299700"/>
-          </a:xfrm>
-          <a:prstGeom prst="rect">
-            <a:avLst/>
-          </a:prstGeom>
-          <a:noFill/>
-          <a:extLst>
-            <a:ext uri="{909E8E84-426E-40DD-AFC4-6F175D3DCCD1}">
-              <a14:hiddenFill xmlns:a14="http://schemas.microsoft.com/office/drawing/2010/main">
-                <a:solidFill>
-                  <a:srgbClr val="FFFFFF"/>
-                </a:solidFill>
-              </a14:hiddenFill>
-            </a:ext>
-          </a:extLst>
-        </p:spPr>
-      </p:pic>
-      <p:sp>
-        <p:nvSpPr>
-          <p:cNvPr id="76" name="ZoneTexte 75">
-            <a:extLst>
-              <a:ext uri="{FF2B5EF4-FFF2-40B4-BE49-F238E27FC236}">
-                <a16:creationId xmlns:a16="http://schemas.microsoft.com/office/drawing/2014/main" id="{827C32F7-EAB8-F143-B412-CBD04F7209BF}"/>
-              </a:ext>
-            </a:extLst>
-          </p:cNvPr>
-          <p:cNvSpPr txBox="1"/>
-          <p:nvPr/>
-        </p:nvSpPr>
-        <p:spPr>
-          <a:xfrm>
-            <a:off x="68068" y="6475487"/>
-            <a:ext cx="4030964" cy="338554"/>
-          </a:xfrm>
-          <a:prstGeom prst="rect">
-            <a:avLst/>
-          </a:prstGeom>
-          <a:noFill/>
-        </p:spPr>
-        <p:txBody>
-          <a:bodyPr wrap="square" rtlCol="0">
-            <a:spAutoFit/>
-          </a:bodyPr>
-          <a:lstStyle/>
-          <a:p>
-            <a:r>
-              <a:rPr lang="fr-FR" sz="1600" noProof="1">
-                <a:solidFill>
-                  <a:schemeClr val="bg1">
-                    <a:lumMod val="65000"/>
-                  </a:schemeClr>
-                </a:solidFill>
-              </a:rPr>
-              <a:t>T. ARNOLD</a:t>
-            </a:r>
-          </a:p>
-        </p:txBody>
-      </p:sp>
-      <p:sp>
-        <p:nvSpPr>
-          <p:cNvPr id="35" name="ZoneTexte 34">
-            <a:extLst>
-              <a:ext uri="{FF2B5EF4-FFF2-40B4-BE49-F238E27FC236}">
-                <a16:creationId xmlns:a16="http://schemas.microsoft.com/office/drawing/2014/main" id="{083121EA-22BA-0B48-B415-49DA1E741FA9}"/>
-              </a:ext>
-            </a:extLst>
-          </p:cNvPr>
-          <p:cNvSpPr txBox="1"/>
-          <p:nvPr/>
-        </p:nvSpPr>
-        <p:spPr>
-          <a:xfrm>
-            <a:off x="1111589" y="1545256"/>
-            <a:ext cx="10361953" cy="3416320"/>
-          </a:xfrm>
-          <a:prstGeom prst="rect">
-            <a:avLst/>
-          </a:prstGeom>
-          <a:noFill/>
-        </p:spPr>
-        <p:txBody>
-          <a:bodyPr wrap="square" rtlCol="0">
-            <a:spAutoFit/>
-          </a:bodyPr>
-          <a:lstStyle/>
-          <a:p>
-            <a:r>
-              <a:rPr lang="fr-FR" sz="2400" dirty="0"/>
-              <a:t>The </a:t>
-            </a:r>
-            <a:r>
-              <a:rPr lang="fr-FR" sz="2400" dirty="0" err="1"/>
-              <a:t>projects</a:t>
-            </a:r>
-            <a:r>
-              <a:rPr lang="fr-FR" sz="2400" dirty="0"/>
-              <a:t> </a:t>
-            </a:r>
-            <a:r>
-              <a:rPr lang="fr-FR" sz="2400" dirty="0" err="1"/>
-              <a:t>take</a:t>
-            </a:r>
-            <a:r>
-              <a:rPr lang="fr-FR" sz="2400" dirty="0"/>
-              <a:t> the </a:t>
-            </a:r>
-            <a:r>
-              <a:rPr lang="fr-FR" sz="2400" dirty="0" err="1"/>
-              <a:t>form</a:t>
-            </a:r>
-            <a:r>
-              <a:rPr lang="fr-FR" sz="2400" dirty="0"/>
-              <a:t> of a short </a:t>
-            </a:r>
-            <a:r>
-              <a:rPr lang="fr-FR" sz="2400" dirty="0" err="1"/>
-              <a:t>presentation</a:t>
-            </a:r>
-            <a:r>
-              <a:rPr lang="fr-FR" sz="2400" dirty="0"/>
-              <a:t>. </a:t>
-            </a:r>
-            <a:r>
-              <a:rPr lang="fr-FR" sz="2400" dirty="0" err="1"/>
-              <a:t>Rather</a:t>
-            </a:r>
-            <a:r>
-              <a:rPr lang="fr-FR" sz="2400" dirty="0"/>
-              <a:t> </a:t>
-            </a:r>
-            <a:r>
-              <a:rPr lang="fr-FR" sz="2400" dirty="0" err="1"/>
-              <a:t>than</a:t>
-            </a:r>
-            <a:r>
-              <a:rPr lang="fr-FR" sz="2400" dirty="0"/>
-              <a:t> a </a:t>
-            </a:r>
-            <a:r>
-              <a:rPr lang="fr-FR" sz="2400" dirty="0" err="1"/>
-              <a:t>textual</a:t>
-            </a:r>
-            <a:r>
-              <a:rPr lang="fr-FR" sz="2400" dirty="0"/>
-              <a:t> </a:t>
-            </a:r>
-            <a:r>
-              <a:rPr lang="fr-FR" sz="2400" dirty="0" err="1"/>
-              <a:t>write</a:t>
-            </a:r>
-            <a:r>
-              <a:rPr lang="fr-FR" sz="2400" dirty="0"/>
-              <a:t>-up, I </a:t>
-            </a:r>
-            <a:r>
-              <a:rPr lang="fr-FR" sz="2400" dirty="0" err="1"/>
-              <a:t>want</a:t>
-            </a:r>
-            <a:r>
-              <a:rPr lang="fr-FR" sz="2400" dirty="0"/>
-              <a:t> </a:t>
-            </a:r>
-            <a:r>
-              <a:rPr lang="fr-FR" sz="2400" dirty="0" err="1"/>
-              <a:t>you</a:t>
-            </a:r>
-            <a:r>
-              <a:rPr lang="fr-FR" sz="2400" dirty="0"/>
-              <a:t> to focus on </a:t>
-            </a:r>
-            <a:r>
-              <a:rPr lang="fr-FR" sz="2400" dirty="0" err="1"/>
-              <a:t>producing</a:t>
-            </a:r>
-            <a:r>
-              <a:rPr lang="fr-FR" sz="2400" dirty="0"/>
-              <a:t> clean, </a:t>
-            </a:r>
-            <a:r>
-              <a:rPr lang="fr-FR" sz="2400" dirty="0" err="1"/>
-              <a:t>professional</a:t>
-            </a:r>
-            <a:r>
-              <a:rPr lang="fr-FR" sz="2400" dirty="0"/>
-              <a:t> slides for the </a:t>
-            </a:r>
-            <a:r>
-              <a:rPr lang="fr-FR" sz="2400" dirty="0" err="1"/>
-              <a:t>presentation</a:t>
-            </a:r>
-            <a:r>
-              <a:rPr lang="fr-FR" sz="2400" dirty="0"/>
-              <a:t>.</a:t>
-            </a:r>
-          </a:p>
-          <a:p>
-            <a:br>
-              <a:rPr lang="fr-FR" sz="2400" dirty="0"/>
-            </a:br>
-            <a:r>
-              <a:rPr lang="fr-FR" sz="2400" dirty="0" err="1"/>
-              <a:t>Here</a:t>
-            </a:r>
-            <a:r>
-              <a:rPr lang="fr-FR" sz="2400" dirty="0"/>
-              <a:t> are the </a:t>
-            </a:r>
-            <a:r>
-              <a:rPr lang="fr-FR" sz="2400" dirty="0" err="1"/>
-              <a:t>planned</a:t>
-            </a:r>
-            <a:r>
-              <a:rPr lang="fr-FR" sz="2400" dirty="0"/>
-              <a:t> topics:</a:t>
-            </a:r>
-          </a:p>
-          <a:p>
-            <a:br>
-              <a:rPr lang="fr-FR" sz="2400" dirty="0"/>
-            </a:br>
-            <a:r>
-              <a:rPr lang="fr-FR" sz="2400" dirty="0"/>
-              <a:t>  - </a:t>
-            </a:r>
-            <a:r>
-              <a:rPr lang="fr-FR" sz="2400" b="1" dirty="0" err="1"/>
-              <a:t>IMDb</a:t>
-            </a:r>
-            <a:r>
-              <a:rPr lang="fr-FR" sz="2400" b="1" dirty="0"/>
-              <a:t> </a:t>
-            </a:r>
-            <a:r>
-              <a:rPr lang="fr-FR" sz="2400" b="1" dirty="0" err="1"/>
-              <a:t>movie</a:t>
-            </a:r>
-            <a:r>
-              <a:rPr lang="fr-FR" sz="2400" b="1" dirty="0"/>
-              <a:t> </a:t>
-            </a:r>
-            <a:r>
-              <a:rPr lang="fr-FR" sz="2400" b="1" dirty="0" err="1"/>
-              <a:t>reviews</a:t>
-            </a:r>
-            <a:r>
-              <a:rPr lang="fr-FR" sz="2400" dirty="0"/>
-              <a:t>: </a:t>
-            </a:r>
-            <a:r>
-              <a:rPr lang="fr-FR" sz="2400" dirty="0" err="1"/>
-              <a:t>predicting</a:t>
-            </a:r>
-            <a:r>
-              <a:rPr lang="fr-FR" sz="2400" dirty="0"/>
-              <a:t> how </a:t>
-            </a:r>
-            <a:r>
-              <a:rPr lang="fr-FR" sz="2400" dirty="0" err="1"/>
-              <a:t>many</a:t>
-            </a:r>
-            <a:r>
-              <a:rPr lang="fr-FR" sz="2400" dirty="0"/>
-              <a:t> stars a </a:t>
-            </a:r>
-            <a:r>
-              <a:rPr lang="fr-FR" sz="2400" dirty="0" err="1"/>
-              <a:t>movie</a:t>
-            </a:r>
-            <a:r>
-              <a:rPr lang="fr-FR" sz="2400" dirty="0"/>
-              <a:t> </a:t>
-            </a:r>
-            <a:r>
-              <a:rPr lang="fr-FR" sz="2400" dirty="0" err="1"/>
-              <a:t>review</a:t>
-            </a:r>
-            <a:r>
-              <a:rPr lang="fr-FR" sz="2400" dirty="0"/>
-              <a:t> </a:t>
-            </a:r>
-            <a:r>
-              <a:rPr lang="fr-FR" sz="2400" dirty="0" err="1"/>
-              <a:t>gives</a:t>
-            </a:r>
-            <a:endParaRPr lang="fr-FR" sz="2400" dirty="0"/>
-          </a:p>
-          <a:p>
-            <a:r>
-              <a:rPr lang="fr-FR" sz="2400" dirty="0"/>
-              <a:t>  - </a:t>
-            </a:r>
-            <a:r>
-              <a:rPr lang="fr-FR" sz="2400" b="1" dirty="0"/>
-              <a:t>Amazon </a:t>
-            </a:r>
-            <a:r>
-              <a:rPr lang="fr-FR" sz="2400" b="1" dirty="0" err="1"/>
-              <a:t>product</a:t>
-            </a:r>
-            <a:r>
-              <a:rPr lang="fr-FR" sz="2400" b="1" dirty="0"/>
-              <a:t> </a:t>
-            </a:r>
-            <a:r>
-              <a:rPr lang="fr-FR" sz="2400" b="1" dirty="0" err="1"/>
-              <a:t>reviews</a:t>
-            </a:r>
-            <a:r>
-              <a:rPr lang="fr-FR" sz="2400" dirty="0"/>
-              <a:t>: </a:t>
-            </a:r>
-            <a:r>
-              <a:rPr lang="fr-FR" sz="2400" dirty="0" err="1"/>
-              <a:t>predict</a:t>
-            </a:r>
-            <a:r>
-              <a:rPr lang="fr-FR" sz="2400" dirty="0"/>
-              <a:t> the </a:t>
-            </a:r>
-            <a:r>
-              <a:rPr lang="fr-FR" sz="2400" dirty="0" err="1"/>
-              <a:t>author</a:t>
-            </a:r>
-            <a:r>
-              <a:rPr lang="fr-FR" sz="2400" dirty="0"/>
-              <a:t> of a </a:t>
-            </a:r>
-            <a:r>
-              <a:rPr lang="fr-FR" sz="2400" dirty="0" err="1"/>
-              <a:t>review</a:t>
-            </a:r>
-            <a:endParaRPr lang="fr-FR" sz="2400" dirty="0"/>
-          </a:p>
-          <a:p>
-            <a:r>
-              <a:rPr lang="fr-FR" sz="2400" dirty="0"/>
-              <a:t>  - </a:t>
-            </a:r>
-            <a:r>
-              <a:rPr lang="fr-FR" sz="2400" b="1" dirty="0" err="1"/>
-              <a:t>Yelp</a:t>
-            </a:r>
-            <a:r>
-              <a:rPr lang="fr-FR" sz="2400" b="1" dirty="0"/>
-              <a:t> </a:t>
-            </a:r>
-            <a:r>
-              <a:rPr lang="fr-FR" sz="2400" b="1" dirty="0" err="1"/>
-              <a:t>reviews</a:t>
-            </a:r>
-            <a:r>
-              <a:rPr lang="fr-FR" sz="2400" dirty="0"/>
-              <a:t>: </a:t>
-            </a:r>
-            <a:r>
-              <a:rPr lang="fr-FR" sz="2400" dirty="0" err="1"/>
-              <a:t>predict</a:t>
-            </a:r>
-            <a:r>
-              <a:rPr lang="fr-FR" sz="2400" dirty="0"/>
-              <a:t> </a:t>
-            </a:r>
-            <a:r>
-              <a:rPr lang="fr-FR" sz="2400" dirty="0" err="1"/>
-              <a:t>author</a:t>
-            </a:r>
-            <a:r>
-              <a:rPr lang="fr-FR" sz="2400" dirty="0"/>
-              <a:t> of the </a:t>
-            </a:r>
-            <a:r>
-              <a:rPr lang="fr-FR" sz="2400" dirty="0" err="1"/>
-              <a:t>review</a:t>
-            </a:r>
-            <a:r>
-              <a:rPr lang="fr-FR" sz="2400" dirty="0"/>
-              <a:t> and cluster the corpus </a:t>
-            </a:r>
-            <a:r>
-              <a:rPr lang="fr-FR" sz="2400" dirty="0" err="1"/>
-              <a:t>authors</a:t>
-            </a:r>
-            <a:endParaRPr lang="fr-FR" sz="2400" dirty="0"/>
-          </a:p>
-          <a:p>
-            <a:r>
-              <a:rPr lang="fr-FR" sz="2400" dirty="0"/>
-              <a:t>  - </a:t>
-            </a:r>
-            <a:r>
-              <a:rPr lang="fr-FR" sz="2400" b="1" dirty="0" err="1"/>
-              <a:t>Wikipedia</a:t>
-            </a:r>
-            <a:r>
-              <a:rPr lang="fr-FR" sz="2400" dirty="0"/>
-              <a:t>: </a:t>
-            </a:r>
-            <a:r>
-              <a:rPr lang="fr-FR" sz="2400" dirty="0" err="1"/>
-              <a:t>detect</a:t>
-            </a:r>
-            <a:r>
-              <a:rPr lang="fr-FR" sz="2400" dirty="0"/>
-              <a:t> </a:t>
-            </a:r>
-            <a:r>
-              <a:rPr lang="fr-FR" sz="2400" dirty="0" err="1"/>
-              <a:t>themes</a:t>
-            </a:r>
-            <a:r>
-              <a:rPr lang="fr-FR" sz="2400" dirty="0"/>
-              <a:t> in a </a:t>
-            </a:r>
-            <a:r>
-              <a:rPr lang="fr-FR" sz="2400" dirty="0" err="1"/>
-              <a:t>subset</a:t>
-            </a:r>
-            <a:r>
-              <a:rPr lang="fr-FR" sz="2400" dirty="0"/>
-              <a:t> of </a:t>
-            </a:r>
-            <a:r>
-              <a:rPr lang="fr-FR" sz="2400" dirty="0" err="1"/>
-              <a:t>Wikipedia</a:t>
-            </a:r>
-            <a:r>
-              <a:rPr lang="fr-FR" sz="2400" dirty="0"/>
-              <a:t> articles</a:t>
-            </a:r>
-          </a:p>
-        </p:txBody>
-      </p:sp>
-    </p:spTree>
-    <p:extLst>
-      <p:ext uri="{BB962C8B-B14F-4D97-AF65-F5344CB8AC3E}">
-        <p14:creationId xmlns:p14="http://schemas.microsoft.com/office/powerpoint/2010/main" val="1547585162"/>
-      </p:ext>
-    </p:extLst>
-  </p:cSld>
-  <p:clrMapOvr>
-    <a:masterClrMapping/>
-  </p:clrMapOvr>
-</p:sld>
-</file>
-
-<file path=ppt/slides/slide21.xml><?xml version="1.0" encoding="utf-8"?>
-<p:sld xmlns:a="http://schemas.openxmlformats.org/drawingml/2006/main" xmlns:r="http://schemas.openxmlformats.org/officeDocument/2006/relationships" xmlns:p="http://schemas.openxmlformats.org/presentationml/2006/main">
-  <p:cSld>
-    <p:spTree>
-      <p:nvGrpSpPr>
-        <p:cNvPr id="1" name=""/>
-        <p:cNvGrpSpPr/>
-        <p:nvPr/>
-      </p:nvGrpSpPr>
-      <p:grpSpPr>
-        <a:xfrm>
-          <a:off x="0" y="0"/>
-          <a:ext cx="0" cy="0"/>
-          <a:chOff x="0" y="0"/>
-          <a:chExt cx="0" cy="0"/>
-        </a:xfrm>
-      </p:grpSpPr>
-      <p:sp>
-        <p:nvSpPr>
-          <p:cNvPr id="72" name="ZoneTexte 71">
-            <a:extLst>
-              <a:ext uri="{FF2B5EF4-FFF2-40B4-BE49-F238E27FC236}">
-                <a16:creationId xmlns:a16="http://schemas.microsoft.com/office/drawing/2014/main" id="{3890A706-5F2B-E84E-A26A-A267907CC130}"/>
-              </a:ext>
-            </a:extLst>
-          </p:cNvPr>
-          <p:cNvSpPr txBox="1"/>
-          <p:nvPr/>
-        </p:nvSpPr>
-        <p:spPr>
-          <a:xfrm>
-            <a:off x="2412449" y="187151"/>
-            <a:ext cx="7367101" cy="830997"/>
-          </a:xfrm>
-          <a:prstGeom prst="rect">
-            <a:avLst/>
-          </a:prstGeom>
-          <a:noFill/>
-        </p:spPr>
-        <p:txBody>
-          <a:bodyPr wrap="square" rtlCol="0">
-            <a:spAutoFit/>
-          </a:bodyPr>
-          <a:lstStyle/>
-          <a:p>
-            <a:pPr algn="ctr"/>
-            <a:r>
-              <a:rPr lang="fr-FR" sz="4800" b="1" u="sng" noProof="1"/>
-              <a:t>First Two Weeks</a:t>
-            </a:r>
-          </a:p>
-        </p:txBody>
-      </p:sp>
-      <p:pic>
-        <p:nvPicPr>
-          <p:cNvPr id="1026" name="Picture 2">
-            <a:extLst>
-              <a:ext uri="{FF2B5EF4-FFF2-40B4-BE49-F238E27FC236}">
-                <a16:creationId xmlns:a16="http://schemas.microsoft.com/office/drawing/2014/main" id="{ECEC78D4-0EC8-6148-B750-42F18BFCA56C}"/>
-              </a:ext>
-            </a:extLst>
-          </p:cNvPr>
-          <p:cNvPicPr>
-            <a:picLocks noChangeAspect="1" noChangeArrowheads="1"/>
-          </p:cNvPicPr>
-          <p:nvPr/>
-        </p:nvPicPr>
-        <p:blipFill>
-          <a:blip r:embed="rId2">
-            <a:extLst>
-              <a:ext uri="{28A0092B-C50C-407E-A947-70E740481C1C}">
-                <a14:useLocalDpi xmlns:a14="http://schemas.microsoft.com/office/drawing/2010/main" val="0"/>
-              </a:ext>
-            </a:extLst>
-          </a:blip>
-          <a:srcRect/>
-          <a:stretch>
-            <a:fillRect/>
-          </a:stretch>
-        </p:blipFill>
-        <p:spPr bwMode="auto">
-          <a:xfrm>
-            <a:off x="11267345" y="6475487"/>
-            <a:ext cx="856587" cy="299700"/>
-          </a:xfrm>
-          <a:prstGeom prst="rect">
-            <a:avLst/>
-          </a:prstGeom>
-          <a:noFill/>
-          <a:extLst>
-            <a:ext uri="{909E8E84-426E-40DD-AFC4-6F175D3DCCD1}">
-              <a14:hiddenFill xmlns:a14="http://schemas.microsoft.com/office/drawing/2010/main">
-                <a:solidFill>
-                  <a:srgbClr val="FFFFFF"/>
-                </a:solidFill>
-              </a14:hiddenFill>
-            </a:ext>
-          </a:extLst>
-        </p:spPr>
-      </p:pic>
-      <p:sp>
-        <p:nvSpPr>
-          <p:cNvPr id="76" name="ZoneTexte 75">
-            <a:extLst>
-              <a:ext uri="{FF2B5EF4-FFF2-40B4-BE49-F238E27FC236}">
-                <a16:creationId xmlns:a16="http://schemas.microsoft.com/office/drawing/2014/main" id="{827C32F7-EAB8-F143-B412-CBD04F7209BF}"/>
-              </a:ext>
-            </a:extLst>
-          </p:cNvPr>
-          <p:cNvSpPr txBox="1"/>
-          <p:nvPr/>
-        </p:nvSpPr>
-        <p:spPr>
-          <a:xfrm>
-            <a:off x="68068" y="6475487"/>
-            <a:ext cx="4030964" cy="338554"/>
-          </a:xfrm>
-          <a:prstGeom prst="rect">
-            <a:avLst/>
-          </a:prstGeom>
-          <a:noFill/>
-        </p:spPr>
-        <p:txBody>
-          <a:bodyPr wrap="square" rtlCol="0">
-            <a:spAutoFit/>
-          </a:bodyPr>
-          <a:lstStyle/>
-          <a:p>
-            <a:r>
-              <a:rPr lang="fr-FR" sz="1600" noProof="1">
-                <a:solidFill>
-                  <a:schemeClr val="bg1">
-                    <a:lumMod val="65000"/>
-                  </a:schemeClr>
-                </a:solidFill>
-              </a:rPr>
-              <a:t>T. ARNOLD</a:t>
-            </a:r>
-          </a:p>
-        </p:txBody>
-      </p:sp>
-      <p:sp>
-        <p:nvSpPr>
-          <p:cNvPr id="35" name="ZoneTexte 34">
-            <a:extLst>
-              <a:ext uri="{FF2B5EF4-FFF2-40B4-BE49-F238E27FC236}">
-                <a16:creationId xmlns:a16="http://schemas.microsoft.com/office/drawing/2014/main" id="{083121EA-22BA-0B48-B415-49DA1E741FA9}"/>
-              </a:ext>
-            </a:extLst>
-          </p:cNvPr>
-          <p:cNvSpPr txBox="1"/>
-          <p:nvPr/>
-        </p:nvSpPr>
-        <p:spPr>
-          <a:xfrm>
-            <a:off x="671641" y="1310457"/>
-            <a:ext cx="10361953" cy="2308324"/>
-          </a:xfrm>
-          <a:prstGeom prst="rect">
-            <a:avLst/>
-          </a:prstGeom>
-          <a:noFill/>
-        </p:spPr>
-        <p:txBody>
-          <a:bodyPr wrap="square" rtlCol="0">
-            <a:spAutoFit/>
-          </a:bodyPr>
-          <a:lstStyle/>
-          <a:p>
-            <a:r>
-              <a:rPr lang="fr-FR" sz="2400" dirty="0"/>
-              <a:t>The content </a:t>
-            </a:r>
-            <a:r>
-              <a:rPr lang="fr-FR" sz="2400" dirty="0" err="1"/>
-              <a:t>next</a:t>
-            </a:r>
-            <a:r>
-              <a:rPr lang="fr-FR" sz="2400" dirty="0"/>
-              <a:t> </a:t>
-            </a:r>
-            <a:r>
-              <a:rPr lang="fr-FR" sz="2400" dirty="0" err="1"/>
-              <a:t>two</a:t>
-            </a:r>
-            <a:r>
-              <a:rPr lang="fr-FR" sz="2400" dirty="0"/>
-              <a:t> classes (</a:t>
-            </a:r>
-            <a:r>
-              <a:rPr lang="fr-FR" sz="2400" dirty="0" err="1"/>
-              <a:t>remember</a:t>
-            </a:r>
-            <a:r>
-              <a:rPr lang="fr-FR" sz="2400" dirty="0"/>
-              <a:t> </a:t>
-            </a:r>
-            <a:r>
-              <a:rPr lang="fr-FR" sz="2400" dirty="0" err="1"/>
-              <a:t>that</a:t>
-            </a:r>
-            <a:r>
-              <a:rPr lang="fr-FR" sz="2400" dirty="0"/>
-              <a:t> </a:t>
-            </a:r>
-            <a:r>
-              <a:rPr lang="fr-FR" sz="2400" dirty="0" err="1"/>
-              <a:t>we</a:t>
-            </a:r>
-            <a:r>
-              <a:rPr lang="fr-FR" sz="2400" dirty="0"/>
-              <a:t> </a:t>
-            </a:r>
-            <a:r>
-              <a:rPr lang="fr-FR" sz="2400" dirty="0" err="1"/>
-              <a:t>don’t</a:t>
-            </a:r>
-            <a:r>
-              <a:rPr lang="fr-FR" sz="2400" dirty="0"/>
-              <a:t> have class on MLK </a:t>
-            </a:r>
-            <a:r>
-              <a:rPr lang="fr-FR" sz="2400" dirty="0" err="1"/>
-              <a:t>day</a:t>
-            </a:r>
-            <a:r>
-              <a:rPr lang="fr-FR" sz="2400" dirty="0"/>
-              <a:t>) </a:t>
-            </a:r>
-            <a:r>
-              <a:rPr lang="fr-FR" sz="2400" dirty="0" err="1"/>
-              <a:t>will</a:t>
-            </a:r>
-            <a:r>
-              <a:rPr lang="fr-FR" sz="2400" dirty="0"/>
-              <a:t> </a:t>
-            </a:r>
-            <a:r>
-              <a:rPr lang="fr-FR" sz="2400" dirty="0" err="1"/>
-              <a:t>be</a:t>
-            </a:r>
-            <a:r>
-              <a:rPr lang="fr-FR" sz="2400" dirty="0"/>
-              <a:t> a bit </a:t>
-            </a:r>
-            <a:r>
-              <a:rPr lang="fr-FR" sz="2400" dirty="0" err="1"/>
-              <a:t>different</a:t>
-            </a:r>
-            <a:r>
-              <a:rPr lang="fr-FR" sz="2400" dirty="0"/>
-              <a:t>. </a:t>
-            </a:r>
-            <a:r>
-              <a:rPr lang="fr-FR" sz="2400" dirty="0" err="1"/>
-              <a:t>You’ll</a:t>
-            </a:r>
-            <a:r>
-              <a:rPr lang="fr-FR" sz="2400" dirty="0"/>
-              <a:t> </a:t>
-            </a:r>
-            <a:r>
-              <a:rPr lang="fr-FR" sz="2400" dirty="0" err="1"/>
-              <a:t>be</a:t>
-            </a:r>
-            <a:r>
-              <a:rPr lang="fr-FR" sz="2400" dirty="0"/>
-              <a:t> </a:t>
-            </a:r>
-            <a:r>
-              <a:rPr lang="fr-FR" sz="2400" dirty="0" err="1"/>
-              <a:t>getting</a:t>
-            </a:r>
-            <a:r>
-              <a:rPr lang="fr-FR" sz="2400" dirty="0"/>
-              <a:t> a crash course in the </a:t>
-            </a:r>
-            <a:r>
-              <a:rPr lang="fr-FR" sz="2400" dirty="0" err="1"/>
-              <a:t>language</a:t>
-            </a:r>
-            <a:r>
-              <a:rPr lang="fr-FR" sz="2400" dirty="0"/>
-              <a:t> of machine </a:t>
-            </a:r>
-            <a:r>
-              <a:rPr lang="fr-FR" sz="2400" dirty="0" err="1"/>
-              <a:t>learning</a:t>
-            </a:r>
-            <a:r>
-              <a:rPr lang="fr-FR" sz="2400" dirty="0"/>
-              <a:t> and </a:t>
-            </a:r>
-            <a:r>
-              <a:rPr lang="fr-FR" sz="2400" dirty="0" err="1"/>
-              <a:t>we</a:t>
-            </a:r>
-            <a:r>
-              <a:rPr lang="fr-FR" sz="2400" dirty="0"/>
-              <a:t> </a:t>
-            </a:r>
-            <a:r>
-              <a:rPr lang="fr-FR" sz="2400" dirty="0" err="1"/>
-              <a:t>won’t</a:t>
-            </a:r>
-            <a:r>
-              <a:rPr lang="fr-FR" sz="2400" dirty="0"/>
-              <a:t> </a:t>
-            </a:r>
-            <a:r>
-              <a:rPr lang="fr-FR" sz="2400" dirty="0" err="1"/>
-              <a:t>be</a:t>
-            </a:r>
-            <a:r>
-              <a:rPr lang="fr-FR" sz="2400" dirty="0"/>
-              <a:t> </a:t>
-            </a:r>
-            <a:r>
-              <a:rPr lang="fr-FR" sz="2400" dirty="0" err="1"/>
-              <a:t>doing</a:t>
-            </a:r>
-            <a:r>
-              <a:rPr lang="fr-FR" sz="2400" dirty="0"/>
-              <a:t> </a:t>
-            </a:r>
-            <a:r>
-              <a:rPr lang="fr-FR" sz="2400" dirty="0" err="1"/>
-              <a:t>any</a:t>
-            </a:r>
-            <a:r>
-              <a:rPr lang="fr-FR" sz="2400" dirty="0"/>
-              <a:t> </a:t>
-            </a:r>
-            <a:r>
-              <a:rPr lang="fr-FR" sz="2400" dirty="0" err="1"/>
-              <a:t>computing</a:t>
-            </a:r>
-            <a:r>
-              <a:rPr lang="fr-FR" sz="2400" dirty="0"/>
-              <a:t>. </a:t>
-            </a:r>
-            <a:r>
-              <a:rPr lang="fr-FR" sz="2400" dirty="0" err="1"/>
-              <a:t>Because</a:t>
-            </a:r>
-            <a:r>
-              <a:rPr lang="fr-FR" sz="2400" dirty="0"/>
-              <a:t> of the dense nature of the </a:t>
-            </a:r>
-            <a:r>
-              <a:rPr lang="fr-FR" sz="2400" dirty="0" err="1"/>
-              <a:t>material</a:t>
-            </a:r>
-            <a:r>
-              <a:rPr lang="fr-FR" sz="2400" dirty="0"/>
-              <a:t>, I have </a:t>
-            </a:r>
-            <a:r>
-              <a:rPr lang="fr-FR" sz="2400" dirty="0" err="1"/>
-              <a:t>prepared</a:t>
-            </a:r>
-            <a:r>
-              <a:rPr lang="fr-FR" sz="2400" dirty="0"/>
-              <a:t> </a:t>
-            </a:r>
-            <a:r>
-              <a:rPr lang="fr-FR" sz="2400" dirty="0" err="1"/>
-              <a:t>video</a:t>
-            </a:r>
-            <a:r>
-              <a:rPr lang="fr-FR" sz="2400" dirty="0"/>
-              <a:t> notes in addition to the standard slides </a:t>
-            </a:r>
-            <a:r>
-              <a:rPr lang="fr-FR" sz="2400" dirty="0" err="1"/>
-              <a:t>that</a:t>
-            </a:r>
-            <a:r>
-              <a:rPr lang="fr-FR" sz="2400" dirty="0"/>
-              <a:t> </a:t>
-            </a:r>
-            <a:r>
-              <a:rPr lang="fr-FR" sz="2400" dirty="0" err="1"/>
-              <a:t>you</a:t>
-            </a:r>
-            <a:r>
-              <a:rPr lang="fr-FR" sz="2400" dirty="0"/>
-              <a:t> can </a:t>
-            </a:r>
-            <a:r>
-              <a:rPr lang="fr-FR" sz="2400" dirty="0" err="1"/>
-              <a:t>watch</a:t>
-            </a:r>
-            <a:r>
-              <a:rPr lang="fr-FR" sz="2400" dirty="0"/>
-              <a:t>, pause, and re-</a:t>
-            </a:r>
-            <a:r>
-              <a:rPr lang="fr-FR" sz="2400" dirty="0" err="1"/>
-              <a:t>watch</a:t>
-            </a:r>
-            <a:r>
-              <a:rPr lang="fr-FR" sz="2400" dirty="0"/>
-              <a:t>. In class </a:t>
-            </a:r>
-            <a:r>
-              <a:rPr lang="fr-FR" sz="2400" dirty="0" err="1"/>
-              <a:t>we’ll</a:t>
-            </a:r>
-            <a:r>
-              <a:rPr lang="fr-FR" sz="2400" dirty="0"/>
-              <a:t> </a:t>
-            </a:r>
-            <a:r>
-              <a:rPr lang="fr-FR" sz="2400" dirty="0" err="1"/>
-              <a:t>work</a:t>
-            </a:r>
-            <a:r>
-              <a:rPr lang="fr-FR" sz="2400" dirty="0"/>
-              <a:t> on </a:t>
-            </a:r>
-            <a:r>
-              <a:rPr lang="fr-FR" sz="2400" dirty="0" err="1"/>
-              <a:t>pen</a:t>
-            </a:r>
-            <a:r>
-              <a:rPr lang="fr-FR" sz="2400" dirty="0"/>
-              <a:t> and </a:t>
-            </a:r>
-            <a:r>
-              <a:rPr lang="fr-FR" sz="2400" dirty="0" err="1"/>
-              <a:t>paper</a:t>
-            </a:r>
-            <a:r>
-              <a:rPr lang="fr-FR" sz="2400" dirty="0"/>
-              <a:t> </a:t>
-            </a:r>
-            <a:r>
-              <a:rPr lang="fr-FR" sz="2400" dirty="0" err="1"/>
-              <a:t>handouts</a:t>
-            </a:r>
-            <a:r>
-              <a:rPr lang="fr-FR" sz="2400" dirty="0"/>
-              <a:t> </a:t>
-            </a:r>
-            <a:r>
-              <a:rPr lang="fr-FR" sz="2400" dirty="0" err="1"/>
-              <a:t>instead</a:t>
-            </a:r>
-            <a:r>
-              <a:rPr lang="fr-FR" sz="2400" dirty="0"/>
-              <a:t> of R notebooks.</a:t>
-            </a:r>
-          </a:p>
-        </p:txBody>
-      </p:sp>
-      <p:sp>
-        <p:nvSpPr>
-          <p:cNvPr id="2" name="ZoneTexte 34">
-            <a:extLst>
-              <a:ext uri="{FF2B5EF4-FFF2-40B4-BE49-F238E27FC236}">
-                <a16:creationId xmlns:a16="http://schemas.microsoft.com/office/drawing/2014/main" id="{16CDE267-3A51-77B8-7469-CE2282265555}"/>
-              </a:ext>
-            </a:extLst>
-          </p:cNvPr>
-          <p:cNvSpPr txBox="1"/>
-          <p:nvPr/>
-        </p:nvSpPr>
-        <p:spPr>
-          <a:xfrm>
-            <a:off x="2424983" y="4452335"/>
-            <a:ext cx="9409229" cy="1569660"/>
-          </a:xfrm>
-          <a:prstGeom prst="rect">
-            <a:avLst/>
-          </a:prstGeom>
-          <a:noFill/>
-        </p:spPr>
-        <p:txBody>
-          <a:bodyPr wrap="square" rtlCol="0">
-            <a:spAutoFit/>
-          </a:bodyPr>
-          <a:lstStyle/>
-          <a:p>
-            <a:pPr algn="r"/>
-            <a:r>
-              <a:rPr lang="fr-FR" sz="2400" dirty="0"/>
-              <a:t>The </a:t>
-            </a:r>
-            <a:r>
-              <a:rPr lang="fr-FR" sz="2400" dirty="0" err="1"/>
-              <a:t>material</a:t>
-            </a:r>
-            <a:r>
-              <a:rPr lang="fr-FR" sz="2400" dirty="0"/>
-              <a:t> </a:t>
-            </a:r>
-            <a:r>
-              <a:rPr lang="fr-FR" sz="2400" dirty="0" err="1"/>
-              <a:t>will</a:t>
-            </a:r>
-            <a:r>
-              <a:rPr lang="fr-FR" sz="2400" dirty="0"/>
-              <a:t> </a:t>
-            </a:r>
-            <a:r>
-              <a:rPr lang="fr-FR" sz="2400" dirty="0" err="1"/>
-              <a:t>be</a:t>
-            </a:r>
-            <a:r>
-              <a:rPr lang="fr-FR" sz="2400" dirty="0"/>
-              <a:t> more </a:t>
-            </a:r>
-            <a:r>
-              <a:rPr lang="fr-FR" sz="2400" dirty="0" err="1"/>
-              <a:t>mathematical</a:t>
-            </a:r>
-            <a:r>
-              <a:rPr lang="fr-FR" sz="2400" dirty="0"/>
-              <a:t> </a:t>
-            </a:r>
-            <a:r>
-              <a:rPr lang="fr-FR" sz="2400" dirty="0" err="1"/>
-              <a:t>than</a:t>
-            </a:r>
-            <a:r>
-              <a:rPr lang="fr-FR" sz="2400" dirty="0"/>
-              <a:t> </a:t>
-            </a:r>
-            <a:r>
-              <a:rPr lang="fr-FR" sz="2400" dirty="0" err="1"/>
-              <a:t>what</a:t>
-            </a:r>
-            <a:r>
-              <a:rPr lang="fr-FR" sz="2400" dirty="0"/>
-              <a:t> I </a:t>
-            </a:r>
-            <a:r>
-              <a:rPr lang="fr-FR" sz="2400" dirty="0" err="1"/>
-              <a:t>normally</a:t>
-            </a:r>
-            <a:r>
-              <a:rPr lang="fr-FR" sz="2400" dirty="0"/>
-              <a:t> </a:t>
-            </a:r>
-            <a:r>
-              <a:rPr lang="fr-FR" sz="2400" dirty="0" err="1"/>
-              <a:t>teach</a:t>
-            </a:r>
-            <a:r>
-              <a:rPr lang="fr-FR" sz="2400" dirty="0"/>
-              <a:t> and </a:t>
-            </a:r>
-            <a:r>
-              <a:rPr lang="fr-FR" sz="2400" dirty="0" err="1"/>
-              <a:t>may</a:t>
-            </a:r>
-            <a:r>
-              <a:rPr lang="fr-FR" sz="2400" dirty="0"/>
-              <a:t> </a:t>
-            </a:r>
-            <a:r>
-              <a:rPr lang="fr-FR" sz="2400" dirty="0" err="1"/>
-              <a:t>seem</a:t>
-            </a:r>
-            <a:r>
-              <a:rPr lang="fr-FR" sz="2400" dirty="0"/>
-              <a:t> </a:t>
-            </a:r>
-            <a:r>
-              <a:rPr lang="fr-FR" sz="2400" dirty="0" err="1"/>
-              <a:t>overwelming</a:t>
-            </a:r>
-            <a:r>
-              <a:rPr lang="fr-FR" sz="2400" dirty="0"/>
-              <a:t>. Just do </a:t>
-            </a:r>
-            <a:r>
-              <a:rPr lang="fr-FR" sz="2400" dirty="0" err="1"/>
-              <a:t>your</a:t>
-            </a:r>
-            <a:r>
-              <a:rPr lang="fr-FR" sz="2400" dirty="0"/>
-              <a:t> best, </a:t>
-            </a:r>
-            <a:r>
-              <a:rPr lang="fr-FR" sz="2400" dirty="0" err="1"/>
-              <a:t>watch</a:t>
-            </a:r>
-            <a:r>
-              <a:rPr lang="fr-FR" sz="2400" dirty="0"/>
-              <a:t> the </a:t>
-            </a:r>
-            <a:r>
-              <a:rPr lang="fr-FR" sz="2400" dirty="0" err="1"/>
-              <a:t>videos</a:t>
-            </a:r>
-            <a:r>
-              <a:rPr lang="fr-FR" sz="2400" dirty="0"/>
-              <a:t>, and come </a:t>
-            </a:r>
-            <a:r>
-              <a:rPr lang="fr-FR" sz="2400" dirty="0" err="1"/>
-              <a:t>ready</a:t>
-            </a:r>
-            <a:r>
-              <a:rPr lang="fr-FR" sz="2400" dirty="0"/>
-              <a:t> to </a:t>
-            </a:r>
-            <a:r>
-              <a:rPr lang="fr-FR" sz="2400" dirty="0" err="1"/>
-              <a:t>ask</a:t>
-            </a:r>
-            <a:r>
-              <a:rPr lang="fr-FR" sz="2400" dirty="0"/>
-              <a:t> questions. </a:t>
-            </a:r>
-            <a:r>
-              <a:rPr lang="fr-FR" sz="2400" dirty="0" err="1"/>
-              <a:t>From</a:t>
-            </a:r>
-            <a:r>
-              <a:rPr lang="fr-FR" sz="2400" dirty="0"/>
-              <a:t> the </a:t>
-            </a:r>
-            <a:r>
-              <a:rPr lang="fr-FR" sz="2400" dirty="0" err="1"/>
-              <a:t>third</a:t>
-            </a:r>
-            <a:r>
-              <a:rPr lang="fr-FR" sz="2400" dirty="0"/>
-              <a:t> </a:t>
-            </a:r>
-            <a:r>
-              <a:rPr lang="fr-FR" sz="2400" dirty="0" err="1"/>
-              <a:t>week</a:t>
-            </a:r>
-            <a:r>
-              <a:rPr lang="fr-FR" sz="2400" dirty="0"/>
-              <a:t> </a:t>
-            </a:r>
-            <a:r>
-              <a:rPr lang="fr-FR" sz="2400" dirty="0" err="1"/>
-              <a:t>onwards</a:t>
-            </a:r>
-            <a:r>
-              <a:rPr lang="fr-FR" sz="2400" dirty="0"/>
-              <a:t>, 389 </a:t>
-            </a:r>
-            <a:r>
-              <a:rPr lang="fr-FR" sz="2400" dirty="0" err="1"/>
-              <a:t>will</a:t>
-            </a:r>
-            <a:r>
-              <a:rPr lang="fr-FR" sz="2400" dirty="0"/>
-              <a:t> </a:t>
-            </a:r>
-            <a:r>
-              <a:rPr lang="fr-FR" sz="2400" dirty="0" err="1"/>
-              <a:t>feel</a:t>
-            </a:r>
-            <a:r>
-              <a:rPr lang="fr-FR" sz="2400" dirty="0"/>
-              <a:t> a lot more </a:t>
-            </a:r>
-            <a:r>
-              <a:rPr lang="fr-FR" sz="2400" dirty="0" err="1"/>
-              <a:t>similar</a:t>
-            </a:r>
-            <a:r>
-              <a:rPr lang="fr-FR" sz="2400" dirty="0"/>
-              <a:t> (in </a:t>
-            </a:r>
-            <a:r>
-              <a:rPr lang="fr-FR" sz="2400" dirty="0" err="1"/>
-              <a:t>fact</a:t>
-            </a:r>
-            <a:r>
-              <a:rPr lang="fr-FR" sz="2400" dirty="0"/>
-              <a:t>, </a:t>
-            </a:r>
-            <a:r>
-              <a:rPr lang="fr-FR" sz="2400" dirty="0" err="1"/>
-              <a:t>it’s</a:t>
-            </a:r>
-            <a:r>
-              <a:rPr lang="fr-FR" sz="2400" dirty="0"/>
-              <a:t> </a:t>
-            </a:r>
-            <a:r>
-              <a:rPr lang="fr-FR" sz="2400" dirty="0" err="1"/>
-              <a:t>usually</a:t>
-            </a:r>
-            <a:r>
-              <a:rPr lang="fr-FR" sz="2400" dirty="0"/>
-              <a:t> more fun) </a:t>
-            </a:r>
-            <a:r>
-              <a:rPr lang="fr-FR" sz="2400" dirty="0" err="1"/>
-              <a:t>than</a:t>
-            </a:r>
-            <a:r>
-              <a:rPr lang="fr-FR" sz="2400" dirty="0"/>
-              <a:t> </a:t>
-            </a:r>
-            <a:r>
-              <a:rPr lang="fr-FR" sz="2400" dirty="0" err="1"/>
-              <a:t>what</a:t>
-            </a:r>
-            <a:r>
-              <a:rPr lang="fr-FR" sz="2400" dirty="0"/>
-              <a:t> </a:t>
-            </a:r>
-            <a:r>
-              <a:rPr lang="fr-FR" sz="2400" dirty="0" err="1"/>
-              <a:t>we</a:t>
-            </a:r>
-            <a:r>
-              <a:rPr lang="fr-FR" sz="2400" dirty="0"/>
-              <a:t> </a:t>
-            </a:r>
-            <a:r>
-              <a:rPr lang="fr-FR" sz="2400" dirty="0" err="1"/>
-              <a:t>did</a:t>
-            </a:r>
-            <a:r>
-              <a:rPr lang="fr-FR" sz="2400" dirty="0"/>
-              <a:t> in 289.</a:t>
-            </a:r>
-          </a:p>
-        </p:txBody>
-      </p:sp>
-    </p:spTree>
-    <p:extLst>
-      <p:ext uri="{BB962C8B-B14F-4D97-AF65-F5344CB8AC3E}">
-        <p14:creationId xmlns:p14="http://schemas.microsoft.com/office/powerpoint/2010/main" val="3303671702"/>
-      </p:ext>
-    </p:extLst>
-  </p:cSld>
-  <p:clrMapOvr>
-    <a:masterClrMapping/>
-  </p:clrMapOvr>
-</p:sld>
-</file>
-
-<file path=ppt/slides/slide22.xml><?xml version="1.0" encoding="utf-8"?>
-<p:sld xmlns:a="http://schemas.openxmlformats.org/drawingml/2006/main" xmlns:r="http://schemas.openxmlformats.org/officeDocument/2006/relationships" xmlns:p="http://schemas.openxmlformats.org/presentationml/2006/main">
-  <p:cSld>
-    <p:spTree>
-      <p:nvGrpSpPr>
-        <p:cNvPr id="1" name=""/>
-        <p:cNvGrpSpPr/>
-        <p:nvPr/>
-      </p:nvGrpSpPr>
-      <p:grpSpPr>
-        <a:xfrm>
-          <a:off x="0" y="0"/>
-          <a:ext cx="0" cy="0"/>
-          <a:chOff x="0" y="0"/>
-          <a:chExt cx="0" cy="0"/>
-        </a:xfrm>
-      </p:grpSpPr>
-      <p:pic>
-        <p:nvPicPr>
-          <p:cNvPr id="1026" name="Picture 2">
-            <a:extLst>
-              <a:ext uri="{FF2B5EF4-FFF2-40B4-BE49-F238E27FC236}">
-                <a16:creationId xmlns:a16="http://schemas.microsoft.com/office/drawing/2014/main" id="{ECEC78D4-0EC8-6148-B750-42F18BFCA56C}"/>
-              </a:ext>
-            </a:extLst>
-          </p:cNvPr>
-          <p:cNvPicPr>
-            <a:picLocks noChangeAspect="1" noChangeArrowheads="1"/>
-          </p:cNvPicPr>
-          <p:nvPr/>
-        </p:nvPicPr>
-        <p:blipFill>
-          <a:blip r:embed="rId2">
-            <a:extLst>
-              <a:ext uri="{28A0092B-C50C-407E-A947-70E740481C1C}">
-                <a14:useLocalDpi xmlns:a14="http://schemas.microsoft.com/office/drawing/2010/main" val="0"/>
-              </a:ext>
-            </a:extLst>
-          </a:blip>
-          <a:srcRect/>
-          <a:stretch>
-            <a:fillRect/>
-          </a:stretch>
-        </p:blipFill>
-        <p:spPr bwMode="auto">
-          <a:xfrm>
-            <a:off x="11267345" y="6475487"/>
-            <a:ext cx="856587" cy="299700"/>
-          </a:xfrm>
-          <a:prstGeom prst="rect">
-            <a:avLst/>
-          </a:prstGeom>
-          <a:noFill/>
-          <a:extLst>
-            <a:ext uri="{909E8E84-426E-40DD-AFC4-6F175D3DCCD1}">
-              <a14:hiddenFill xmlns:a14="http://schemas.microsoft.com/office/drawing/2010/main">
-                <a:solidFill>
-                  <a:srgbClr val="FFFFFF"/>
-                </a:solidFill>
-              </a14:hiddenFill>
-            </a:ext>
-          </a:extLst>
-        </p:spPr>
-      </p:pic>
-      <p:sp>
-        <p:nvSpPr>
-          <p:cNvPr id="76" name="ZoneTexte 75">
-            <a:extLst>
-              <a:ext uri="{FF2B5EF4-FFF2-40B4-BE49-F238E27FC236}">
-                <a16:creationId xmlns:a16="http://schemas.microsoft.com/office/drawing/2014/main" id="{827C32F7-EAB8-F143-B412-CBD04F7209BF}"/>
-              </a:ext>
-            </a:extLst>
-          </p:cNvPr>
-          <p:cNvSpPr txBox="1"/>
-          <p:nvPr/>
-        </p:nvSpPr>
-        <p:spPr>
-          <a:xfrm>
-            <a:off x="68068" y="6475487"/>
-            <a:ext cx="4030964" cy="338554"/>
-          </a:xfrm>
-          <a:prstGeom prst="rect">
-            <a:avLst/>
-          </a:prstGeom>
-          <a:noFill/>
-        </p:spPr>
-        <p:txBody>
-          <a:bodyPr wrap="square" rtlCol="0">
-            <a:spAutoFit/>
-          </a:bodyPr>
-          <a:lstStyle/>
-          <a:p>
-            <a:r>
-              <a:rPr lang="fr-FR" sz="1600" noProof="1">
-                <a:solidFill>
-                  <a:schemeClr val="bg1">
-                    <a:lumMod val="65000"/>
-                  </a:schemeClr>
-                </a:solidFill>
-              </a:rPr>
-              <a:t>T. ARNOLD</a:t>
-            </a:r>
-          </a:p>
-        </p:txBody>
-      </p:sp>
-      <p:sp>
-        <p:nvSpPr>
-          <p:cNvPr id="5" name="ZoneTexte 4">
-            <a:extLst>
-              <a:ext uri="{FF2B5EF4-FFF2-40B4-BE49-F238E27FC236}">
-                <a16:creationId xmlns:a16="http://schemas.microsoft.com/office/drawing/2014/main" id="{A9E3DC8F-D084-F246-8B0D-27E465CD52F5}"/>
-              </a:ext>
-            </a:extLst>
-          </p:cNvPr>
-          <p:cNvSpPr txBox="1"/>
-          <p:nvPr/>
-        </p:nvSpPr>
-        <p:spPr>
-          <a:xfrm>
-            <a:off x="2164818" y="2830916"/>
-            <a:ext cx="8066110" cy="830997"/>
-          </a:xfrm>
-          <a:prstGeom prst="rect">
-            <a:avLst/>
-          </a:prstGeom>
-          <a:noFill/>
-        </p:spPr>
-        <p:txBody>
-          <a:bodyPr wrap="square" rtlCol="0">
-            <a:spAutoFit/>
-          </a:bodyPr>
-          <a:lstStyle/>
-          <a:p>
-            <a:pPr algn="ctr"/>
-            <a:r>
-              <a:rPr lang="fr-FR" sz="4800" b="1" noProof="1"/>
-              <a:t>3. Class Form + Groups + Setup</a:t>
-            </a:r>
-          </a:p>
-        </p:txBody>
-      </p:sp>
-    </p:spTree>
-    <p:extLst>
-      <p:ext uri="{BB962C8B-B14F-4D97-AF65-F5344CB8AC3E}">
-        <p14:creationId xmlns:p14="http://schemas.microsoft.com/office/powerpoint/2010/main" val="1279284152"/>
       </p:ext>
     </p:extLst>
   </p:cSld>
@@ -9556,7 +7686,7 @@
         <p:spPr>
           <a:xfrm>
             <a:off x="915344" y="1620834"/>
-            <a:ext cx="10264490" cy="3416320"/>
+            <a:ext cx="10264490" cy="3785652"/>
           </a:xfrm>
           <a:prstGeom prst="rect">
             <a:avLst/>
@@ -9572,7 +7702,7 @@
             <a:pPr algn="just"/>
             <a:r>
               <a:rPr lang="en-US" sz="2400" dirty="0"/>
-              <a:t>To get right to the point, there are four main things I expect from you this semester:</a:t>
+              <a:t>To get right to the point, there are five main things I expect from you this semester:</a:t>
             </a:r>
           </a:p>
           <a:p>
@@ -9583,6 +7713,13 @@
             <a:pPr algn="just"/>
             <a:r>
               <a:rPr lang="en-US" sz="2400" dirty="0"/>
+              <a:t>	– Read or watch the posted notes and/or videos for each class.</a:t>
+            </a:r>
+          </a:p>
+          <a:p>
+            <a:pPr algn="just"/>
+            <a:r>
+              <a:rPr lang="en-US" sz="2400" dirty="0"/>
               <a:t>	– Regularly attend and participate in class.</a:t>
             </a:r>
           </a:p>
@@ -9590,21 +7727,29 @@
             <a:pPr algn="just"/>
             <a:r>
               <a:rPr lang="en-US" sz="2400" dirty="0"/>
-              <a:t>	– Record daily attendance (or reasons for absence) using the class form.</a:t>
+              <a:t>	– Fill out the class form for each class meeting.</a:t>
             </a:r>
           </a:p>
           <a:p>
             <a:pPr algn="just"/>
             <a:r>
               <a:rPr lang="en-US" sz="2400" dirty="0"/>
-              <a:t>	– Complete and present four class projects throughout semester.</a:t>
+              <a:t>	– Complete and present </a:t>
+            </a:r>
+            <a:r>
+              <a:rPr lang="en-US" sz="2400" b="1" dirty="0"/>
+              <a:t>four </a:t>
+            </a:r>
+            <a:r>
+              <a:rPr lang="en-US" sz="2400" dirty="0"/>
+              <a:t>class projects throughout semester.</a:t>
             </a:r>
           </a:p>
           <a:p>
             <a:pPr algn="just"/>
             <a:r>
               <a:rPr lang="en-US" sz="2400" dirty="0"/>
-              <a:t>	– Complete end-of-semester self assessment of your work.</a:t>
+              <a:t>	– Complete an end-of-semester self assessment of your work.</a:t>
             </a:r>
           </a:p>
           <a:p>
